--- a/report/01.Chapters/04.Materials/frame.pptx
+++ b/report/01.Chapters/04.Materials/frame.pptx
@@ -246,7 +246,7 @@
           <a:p>
             <a:fld id="{8B9489E9-217E-494C-B106-94B5715220BA}" type="datetimeFigureOut">
               <a:rPr lang="pt-BR" smtClean="0"/>
-              <a:t>06/06/2020</a:t>
+              <a:t>08/06/2020</a:t>
             </a:fld>
             <a:endParaRPr lang="pt-BR"/>
           </a:p>
@@ -416,7 +416,7 @@
           <a:p>
             <a:fld id="{8B9489E9-217E-494C-B106-94B5715220BA}" type="datetimeFigureOut">
               <a:rPr lang="pt-BR" smtClean="0"/>
-              <a:t>06/06/2020</a:t>
+              <a:t>08/06/2020</a:t>
             </a:fld>
             <a:endParaRPr lang="pt-BR"/>
           </a:p>
@@ -596,7 +596,7 @@
           <a:p>
             <a:fld id="{8B9489E9-217E-494C-B106-94B5715220BA}" type="datetimeFigureOut">
               <a:rPr lang="pt-BR" smtClean="0"/>
-              <a:t>06/06/2020</a:t>
+              <a:t>08/06/2020</a:t>
             </a:fld>
             <a:endParaRPr lang="pt-BR"/>
           </a:p>
@@ -766,7 +766,7 @@
           <a:p>
             <a:fld id="{8B9489E9-217E-494C-B106-94B5715220BA}" type="datetimeFigureOut">
               <a:rPr lang="pt-BR" smtClean="0"/>
-              <a:t>06/06/2020</a:t>
+              <a:t>08/06/2020</a:t>
             </a:fld>
             <a:endParaRPr lang="pt-BR"/>
           </a:p>
@@ -1012,7 +1012,7 @@
           <a:p>
             <a:fld id="{8B9489E9-217E-494C-B106-94B5715220BA}" type="datetimeFigureOut">
               <a:rPr lang="pt-BR" smtClean="0"/>
-              <a:t>06/06/2020</a:t>
+              <a:t>08/06/2020</a:t>
             </a:fld>
             <a:endParaRPr lang="pt-BR"/>
           </a:p>
@@ -1244,7 +1244,7 @@
           <a:p>
             <a:fld id="{8B9489E9-217E-494C-B106-94B5715220BA}" type="datetimeFigureOut">
               <a:rPr lang="pt-BR" smtClean="0"/>
-              <a:t>06/06/2020</a:t>
+              <a:t>08/06/2020</a:t>
             </a:fld>
             <a:endParaRPr lang="pt-BR"/>
           </a:p>
@@ -1611,7 +1611,7 @@
           <a:p>
             <a:fld id="{8B9489E9-217E-494C-B106-94B5715220BA}" type="datetimeFigureOut">
               <a:rPr lang="pt-BR" smtClean="0"/>
-              <a:t>06/06/2020</a:t>
+              <a:t>08/06/2020</a:t>
             </a:fld>
             <a:endParaRPr lang="pt-BR"/>
           </a:p>
@@ -1729,7 +1729,7 @@
           <a:p>
             <a:fld id="{8B9489E9-217E-494C-B106-94B5715220BA}" type="datetimeFigureOut">
               <a:rPr lang="pt-BR" smtClean="0"/>
-              <a:t>06/06/2020</a:t>
+              <a:t>08/06/2020</a:t>
             </a:fld>
             <a:endParaRPr lang="pt-BR"/>
           </a:p>
@@ -1824,7 +1824,7 @@
           <a:p>
             <a:fld id="{8B9489E9-217E-494C-B106-94B5715220BA}" type="datetimeFigureOut">
               <a:rPr lang="pt-BR" smtClean="0"/>
-              <a:t>06/06/2020</a:t>
+              <a:t>08/06/2020</a:t>
             </a:fld>
             <a:endParaRPr lang="pt-BR"/>
           </a:p>
@@ -2101,7 +2101,7 @@
           <a:p>
             <a:fld id="{8B9489E9-217E-494C-B106-94B5715220BA}" type="datetimeFigureOut">
               <a:rPr lang="pt-BR" smtClean="0"/>
-              <a:t>06/06/2020</a:t>
+              <a:t>08/06/2020</a:t>
             </a:fld>
             <a:endParaRPr lang="pt-BR"/>
           </a:p>
@@ -2358,7 +2358,7 @@
           <a:p>
             <a:fld id="{8B9489E9-217E-494C-B106-94B5715220BA}" type="datetimeFigureOut">
               <a:rPr lang="pt-BR" smtClean="0"/>
-              <a:t>06/06/2020</a:t>
+              <a:t>08/06/2020</a:t>
             </a:fld>
             <a:endParaRPr lang="pt-BR"/>
           </a:p>
@@ -2571,7 +2571,7 @@
           <a:p>
             <a:fld id="{8B9489E9-217E-494C-B106-94B5715220BA}" type="datetimeFigureOut">
               <a:rPr lang="pt-BR" smtClean="0"/>
-              <a:t>06/06/2020</a:t>
+              <a:t>08/06/2020</a:t>
             </a:fld>
             <a:endParaRPr lang="pt-BR"/>
           </a:p>

--- a/report/01.Chapters/04.Materials/frame.pptx
+++ b/report/01.Chapters/04.Materials/frame.pptx
@@ -9,6 +9,7 @@
     <p:sldId id="258" r:id="rId3"/>
     <p:sldId id="259" r:id="rId4"/>
     <p:sldId id="261" r:id="rId5"/>
+    <p:sldId id="262" r:id="rId6"/>
   </p:sldIdLst>
   <p:sldSz cx="12192000" cy="6858000"/>
   <p:notesSz cx="6858000" cy="9144000"/>
@@ -246,7 +247,7 @@
           <a:p>
             <a:fld id="{8B9489E9-217E-494C-B106-94B5715220BA}" type="datetimeFigureOut">
               <a:rPr lang="pt-BR" smtClean="0"/>
-              <a:t>08/06/2020</a:t>
+              <a:t>15/10/2020</a:t>
             </a:fld>
             <a:endParaRPr lang="pt-BR"/>
           </a:p>
@@ -416,7 +417,7 @@
           <a:p>
             <a:fld id="{8B9489E9-217E-494C-B106-94B5715220BA}" type="datetimeFigureOut">
               <a:rPr lang="pt-BR" smtClean="0"/>
-              <a:t>08/06/2020</a:t>
+              <a:t>15/10/2020</a:t>
             </a:fld>
             <a:endParaRPr lang="pt-BR"/>
           </a:p>
@@ -596,7 +597,7 @@
           <a:p>
             <a:fld id="{8B9489E9-217E-494C-B106-94B5715220BA}" type="datetimeFigureOut">
               <a:rPr lang="pt-BR" smtClean="0"/>
-              <a:t>08/06/2020</a:t>
+              <a:t>15/10/2020</a:t>
             </a:fld>
             <a:endParaRPr lang="pt-BR"/>
           </a:p>
@@ -766,7 +767,7 @@
           <a:p>
             <a:fld id="{8B9489E9-217E-494C-B106-94B5715220BA}" type="datetimeFigureOut">
               <a:rPr lang="pt-BR" smtClean="0"/>
-              <a:t>08/06/2020</a:t>
+              <a:t>15/10/2020</a:t>
             </a:fld>
             <a:endParaRPr lang="pt-BR"/>
           </a:p>
@@ -1012,7 +1013,7 @@
           <a:p>
             <a:fld id="{8B9489E9-217E-494C-B106-94B5715220BA}" type="datetimeFigureOut">
               <a:rPr lang="pt-BR" smtClean="0"/>
-              <a:t>08/06/2020</a:t>
+              <a:t>15/10/2020</a:t>
             </a:fld>
             <a:endParaRPr lang="pt-BR"/>
           </a:p>
@@ -1244,7 +1245,7 @@
           <a:p>
             <a:fld id="{8B9489E9-217E-494C-B106-94B5715220BA}" type="datetimeFigureOut">
               <a:rPr lang="pt-BR" smtClean="0"/>
-              <a:t>08/06/2020</a:t>
+              <a:t>15/10/2020</a:t>
             </a:fld>
             <a:endParaRPr lang="pt-BR"/>
           </a:p>
@@ -1611,7 +1612,7 @@
           <a:p>
             <a:fld id="{8B9489E9-217E-494C-B106-94B5715220BA}" type="datetimeFigureOut">
               <a:rPr lang="pt-BR" smtClean="0"/>
-              <a:t>08/06/2020</a:t>
+              <a:t>15/10/2020</a:t>
             </a:fld>
             <a:endParaRPr lang="pt-BR"/>
           </a:p>
@@ -1729,7 +1730,7 @@
           <a:p>
             <a:fld id="{8B9489E9-217E-494C-B106-94B5715220BA}" type="datetimeFigureOut">
               <a:rPr lang="pt-BR" smtClean="0"/>
-              <a:t>08/06/2020</a:t>
+              <a:t>15/10/2020</a:t>
             </a:fld>
             <a:endParaRPr lang="pt-BR"/>
           </a:p>
@@ -1824,7 +1825,7 @@
           <a:p>
             <a:fld id="{8B9489E9-217E-494C-B106-94B5715220BA}" type="datetimeFigureOut">
               <a:rPr lang="pt-BR" smtClean="0"/>
-              <a:t>08/06/2020</a:t>
+              <a:t>15/10/2020</a:t>
             </a:fld>
             <a:endParaRPr lang="pt-BR"/>
           </a:p>
@@ -2101,7 +2102,7 @@
           <a:p>
             <a:fld id="{8B9489E9-217E-494C-B106-94B5715220BA}" type="datetimeFigureOut">
               <a:rPr lang="pt-BR" smtClean="0"/>
-              <a:t>08/06/2020</a:t>
+              <a:t>15/10/2020</a:t>
             </a:fld>
             <a:endParaRPr lang="pt-BR"/>
           </a:p>
@@ -2358,7 +2359,7 @@
           <a:p>
             <a:fld id="{8B9489E9-217E-494C-B106-94B5715220BA}" type="datetimeFigureOut">
               <a:rPr lang="pt-BR" smtClean="0"/>
-              <a:t>08/06/2020</a:t>
+              <a:t>15/10/2020</a:t>
             </a:fld>
             <a:endParaRPr lang="pt-BR"/>
           </a:p>
@@ -2571,7 +2572,7 @@
           <a:p>
             <a:fld id="{8B9489E9-217E-494C-B106-94B5715220BA}" type="datetimeFigureOut">
               <a:rPr lang="pt-BR" smtClean="0"/>
-              <a:t>08/06/2020</a:t>
+              <a:t>15/10/2020</a:t>
             </a:fld>
             <a:endParaRPr lang="pt-BR"/>
           </a:p>
@@ -2981,7 +2982,7 @@
           <p:cNvPr id="52" name="Agrupar 51">
             <a:extLst>
               <a:ext uri="{FF2B5EF4-FFF2-40B4-BE49-F238E27FC236}">
-                <a16:creationId xmlns:a16="http://schemas.microsoft.com/office/drawing/2014/main" id="{A27332EF-3F7F-4EA7-8973-CFDD315A44AD}"/>
+                <a16:creationId xmlns="" xmlns:a16="http://schemas.microsoft.com/office/drawing/2014/main" id="{A27332EF-3F7F-4EA7-8973-CFDD315A44AD}"/>
               </a:ext>
             </a:extLst>
           </p:cNvPr>
@@ -3001,7 +3002,7 @@
             <p:cNvPr id="21" name="Agrupar 20">
               <a:extLst>
                 <a:ext uri="{FF2B5EF4-FFF2-40B4-BE49-F238E27FC236}">
-                  <a16:creationId xmlns:a16="http://schemas.microsoft.com/office/drawing/2014/main" id="{9B70AE2E-4956-4EED-96A4-51BEF042069E}"/>
+                  <a16:creationId xmlns="" xmlns:a16="http://schemas.microsoft.com/office/drawing/2014/main" id="{9B70AE2E-4956-4EED-96A4-51BEF042069E}"/>
                 </a:ext>
               </a:extLst>
             </p:cNvPr>
@@ -3021,7 +3022,7 @@
               <p:cNvPr id="54" name="Imagem 53">
                 <a:extLst>
                   <a:ext uri="{FF2B5EF4-FFF2-40B4-BE49-F238E27FC236}">
-                    <a16:creationId xmlns:a16="http://schemas.microsoft.com/office/drawing/2014/main" id="{5FCC6BB0-68D8-4AFE-83FF-D72D7455B76A}"/>
+                    <a16:creationId xmlns="" xmlns:a16="http://schemas.microsoft.com/office/drawing/2014/main" id="{5FCC6BB0-68D8-4AFE-83FF-D72D7455B76A}"/>
                   </a:ext>
                 </a:extLst>
               </p:cNvPr>
@@ -3057,7 +3058,7 @@
               <p:cNvPr id="56" name="Imagem 55">
                 <a:extLst>
                   <a:ext uri="{FF2B5EF4-FFF2-40B4-BE49-F238E27FC236}">
-                    <a16:creationId xmlns:a16="http://schemas.microsoft.com/office/drawing/2014/main" id="{63207DE4-AB40-4E70-B05A-2189C213899E}"/>
+                    <a16:creationId xmlns="" xmlns:a16="http://schemas.microsoft.com/office/drawing/2014/main" id="{63207DE4-AB40-4E70-B05A-2189C213899E}"/>
                   </a:ext>
                 </a:extLst>
               </p:cNvPr>
@@ -3094,7 +3095,7 @@
             <p:cNvPr id="43" name="Igual a 42">
               <a:extLst>
                 <a:ext uri="{FF2B5EF4-FFF2-40B4-BE49-F238E27FC236}">
-                  <a16:creationId xmlns:a16="http://schemas.microsoft.com/office/drawing/2014/main" id="{7CB90A95-C4A9-481D-ABFB-DED0C94D2004}"/>
+                  <a16:creationId xmlns="" xmlns:a16="http://schemas.microsoft.com/office/drawing/2014/main" id="{7CB90A95-C4A9-481D-ABFB-DED0C94D2004}"/>
                 </a:ext>
               </a:extLst>
             </p:cNvPr>
@@ -3153,7 +3154,7 @@
             <p:cNvPr id="51" name="Agrupar 50">
               <a:extLst>
                 <a:ext uri="{FF2B5EF4-FFF2-40B4-BE49-F238E27FC236}">
-                  <a16:creationId xmlns:a16="http://schemas.microsoft.com/office/drawing/2014/main" id="{7AC63F4C-DB37-4F79-9DB9-A349C8EB7357}"/>
+                  <a16:creationId xmlns="" xmlns:a16="http://schemas.microsoft.com/office/drawing/2014/main" id="{7AC63F4C-DB37-4F79-9DB9-A349C8EB7357}"/>
                 </a:ext>
               </a:extLst>
             </p:cNvPr>
@@ -3173,7 +3174,7 @@
               <p:cNvPr id="61" name="Conector de seta reta 14">
                 <a:extLst>
                   <a:ext uri="{FF2B5EF4-FFF2-40B4-BE49-F238E27FC236}">
-                    <a16:creationId xmlns:a16="http://schemas.microsoft.com/office/drawing/2014/main" id="{1C5FDF42-6FBB-49B9-ADB7-5F9E793BA0D6}"/>
+                    <a16:creationId xmlns="" xmlns:a16="http://schemas.microsoft.com/office/drawing/2014/main" id="{1C5FDF42-6FBB-49B9-ADB7-5F9E793BA0D6}"/>
                   </a:ext>
                 </a:extLst>
               </p:cNvPr>
@@ -3217,7 +3218,7 @@
               <p:cNvPr id="121" name="CaixaDeTexto 120">
                 <a:extLst>
                   <a:ext uri="{FF2B5EF4-FFF2-40B4-BE49-F238E27FC236}">
-                    <a16:creationId xmlns:a16="http://schemas.microsoft.com/office/drawing/2014/main" id="{35EA0FF4-6A21-401D-9518-1052F76D664B}"/>
+                    <a16:creationId xmlns="" xmlns:a16="http://schemas.microsoft.com/office/drawing/2014/main" id="{35EA0FF4-6A21-401D-9518-1052F76D664B}"/>
                   </a:ext>
                 </a:extLst>
               </p:cNvPr>
@@ -3263,7 +3264,7 @@
             <p:cNvPr id="50" name="Agrupar 49">
               <a:extLst>
                 <a:ext uri="{FF2B5EF4-FFF2-40B4-BE49-F238E27FC236}">
-                  <a16:creationId xmlns:a16="http://schemas.microsoft.com/office/drawing/2014/main" id="{0C8886B0-6827-41A1-B8E8-73AF397D800C}"/>
+                  <a16:creationId xmlns="" xmlns:a16="http://schemas.microsoft.com/office/drawing/2014/main" id="{0C8886B0-6827-41A1-B8E8-73AF397D800C}"/>
                 </a:ext>
               </a:extLst>
             </p:cNvPr>
@@ -3283,7 +3284,7 @@
               <p:cNvPr id="25" name="Sinal de Adição 24">
                 <a:extLst>
                   <a:ext uri="{FF2B5EF4-FFF2-40B4-BE49-F238E27FC236}">
-                    <a16:creationId xmlns:a16="http://schemas.microsoft.com/office/drawing/2014/main" id="{2FB22DD8-F71E-4ED9-9693-A31610FF93E9}"/>
+                    <a16:creationId xmlns="" xmlns:a16="http://schemas.microsoft.com/office/drawing/2014/main" id="{2FB22DD8-F71E-4ED9-9693-A31610FF93E9}"/>
                   </a:ext>
                 </a:extLst>
               </p:cNvPr>
@@ -3335,7 +3336,7 @@
               <p:cNvPr id="74" name="Sinal de Adição 73">
                 <a:extLst>
                   <a:ext uri="{FF2B5EF4-FFF2-40B4-BE49-F238E27FC236}">
-                    <a16:creationId xmlns:a16="http://schemas.microsoft.com/office/drawing/2014/main" id="{783D6148-99DC-47AB-9D33-8B868F8D97E7}"/>
+                    <a16:creationId xmlns="" xmlns:a16="http://schemas.microsoft.com/office/drawing/2014/main" id="{783D6148-99DC-47AB-9D33-8B868F8D97E7}"/>
                   </a:ext>
                 </a:extLst>
               </p:cNvPr>
@@ -3387,7 +3388,7 @@
               <p:cNvPr id="46" name="Agrupar 45">
                 <a:extLst>
                   <a:ext uri="{FF2B5EF4-FFF2-40B4-BE49-F238E27FC236}">
-                    <a16:creationId xmlns:a16="http://schemas.microsoft.com/office/drawing/2014/main" id="{DE974E25-1F72-4CF7-8D28-BB0A35B3688E}"/>
+                    <a16:creationId xmlns="" xmlns:a16="http://schemas.microsoft.com/office/drawing/2014/main" id="{DE974E25-1F72-4CF7-8D28-BB0A35B3688E}"/>
                   </a:ext>
                 </a:extLst>
               </p:cNvPr>
@@ -3407,7 +3408,7 @@
                 <p:cNvPr id="57" name="Agrupar 56">
                   <a:extLst>
                     <a:ext uri="{FF2B5EF4-FFF2-40B4-BE49-F238E27FC236}">
-                      <a16:creationId xmlns:a16="http://schemas.microsoft.com/office/drawing/2014/main" id="{E05F24A0-4DDE-491E-8C72-5A89461829F0}"/>
+                      <a16:creationId xmlns="" xmlns:a16="http://schemas.microsoft.com/office/drawing/2014/main" id="{E05F24A0-4DDE-491E-8C72-5A89461829F0}"/>
                     </a:ext>
                   </a:extLst>
                 </p:cNvPr>
@@ -3427,7 +3428,7 @@
                   <p:cNvPr id="58" name="Imagem 57">
                     <a:extLst>
                       <a:ext uri="{FF2B5EF4-FFF2-40B4-BE49-F238E27FC236}">
-                        <a16:creationId xmlns:a16="http://schemas.microsoft.com/office/drawing/2014/main" id="{BED2074F-BBCE-4870-87B8-4C3CE083C1A2}"/>
+                        <a16:creationId xmlns="" xmlns:a16="http://schemas.microsoft.com/office/drawing/2014/main" id="{BED2074F-BBCE-4870-87B8-4C3CE083C1A2}"/>
                       </a:ext>
                     </a:extLst>
                   </p:cNvPr>
@@ -3463,7 +3464,7 @@
                   <p:cNvPr id="59" name="Imagem 58">
                     <a:extLst>
                       <a:ext uri="{FF2B5EF4-FFF2-40B4-BE49-F238E27FC236}">
-                        <a16:creationId xmlns:a16="http://schemas.microsoft.com/office/drawing/2014/main" id="{04CB8E96-771A-43C5-A7B7-36C99C5B01C2}"/>
+                        <a16:creationId xmlns="" xmlns:a16="http://schemas.microsoft.com/office/drawing/2014/main" id="{04CB8E96-771A-43C5-A7B7-36C99C5B01C2}"/>
                       </a:ext>
                     </a:extLst>
                   </p:cNvPr>
@@ -3500,7 +3501,7 @@
                 <p:cNvPr id="122" name="CaixaDeTexto 121">
                   <a:extLst>
                     <a:ext uri="{FF2B5EF4-FFF2-40B4-BE49-F238E27FC236}">
-                      <a16:creationId xmlns:a16="http://schemas.microsoft.com/office/drawing/2014/main" id="{D23AEE0A-1E5F-4F8D-8D0B-EC37C8412B42}"/>
+                      <a16:creationId xmlns="" xmlns:a16="http://schemas.microsoft.com/office/drawing/2014/main" id="{D23AEE0A-1E5F-4F8D-8D0B-EC37C8412B42}"/>
                     </a:ext>
                   </a:extLst>
                 </p:cNvPr>
@@ -3509,8 +3510,8 @@
               </p:nvSpPr>
               <p:spPr>
                 <a:xfrm>
-                  <a:off x="7898457" y="2576091"/>
-                  <a:ext cx="311303" cy="307777"/>
+                  <a:off x="7795064" y="2576091"/>
+                  <a:ext cx="518091" cy="307777"/>
                 </a:xfrm>
                 <a:prstGeom prst="rect">
                   <a:avLst/>
@@ -3525,7 +3526,7 @@
                 <a:p>
                   <a:pPr algn="ctr"/>
                   <a:r>
-                    <a:rPr lang="en-US" sz="1400" dirty="0" err="1">
+                    <a:rPr lang="en-US" sz="1400" dirty="0" err="1" smtClean="0">
                       <a:latin typeface="Microsoft PhagsPa" panose="020B0502040204020203" pitchFamily="34" charset="0"/>
                       <a:ea typeface="Adobe Fan Heiti Std B" panose="020B0700000000000000" pitchFamily="34" charset="-128"/>
                       <a:cs typeface="Arial" panose="020B0604020202020204" pitchFamily="34" charset="0"/>
@@ -3533,14 +3534,14 @@
                     <a:t>T</a:t>
                   </a:r>
                   <a:r>
-                    <a:rPr lang="en-US" sz="1000" dirty="0" err="1">
+                    <a:rPr lang="en-US" sz="1000" i="1" dirty="0" err="1" smtClean="0">
                       <a:latin typeface="Microsoft PhagsPa" panose="020B0502040204020203" pitchFamily="34" charset="0"/>
                       <a:ea typeface="Adobe Fan Heiti Std B" panose="020B0700000000000000" pitchFamily="34" charset="-128"/>
                       <a:cs typeface="Arial" panose="020B0604020202020204" pitchFamily="34" charset="0"/>
                     </a:rPr>
-                    <a:t>i</a:t>
+                    <a:t>past</a:t>
                   </a:r>
-                  <a:endParaRPr lang="en-US" sz="1400" dirty="0">
+                  <a:endParaRPr lang="en-US" sz="1400" i="1" dirty="0">
                     <a:latin typeface="Microsoft PhagsPa" panose="020B0502040204020203" pitchFamily="34" charset="0"/>
                     <a:ea typeface="Adobe Fan Heiti Std B" panose="020B0700000000000000" pitchFamily="34" charset="-128"/>
                     <a:cs typeface="Arial" panose="020B0604020202020204" pitchFamily="34" charset="0"/>
@@ -3554,7 +3555,7 @@
               <p:cNvPr id="47" name="Agrupar 46">
                 <a:extLst>
                   <a:ext uri="{FF2B5EF4-FFF2-40B4-BE49-F238E27FC236}">
-                    <a16:creationId xmlns:a16="http://schemas.microsoft.com/office/drawing/2014/main" id="{1AC9AF34-5645-426E-88B2-42F6AC639FD5}"/>
+                    <a16:creationId xmlns="" xmlns:a16="http://schemas.microsoft.com/office/drawing/2014/main" id="{1AC9AF34-5645-426E-88B2-42F6AC639FD5}"/>
                   </a:ext>
                 </a:extLst>
               </p:cNvPr>
@@ -3563,10 +3564,10 @@
             </p:nvGrpSpPr>
             <p:grpSpPr>
               <a:xfrm>
-                <a:off x="8814396" y="2576091"/>
-                <a:ext cx="635668" cy="1135518"/>
-                <a:chOff x="8814396" y="2576091"/>
-                <a:chExt cx="635668" cy="1135518"/>
+                <a:off x="8780211" y="2576091"/>
+                <a:ext cx="704039" cy="1135518"/>
+                <a:chOff x="8780211" y="2576091"/>
+                <a:chExt cx="704039" cy="1135518"/>
               </a:xfrm>
             </p:grpSpPr>
             <p:grpSp>
@@ -3574,7 +3575,7 @@
                 <p:cNvPr id="70" name="Agrupar 69">
                   <a:extLst>
                     <a:ext uri="{FF2B5EF4-FFF2-40B4-BE49-F238E27FC236}">
-                      <a16:creationId xmlns:a16="http://schemas.microsoft.com/office/drawing/2014/main" id="{9829DA81-F385-4EEB-ADD2-F5930F0F9D27}"/>
+                      <a16:creationId xmlns="" xmlns:a16="http://schemas.microsoft.com/office/drawing/2014/main" id="{9829DA81-F385-4EEB-ADD2-F5930F0F9D27}"/>
                     </a:ext>
                   </a:extLst>
                 </p:cNvPr>
@@ -3594,7 +3595,7 @@
                   <p:cNvPr id="72" name="Imagem 71">
                     <a:extLst>
                       <a:ext uri="{FF2B5EF4-FFF2-40B4-BE49-F238E27FC236}">
-                        <a16:creationId xmlns:a16="http://schemas.microsoft.com/office/drawing/2014/main" id="{2A48ADC6-D6EC-483B-80E8-0E7BE85F1940}"/>
+                        <a16:creationId xmlns="" xmlns:a16="http://schemas.microsoft.com/office/drawing/2014/main" id="{2A48ADC6-D6EC-483B-80E8-0E7BE85F1940}"/>
                       </a:ext>
                     </a:extLst>
                   </p:cNvPr>
@@ -3630,7 +3631,7 @@
                   <p:cNvPr id="73" name="Imagem 72">
                     <a:extLst>
                       <a:ext uri="{FF2B5EF4-FFF2-40B4-BE49-F238E27FC236}">
-                        <a16:creationId xmlns:a16="http://schemas.microsoft.com/office/drawing/2014/main" id="{0768E75E-FAEA-4CF5-BB28-5E5E1FC4D6EA}"/>
+                        <a16:creationId xmlns="" xmlns:a16="http://schemas.microsoft.com/office/drawing/2014/main" id="{0768E75E-FAEA-4CF5-BB28-5E5E1FC4D6EA}"/>
                       </a:ext>
                     </a:extLst>
                   </p:cNvPr>
@@ -3667,7 +3668,7 @@
                 <p:cNvPr id="123" name="CaixaDeTexto 122">
                   <a:extLst>
                     <a:ext uri="{FF2B5EF4-FFF2-40B4-BE49-F238E27FC236}">
-                      <a16:creationId xmlns:a16="http://schemas.microsoft.com/office/drawing/2014/main" id="{12A9E3DD-CF45-4E9C-91E0-904D6D052E22}"/>
+                      <a16:creationId xmlns="" xmlns:a16="http://schemas.microsoft.com/office/drawing/2014/main" id="{12A9E3DD-CF45-4E9C-91E0-904D6D052E22}"/>
                     </a:ext>
                   </a:extLst>
                 </p:cNvPr>
@@ -3676,8 +3677,8 @@
               </p:nvSpPr>
               <p:spPr>
                 <a:xfrm>
-                  <a:off x="8934900" y="2576091"/>
-                  <a:ext cx="394659" cy="307777"/>
+                  <a:off x="8780211" y="2576091"/>
+                  <a:ext cx="704039" cy="307777"/>
                 </a:xfrm>
                 <a:prstGeom prst="rect">
                   <a:avLst/>
@@ -3692,7 +3693,7 @@
                 <a:p>
                   <a:pPr algn="ctr"/>
                   <a:r>
-                    <a:rPr lang="en-US" sz="1400" dirty="0">
+                    <a:rPr lang="en-US" sz="1400" dirty="0" err="1" smtClean="0">
                       <a:latin typeface="Microsoft PhagsPa" panose="020B0502040204020203" pitchFamily="34" charset="0"/>
                       <a:ea typeface="Adobe Fan Heiti Std B" panose="020B0700000000000000" pitchFamily="34" charset="-128"/>
                       <a:cs typeface="Arial" panose="020B0604020202020204" pitchFamily="34" charset="0"/>
@@ -3700,14 +3701,14 @@
                     <a:t>T</a:t>
                   </a:r>
                   <a:r>
-                    <a:rPr lang="en-US" sz="1000" dirty="0">
+                    <a:rPr lang="en-US" sz="1000" i="1" dirty="0" err="1" smtClean="0">
                       <a:latin typeface="Microsoft PhagsPa" panose="020B0502040204020203" pitchFamily="34" charset="0"/>
                       <a:ea typeface="Adobe Fan Heiti Std B" panose="020B0700000000000000" pitchFamily="34" charset="-128"/>
                       <a:cs typeface="Arial" panose="020B0604020202020204" pitchFamily="34" charset="0"/>
                     </a:rPr>
-                    <a:t>m</a:t>
+                    <a:t>present</a:t>
                   </a:r>
-                  <a:endParaRPr lang="en-US" sz="1400" dirty="0">
+                  <a:endParaRPr lang="en-US" sz="1400" i="1" dirty="0">
                     <a:latin typeface="Microsoft PhagsPa" panose="020B0502040204020203" pitchFamily="34" charset="0"/>
                     <a:ea typeface="Adobe Fan Heiti Std B" panose="020B0700000000000000" pitchFamily="34" charset="-128"/>
                     <a:cs typeface="Arial" panose="020B0604020202020204" pitchFamily="34" charset="0"/>
@@ -3721,7 +3722,7 @@
               <p:cNvPr id="49" name="Agrupar 48">
                 <a:extLst>
                   <a:ext uri="{FF2B5EF4-FFF2-40B4-BE49-F238E27FC236}">
-                    <a16:creationId xmlns:a16="http://schemas.microsoft.com/office/drawing/2014/main" id="{7F358687-589D-48DB-B3AD-689BA1E09436}"/>
+                    <a16:creationId xmlns="" xmlns:a16="http://schemas.microsoft.com/office/drawing/2014/main" id="{7F358687-589D-48DB-B3AD-689BA1E09436}"/>
                   </a:ext>
                 </a:extLst>
               </p:cNvPr>
@@ -3741,7 +3742,7 @@
                 <p:cNvPr id="79" name="Agrupar 78">
                   <a:extLst>
                     <a:ext uri="{FF2B5EF4-FFF2-40B4-BE49-F238E27FC236}">
-                      <a16:creationId xmlns:a16="http://schemas.microsoft.com/office/drawing/2014/main" id="{8B6E5191-47E4-48C9-ABC6-4DA465F9EC73}"/>
+                      <a16:creationId xmlns="" xmlns:a16="http://schemas.microsoft.com/office/drawing/2014/main" id="{8B6E5191-47E4-48C9-ABC6-4DA465F9EC73}"/>
                     </a:ext>
                   </a:extLst>
                 </p:cNvPr>
@@ -3761,7 +3762,7 @@
                   <p:cNvPr id="80" name="Imagem 79">
                     <a:extLst>
                       <a:ext uri="{FF2B5EF4-FFF2-40B4-BE49-F238E27FC236}">
-                        <a16:creationId xmlns:a16="http://schemas.microsoft.com/office/drawing/2014/main" id="{421EE270-E794-4FA8-A8C9-520E067CFD3C}"/>
+                        <a16:creationId xmlns="" xmlns:a16="http://schemas.microsoft.com/office/drawing/2014/main" id="{421EE270-E794-4FA8-A8C9-520E067CFD3C}"/>
                       </a:ext>
                     </a:extLst>
                   </p:cNvPr>
@@ -3797,7 +3798,7 @@
                   <p:cNvPr id="81" name="Imagem 80">
                     <a:extLst>
                       <a:ext uri="{FF2B5EF4-FFF2-40B4-BE49-F238E27FC236}">
-                        <a16:creationId xmlns:a16="http://schemas.microsoft.com/office/drawing/2014/main" id="{E9BE635D-7A77-48A5-91CE-25028548DE05}"/>
+                        <a16:creationId xmlns="" xmlns:a16="http://schemas.microsoft.com/office/drawing/2014/main" id="{E9BE635D-7A77-48A5-91CE-25028548DE05}"/>
                       </a:ext>
                     </a:extLst>
                   </p:cNvPr>
@@ -3834,7 +3835,7 @@
                 <p:cNvPr id="124" name="CaixaDeTexto 123">
                   <a:extLst>
                     <a:ext uri="{FF2B5EF4-FFF2-40B4-BE49-F238E27FC236}">
-                      <a16:creationId xmlns:a16="http://schemas.microsoft.com/office/drawing/2014/main" id="{357DCF7E-711A-4013-AC35-B6F4F0119784}"/>
+                      <a16:creationId xmlns="" xmlns:a16="http://schemas.microsoft.com/office/drawing/2014/main" id="{357DCF7E-711A-4013-AC35-B6F4F0119784}"/>
                     </a:ext>
                   </a:extLst>
                 </p:cNvPr>
@@ -3843,8 +3844,8 @@
               </p:nvSpPr>
               <p:spPr>
                 <a:xfrm>
-                  <a:off x="10049889" y="2576091"/>
-                  <a:ext cx="320922" cy="307777"/>
+                  <a:off x="9900810" y="2576091"/>
+                  <a:ext cx="619080" cy="307777"/>
                 </a:xfrm>
                 <a:prstGeom prst="rect">
                   <a:avLst/>
@@ -3859,7 +3860,7 @@
                 <a:p>
                   <a:pPr algn="ctr"/>
                   <a:r>
-                    <a:rPr lang="en-US" sz="1400" dirty="0" err="1">
+                    <a:rPr lang="en-US" sz="1400" dirty="0" err="1" smtClean="0">
                       <a:latin typeface="Microsoft PhagsPa" panose="020B0502040204020203" pitchFamily="34" charset="0"/>
                       <a:ea typeface="Adobe Fan Heiti Std B" panose="020B0700000000000000" pitchFamily="34" charset="-128"/>
                       <a:cs typeface="Arial" panose="020B0604020202020204" pitchFamily="34" charset="0"/>
@@ -3867,14 +3868,14 @@
                     <a:t>T</a:t>
                   </a:r>
                   <a:r>
-                    <a:rPr lang="en-US" sz="1000" dirty="0" err="1">
+                    <a:rPr lang="en-US" sz="1000" i="1" dirty="0" err="1" smtClean="0">
                       <a:latin typeface="Microsoft PhagsPa" panose="020B0502040204020203" pitchFamily="34" charset="0"/>
                       <a:ea typeface="Adobe Fan Heiti Std B" panose="020B0700000000000000" pitchFamily="34" charset="-128"/>
                       <a:cs typeface="Arial" panose="020B0604020202020204" pitchFamily="34" charset="0"/>
                     </a:rPr>
-                    <a:t>f</a:t>
+                    <a:t>future</a:t>
                   </a:r>
-                  <a:endParaRPr lang="en-US" sz="1400" dirty="0">
+                  <a:endParaRPr lang="en-US" sz="1400" i="1" dirty="0">
                     <a:latin typeface="Microsoft PhagsPa" panose="020B0502040204020203" pitchFamily="34" charset="0"/>
                     <a:ea typeface="Adobe Fan Heiti Std B" panose="020B0700000000000000" pitchFamily="34" charset="-128"/>
                     <a:cs typeface="Arial" panose="020B0604020202020204" pitchFamily="34" charset="0"/>
@@ -3920,7 +3921,7 @@
           <p:cNvPr id="9" name="Agrupar 8">
             <a:extLst>
               <a:ext uri="{FF2B5EF4-FFF2-40B4-BE49-F238E27FC236}">
-                <a16:creationId xmlns:a16="http://schemas.microsoft.com/office/drawing/2014/main" id="{2A73316A-608D-48E6-B4A6-CD9286488965}"/>
+                <a16:creationId xmlns="" xmlns:a16="http://schemas.microsoft.com/office/drawing/2014/main" id="{2A73316A-608D-48E6-B4A6-CD9286488965}"/>
               </a:ext>
             </a:extLst>
           </p:cNvPr>
@@ -3930,9 +3931,9 @@
         <p:grpSpPr>
           <a:xfrm>
             <a:off x="3035271" y="1914344"/>
-            <a:ext cx="5946732" cy="3029313"/>
+            <a:ext cx="6326643" cy="3029313"/>
             <a:chOff x="3035271" y="1914344"/>
-            <a:chExt cx="5946732" cy="3029313"/>
+            <a:chExt cx="6326643" cy="3029313"/>
           </a:xfrm>
         </p:grpSpPr>
         <p:cxnSp>
@@ -3940,7 +3941,7 @@
             <p:cNvPr id="29" name="Conector de Seta Reta 28">
               <a:extLst>
                 <a:ext uri="{FF2B5EF4-FFF2-40B4-BE49-F238E27FC236}">
-                  <a16:creationId xmlns:a16="http://schemas.microsoft.com/office/drawing/2014/main" id="{39E77917-153C-41E1-BEBD-A04190E4F513}"/>
+                  <a16:creationId xmlns="" xmlns:a16="http://schemas.microsoft.com/office/drawing/2014/main" id="{39E77917-153C-41E1-BEBD-A04190E4F513}"/>
                 </a:ext>
               </a:extLst>
             </p:cNvPr>
@@ -3979,7 +3980,7 @@
             <p:cNvPr id="30" name="Conector de Seta Reta 29">
               <a:extLst>
                 <a:ext uri="{FF2B5EF4-FFF2-40B4-BE49-F238E27FC236}">
-                  <a16:creationId xmlns:a16="http://schemas.microsoft.com/office/drawing/2014/main" id="{A18E4070-2DD5-42ED-8A32-A19C6B01DB86}"/>
+                  <a16:creationId xmlns="" xmlns:a16="http://schemas.microsoft.com/office/drawing/2014/main" id="{A18E4070-2DD5-42ED-8A32-A19C6B01DB86}"/>
                 </a:ext>
               </a:extLst>
             </p:cNvPr>
@@ -4018,7 +4019,7 @@
             <p:cNvPr id="31" name="CaixaDeTexto 30">
               <a:extLst>
                 <a:ext uri="{FF2B5EF4-FFF2-40B4-BE49-F238E27FC236}">
-                  <a16:creationId xmlns:a16="http://schemas.microsoft.com/office/drawing/2014/main" id="{2476A0BB-0C91-42B1-A576-E0FB6FECC8FD}"/>
+                  <a16:creationId xmlns="" xmlns:a16="http://schemas.microsoft.com/office/drawing/2014/main" id="{2476A0BB-0C91-42B1-A576-E0FB6FECC8FD}"/>
                 </a:ext>
               </a:extLst>
             </p:cNvPr>
@@ -4028,7 +4029,7 @@
           <p:spPr>
             <a:xfrm>
               <a:off x="8176974" y="4355383"/>
-              <a:ext cx="805029" cy="307777"/>
+              <a:ext cx="1184940" cy="307777"/>
             </a:xfrm>
             <a:prstGeom prst="rect">
               <a:avLst/>
@@ -4042,13 +4043,18 @@
             <a:lstStyle/>
             <a:p>
               <a:r>
-                <a:rPr lang="en-US" sz="1400" dirty="0">
+                <a:rPr lang="en-US" sz="1400" i="1" dirty="0" smtClean="0">
                   <a:latin typeface="Microsoft PhagsPa" panose="020B0502040204020203" pitchFamily="34" charset="0"/>
                   <a:ea typeface="Adobe Fan Heiti Std B" panose="020B0700000000000000" pitchFamily="34" charset="-128"/>
                   <a:cs typeface="Arial" panose="020B0604020202020204" pitchFamily="34" charset="0"/>
                 </a:rPr>
-                <a:t>Labeled</a:t>
+                <a:t>Labeled Past</a:t>
               </a:r>
+              <a:endParaRPr lang="en-US" sz="1400" i="1" dirty="0">
+                <a:latin typeface="Microsoft PhagsPa" panose="020B0502040204020203" pitchFamily="34" charset="0"/>
+                <a:ea typeface="Adobe Fan Heiti Std B" panose="020B0700000000000000" pitchFamily="34" charset="-128"/>
+                <a:cs typeface="Arial" panose="020B0604020202020204" pitchFamily="34" charset="0"/>
+              </a:endParaRPr>
             </a:p>
           </p:txBody>
         </p:sp>
@@ -4057,7 +4063,7 @@
             <p:cNvPr id="36" name="Agrupar 35">
               <a:extLst>
                 <a:ext uri="{FF2B5EF4-FFF2-40B4-BE49-F238E27FC236}">
-                  <a16:creationId xmlns:a16="http://schemas.microsoft.com/office/drawing/2014/main" id="{5CAC9FD2-D4AF-4E02-B377-45EC82B9EC37}"/>
+                  <a16:creationId xmlns="" xmlns:a16="http://schemas.microsoft.com/office/drawing/2014/main" id="{5CAC9FD2-D4AF-4E02-B377-45EC82B9EC37}"/>
                 </a:ext>
               </a:extLst>
             </p:cNvPr>
@@ -4077,7 +4083,7 @@
               <p:cNvPr id="12" name="Retângulo 11">
                 <a:extLst>
                   <a:ext uri="{FF2B5EF4-FFF2-40B4-BE49-F238E27FC236}">
-                    <a16:creationId xmlns:a16="http://schemas.microsoft.com/office/drawing/2014/main" id="{6E25CBC7-CF87-4DEB-93B1-4227EF63B977}"/>
+                    <a16:creationId xmlns="" xmlns:a16="http://schemas.microsoft.com/office/drawing/2014/main" id="{6E25CBC7-CF87-4DEB-93B1-4227EF63B977}"/>
                   </a:ext>
                 </a:extLst>
               </p:cNvPr>
@@ -4139,7 +4145,7 @@
               <p:cNvPr id="34" name="Retângulo: Canto Dobrado 33">
                 <a:extLst>
                   <a:ext uri="{FF2B5EF4-FFF2-40B4-BE49-F238E27FC236}">
-                    <a16:creationId xmlns:a16="http://schemas.microsoft.com/office/drawing/2014/main" id="{43032BA9-659A-4AE5-81DD-309E8381C094}"/>
+                    <a16:creationId xmlns="" xmlns:a16="http://schemas.microsoft.com/office/drawing/2014/main" id="{43032BA9-659A-4AE5-81DD-309E8381C094}"/>
                   </a:ext>
                 </a:extLst>
               </p:cNvPr>
@@ -4203,7 +4209,7 @@
             <p:cNvPr id="48" name="Fluxograma: Vários Documentos 47">
               <a:extLst>
                 <a:ext uri="{FF2B5EF4-FFF2-40B4-BE49-F238E27FC236}">
-                  <a16:creationId xmlns:a16="http://schemas.microsoft.com/office/drawing/2014/main" id="{EBA92A50-9FBC-4756-A708-D2B339E393B8}"/>
+                  <a16:creationId xmlns="" xmlns:a16="http://schemas.microsoft.com/office/drawing/2014/main" id="{EBA92A50-9FBC-4756-A708-D2B339E393B8}"/>
                 </a:ext>
               </a:extLst>
             </p:cNvPr>
@@ -4265,7 +4271,7 @@
             <p:cNvPr id="55" name="Conector de Seta Reta 54">
               <a:extLst>
                 <a:ext uri="{FF2B5EF4-FFF2-40B4-BE49-F238E27FC236}">
-                  <a16:creationId xmlns:a16="http://schemas.microsoft.com/office/drawing/2014/main" id="{F91A54E2-7277-487F-B849-F1314EF3BAEC}"/>
+                  <a16:creationId xmlns="" xmlns:a16="http://schemas.microsoft.com/office/drawing/2014/main" id="{F91A54E2-7277-487F-B849-F1314EF3BAEC}"/>
                 </a:ext>
               </a:extLst>
             </p:cNvPr>
@@ -4306,7 +4312,7 @@
             <p:cNvPr id="66" name="Agrupar 65">
               <a:extLst>
                 <a:ext uri="{FF2B5EF4-FFF2-40B4-BE49-F238E27FC236}">
-                  <a16:creationId xmlns:a16="http://schemas.microsoft.com/office/drawing/2014/main" id="{1665B9EA-21A7-49B4-8D2A-22B7F1E97E09}"/>
+                  <a16:creationId xmlns="" xmlns:a16="http://schemas.microsoft.com/office/drawing/2014/main" id="{1665B9EA-21A7-49B4-8D2A-22B7F1E97E09}"/>
                 </a:ext>
               </a:extLst>
             </p:cNvPr>
@@ -4326,7 +4332,7 @@
               <p:cNvPr id="64" name="Imagem 63">
                 <a:extLst>
                   <a:ext uri="{FF2B5EF4-FFF2-40B4-BE49-F238E27FC236}">
-                    <a16:creationId xmlns:a16="http://schemas.microsoft.com/office/drawing/2014/main" id="{F7B378FB-BFCB-4565-8FA5-B473A5C128CE}"/>
+                    <a16:creationId xmlns="" xmlns:a16="http://schemas.microsoft.com/office/drawing/2014/main" id="{F7B378FB-BFCB-4565-8FA5-B473A5C128CE}"/>
                   </a:ext>
                 </a:extLst>
               </p:cNvPr>
@@ -4362,7 +4368,7 @@
               <p:cNvPr id="65" name="Imagem 64">
                 <a:extLst>
                   <a:ext uri="{FF2B5EF4-FFF2-40B4-BE49-F238E27FC236}">
-                    <a16:creationId xmlns:a16="http://schemas.microsoft.com/office/drawing/2014/main" id="{537A81B5-844E-457D-B480-B482B954C349}"/>
+                    <a16:creationId xmlns="" xmlns:a16="http://schemas.microsoft.com/office/drawing/2014/main" id="{537A81B5-844E-457D-B480-B482B954C349}"/>
                   </a:ext>
                 </a:extLst>
               </p:cNvPr>
@@ -4399,7 +4405,7 @@
             <p:cNvPr id="67" name="Agrupar 66">
               <a:extLst>
                 <a:ext uri="{FF2B5EF4-FFF2-40B4-BE49-F238E27FC236}">
-                  <a16:creationId xmlns:a16="http://schemas.microsoft.com/office/drawing/2014/main" id="{99C65C54-AC65-4D53-A41D-812689828BB7}"/>
+                  <a16:creationId xmlns="" xmlns:a16="http://schemas.microsoft.com/office/drawing/2014/main" id="{99C65C54-AC65-4D53-A41D-812689828BB7}"/>
                 </a:ext>
               </a:extLst>
             </p:cNvPr>
@@ -4419,7 +4425,7 @@
               <p:cNvPr id="68" name="Imagem 67">
                 <a:extLst>
                   <a:ext uri="{FF2B5EF4-FFF2-40B4-BE49-F238E27FC236}">
-                    <a16:creationId xmlns:a16="http://schemas.microsoft.com/office/drawing/2014/main" id="{615B39AA-72D3-43BB-BA48-EF46A69C2E5E}"/>
+                    <a16:creationId xmlns="" xmlns:a16="http://schemas.microsoft.com/office/drawing/2014/main" id="{615B39AA-72D3-43BB-BA48-EF46A69C2E5E}"/>
                   </a:ext>
                 </a:extLst>
               </p:cNvPr>
@@ -4455,7 +4461,7 @@
               <p:cNvPr id="69" name="Imagem 68">
                 <a:extLst>
                   <a:ext uri="{FF2B5EF4-FFF2-40B4-BE49-F238E27FC236}">
-                    <a16:creationId xmlns:a16="http://schemas.microsoft.com/office/drawing/2014/main" id="{75AF0E66-6E03-438F-B9CB-A80D5E0C7354}"/>
+                    <a16:creationId xmlns="" xmlns:a16="http://schemas.microsoft.com/office/drawing/2014/main" id="{75AF0E66-6E03-438F-B9CB-A80D5E0C7354}"/>
                   </a:ext>
                 </a:extLst>
               </p:cNvPr>
@@ -4492,7 +4498,7 @@
             <p:cNvPr id="71" name="Conector: Angulado 70">
               <a:extLst>
                 <a:ext uri="{FF2B5EF4-FFF2-40B4-BE49-F238E27FC236}">
-                  <a16:creationId xmlns:a16="http://schemas.microsoft.com/office/drawing/2014/main" id="{EA6DE4D1-8106-4B25-935C-B8CFFB761C56}"/>
+                  <a16:creationId xmlns="" xmlns:a16="http://schemas.microsoft.com/office/drawing/2014/main" id="{EA6DE4D1-8106-4B25-935C-B8CFFB761C56}"/>
                 </a:ext>
               </a:extLst>
             </p:cNvPr>
@@ -4534,7 +4540,7 @@
             <p:cNvPr id="52" name="CaixaDeTexto 51">
               <a:extLst>
                 <a:ext uri="{FF2B5EF4-FFF2-40B4-BE49-F238E27FC236}">
-                  <a16:creationId xmlns:a16="http://schemas.microsoft.com/office/drawing/2014/main" id="{81C73F5D-A5FE-415F-9CB6-2FF305C288AF}"/>
+                  <a16:creationId xmlns="" xmlns:a16="http://schemas.microsoft.com/office/drawing/2014/main" id="{81C73F5D-A5FE-415F-9CB6-2FF305C288AF}"/>
                 </a:ext>
               </a:extLst>
             </p:cNvPr>
@@ -4543,8 +4549,8 @@
           </p:nvSpPr>
           <p:spPr>
             <a:xfrm>
-              <a:off x="3222262" y="2183639"/>
-              <a:ext cx="325730" cy="338554"/>
+              <a:off x="3114060" y="2183639"/>
+              <a:ext cx="542135" cy="338554"/>
             </a:xfrm>
             <a:prstGeom prst="rect">
               <a:avLst/>
@@ -4559,7 +4565,7 @@
             <a:p>
               <a:pPr algn="ctr"/>
               <a:r>
-                <a:rPr lang="en-US" sz="1600" dirty="0" err="1">
+                <a:rPr lang="en-US" sz="1600" dirty="0" err="1" smtClean="0">
                   <a:latin typeface="Microsoft PhagsPa" panose="020B0502040204020203" pitchFamily="34" charset="0"/>
                   <a:ea typeface="Adobe Fan Heiti Std B" panose="020B0700000000000000" pitchFamily="34" charset="-128"/>
                   <a:cs typeface="Arial" panose="020B0604020202020204" pitchFamily="34" charset="0"/>
@@ -4567,14 +4573,14 @@
                 <a:t>T</a:t>
               </a:r>
               <a:r>
-                <a:rPr lang="en-US" sz="1050" dirty="0" err="1">
+                <a:rPr lang="en-US" sz="1050" i="1" u="sng" dirty="0" err="1" smtClean="0">
                   <a:latin typeface="Microsoft PhagsPa" panose="020B0502040204020203" pitchFamily="34" charset="0"/>
                   <a:ea typeface="Adobe Fan Heiti Std B" panose="020B0700000000000000" pitchFamily="34" charset="-128"/>
                   <a:cs typeface="Arial" panose="020B0604020202020204" pitchFamily="34" charset="0"/>
                 </a:rPr>
-                <a:t>i</a:t>
+                <a:t>past</a:t>
               </a:r>
-              <a:endParaRPr lang="en-US" dirty="0">
+              <a:endParaRPr lang="en-US" i="1" u="sng" dirty="0">
                 <a:latin typeface="Microsoft PhagsPa" panose="020B0502040204020203" pitchFamily="34" charset="0"/>
                 <a:ea typeface="Adobe Fan Heiti Std B" panose="020B0700000000000000" pitchFamily="34" charset="-128"/>
                 <a:cs typeface="Arial" panose="020B0604020202020204" pitchFamily="34" charset="0"/>
@@ -4615,22 +4621,16 @@
       </p:grpSpPr>
       <p:grpSp>
         <p:nvGrpSpPr>
-          <p:cNvPr id="1025" name="Agrupar 1024">
-            <a:extLst>
-              <a:ext uri="{FF2B5EF4-FFF2-40B4-BE49-F238E27FC236}">
-                <a16:creationId xmlns:a16="http://schemas.microsoft.com/office/drawing/2014/main" id="{FB08103C-6378-4077-BA7F-E6CFC0D0A900}"/>
-              </a:ext>
-            </a:extLst>
-          </p:cNvPr>
+          <p:cNvPr id="5" name="Grupo 4"/>
           <p:cNvGrpSpPr/>
           <p:nvPr/>
         </p:nvGrpSpPr>
         <p:grpSpPr>
           <a:xfrm>
-            <a:off x="2600991" y="2215210"/>
-            <a:ext cx="6990018" cy="2427580"/>
-            <a:chOff x="1228476" y="2871630"/>
-            <a:chExt cx="6990018" cy="2427580"/>
+            <a:off x="2493189" y="2215211"/>
+            <a:ext cx="7205622" cy="2427579"/>
+            <a:chOff x="2385387" y="2215209"/>
+            <a:chExt cx="7205622" cy="2427579"/>
           </a:xfrm>
         </p:grpSpPr>
         <p:sp>
@@ -4638,7 +4638,7 @@
             <p:cNvPr id="62" name="CaixaDeTexto 61">
               <a:extLst>
                 <a:ext uri="{FF2B5EF4-FFF2-40B4-BE49-F238E27FC236}">
-                  <a16:creationId xmlns:a16="http://schemas.microsoft.com/office/drawing/2014/main" id="{473EB1E6-A067-4BD6-9B57-FEB307A644A2}"/>
+                  <a16:creationId xmlns="" xmlns:a16="http://schemas.microsoft.com/office/drawing/2014/main" id="{473EB1E6-A067-4BD6-9B57-FEB307A644A2}"/>
                 </a:ext>
               </a:extLst>
             </p:cNvPr>
@@ -4647,8 +4647,8 @@
           </p:nvSpPr>
           <p:spPr>
             <a:xfrm>
-              <a:off x="1228476" y="3293928"/>
-              <a:ext cx="889987" cy="338554"/>
+              <a:off x="2385387" y="2618456"/>
+              <a:ext cx="1321196" cy="338554"/>
             </a:xfrm>
             <a:prstGeom prst="rect">
               <a:avLst/>
@@ -4662,13 +4662,26 @@
             <a:lstStyle/>
             <a:p>
               <a:r>
-                <a:rPr lang="en-US" sz="1600" dirty="0">
+                <a:rPr lang="en-US" sz="1600" i="1" dirty="0">
                   <a:latin typeface="Microsoft PhagsPa" panose="020B0502040204020203" pitchFamily="34" charset="0"/>
                   <a:ea typeface="Adobe Fan Heiti Std B" panose="020B0700000000000000" pitchFamily="34" charset="-128"/>
                   <a:cs typeface="Arial" panose="020B0604020202020204" pitchFamily="34" charset="0"/>
                 </a:rPr>
-                <a:t>Labeled</a:t>
+                <a:t>Labeled </a:t>
               </a:r>
+              <a:r>
+                <a:rPr lang="en-US" sz="1600" i="1" dirty="0" smtClean="0">
+                  <a:latin typeface="Microsoft PhagsPa" panose="020B0502040204020203" pitchFamily="34" charset="0"/>
+                  <a:ea typeface="Adobe Fan Heiti Std B" panose="020B0700000000000000" pitchFamily="34" charset="-128"/>
+                  <a:cs typeface="Arial" panose="020B0604020202020204" pitchFamily="34" charset="0"/>
+                </a:rPr>
+                <a:t>Past</a:t>
+              </a:r>
+              <a:endParaRPr lang="en-US" sz="1600" i="1" dirty="0">
+                <a:latin typeface="Microsoft PhagsPa" panose="020B0502040204020203" pitchFamily="34" charset="0"/>
+                <a:ea typeface="Adobe Fan Heiti Std B" panose="020B0700000000000000" pitchFamily="34" charset="-128"/>
+                <a:cs typeface="Arial" panose="020B0604020202020204" pitchFamily="34" charset="0"/>
+              </a:endParaRPr>
             </a:p>
           </p:txBody>
         </p:sp>
@@ -4677,7 +4690,7 @@
             <p:cNvPr id="76" name="Conector de Seta Reta 75">
               <a:extLst>
                 <a:ext uri="{FF2B5EF4-FFF2-40B4-BE49-F238E27FC236}">
-                  <a16:creationId xmlns:a16="http://schemas.microsoft.com/office/drawing/2014/main" id="{BE81B05B-6F93-4BFF-B319-EFF8D7078B99}"/>
+                  <a16:creationId xmlns="" xmlns:a16="http://schemas.microsoft.com/office/drawing/2014/main" id="{BE81B05B-6F93-4BFF-B319-EFF8D7078B99}"/>
                 </a:ext>
               </a:extLst>
             </p:cNvPr>
@@ -4686,7 +4699,7 @@
           </p:nvCxnSpPr>
           <p:spPr>
             <a:xfrm>
-              <a:off x="2050831" y="4085420"/>
+              <a:off x="3423346" y="3429000"/>
               <a:ext cx="699713" cy="0"/>
             </a:xfrm>
             <a:prstGeom prst="straightConnector1">
@@ -4716,7 +4729,7 @@
             <p:cNvPr id="3" name="Agrupar 2">
               <a:extLst>
                 <a:ext uri="{FF2B5EF4-FFF2-40B4-BE49-F238E27FC236}">
-                  <a16:creationId xmlns:a16="http://schemas.microsoft.com/office/drawing/2014/main" id="{FBDAEE6E-A5E1-4FAF-8A20-CFD14C115B27}"/>
+                  <a16:creationId xmlns="" xmlns:a16="http://schemas.microsoft.com/office/drawing/2014/main" id="{FBDAEE6E-A5E1-4FAF-8A20-CFD14C115B27}"/>
                 </a:ext>
               </a:extLst>
             </p:cNvPr>
@@ -4725,8 +4738,8 @@
           </p:nvGrpSpPr>
           <p:grpSpPr>
             <a:xfrm>
-              <a:off x="2805553" y="2871630"/>
-              <a:ext cx="1960864" cy="2427580"/>
+              <a:off x="4178068" y="2215209"/>
+              <a:ext cx="1960864" cy="2427579"/>
               <a:chOff x="3049018" y="2249195"/>
               <a:chExt cx="1905000" cy="2127058"/>
             </a:xfrm>
@@ -4736,7 +4749,7 @@
               <p:cNvPr id="77" name="Retângulo 76">
                 <a:extLst>
                   <a:ext uri="{FF2B5EF4-FFF2-40B4-BE49-F238E27FC236}">
-                    <a16:creationId xmlns:a16="http://schemas.microsoft.com/office/drawing/2014/main" id="{9D27E995-F9FA-4704-9E17-BECCD9FE7C42}"/>
+                    <a16:creationId xmlns="" xmlns:a16="http://schemas.microsoft.com/office/drawing/2014/main" id="{9D27E995-F9FA-4704-9E17-BECCD9FE7C42}"/>
                   </a:ext>
                 </a:extLst>
               </p:cNvPr>
@@ -4798,7 +4811,7 @@
               <p:cNvPr id="78" name="Retângulo: Canto Dobrado 77">
                 <a:extLst>
                   <a:ext uri="{FF2B5EF4-FFF2-40B4-BE49-F238E27FC236}">
-                    <a16:creationId xmlns:a16="http://schemas.microsoft.com/office/drawing/2014/main" id="{82677833-3EC1-4F8C-A835-00422BD93DC5}"/>
+                    <a16:creationId xmlns="" xmlns:a16="http://schemas.microsoft.com/office/drawing/2014/main" id="{82677833-3EC1-4F8C-A835-00422BD93DC5}"/>
                   </a:ext>
                 </a:extLst>
               </p:cNvPr>
@@ -4862,7 +4875,7 @@
             <p:cNvPr id="4" name="Agrupar 3">
               <a:extLst>
                 <a:ext uri="{FF2B5EF4-FFF2-40B4-BE49-F238E27FC236}">
-                  <a16:creationId xmlns:a16="http://schemas.microsoft.com/office/drawing/2014/main" id="{9FB9B512-8AEB-4644-9CA6-1730F79797EE}"/>
+                  <a16:creationId xmlns="" xmlns:a16="http://schemas.microsoft.com/office/drawing/2014/main" id="{9FB9B512-8AEB-4644-9CA6-1730F79797EE}"/>
                 </a:ext>
               </a:extLst>
             </p:cNvPr>
@@ -4871,7 +4884,7 @@
           </p:nvGrpSpPr>
           <p:grpSpPr>
             <a:xfrm>
-              <a:off x="1323614" y="3644569"/>
+              <a:off x="2696129" y="2988149"/>
               <a:ext cx="699712" cy="881702"/>
               <a:chOff x="1567079" y="2871873"/>
               <a:chExt cx="699712" cy="881702"/>
@@ -4882,7 +4895,7 @@
               <p:cNvPr id="82" name="Imagem 81">
                 <a:extLst>
                   <a:ext uri="{FF2B5EF4-FFF2-40B4-BE49-F238E27FC236}">
-                    <a16:creationId xmlns:a16="http://schemas.microsoft.com/office/drawing/2014/main" id="{2B5B5341-7357-4AE8-834E-5178EDCD41EF}"/>
+                    <a16:creationId xmlns="" xmlns:a16="http://schemas.microsoft.com/office/drawing/2014/main" id="{2B5B5341-7357-4AE8-834E-5178EDCD41EF}"/>
                   </a:ext>
                 </a:extLst>
               </p:cNvPr>
@@ -4918,7 +4931,7 @@
               <p:cNvPr id="83" name="Imagem 82">
                 <a:extLst>
                   <a:ext uri="{FF2B5EF4-FFF2-40B4-BE49-F238E27FC236}">
-                    <a16:creationId xmlns:a16="http://schemas.microsoft.com/office/drawing/2014/main" id="{7DDE12E8-DC76-438B-9A87-F0E98A3AE0FF}"/>
+                    <a16:creationId xmlns="" xmlns:a16="http://schemas.microsoft.com/office/drawing/2014/main" id="{7DDE12E8-DC76-438B-9A87-F0E98A3AE0FF}"/>
                   </a:ext>
                 </a:extLst>
               </p:cNvPr>
@@ -4952,10 +4965,10 @@
         </p:grpSp>
         <p:grpSp>
           <p:nvGrpSpPr>
-            <p:cNvPr id="122" name="Agrupar 121">
+            <p:cNvPr id="50" name="Agrupar 49">
               <a:extLst>
                 <a:ext uri="{FF2B5EF4-FFF2-40B4-BE49-F238E27FC236}">
-                  <a16:creationId xmlns:a16="http://schemas.microsoft.com/office/drawing/2014/main" id="{A91FB669-A35B-4E5A-9CDB-3484E26F8E0D}"/>
+                  <a16:creationId xmlns="" xmlns:a16="http://schemas.microsoft.com/office/drawing/2014/main" id="{0BB09A38-C2F3-480F-94CB-6BE520C6584A}"/>
                 </a:ext>
               </a:extLst>
             </p:cNvPr>
@@ -4964,18 +4977,278 @@
           </p:nvGrpSpPr>
           <p:grpSpPr>
             <a:xfrm>
-              <a:off x="4842885" y="2913544"/>
-              <a:ext cx="1546493" cy="2215618"/>
-              <a:chOff x="4597400" y="1043334"/>
-              <a:chExt cx="1546493" cy="2215618"/>
+              <a:off x="6215400" y="2520909"/>
+              <a:ext cx="1154906" cy="1816183"/>
+              <a:chOff x="4597400" y="1307119"/>
+              <a:chExt cx="1154906" cy="1816183"/>
             </a:xfrm>
           </p:grpSpPr>
+          <p:cxnSp>
+            <p:nvCxnSpPr>
+              <p:cNvPr id="7" name="Conector de Seta Reta 6">
+                <a:extLst>
+                  <a:ext uri="{FF2B5EF4-FFF2-40B4-BE49-F238E27FC236}">
+                    <a16:creationId xmlns="" xmlns:a16="http://schemas.microsoft.com/office/drawing/2014/main" id="{8F48EB06-B9A3-4F17-8702-9DA9E0A81C3A}"/>
+                  </a:ext>
+                </a:extLst>
+              </p:cNvPr>
+              <p:cNvCxnSpPr>
+                <a:cxnSpLocks/>
+              </p:cNvCxnSpPr>
+              <p:nvPr/>
+            </p:nvCxnSpPr>
+            <p:spPr>
+              <a:xfrm>
+                <a:off x="4597400" y="2214963"/>
+                <a:ext cx="1152525" cy="0"/>
+              </a:xfrm>
+              <a:prstGeom prst="straightConnector1">
+                <a:avLst/>
+              </a:prstGeom>
+              <a:ln w="28575">
+                <a:solidFill>
+                  <a:schemeClr val="tx1"/>
+                </a:solidFill>
+                <a:tailEnd type="triangle"/>
+              </a:ln>
+            </p:spPr>
+            <p:style>
+              <a:lnRef idx="1">
+                <a:schemeClr val="accent1"/>
+              </a:lnRef>
+              <a:fillRef idx="0">
+                <a:schemeClr val="accent1"/>
+              </a:fillRef>
+              <a:effectRef idx="0">
+                <a:schemeClr val="accent1"/>
+              </a:effectRef>
+              <a:fontRef idx="minor">
+                <a:schemeClr val="tx1"/>
+              </a:fontRef>
+            </p:style>
+          </p:cxnSp>
+          <p:cxnSp>
+            <p:nvCxnSpPr>
+              <p:cNvPr id="13" name="Conector reto 12">
+                <a:extLst>
+                  <a:ext uri="{FF2B5EF4-FFF2-40B4-BE49-F238E27FC236}">
+                    <a16:creationId xmlns="" xmlns:a16="http://schemas.microsoft.com/office/drawing/2014/main" id="{25E946A0-7363-4E66-BA61-DE647D557970}"/>
+                  </a:ext>
+                </a:extLst>
+              </p:cNvPr>
+              <p:cNvCxnSpPr>
+                <a:cxnSpLocks/>
+              </p:cNvCxnSpPr>
+              <p:nvPr/>
+            </p:nvCxnSpPr>
+            <p:spPr>
+              <a:xfrm>
+                <a:off x="5034233" y="1307119"/>
+                <a:ext cx="0" cy="1816183"/>
+              </a:xfrm>
+              <a:prstGeom prst="line">
+                <a:avLst/>
+              </a:prstGeom>
+              <a:ln w="28575">
+                <a:solidFill>
+                  <a:schemeClr val="tx1"/>
+                </a:solidFill>
+              </a:ln>
+            </p:spPr>
+            <p:style>
+              <a:lnRef idx="1">
+                <a:schemeClr val="accent1"/>
+              </a:lnRef>
+              <a:fillRef idx="0">
+                <a:schemeClr val="accent1"/>
+              </a:fillRef>
+              <a:effectRef idx="0">
+                <a:schemeClr val="accent1"/>
+              </a:effectRef>
+              <a:fontRef idx="minor">
+                <a:schemeClr val="tx1"/>
+              </a:fontRef>
+            </p:style>
+          </p:cxnSp>
+          <p:cxnSp>
+            <p:nvCxnSpPr>
+              <p:cNvPr id="84" name="Conector de Seta Reta 83">
+                <a:extLst>
+                  <a:ext uri="{FF2B5EF4-FFF2-40B4-BE49-F238E27FC236}">
+                    <a16:creationId xmlns="" xmlns:a16="http://schemas.microsoft.com/office/drawing/2014/main" id="{7CCF2C0F-E103-46AF-B1EA-30BA004CE655}"/>
+                  </a:ext>
+                </a:extLst>
+              </p:cNvPr>
+              <p:cNvCxnSpPr>
+                <a:cxnSpLocks/>
+              </p:cNvCxnSpPr>
+              <p:nvPr/>
+            </p:nvCxnSpPr>
+            <p:spPr>
+              <a:xfrm>
+                <a:off x="5021262" y="1320827"/>
+                <a:ext cx="728663" cy="0"/>
+              </a:xfrm>
+              <a:prstGeom prst="straightConnector1">
+                <a:avLst/>
+              </a:prstGeom>
+              <a:ln w="28575">
+                <a:solidFill>
+                  <a:schemeClr val="tx1"/>
+                </a:solidFill>
+                <a:tailEnd type="triangle"/>
+              </a:ln>
+            </p:spPr>
+            <p:style>
+              <a:lnRef idx="1">
+                <a:schemeClr val="accent1"/>
+              </a:lnRef>
+              <a:fillRef idx="0">
+                <a:schemeClr val="accent1"/>
+              </a:fillRef>
+              <a:effectRef idx="0">
+                <a:schemeClr val="accent1"/>
+              </a:effectRef>
+              <a:fontRef idx="minor">
+                <a:schemeClr val="tx1"/>
+              </a:fontRef>
+            </p:style>
+          </p:cxnSp>
+          <p:cxnSp>
+            <p:nvCxnSpPr>
+              <p:cNvPr id="97" name="Conector de Seta Reta 96">
+                <a:extLst>
+                  <a:ext uri="{FF2B5EF4-FFF2-40B4-BE49-F238E27FC236}">
+                    <a16:creationId xmlns="" xmlns:a16="http://schemas.microsoft.com/office/drawing/2014/main" id="{FB4E955E-9416-467C-B3D0-914C3B291262}"/>
+                  </a:ext>
+                </a:extLst>
+              </p:cNvPr>
+              <p:cNvCxnSpPr>
+                <a:cxnSpLocks/>
+              </p:cNvCxnSpPr>
+              <p:nvPr/>
+            </p:nvCxnSpPr>
+            <p:spPr>
+              <a:xfrm>
+                <a:off x="5023643" y="3109099"/>
+                <a:ext cx="728663" cy="0"/>
+              </a:xfrm>
+              <a:prstGeom prst="straightConnector1">
+                <a:avLst/>
+              </a:prstGeom>
+              <a:ln w="28575">
+                <a:solidFill>
+                  <a:schemeClr val="tx1"/>
+                </a:solidFill>
+                <a:tailEnd type="triangle"/>
+              </a:ln>
+            </p:spPr>
+            <p:style>
+              <a:lnRef idx="1">
+                <a:schemeClr val="accent1"/>
+              </a:lnRef>
+              <a:fillRef idx="0">
+                <a:schemeClr val="accent1"/>
+              </a:fillRef>
+              <a:effectRef idx="0">
+                <a:schemeClr val="accent1"/>
+              </a:effectRef>
+              <a:fontRef idx="minor">
+                <a:schemeClr val="tx1"/>
+              </a:fontRef>
+            </p:style>
+          </p:cxnSp>
+          <p:cxnSp>
+            <p:nvCxnSpPr>
+              <p:cNvPr id="100" name="Conector de Seta Reta 99">
+                <a:extLst>
+                  <a:ext uri="{FF2B5EF4-FFF2-40B4-BE49-F238E27FC236}">
+                    <a16:creationId xmlns="" xmlns:a16="http://schemas.microsoft.com/office/drawing/2014/main" id="{5292817F-9248-41E5-A5EC-86CD623E5488}"/>
+                  </a:ext>
+                </a:extLst>
+              </p:cNvPr>
+              <p:cNvCxnSpPr>
+                <a:cxnSpLocks/>
+              </p:cNvCxnSpPr>
+              <p:nvPr/>
+            </p:nvCxnSpPr>
+            <p:spPr>
+              <a:xfrm>
+                <a:off x="5021262" y="1767895"/>
+                <a:ext cx="728663" cy="0"/>
+              </a:xfrm>
+              <a:prstGeom prst="straightConnector1">
+                <a:avLst/>
+              </a:prstGeom>
+              <a:ln w="28575">
+                <a:solidFill>
+                  <a:schemeClr val="tx1"/>
+                </a:solidFill>
+                <a:tailEnd type="triangle"/>
+              </a:ln>
+            </p:spPr>
+            <p:style>
+              <a:lnRef idx="1">
+                <a:schemeClr val="accent1"/>
+              </a:lnRef>
+              <a:fillRef idx="0">
+                <a:schemeClr val="accent1"/>
+              </a:fillRef>
+              <a:effectRef idx="0">
+                <a:schemeClr val="accent1"/>
+              </a:effectRef>
+              <a:fontRef idx="minor">
+                <a:schemeClr val="tx1"/>
+              </a:fontRef>
+            </p:style>
+          </p:cxnSp>
+          <p:cxnSp>
+            <p:nvCxnSpPr>
+              <p:cNvPr id="35" name="Conector reto 34">
+                <a:extLst>
+                  <a:ext uri="{FF2B5EF4-FFF2-40B4-BE49-F238E27FC236}">
+                    <a16:creationId xmlns="" xmlns:a16="http://schemas.microsoft.com/office/drawing/2014/main" id="{116398BA-6635-460B-BAB1-75E49888E5BF}"/>
+                  </a:ext>
+                </a:extLst>
+              </p:cNvPr>
+              <p:cNvCxnSpPr/>
+              <p:nvPr/>
+            </p:nvCxnSpPr>
+            <p:spPr>
+              <a:xfrm flipH="1">
+                <a:off x="5034233" y="2662031"/>
+                <a:ext cx="283098" cy="0"/>
+              </a:xfrm>
+              <a:prstGeom prst="line">
+                <a:avLst/>
+              </a:prstGeom>
+              <a:ln w="28575">
+                <a:solidFill>
+                  <a:schemeClr val="tx1"/>
+                </a:solidFill>
+              </a:ln>
+            </p:spPr>
+            <p:style>
+              <a:lnRef idx="1">
+                <a:schemeClr val="accent1"/>
+              </a:lnRef>
+              <a:fillRef idx="0">
+                <a:schemeClr val="accent1"/>
+              </a:fillRef>
+              <a:effectRef idx="0">
+                <a:schemeClr val="accent1"/>
+              </a:effectRef>
+              <a:fontRef idx="minor">
+                <a:schemeClr val="tx1"/>
+              </a:fontRef>
+            </p:style>
+          </p:cxnSp>
           <p:grpSp>
             <p:nvGrpSpPr>
-              <p:cNvPr id="50" name="Agrupar 49">
+              <p:cNvPr id="42" name="Agrupar 41">
                 <a:extLst>
                   <a:ext uri="{FF2B5EF4-FFF2-40B4-BE49-F238E27FC236}">
-                    <a16:creationId xmlns:a16="http://schemas.microsoft.com/office/drawing/2014/main" id="{0BB09A38-C2F3-480F-94CB-6BE520C6584A}"/>
+                    <a16:creationId xmlns="" xmlns:a16="http://schemas.microsoft.com/office/drawing/2014/main" id="{3F7CCB30-3935-44B5-992E-0589A2C2DDB5}"/>
                   </a:ext>
                 </a:extLst>
               </p:cNvPr>
@@ -4984,914 +5257,165 @@
             </p:nvGrpSpPr>
             <p:grpSpPr>
               <a:xfrm>
-                <a:off x="4597400" y="1307119"/>
-                <a:ext cx="1154906" cy="1816183"/>
-                <a:chOff x="4597400" y="1307119"/>
-                <a:chExt cx="1154906" cy="1816183"/>
+                <a:off x="5546353" y="2639171"/>
+                <a:ext cx="198120" cy="45720"/>
+                <a:chOff x="5708813" y="2639171"/>
+                <a:chExt cx="198120" cy="45720"/>
               </a:xfrm>
             </p:grpSpPr>
-            <p:cxnSp>
-              <p:nvCxnSpPr>
-                <p:cNvPr id="7" name="Conector de Seta Reta 6">
+            <p:sp>
+              <p:nvSpPr>
+                <p:cNvPr id="41" name="Elipse 40">
                   <a:extLst>
                     <a:ext uri="{FF2B5EF4-FFF2-40B4-BE49-F238E27FC236}">
-                      <a16:creationId xmlns:a16="http://schemas.microsoft.com/office/drawing/2014/main" id="{8F48EB06-B9A3-4F17-8702-9DA9E0A81C3A}"/>
+                      <a16:creationId xmlns="" xmlns:a16="http://schemas.microsoft.com/office/drawing/2014/main" id="{0A8361E3-0CC9-43BB-8F1F-232E922FB6F4}"/>
                     </a:ext>
                   </a:extLst>
                 </p:cNvPr>
-                <p:cNvCxnSpPr>
-                  <a:cxnSpLocks/>
-                </p:cNvCxnSpPr>
+                <p:cNvSpPr/>
                 <p:nvPr/>
-              </p:nvCxnSpPr>
+              </p:nvSpPr>
               <p:spPr>
                 <a:xfrm>
-                  <a:off x="4597400" y="2214963"/>
-                  <a:ext cx="1152525" cy="0"/>
+                  <a:off x="5708813" y="2639171"/>
+                  <a:ext cx="45720" cy="45720"/>
                 </a:xfrm>
-                <a:prstGeom prst="straightConnector1">
+                <a:prstGeom prst="ellipse">
                   <a:avLst/>
                 </a:prstGeom>
-                <a:ln w="28575">
-                  <a:solidFill>
-                    <a:schemeClr val="tx1"/>
-                  </a:solidFill>
-                  <a:tailEnd type="triangle"/>
+                <a:solidFill>
+                  <a:schemeClr val="tx1"/>
+                </a:solidFill>
+                <a:ln>
+                  <a:noFill/>
                 </a:ln>
               </p:spPr>
               <p:style>
-                <a:lnRef idx="1">
-                  <a:schemeClr val="accent1"/>
+                <a:lnRef idx="2">
+                  <a:schemeClr val="accent1">
+                    <a:shade val="50000"/>
+                  </a:schemeClr>
                 </a:lnRef>
-                <a:fillRef idx="0">
+                <a:fillRef idx="1">
                   <a:schemeClr val="accent1"/>
                 </a:fillRef>
                 <a:effectRef idx="0">
                   <a:schemeClr val="accent1"/>
                 </a:effectRef>
                 <a:fontRef idx="minor">
-                  <a:schemeClr val="tx1"/>
+                  <a:schemeClr val="lt1"/>
                 </a:fontRef>
               </p:style>
-            </p:cxnSp>
-            <p:cxnSp>
-              <p:nvCxnSpPr>
-                <p:cNvPr id="13" name="Conector reto 12">
+              <p:txBody>
+                <a:bodyPr rtlCol="0" anchor="ctr"/>
+                <a:lstStyle/>
+                <a:p>
+                  <a:pPr algn="ctr"/>
+                  <a:endParaRPr lang="pt-BR"/>
+                </a:p>
+              </p:txBody>
+            </p:sp>
+            <p:sp>
+              <p:nvSpPr>
+                <p:cNvPr id="113" name="Elipse 112">
                   <a:extLst>
                     <a:ext uri="{FF2B5EF4-FFF2-40B4-BE49-F238E27FC236}">
-                      <a16:creationId xmlns:a16="http://schemas.microsoft.com/office/drawing/2014/main" id="{25E946A0-7363-4E66-BA61-DE647D557970}"/>
+                      <a16:creationId xmlns="" xmlns:a16="http://schemas.microsoft.com/office/drawing/2014/main" id="{A465C093-54FC-414D-9CED-1CC060DD2AAC}"/>
                     </a:ext>
                   </a:extLst>
                 </p:cNvPr>
-                <p:cNvCxnSpPr>
-                  <a:cxnSpLocks/>
-                </p:cNvCxnSpPr>
+                <p:cNvSpPr/>
                 <p:nvPr/>
-              </p:nvCxnSpPr>
+              </p:nvSpPr>
               <p:spPr>
                 <a:xfrm>
-                  <a:off x="5034233" y="1307119"/>
-                  <a:ext cx="0" cy="1816183"/>
+                  <a:off x="5861213" y="2639171"/>
+                  <a:ext cx="45720" cy="45720"/>
                 </a:xfrm>
-                <a:prstGeom prst="line">
+                <a:prstGeom prst="ellipse">
                   <a:avLst/>
                 </a:prstGeom>
-                <a:ln w="28575">
-                  <a:solidFill>
-                    <a:schemeClr val="tx1"/>
-                  </a:solidFill>
+                <a:solidFill>
+                  <a:schemeClr val="tx1"/>
+                </a:solidFill>
+                <a:ln>
+                  <a:noFill/>
                 </a:ln>
               </p:spPr>
               <p:style>
-                <a:lnRef idx="1">
-                  <a:schemeClr val="accent1"/>
+                <a:lnRef idx="2">
+                  <a:schemeClr val="accent1">
+                    <a:shade val="50000"/>
+                  </a:schemeClr>
                 </a:lnRef>
-                <a:fillRef idx="0">
+                <a:fillRef idx="1">
                   <a:schemeClr val="accent1"/>
                 </a:fillRef>
                 <a:effectRef idx="0">
                   <a:schemeClr val="accent1"/>
                 </a:effectRef>
                 <a:fontRef idx="minor">
-                  <a:schemeClr val="tx1"/>
+                  <a:schemeClr val="lt1"/>
                 </a:fontRef>
               </p:style>
-            </p:cxnSp>
-            <p:cxnSp>
-              <p:nvCxnSpPr>
-                <p:cNvPr id="84" name="Conector de Seta Reta 83">
+              <p:txBody>
+                <a:bodyPr rtlCol="0" anchor="ctr"/>
+                <a:lstStyle/>
+                <a:p>
+                  <a:pPr algn="ctr"/>
+                  <a:endParaRPr lang="pt-BR"/>
+                </a:p>
+              </p:txBody>
+            </p:sp>
+            <p:sp>
+              <p:nvSpPr>
+                <p:cNvPr id="114" name="Elipse 113">
                   <a:extLst>
                     <a:ext uri="{FF2B5EF4-FFF2-40B4-BE49-F238E27FC236}">
-                      <a16:creationId xmlns:a16="http://schemas.microsoft.com/office/drawing/2014/main" id="{7CCF2C0F-E103-46AF-B1EA-30BA004CE655}"/>
+                      <a16:creationId xmlns="" xmlns:a16="http://schemas.microsoft.com/office/drawing/2014/main" id="{FEE621B7-57D0-4B0D-A205-AA65C4ECECC8}"/>
                     </a:ext>
                   </a:extLst>
                 </p:cNvPr>
-                <p:cNvCxnSpPr>
-                  <a:cxnSpLocks/>
-                </p:cNvCxnSpPr>
+                <p:cNvSpPr/>
                 <p:nvPr/>
-              </p:nvCxnSpPr>
+              </p:nvSpPr>
               <p:spPr>
                 <a:xfrm>
-                  <a:off x="5021262" y="1320827"/>
-                  <a:ext cx="728663" cy="0"/>
+                  <a:off x="5785013" y="2639171"/>
+                  <a:ext cx="45720" cy="45720"/>
                 </a:xfrm>
-                <a:prstGeom prst="straightConnector1">
+                <a:prstGeom prst="ellipse">
                   <a:avLst/>
                 </a:prstGeom>
-                <a:ln w="28575">
-                  <a:solidFill>
-                    <a:schemeClr val="tx1"/>
-                  </a:solidFill>
-                  <a:tailEnd type="triangle"/>
+                <a:solidFill>
+                  <a:schemeClr val="tx1"/>
+                </a:solidFill>
+                <a:ln>
+                  <a:noFill/>
                 </a:ln>
               </p:spPr>
               <p:style>
-                <a:lnRef idx="1">
-                  <a:schemeClr val="accent1"/>
+                <a:lnRef idx="2">
+                  <a:schemeClr val="accent1">
+                    <a:shade val="50000"/>
+                  </a:schemeClr>
                 </a:lnRef>
-                <a:fillRef idx="0">
+                <a:fillRef idx="1">
                   <a:schemeClr val="accent1"/>
                 </a:fillRef>
                 <a:effectRef idx="0">
                   <a:schemeClr val="accent1"/>
                 </a:effectRef>
                 <a:fontRef idx="minor">
-                  <a:schemeClr val="tx1"/>
+                  <a:schemeClr val="lt1"/>
                 </a:fontRef>
               </p:style>
-            </p:cxnSp>
-            <p:cxnSp>
-              <p:nvCxnSpPr>
-                <p:cNvPr id="97" name="Conector de Seta Reta 96">
-                  <a:extLst>
-                    <a:ext uri="{FF2B5EF4-FFF2-40B4-BE49-F238E27FC236}">
-                      <a16:creationId xmlns:a16="http://schemas.microsoft.com/office/drawing/2014/main" id="{FB4E955E-9416-467C-B3D0-914C3B291262}"/>
-                    </a:ext>
-                  </a:extLst>
-                </p:cNvPr>
-                <p:cNvCxnSpPr>
-                  <a:cxnSpLocks/>
-                </p:cNvCxnSpPr>
-                <p:nvPr/>
-              </p:nvCxnSpPr>
-              <p:spPr>
-                <a:xfrm>
-                  <a:off x="5023643" y="3109099"/>
-                  <a:ext cx="728663" cy="0"/>
-                </a:xfrm>
-                <a:prstGeom prst="straightConnector1">
-                  <a:avLst/>
-                </a:prstGeom>
-                <a:ln w="28575">
-                  <a:solidFill>
-                    <a:schemeClr val="tx1"/>
-                  </a:solidFill>
-                  <a:tailEnd type="triangle"/>
-                </a:ln>
-              </p:spPr>
-              <p:style>
-                <a:lnRef idx="1">
-                  <a:schemeClr val="accent1"/>
-                </a:lnRef>
-                <a:fillRef idx="0">
-                  <a:schemeClr val="accent1"/>
-                </a:fillRef>
-                <a:effectRef idx="0">
-                  <a:schemeClr val="accent1"/>
-                </a:effectRef>
-                <a:fontRef idx="minor">
-                  <a:schemeClr val="tx1"/>
-                </a:fontRef>
-              </p:style>
-            </p:cxnSp>
-            <p:cxnSp>
-              <p:nvCxnSpPr>
-                <p:cNvPr id="100" name="Conector de Seta Reta 99">
-                  <a:extLst>
-                    <a:ext uri="{FF2B5EF4-FFF2-40B4-BE49-F238E27FC236}">
-                      <a16:creationId xmlns:a16="http://schemas.microsoft.com/office/drawing/2014/main" id="{5292817F-9248-41E5-A5EC-86CD623E5488}"/>
-                    </a:ext>
-                  </a:extLst>
-                </p:cNvPr>
-                <p:cNvCxnSpPr>
-                  <a:cxnSpLocks/>
-                </p:cNvCxnSpPr>
-                <p:nvPr/>
-              </p:nvCxnSpPr>
-              <p:spPr>
-                <a:xfrm>
-                  <a:off x="5021262" y="1767895"/>
-                  <a:ext cx="728663" cy="0"/>
-                </a:xfrm>
-                <a:prstGeom prst="straightConnector1">
-                  <a:avLst/>
-                </a:prstGeom>
-                <a:ln w="28575">
-                  <a:solidFill>
-                    <a:schemeClr val="tx1"/>
-                  </a:solidFill>
-                  <a:tailEnd type="triangle"/>
-                </a:ln>
-              </p:spPr>
-              <p:style>
-                <a:lnRef idx="1">
-                  <a:schemeClr val="accent1"/>
-                </a:lnRef>
-                <a:fillRef idx="0">
-                  <a:schemeClr val="accent1"/>
-                </a:fillRef>
-                <a:effectRef idx="0">
-                  <a:schemeClr val="accent1"/>
-                </a:effectRef>
-                <a:fontRef idx="minor">
-                  <a:schemeClr val="tx1"/>
-                </a:fontRef>
-              </p:style>
-            </p:cxnSp>
-            <p:cxnSp>
-              <p:nvCxnSpPr>
-                <p:cNvPr id="35" name="Conector reto 34">
-                  <a:extLst>
-                    <a:ext uri="{FF2B5EF4-FFF2-40B4-BE49-F238E27FC236}">
-                      <a16:creationId xmlns:a16="http://schemas.microsoft.com/office/drawing/2014/main" id="{116398BA-6635-460B-BAB1-75E49888E5BF}"/>
-                    </a:ext>
-                  </a:extLst>
-                </p:cNvPr>
-                <p:cNvCxnSpPr/>
-                <p:nvPr/>
-              </p:nvCxnSpPr>
-              <p:spPr>
-                <a:xfrm flipH="1">
-                  <a:off x="5034233" y="2662031"/>
-                  <a:ext cx="283098" cy="0"/>
-                </a:xfrm>
-                <a:prstGeom prst="line">
-                  <a:avLst/>
-                </a:prstGeom>
-                <a:ln w="28575">
-                  <a:solidFill>
-                    <a:schemeClr val="tx1"/>
-                  </a:solidFill>
-                </a:ln>
-              </p:spPr>
-              <p:style>
-                <a:lnRef idx="1">
-                  <a:schemeClr val="accent1"/>
-                </a:lnRef>
-                <a:fillRef idx="0">
-                  <a:schemeClr val="accent1"/>
-                </a:fillRef>
-                <a:effectRef idx="0">
-                  <a:schemeClr val="accent1"/>
-                </a:effectRef>
-                <a:fontRef idx="minor">
-                  <a:schemeClr val="tx1"/>
-                </a:fontRef>
-              </p:style>
-            </p:cxnSp>
-            <p:grpSp>
-              <p:nvGrpSpPr>
-                <p:cNvPr id="42" name="Agrupar 41">
-                  <a:extLst>
-                    <a:ext uri="{FF2B5EF4-FFF2-40B4-BE49-F238E27FC236}">
-                      <a16:creationId xmlns:a16="http://schemas.microsoft.com/office/drawing/2014/main" id="{3F7CCB30-3935-44B5-992E-0589A2C2DDB5}"/>
-                    </a:ext>
-                  </a:extLst>
-                </p:cNvPr>
-                <p:cNvGrpSpPr/>
-                <p:nvPr/>
-              </p:nvGrpSpPr>
-              <p:grpSpPr>
-                <a:xfrm>
-                  <a:off x="5546353" y="2639171"/>
-                  <a:ext cx="198120" cy="45720"/>
-                  <a:chOff x="5708813" y="2639171"/>
-                  <a:chExt cx="198120" cy="45720"/>
-                </a:xfrm>
-              </p:grpSpPr>
-              <p:sp>
-                <p:nvSpPr>
-                  <p:cNvPr id="41" name="Elipse 40">
-                    <a:extLst>
-                      <a:ext uri="{FF2B5EF4-FFF2-40B4-BE49-F238E27FC236}">
-                        <a16:creationId xmlns:a16="http://schemas.microsoft.com/office/drawing/2014/main" id="{0A8361E3-0CC9-43BB-8F1F-232E922FB6F4}"/>
-                      </a:ext>
-                    </a:extLst>
-                  </p:cNvPr>
-                  <p:cNvSpPr/>
-                  <p:nvPr/>
-                </p:nvSpPr>
-                <p:spPr>
-                  <a:xfrm>
-                    <a:off x="5708813" y="2639171"/>
-                    <a:ext cx="45720" cy="45720"/>
-                  </a:xfrm>
-                  <a:prstGeom prst="ellipse">
-                    <a:avLst/>
-                  </a:prstGeom>
-                  <a:solidFill>
-                    <a:schemeClr val="tx1"/>
-                  </a:solidFill>
-                  <a:ln>
-                    <a:noFill/>
-                  </a:ln>
-                </p:spPr>
-                <p:style>
-                  <a:lnRef idx="2">
-                    <a:schemeClr val="accent1">
-                      <a:shade val="50000"/>
-                    </a:schemeClr>
-                  </a:lnRef>
-                  <a:fillRef idx="1">
-                    <a:schemeClr val="accent1"/>
-                  </a:fillRef>
-                  <a:effectRef idx="0">
-                    <a:schemeClr val="accent1"/>
-                  </a:effectRef>
-                  <a:fontRef idx="minor">
-                    <a:schemeClr val="lt1"/>
-                  </a:fontRef>
-                </p:style>
-                <p:txBody>
-                  <a:bodyPr rtlCol="0" anchor="ctr"/>
-                  <a:lstStyle/>
-                  <a:p>
-                    <a:pPr algn="ctr"/>
-                    <a:endParaRPr lang="pt-BR"/>
-                  </a:p>
-                </p:txBody>
-              </p:sp>
-              <p:sp>
-                <p:nvSpPr>
-                  <p:cNvPr id="113" name="Elipse 112">
-                    <a:extLst>
-                      <a:ext uri="{FF2B5EF4-FFF2-40B4-BE49-F238E27FC236}">
-                        <a16:creationId xmlns:a16="http://schemas.microsoft.com/office/drawing/2014/main" id="{A465C093-54FC-414D-9CED-1CC060DD2AAC}"/>
-                      </a:ext>
-                    </a:extLst>
-                  </p:cNvPr>
-                  <p:cNvSpPr/>
-                  <p:nvPr/>
-                </p:nvSpPr>
-                <p:spPr>
-                  <a:xfrm>
-                    <a:off x="5861213" y="2639171"/>
-                    <a:ext cx="45720" cy="45720"/>
-                  </a:xfrm>
-                  <a:prstGeom prst="ellipse">
-                    <a:avLst/>
-                  </a:prstGeom>
-                  <a:solidFill>
-                    <a:schemeClr val="tx1"/>
-                  </a:solidFill>
-                  <a:ln>
-                    <a:noFill/>
-                  </a:ln>
-                </p:spPr>
-                <p:style>
-                  <a:lnRef idx="2">
-                    <a:schemeClr val="accent1">
-                      <a:shade val="50000"/>
-                    </a:schemeClr>
-                  </a:lnRef>
-                  <a:fillRef idx="1">
-                    <a:schemeClr val="accent1"/>
-                  </a:fillRef>
-                  <a:effectRef idx="0">
-                    <a:schemeClr val="accent1"/>
-                  </a:effectRef>
-                  <a:fontRef idx="minor">
-                    <a:schemeClr val="lt1"/>
-                  </a:fontRef>
-                </p:style>
-                <p:txBody>
-                  <a:bodyPr rtlCol="0" anchor="ctr"/>
-                  <a:lstStyle/>
-                  <a:p>
-                    <a:pPr algn="ctr"/>
-                    <a:endParaRPr lang="pt-BR"/>
-                  </a:p>
-                </p:txBody>
-              </p:sp>
-              <p:sp>
-                <p:nvSpPr>
-                  <p:cNvPr id="114" name="Elipse 113">
-                    <a:extLst>
-                      <a:ext uri="{FF2B5EF4-FFF2-40B4-BE49-F238E27FC236}">
-                        <a16:creationId xmlns:a16="http://schemas.microsoft.com/office/drawing/2014/main" id="{FEE621B7-57D0-4B0D-A205-AA65C4ECECC8}"/>
-                      </a:ext>
-                    </a:extLst>
-                  </p:cNvPr>
-                  <p:cNvSpPr/>
-                  <p:nvPr/>
-                </p:nvSpPr>
-                <p:spPr>
-                  <a:xfrm>
-                    <a:off x="5785013" y="2639171"/>
-                    <a:ext cx="45720" cy="45720"/>
-                  </a:xfrm>
-                  <a:prstGeom prst="ellipse">
-                    <a:avLst/>
-                  </a:prstGeom>
-                  <a:solidFill>
-                    <a:schemeClr val="tx1"/>
-                  </a:solidFill>
-                  <a:ln>
-                    <a:noFill/>
-                  </a:ln>
-                </p:spPr>
-                <p:style>
-                  <a:lnRef idx="2">
-                    <a:schemeClr val="accent1">
-                      <a:shade val="50000"/>
-                    </a:schemeClr>
-                  </a:lnRef>
-                  <a:fillRef idx="1">
-                    <a:schemeClr val="accent1"/>
-                  </a:fillRef>
-                  <a:effectRef idx="0">
-                    <a:schemeClr val="accent1"/>
-                  </a:effectRef>
-                  <a:fontRef idx="minor">
-                    <a:schemeClr val="lt1"/>
-                  </a:fontRef>
-                </p:style>
-                <p:txBody>
-                  <a:bodyPr rtlCol="0" anchor="ctr"/>
-                  <a:lstStyle/>
-                  <a:p>
-                    <a:pPr algn="ctr"/>
-                    <a:endParaRPr lang="pt-BR"/>
-                  </a:p>
-                </p:txBody>
-              </p:sp>
-            </p:grpSp>
-          </p:grpSp>
-          <p:grpSp>
-            <p:nvGrpSpPr>
-              <p:cNvPr id="45" name="Agrupar 44">
-                <a:extLst>
-                  <a:ext uri="{FF2B5EF4-FFF2-40B4-BE49-F238E27FC236}">
-                    <a16:creationId xmlns:a16="http://schemas.microsoft.com/office/drawing/2014/main" id="{2539BA99-4B30-45F4-A29E-79FF42A0A87F}"/>
-                  </a:ext>
-                </a:extLst>
-              </p:cNvPr>
-              <p:cNvGrpSpPr/>
-              <p:nvPr/>
-            </p:nvGrpSpPr>
-            <p:grpSpPr>
-              <a:xfrm>
-                <a:off x="5375341" y="1043334"/>
-                <a:ext cx="768552" cy="416813"/>
-                <a:chOff x="5375341" y="1043334"/>
-                <a:chExt cx="768552" cy="416813"/>
-              </a:xfrm>
-            </p:grpSpPr>
-            <p:pic>
-              <p:nvPicPr>
-                <p:cNvPr id="107" name="Imagem 106">
-                  <a:extLst>
-                    <a:ext uri="{FF2B5EF4-FFF2-40B4-BE49-F238E27FC236}">
-                      <a16:creationId xmlns:a16="http://schemas.microsoft.com/office/drawing/2014/main" id="{E8ED46B4-9CE6-4346-9F26-AB242A503200}"/>
-                    </a:ext>
-                  </a:extLst>
-                </p:cNvPr>
-                <p:cNvPicPr>
-                  <a:picLocks noChangeAspect="1"/>
-                </p:cNvPicPr>
-                <p:nvPr/>
-              </p:nvPicPr>
-              <p:blipFill rotWithShape="1">
-                <a:blip r:embed="rId3" cstate="print">
-                  <a:extLst>
-                    <a:ext uri="{BEBA8EAE-BF5A-486C-A8C5-ECC9F3942E4B}">
-                      <a14:imgProps xmlns:a14="http://schemas.microsoft.com/office/drawing/2010/main">
-                        <a14:imgLayer r:embed="rId4">
-                          <a14:imgEffect>
-                            <a14:colorTemperature colorTemp="11200"/>
-                          </a14:imgEffect>
-                        </a14:imgLayer>
-                      </a14:imgProps>
-                    </a:ext>
-                    <a:ext uri="{28A0092B-C50C-407E-A947-70E740481C1C}">
-                      <a14:useLocalDpi xmlns:a14="http://schemas.microsoft.com/office/drawing/2010/main" val="0"/>
-                    </a:ext>
-                  </a:extLst>
-                </a:blip>
-                <a:srcRect l="15484" t="16476" r="16664" b="16556"/>
-                <a:stretch/>
-              </p:blipFill>
-              <p:spPr>
-                <a:xfrm>
-                  <a:off x="5833795" y="1154091"/>
-                  <a:ext cx="310098" cy="306056"/>
-                </a:xfrm>
-                <a:prstGeom prst="rect">
-                  <a:avLst/>
-                </a:prstGeom>
-              </p:spPr>
-            </p:pic>
-            <p:sp>
-              <p:nvSpPr>
-                <p:cNvPr id="115" name="CaixaDeTexto 114">
-                  <a:extLst>
-                    <a:ext uri="{FF2B5EF4-FFF2-40B4-BE49-F238E27FC236}">
-                      <a16:creationId xmlns:a16="http://schemas.microsoft.com/office/drawing/2014/main" id="{37D83401-7DB1-480C-9B30-2D528BEFF634}"/>
-                    </a:ext>
-                  </a:extLst>
-                </p:cNvPr>
-                <p:cNvSpPr txBox="1"/>
-                <p:nvPr/>
-              </p:nvSpPr>
-              <p:spPr>
-                <a:xfrm>
-                  <a:off x="5375341" y="1043334"/>
-                  <a:ext cx="599844" cy="253916"/>
-                </a:xfrm>
-                <a:prstGeom prst="rect">
-                  <a:avLst/>
-                </a:prstGeom>
-                <a:noFill/>
-              </p:spPr>
               <p:txBody>
-                <a:bodyPr wrap="none" rtlCol="0">
-                  <a:spAutoFit/>
-                </a:bodyPr>
+                <a:bodyPr rtlCol="0" anchor="ctr"/>
                 <a:lstStyle/>
                 <a:p>
-                  <a:r>
-                    <a:rPr lang="en-US" sz="1050" dirty="0">
-                      <a:latin typeface="Microsoft PhagsPa" panose="020B0502040204020203" pitchFamily="34" charset="0"/>
-                      <a:ea typeface="Adobe Fan Heiti Std B" panose="020B0700000000000000" pitchFamily="34" charset="-128"/>
-                      <a:cs typeface="Arial" panose="020B0604020202020204" pitchFamily="34" charset="0"/>
-                    </a:rPr>
-                    <a:t>Topic </a:t>
-                  </a:r>
-                  <a:r>
-                    <a:rPr lang="en-US" sz="800" dirty="0">
-                      <a:latin typeface="Microsoft PhagsPa" panose="020B0502040204020203" pitchFamily="34" charset="0"/>
-                      <a:ea typeface="Adobe Fan Heiti Std B" panose="020B0700000000000000" pitchFamily="34" charset="-128"/>
-                      <a:cs typeface="Arial" panose="020B0604020202020204" pitchFamily="34" charset="0"/>
-                    </a:rPr>
-                    <a:t>1</a:t>
-                  </a:r>
-                  <a:endParaRPr lang="en-US" sz="1050" dirty="0">
-                    <a:latin typeface="Microsoft PhagsPa" panose="020B0502040204020203" pitchFamily="34" charset="0"/>
-                    <a:ea typeface="Adobe Fan Heiti Std B" panose="020B0700000000000000" pitchFamily="34" charset="-128"/>
-                    <a:cs typeface="Arial" panose="020B0604020202020204" pitchFamily="34" charset="0"/>
-                  </a:endParaRPr>
-                </a:p>
-              </p:txBody>
-            </p:sp>
-          </p:grpSp>
-          <p:grpSp>
-            <p:nvGrpSpPr>
-              <p:cNvPr id="46" name="Agrupar 45">
-                <a:extLst>
-                  <a:ext uri="{FF2B5EF4-FFF2-40B4-BE49-F238E27FC236}">
-                    <a16:creationId xmlns:a16="http://schemas.microsoft.com/office/drawing/2014/main" id="{07F9B86B-8E0D-46D6-ABFE-1FA706C5D435}"/>
-                  </a:ext>
-                </a:extLst>
-              </p:cNvPr>
-              <p:cNvGrpSpPr/>
-              <p:nvPr/>
-            </p:nvGrpSpPr>
-            <p:grpSpPr>
-              <a:xfrm>
-                <a:off x="5375341" y="1489304"/>
-                <a:ext cx="768552" cy="420544"/>
-                <a:chOff x="5375341" y="1489304"/>
-                <a:chExt cx="768552" cy="420544"/>
-              </a:xfrm>
-            </p:grpSpPr>
-            <p:pic>
-              <p:nvPicPr>
-                <p:cNvPr id="108" name="Imagem 107">
-                  <a:extLst>
-                    <a:ext uri="{FF2B5EF4-FFF2-40B4-BE49-F238E27FC236}">
-                      <a16:creationId xmlns:a16="http://schemas.microsoft.com/office/drawing/2014/main" id="{979DE864-9321-47D7-A655-C6813FDC5F54}"/>
-                    </a:ext>
-                  </a:extLst>
-                </p:cNvPr>
-                <p:cNvPicPr>
-                  <a:picLocks noChangeAspect="1"/>
-                </p:cNvPicPr>
-                <p:nvPr/>
-              </p:nvPicPr>
-              <p:blipFill rotWithShape="1">
-                <a:blip r:embed="rId3" cstate="print">
-                  <a:extLst>
-                    <a:ext uri="{BEBA8EAE-BF5A-486C-A8C5-ECC9F3942E4B}">
-                      <a14:imgProps xmlns:a14="http://schemas.microsoft.com/office/drawing/2010/main">
-                        <a14:imgLayer r:embed="rId4">
-                          <a14:imgEffect>
-                            <a14:colorTemperature colorTemp="11200"/>
-                          </a14:imgEffect>
-                        </a14:imgLayer>
-                      </a14:imgProps>
-                    </a:ext>
-                    <a:ext uri="{28A0092B-C50C-407E-A947-70E740481C1C}">
-                      <a14:useLocalDpi xmlns:a14="http://schemas.microsoft.com/office/drawing/2010/main" val="0"/>
-                    </a:ext>
-                  </a:extLst>
-                </a:blip>
-                <a:srcRect l="15484" t="16476" r="16664" b="16556"/>
-                <a:stretch/>
-              </p:blipFill>
-              <p:spPr>
-                <a:xfrm>
-                  <a:off x="5833795" y="1603792"/>
-                  <a:ext cx="310098" cy="306056"/>
-                </a:xfrm>
-                <a:prstGeom prst="rect">
-                  <a:avLst/>
-                </a:prstGeom>
-              </p:spPr>
-            </p:pic>
-            <p:sp>
-              <p:nvSpPr>
-                <p:cNvPr id="116" name="CaixaDeTexto 115">
-                  <a:extLst>
-                    <a:ext uri="{FF2B5EF4-FFF2-40B4-BE49-F238E27FC236}">
-                      <a16:creationId xmlns:a16="http://schemas.microsoft.com/office/drawing/2014/main" id="{69A12A7A-E0F4-4A75-9A3B-384E69F8B359}"/>
-                    </a:ext>
-                  </a:extLst>
-                </p:cNvPr>
-                <p:cNvSpPr txBox="1"/>
-                <p:nvPr/>
-              </p:nvSpPr>
-              <p:spPr>
-                <a:xfrm>
-                  <a:off x="5375341" y="1489304"/>
-                  <a:ext cx="599844" cy="253916"/>
-                </a:xfrm>
-                <a:prstGeom prst="rect">
-                  <a:avLst/>
-                </a:prstGeom>
-                <a:noFill/>
-              </p:spPr>
-              <p:txBody>
-                <a:bodyPr wrap="none" rtlCol="0">
-                  <a:spAutoFit/>
-                </a:bodyPr>
-                <a:lstStyle/>
-                <a:p>
-                  <a:r>
-                    <a:rPr lang="en-US" sz="1050" dirty="0">
-                      <a:latin typeface="Microsoft PhagsPa" panose="020B0502040204020203" pitchFamily="34" charset="0"/>
-                      <a:ea typeface="Adobe Fan Heiti Std B" panose="020B0700000000000000" pitchFamily="34" charset="-128"/>
-                      <a:cs typeface="Arial" panose="020B0604020202020204" pitchFamily="34" charset="0"/>
-                    </a:rPr>
-                    <a:t>Topic </a:t>
-                  </a:r>
-                  <a:r>
-                    <a:rPr lang="en-US" sz="800" dirty="0">
-                      <a:latin typeface="Microsoft PhagsPa" panose="020B0502040204020203" pitchFamily="34" charset="0"/>
-                      <a:ea typeface="Adobe Fan Heiti Std B" panose="020B0700000000000000" pitchFamily="34" charset="-128"/>
-                      <a:cs typeface="Arial" panose="020B0604020202020204" pitchFamily="34" charset="0"/>
-                    </a:rPr>
-                    <a:t>2</a:t>
-                  </a:r>
-                  <a:endParaRPr lang="en-US" sz="1050" dirty="0">
-                    <a:latin typeface="Microsoft PhagsPa" panose="020B0502040204020203" pitchFamily="34" charset="0"/>
-                    <a:ea typeface="Adobe Fan Heiti Std B" panose="020B0700000000000000" pitchFamily="34" charset="-128"/>
-                    <a:cs typeface="Arial" panose="020B0604020202020204" pitchFamily="34" charset="0"/>
-                  </a:endParaRPr>
-                </a:p>
-              </p:txBody>
-            </p:sp>
-          </p:grpSp>
-          <p:grpSp>
-            <p:nvGrpSpPr>
-              <p:cNvPr id="47" name="Agrupar 46">
-                <a:extLst>
-                  <a:ext uri="{FF2B5EF4-FFF2-40B4-BE49-F238E27FC236}">
-                    <a16:creationId xmlns:a16="http://schemas.microsoft.com/office/drawing/2014/main" id="{1653BC4E-C8C3-4B31-B027-2734CFF4676F}"/>
-                  </a:ext>
-                </a:extLst>
-              </p:cNvPr>
-              <p:cNvGrpSpPr/>
-              <p:nvPr/>
-            </p:nvGrpSpPr>
-            <p:grpSpPr>
-              <a:xfrm>
-                <a:off x="5375341" y="1935274"/>
-                <a:ext cx="768552" cy="424275"/>
-                <a:chOff x="5375341" y="1935274"/>
-                <a:chExt cx="768552" cy="424275"/>
-              </a:xfrm>
-            </p:grpSpPr>
-            <p:pic>
-              <p:nvPicPr>
-                <p:cNvPr id="109" name="Imagem 108">
-                  <a:extLst>
-                    <a:ext uri="{FF2B5EF4-FFF2-40B4-BE49-F238E27FC236}">
-                      <a16:creationId xmlns:a16="http://schemas.microsoft.com/office/drawing/2014/main" id="{8D1DF43C-0A86-4E38-86C6-4B4D04B82493}"/>
-                    </a:ext>
-                  </a:extLst>
-                </p:cNvPr>
-                <p:cNvPicPr>
-                  <a:picLocks noChangeAspect="1"/>
-                </p:cNvPicPr>
-                <p:nvPr/>
-              </p:nvPicPr>
-              <p:blipFill rotWithShape="1">
-                <a:blip r:embed="rId3" cstate="print">
-                  <a:extLst>
-                    <a:ext uri="{BEBA8EAE-BF5A-486C-A8C5-ECC9F3942E4B}">
-                      <a14:imgProps xmlns:a14="http://schemas.microsoft.com/office/drawing/2010/main">
-                        <a14:imgLayer r:embed="rId4">
-                          <a14:imgEffect>
-                            <a14:colorTemperature colorTemp="11200"/>
-                          </a14:imgEffect>
-                        </a14:imgLayer>
-                      </a14:imgProps>
-                    </a:ext>
-                    <a:ext uri="{28A0092B-C50C-407E-A947-70E740481C1C}">
-                      <a14:useLocalDpi xmlns:a14="http://schemas.microsoft.com/office/drawing/2010/main" val="0"/>
-                    </a:ext>
-                  </a:extLst>
-                </a:blip>
-                <a:srcRect l="15484" t="16476" r="16664" b="16556"/>
-                <a:stretch/>
-              </p:blipFill>
-              <p:spPr>
-                <a:xfrm>
-                  <a:off x="5833795" y="2053493"/>
-                  <a:ext cx="310098" cy="306056"/>
-                </a:xfrm>
-                <a:prstGeom prst="rect">
-                  <a:avLst/>
-                </a:prstGeom>
-              </p:spPr>
-            </p:pic>
-            <p:sp>
-              <p:nvSpPr>
-                <p:cNvPr id="117" name="CaixaDeTexto 116">
-                  <a:extLst>
-                    <a:ext uri="{FF2B5EF4-FFF2-40B4-BE49-F238E27FC236}">
-                      <a16:creationId xmlns:a16="http://schemas.microsoft.com/office/drawing/2014/main" id="{EAE46E8B-E824-48B8-A9CB-C88EAB170548}"/>
-                    </a:ext>
-                  </a:extLst>
-                </p:cNvPr>
-                <p:cNvSpPr txBox="1"/>
-                <p:nvPr/>
-              </p:nvSpPr>
-              <p:spPr>
-                <a:xfrm>
-                  <a:off x="5375341" y="1935274"/>
-                  <a:ext cx="599844" cy="253916"/>
-                </a:xfrm>
-                <a:prstGeom prst="rect">
-                  <a:avLst/>
-                </a:prstGeom>
-                <a:noFill/>
-              </p:spPr>
-              <p:txBody>
-                <a:bodyPr wrap="none" rtlCol="0">
-                  <a:spAutoFit/>
-                </a:bodyPr>
-                <a:lstStyle/>
-                <a:p>
-                  <a:r>
-                    <a:rPr lang="en-US" sz="1050" dirty="0">
-                      <a:latin typeface="Microsoft PhagsPa" panose="020B0502040204020203" pitchFamily="34" charset="0"/>
-                      <a:ea typeface="Adobe Fan Heiti Std B" panose="020B0700000000000000" pitchFamily="34" charset="-128"/>
-                      <a:cs typeface="Arial" panose="020B0604020202020204" pitchFamily="34" charset="0"/>
-                    </a:rPr>
-                    <a:t>Topic </a:t>
-                  </a:r>
-                  <a:r>
-                    <a:rPr lang="en-US" sz="800" dirty="0">
-                      <a:latin typeface="Microsoft PhagsPa" panose="020B0502040204020203" pitchFamily="34" charset="0"/>
-                      <a:ea typeface="Adobe Fan Heiti Std B" panose="020B0700000000000000" pitchFamily="34" charset="-128"/>
-                      <a:cs typeface="Arial" panose="020B0604020202020204" pitchFamily="34" charset="0"/>
-                    </a:rPr>
-                    <a:t>3</a:t>
-                  </a:r>
-                  <a:endParaRPr lang="en-US" sz="1050" dirty="0">
-                    <a:latin typeface="Microsoft PhagsPa" panose="020B0502040204020203" pitchFamily="34" charset="0"/>
-                    <a:ea typeface="Adobe Fan Heiti Std B" panose="020B0700000000000000" pitchFamily="34" charset="-128"/>
-                    <a:cs typeface="Arial" panose="020B0604020202020204" pitchFamily="34" charset="0"/>
-                  </a:endParaRPr>
-                </a:p>
-              </p:txBody>
-            </p:sp>
-          </p:grpSp>
-          <p:grpSp>
-            <p:nvGrpSpPr>
-              <p:cNvPr id="49" name="Agrupar 48">
-                <a:extLst>
-                  <a:ext uri="{FF2B5EF4-FFF2-40B4-BE49-F238E27FC236}">
-                    <a16:creationId xmlns:a16="http://schemas.microsoft.com/office/drawing/2014/main" id="{7192AD47-CC62-4262-95D7-9C53F741F3B2}"/>
-                  </a:ext>
-                </a:extLst>
-              </p:cNvPr>
-              <p:cNvGrpSpPr/>
-              <p:nvPr/>
-            </p:nvGrpSpPr>
-            <p:grpSpPr>
-              <a:xfrm>
-                <a:off x="5365723" y="2827216"/>
-                <a:ext cx="778170" cy="431736"/>
-                <a:chOff x="5365723" y="2827216"/>
-                <a:chExt cx="778170" cy="431736"/>
-              </a:xfrm>
-            </p:grpSpPr>
-            <p:pic>
-              <p:nvPicPr>
-                <p:cNvPr id="111" name="Imagem 110">
-                  <a:extLst>
-                    <a:ext uri="{FF2B5EF4-FFF2-40B4-BE49-F238E27FC236}">
-                      <a16:creationId xmlns:a16="http://schemas.microsoft.com/office/drawing/2014/main" id="{F402EF0B-BE91-48BB-9B2F-DC84FC715F1C}"/>
-                    </a:ext>
-                  </a:extLst>
-                </p:cNvPr>
-                <p:cNvPicPr>
-                  <a:picLocks noChangeAspect="1"/>
-                </p:cNvPicPr>
-                <p:nvPr/>
-              </p:nvPicPr>
-              <p:blipFill rotWithShape="1">
-                <a:blip r:embed="rId3" cstate="print">
-                  <a:extLst>
-                    <a:ext uri="{BEBA8EAE-BF5A-486C-A8C5-ECC9F3942E4B}">
-                      <a14:imgProps xmlns:a14="http://schemas.microsoft.com/office/drawing/2010/main">
-                        <a14:imgLayer r:embed="rId4">
-                          <a14:imgEffect>
-                            <a14:colorTemperature colorTemp="11200"/>
-                          </a14:imgEffect>
-                        </a14:imgLayer>
-                      </a14:imgProps>
-                    </a:ext>
-                    <a:ext uri="{28A0092B-C50C-407E-A947-70E740481C1C}">
-                      <a14:useLocalDpi xmlns:a14="http://schemas.microsoft.com/office/drawing/2010/main" val="0"/>
-                    </a:ext>
-                  </a:extLst>
-                </a:blip>
-                <a:srcRect l="15484" t="16476" r="16664" b="16556"/>
-                <a:stretch/>
-              </p:blipFill>
-              <p:spPr>
-                <a:xfrm>
-                  <a:off x="5833795" y="2952896"/>
-                  <a:ext cx="310098" cy="306056"/>
-                </a:xfrm>
-                <a:prstGeom prst="rect">
-                  <a:avLst/>
-                </a:prstGeom>
-              </p:spPr>
-            </p:pic>
-            <p:sp>
-              <p:nvSpPr>
-                <p:cNvPr id="121" name="CaixaDeTexto 120">
-                  <a:extLst>
-                    <a:ext uri="{FF2B5EF4-FFF2-40B4-BE49-F238E27FC236}">
-                      <a16:creationId xmlns:a16="http://schemas.microsoft.com/office/drawing/2014/main" id="{76CCBF30-B8F5-49CA-B43D-ADC0B6E33ABF}"/>
-                    </a:ext>
-                  </a:extLst>
-                </p:cNvPr>
-                <p:cNvSpPr txBox="1"/>
-                <p:nvPr/>
-              </p:nvSpPr>
-              <p:spPr>
-                <a:xfrm>
-                  <a:off x="5365723" y="2827216"/>
-                  <a:ext cx="620683" cy="253916"/>
-                </a:xfrm>
-                <a:prstGeom prst="rect">
-                  <a:avLst/>
-                </a:prstGeom>
-                <a:noFill/>
-              </p:spPr>
-              <p:txBody>
-                <a:bodyPr wrap="none" rtlCol="0">
-                  <a:spAutoFit/>
-                </a:bodyPr>
-                <a:lstStyle/>
-                <a:p>
-                  <a:r>
-                    <a:rPr lang="en-US" sz="1050" dirty="0">
-                      <a:latin typeface="Microsoft PhagsPa" panose="020B0502040204020203" pitchFamily="34" charset="0"/>
-                      <a:ea typeface="Adobe Fan Heiti Std B" panose="020B0700000000000000" pitchFamily="34" charset="-128"/>
-                      <a:cs typeface="Arial" panose="020B0604020202020204" pitchFamily="34" charset="0"/>
-                    </a:rPr>
-                    <a:t>Topic </a:t>
-                  </a:r>
-                  <a:r>
-                    <a:rPr lang="en-US" sz="800" dirty="0">
-                      <a:latin typeface="Microsoft PhagsPa" panose="020B0502040204020203" pitchFamily="34" charset="0"/>
-                      <a:ea typeface="Adobe Fan Heiti Std B" panose="020B0700000000000000" pitchFamily="34" charset="-128"/>
-                      <a:cs typeface="Arial" panose="020B0604020202020204" pitchFamily="34" charset="0"/>
-                    </a:rPr>
-                    <a:t>N</a:t>
-                  </a:r>
-                  <a:endParaRPr lang="en-US" sz="1050" dirty="0">
-                    <a:latin typeface="Microsoft PhagsPa" panose="020B0502040204020203" pitchFamily="34" charset="0"/>
-                    <a:ea typeface="Adobe Fan Heiti Std B" panose="020B0700000000000000" pitchFamily="34" charset="-128"/>
-                    <a:cs typeface="Arial" panose="020B0604020202020204" pitchFamily="34" charset="0"/>
-                  </a:endParaRPr>
+                  <a:pPr algn="ctr"/>
+                  <a:endParaRPr lang="pt-BR"/>
                 </a:p>
               </p:txBody>
             </p:sp>
@@ -5899,10 +5423,218 @@
         </p:grpSp>
         <p:sp>
           <p:nvSpPr>
+            <p:cNvPr id="115" name="CaixaDeTexto 114">
+              <a:extLst>
+                <a:ext uri="{FF2B5EF4-FFF2-40B4-BE49-F238E27FC236}">
+                  <a16:creationId xmlns="" xmlns:a16="http://schemas.microsoft.com/office/drawing/2014/main" id="{37D83401-7DB1-480C-9B30-2D528BEFF634}"/>
+                </a:ext>
+              </a:extLst>
+            </p:cNvPr>
+            <p:cNvSpPr txBox="1"/>
+            <p:nvPr/>
+          </p:nvSpPr>
+          <p:spPr>
+            <a:xfrm>
+              <a:off x="6993341" y="2257124"/>
+              <a:ext cx="599844" cy="253916"/>
+            </a:xfrm>
+            <a:prstGeom prst="rect">
+              <a:avLst/>
+            </a:prstGeom>
+            <a:noFill/>
+          </p:spPr>
+          <p:txBody>
+            <a:bodyPr wrap="none" rtlCol="0">
+              <a:spAutoFit/>
+            </a:bodyPr>
+            <a:lstStyle/>
+            <a:p>
+              <a:r>
+                <a:rPr lang="en-US" sz="1050" dirty="0">
+                  <a:latin typeface="Microsoft PhagsPa" panose="020B0502040204020203" pitchFamily="34" charset="0"/>
+                  <a:ea typeface="Adobe Fan Heiti Std B" panose="020B0700000000000000" pitchFamily="34" charset="-128"/>
+                  <a:cs typeface="Arial" panose="020B0604020202020204" pitchFamily="34" charset="0"/>
+                </a:rPr>
+                <a:t>Topic </a:t>
+              </a:r>
+              <a:r>
+                <a:rPr lang="en-US" sz="800" dirty="0">
+                  <a:latin typeface="Microsoft PhagsPa" panose="020B0502040204020203" pitchFamily="34" charset="0"/>
+                  <a:ea typeface="Adobe Fan Heiti Std B" panose="020B0700000000000000" pitchFamily="34" charset="-128"/>
+                  <a:cs typeface="Arial" panose="020B0604020202020204" pitchFamily="34" charset="0"/>
+                </a:rPr>
+                <a:t>1</a:t>
+              </a:r>
+              <a:endParaRPr lang="en-US" sz="1050" dirty="0">
+                <a:latin typeface="Microsoft PhagsPa" panose="020B0502040204020203" pitchFamily="34" charset="0"/>
+                <a:ea typeface="Adobe Fan Heiti Std B" panose="020B0700000000000000" pitchFamily="34" charset="-128"/>
+                <a:cs typeface="Arial" panose="020B0604020202020204" pitchFamily="34" charset="0"/>
+              </a:endParaRPr>
+            </a:p>
+          </p:txBody>
+        </p:sp>
+        <p:sp>
+          <p:nvSpPr>
+            <p:cNvPr id="116" name="CaixaDeTexto 115">
+              <a:extLst>
+                <a:ext uri="{FF2B5EF4-FFF2-40B4-BE49-F238E27FC236}">
+                  <a16:creationId xmlns="" xmlns:a16="http://schemas.microsoft.com/office/drawing/2014/main" id="{69A12A7A-E0F4-4A75-9A3B-384E69F8B359}"/>
+                </a:ext>
+              </a:extLst>
+            </p:cNvPr>
+            <p:cNvSpPr txBox="1"/>
+            <p:nvPr/>
+          </p:nvSpPr>
+          <p:spPr>
+            <a:xfrm>
+              <a:off x="6993341" y="2703094"/>
+              <a:ext cx="599844" cy="253916"/>
+            </a:xfrm>
+            <a:prstGeom prst="rect">
+              <a:avLst/>
+            </a:prstGeom>
+            <a:noFill/>
+          </p:spPr>
+          <p:txBody>
+            <a:bodyPr wrap="none" rtlCol="0">
+              <a:spAutoFit/>
+            </a:bodyPr>
+            <a:lstStyle/>
+            <a:p>
+              <a:r>
+                <a:rPr lang="en-US" sz="1050" dirty="0">
+                  <a:latin typeface="Microsoft PhagsPa" panose="020B0502040204020203" pitchFamily="34" charset="0"/>
+                  <a:ea typeface="Adobe Fan Heiti Std B" panose="020B0700000000000000" pitchFamily="34" charset="-128"/>
+                  <a:cs typeface="Arial" panose="020B0604020202020204" pitchFamily="34" charset="0"/>
+                </a:rPr>
+                <a:t>Topic </a:t>
+              </a:r>
+              <a:r>
+                <a:rPr lang="en-US" sz="800" dirty="0">
+                  <a:latin typeface="Microsoft PhagsPa" panose="020B0502040204020203" pitchFamily="34" charset="0"/>
+                  <a:ea typeface="Adobe Fan Heiti Std B" panose="020B0700000000000000" pitchFamily="34" charset="-128"/>
+                  <a:cs typeface="Arial" panose="020B0604020202020204" pitchFamily="34" charset="0"/>
+                </a:rPr>
+                <a:t>2</a:t>
+              </a:r>
+              <a:endParaRPr lang="en-US" sz="1050" dirty="0">
+                <a:latin typeface="Microsoft PhagsPa" panose="020B0502040204020203" pitchFamily="34" charset="0"/>
+                <a:ea typeface="Adobe Fan Heiti Std B" panose="020B0700000000000000" pitchFamily="34" charset="-128"/>
+                <a:cs typeface="Arial" panose="020B0604020202020204" pitchFamily="34" charset="0"/>
+              </a:endParaRPr>
+            </a:p>
+          </p:txBody>
+        </p:sp>
+        <p:sp>
+          <p:nvSpPr>
+            <p:cNvPr id="117" name="CaixaDeTexto 116">
+              <a:extLst>
+                <a:ext uri="{FF2B5EF4-FFF2-40B4-BE49-F238E27FC236}">
+                  <a16:creationId xmlns="" xmlns:a16="http://schemas.microsoft.com/office/drawing/2014/main" id="{EAE46E8B-E824-48B8-A9CB-C88EAB170548}"/>
+                </a:ext>
+              </a:extLst>
+            </p:cNvPr>
+            <p:cNvSpPr txBox="1"/>
+            <p:nvPr/>
+          </p:nvSpPr>
+          <p:spPr>
+            <a:xfrm>
+              <a:off x="6993341" y="3149064"/>
+              <a:ext cx="599844" cy="253916"/>
+            </a:xfrm>
+            <a:prstGeom prst="rect">
+              <a:avLst/>
+            </a:prstGeom>
+            <a:noFill/>
+          </p:spPr>
+          <p:txBody>
+            <a:bodyPr wrap="none" rtlCol="0">
+              <a:spAutoFit/>
+            </a:bodyPr>
+            <a:lstStyle/>
+            <a:p>
+              <a:r>
+                <a:rPr lang="en-US" sz="1050" dirty="0">
+                  <a:latin typeface="Microsoft PhagsPa" panose="020B0502040204020203" pitchFamily="34" charset="0"/>
+                  <a:ea typeface="Adobe Fan Heiti Std B" panose="020B0700000000000000" pitchFamily="34" charset="-128"/>
+                  <a:cs typeface="Arial" panose="020B0604020202020204" pitchFamily="34" charset="0"/>
+                </a:rPr>
+                <a:t>Topic </a:t>
+              </a:r>
+              <a:r>
+                <a:rPr lang="en-US" sz="800" dirty="0">
+                  <a:latin typeface="Microsoft PhagsPa" panose="020B0502040204020203" pitchFamily="34" charset="0"/>
+                  <a:ea typeface="Adobe Fan Heiti Std B" panose="020B0700000000000000" pitchFamily="34" charset="-128"/>
+                  <a:cs typeface="Arial" panose="020B0604020202020204" pitchFamily="34" charset="0"/>
+                </a:rPr>
+                <a:t>3</a:t>
+              </a:r>
+              <a:endParaRPr lang="en-US" sz="1050" dirty="0">
+                <a:latin typeface="Microsoft PhagsPa" panose="020B0502040204020203" pitchFamily="34" charset="0"/>
+                <a:ea typeface="Adobe Fan Heiti Std B" panose="020B0700000000000000" pitchFamily="34" charset="-128"/>
+                <a:cs typeface="Arial" panose="020B0604020202020204" pitchFamily="34" charset="0"/>
+              </a:endParaRPr>
+            </a:p>
+          </p:txBody>
+        </p:sp>
+        <p:sp>
+          <p:nvSpPr>
+            <p:cNvPr id="121" name="CaixaDeTexto 120">
+              <a:extLst>
+                <a:ext uri="{FF2B5EF4-FFF2-40B4-BE49-F238E27FC236}">
+                  <a16:creationId xmlns="" xmlns:a16="http://schemas.microsoft.com/office/drawing/2014/main" id="{76CCBF30-B8F5-49CA-B43D-ADC0B6E33ABF}"/>
+                </a:ext>
+              </a:extLst>
+            </p:cNvPr>
+            <p:cNvSpPr txBox="1"/>
+            <p:nvPr/>
+          </p:nvSpPr>
+          <p:spPr>
+            <a:xfrm>
+              <a:off x="6983723" y="4041006"/>
+              <a:ext cx="620683" cy="253916"/>
+            </a:xfrm>
+            <a:prstGeom prst="rect">
+              <a:avLst/>
+            </a:prstGeom>
+            <a:noFill/>
+          </p:spPr>
+          <p:txBody>
+            <a:bodyPr wrap="none" rtlCol="0">
+              <a:spAutoFit/>
+            </a:bodyPr>
+            <a:lstStyle/>
+            <a:p>
+              <a:r>
+                <a:rPr lang="en-US" sz="1050" dirty="0">
+                  <a:latin typeface="Microsoft PhagsPa" panose="020B0502040204020203" pitchFamily="34" charset="0"/>
+                  <a:ea typeface="Adobe Fan Heiti Std B" panose="020B0700000000000000" pitchFamily="34" charset="-128"/>
+                  <a:cs typeface="Arial" panose="020B0604020202020204" pitchFamily="34" charset="0"/>
+                </a:rPr>
+                <a:t>Topic </a:t>
+              </a:r>
+              <a:r>
+                <a:rPr lang="en-US" sz="800" dirty="0">
+                  <a:latin typeface="Microsoft PhagsPa" panose="020B0502040204020203" pitchFamily="34" charset="0"/>
+                  <a:ea typeface="Adobe Fan Heiti Std B" panose="020B0700000000000000" pitchFamily="34" charset="-128"/>
+                  <a:cs typeface="Arial" panose="020B0604020202020204" pitchFamily="34" charset="0"/>
+                </a:rPr>
+                <a:t>N</a:t>
+              </a:r>
+              <a:endParaRPr lang="en-US" sz="1050" dirty="0">
+                <a:latin typeface="Microsoft PhagsPa" panose="020B0502040204020203" pitchFamily="34" charset="0"/>
+                <a:ea typeface="Adobe Fan Heiti Std B" panose="020B0700000000000000" pitchFamily="34" charset="-128"/>
+                <a:cs typeface="Arial" panose="020B0604020202020204" pitchFamily="34" charset="0"/>
+              </a:endParaRPr>
+            </a:p>
+          </p:txBody>
+        </p:sp>
+        <p:sp>
+          <p:nvSpPr>
             <p:cNvPr id="126" name="Chave Direita 125">
               <a:extLst>
                 <a:ext uri="{FF2B5EF4-FFF2-40B4-BE49-F238E27FC236}">
-                  <a16:creationId xmlns:a16="http://schemas.microsoft.com/office/drawing/2014/main" id="{17110F35-881F-4C75-929B-57DD545268CF}"/>
+                  <a16:creationId xmlns="" xmlns:a16="http://schemas.microsoft.com/office/drawing/2014/main" id="{17110F35-881F-4C75-929B-57DD545268CF}"/>
                 </a:ext>
               </a:extLst>
             </p:cNvPr>
@@ -5911,7 +5643,7 @@
           </p:nvSpPr>
           <p:spPr>
             <a:xfrm>
-              <a:off x="6560263" y="3184183"/>
+              <a:off x="7932778" y="2527763"/>
               <a:ext cx="488957" cy="1802475"/>
             </a:xfrm>
             <a:prstGeom prst="rightBrace">
@@ -5955,7 +5687,91 @@
             <p:cNvPr id="130" name="Imagem 129">
               <a:extLst>
                 <a:ext uri="{FF2B5EF4-FFF2-40B4-BE49-F238E27FC236}">
-                  <a16:creationId xmlns:a16="http://schemas.microsoft.com/office/drawing/2014/main" id="{461EE266-A2F2-48AE-AE9A-38D83EA1134A}"/>
+                  <a16:creationId xmlns="" xmlns:a16="http://schemas.microsoft.com/office/drawing/2014/main" id="{461EE266-A2F2-48AE-AE9A-38D83EA1134A}"/>
+                </a:ext>
+              </a:extLst>
+            </p:cNvPr>
+            <p:cNvPicPr>
+              <a:picLocks noChangeAspect="1"/>
+            </p:cNvPicPr>
+            <p:nvPr/>
+          </p:nvPicPr>
+          <p:blipFill rotWithShape="1">
+            <a:blip r:embed="rId3" cstate="print">
+              <a:extLst>
+                <a:ext uri="{BEBA8EAE-BF5A-486C-A8C5-ECC9F3942E4B}">
+                  <a14:imgProps xmlns:a14="http://schemas.microsoft.com/office/drawing/2010/main">
+                    <a14:imgLayer r:embed="rId4">
+                      <a14:imgEffect>
+                        <a14:colorTemperature colorTemp="11200"/>
+                      </a14:imgEffect>
+                    </a14:imgLayer>
+                  </a14:imgProps>
+                </a:ext>
+                <a:ext uri="{28A0092B-C50C-407E-A947-70E740481C1C}">
+                  <a14:useLocalDpi xmlns:a14="http://schemas.microsoft.com/office/drawing/2010/main" val="0"/>
+                </a:ext>
+              </a:extLst>
+            </a:blip>
+            <a:srcRect l="15484" t="16476" r="16664" b="16556"/>
+            <a:stretch/>
+          </p:blipFill>
+          <p:spPr>
+            <a:xfrm>
+              <a:off x="8648469" y="2983029"/>
+              <a:ext cx="903722" cy="891942"/>
+            </a:xfrm>
+            <a:prstGeom prst="rect">
+              <a:avLst/>
+            </a:prstGeom>
+          </p:spPr>
+        </p:pic>
+        <p:sp>
+          <p:nvSpPr>
+            <p:cNvPr id="131" name="CaixaDeTexto 130">
+              <a:extLst>
+                <a:ext uri="{FF2B5EF4-FFF2-40B4-BE49-F238E27FC236}">
+                  <a16:creationId xmlns="" xmlns:a16="http://schemas.microsoft.com/office/drawing/2014/main" id="{74FB4955-447A-4B3A-AB0E-8A338872039E}"/>
+                </a:ext>
+              </a:extLst>
+            </p:cNvPr>
+            <p:cNvSpPr txBox="1"/>
+            <p:nvPr/>
+          </p:nvSpPr>
+          <p:spPr>
+            <a:xfrm>
+              <a:off x="8609650" y="2660775"/>
+              <a:ext cx="981359" cy="338554"/>
+            </a:xfrm>
+            <a:prstGeom prst="rect">
+              <a:avLst/>
+            </a:prstGeom>
+            <a:noFill/>
+          </p:spPr>
+          <p:txBody>
+            <a:bodyPr wrap="none" rtlCol="0">
+              <a:spAutoFit/>
+            </a:bodyPr>
+            <a:lstStyle/>
+            <a:p>
+              <a:pPr algn="ctr"/>
+              <a:r>
+                <a:rPr lang="en-US" sz="1600" dirty="0">
+                  <a:latin typeface="Microsoft PhagsPa" panose="020B0502040204020203" pitchFamily="34" charset="0"/>
+                  <a:ea typeface="Adobe Fan Heiti Std B" panose="020B0700000000000000" pitchFamily="34" charset="-128"/>
+                  <a:cs typeface="Arial" panose="020B0604020202020204" pitchFamily="34" charset="0"/>
+                </a:rPr>
+                <a:t>Classifier</a:t>
+              </a:r>
+            </a:p>
+          </p:txBody>
+        </p:sp>
+        <p:pic>
+          <p:nvPicPr>
+            <p:cNvPr id="40" name="Imagem 39">
+              <a:extLst>
+                <a:ext uri="{FF2B5EF4-FFF2-40B4-BE49-F238E27FC236}">
+                  <a16:creationId xmlns="" xmlns:a16="http://schemas.microsoft.com/office/drawing/2014/main" id="{461EE266-A2F2-48AE-AE9A-38D83EA1134A}"/>
                 </a:ext>
               </a:extLst>
             </p:cNvPr>
@@ -5986,54 +5802,146 @@
           </p:blipFill>
           <p:spPr>
             <a:xfrm>
-              <a:off x="7275954" y="3639449"/>
-              <a:ext cx="903722" cy="891942"/>
+              <a:off x="7451795" y="2367881"/>
+              <a:ext cx="293068" cy="289248"/>
             </a:xfrm>
             <a:prstGeom prst="rect">
               <a:avLst/>
             </a:prstGeom>
           </p:spPr>
         </p:pic>
-        <p:sp>
-          <p:nvSpPr>
-            <p:cNvPr id="131" name="CaixaDeTexto 130">
+        <p:pic>
+          <p:nvPicPr>
+            <p:cNvPr id="44" name="Imagem 43">
               <a:extLst>
                 <a:ext uri="{FF2B5EF4-FFF2-40B4-BE49-F238E27FC236}">
-                  <a16:creationId xmlns:a16="http://schemas.microsoft.com/office/drawing/2014/main" id="{74FB4955-447A-4B3A-AB0E-8A338872039E}"/>
+                  <a16:creationId xmlns="" xmlns:a16="http://schemas.microsoft.com/office/drawing/2014/main" id="{461EE266-A2F2-48AE-AE9A-38D83EA1134A}"/>
                 </a:ext>
               </a:extLst>
             </p:cNvPr>
-            <p:cNvSpPr txBox="1"/>
+            <p:cNvPicPr>
+              <a:picLocks noChangeAspect="1"/>
+            </p:cNvPicPr>
             <p:nvPr/>
-          </p:nvSpPr>
+          </p:nvPicPr>
+          <p:blipFill rotWithShape="1">
+            <a:blip r:embed="rId5" cstate="print">
+              <a:extLst>
+                <a:ext uri="{BEBA8EAE-BF5A-486C-A8C5-ECC9F3942E4B}">
+                  <a14:imgProps xmlns:a14="http://schemas.microsoft.com/office/drawing/2010/main">
+                    <a14:imgLayer r:embed="rId6">
+                      <a14:imgEffect>
+                        <a14:colorTemperature colorTemp="11200"/>
+                      </a14:imgEffect>
+                    </a14:imgLayer>
+                  </a14:imgProps>
+                </a:ext>
+                <a:ext uri="{28A0092B-C50C-407E-A947-70E740481C1C}">
+                  <a14:useLocalDpi xmlns:a14="http://schemas.microsoft.com/office/drawing/2010/main" val="0"/>
+                </a:ext>
+              </a:extLst>
+            </a:blip>
+            <a:srcRect l="15484" t="16476" r="16664" b="16556"/>
+            <a:stretch/>
+          </p:blipFill>
           <p:spPr>
             <a:xfrm>
-              <a:off x="7237135" y="3317195"/>
-              <a:ext cx="981359" cy="338554"/>
+              <a:off x="7451795" y="2817582"/>
+              <a:ext cx="293068" cy="289248"/>
             </a:xfrm>
             <a:prstGeom prst="rect">
               <a:avLst/>
             </a:prstGeom>
-            <a:noFill/>
           </p:spPr>
-          <p:txBody>
-            <a:bodyPr wrap="none" rtlCol="0">
-              <a:spAutoFit/>
-            </a:bodyPr>
-            <a:lstStyle/>
-            <a:p>
-              <a:pPr algn="ctr"/>
-              <a:r>
-                <a:rPr lang="en-US" sz="1600" dirty="0">
-                  <a:latin typeface="Microsoft PhagsPa" panose="020B0502040204020203" pitchFamily="34" charset="0"/>
-                  <a:ea typeface="Adobe Fan Heiti Std B" panose="020B0700000000000000" pitchFamily="34" charset="-128"/>
-                  <a:cs typeface="Arial" panose="020B0604020202020204" pitchFamily="34" charset="0"/>
-                </a:rPr>
-                <a:t>Classifier</a:t>
-              </a:r>
-            </a:p>
-          </p:txBody>
-        </p:sp>
+        </p:pic>
+        <p:pic>
+          <p:nvPicPr>
+            <p:cNvPr id="51" name="Imagem 50">
+              <a:extLst>
+                <a:ext uri="{FF2B5EF4-FFF2-40B4-BE49-F238E27FC236}">
+                  <a16:creationId xmlns="" xmlns:a16="http://schemas.microsoft.com/office/drawing/2014/main" id="{461EE266-A2F2-48AE-AE9A-38D83EA1134A}"/>
+                </a:ext>
+              </a:extLst>
+            </p:cNvPr>
+            <p:cNvPicPr>
+              <a:picLocks noChangeAspect="1"/>
+            </p:cNvPicPr>
+            <p:nvPr/>
+          </p:nvPicPr>
+          <p:blipFill rotWithShape="1">
+            <a:blip r:embed="rId5" cstate="print">
+              <a:extLst>
+                <a:ext uri="{BEBA8EAE-BF5A-486C-A8C5-ECC9F3942E4B}">
+                  <a14:imgProps xmlns:a14="http://schemas.microsoft.com/office/drawing/2010/main">
+                    <a14:imgLayer r:embed="rId6">
+                      <a14:imgEffect>
+                        <a14:colorTemperature colorTemp="11200"/>
+                      </a14:imgEffect>
+                    </a14:imgLayer>
+                  </a14:imgProps>
+                </a:ext>
+                <a:ext uri="{28A0092B-C50C-407E-A947-70E740481C1C}">
+                  <a14:useLocalDpi xmlns:a14="http://schemas.microsoft.com/office/drawing/2010/main" val="0"/>
+                </a:ext>
+              </a:extLst>
+            </a:blip>
+            <a:srcRect l="15484" t="16476" r="16664" b="16556"/>
+            <a:stretch/>
+          </p:blipFill>
+          <p:spPr>
+            <a:xfrm>
+              <a:off x="7451795" y="3267283"/>
+              <a:ext cx="293068" cy="289248"/>
+            </a:xfrm>
+            <a:prstGeom prst="rect">
+              <a:avLst/>
+            </a:prstGeom>
+          </p:spPr>
+        </p:pic>
+        <p:pic>
+          <p:nvPicPr>
+            <p:cNvPr id="53" name="Imagem 52">
+              <a:extLst>
+                <a:ext uri="{FF2B5EF4-FFF2-40B4-BE49-F238E27FC236}">
+                  <a16:creationId xmlns="" xmlns:a16="http://schemas.microsoft.com/office/drawing/2014/main" id="{461EE266-A2F2-48AE-AE9A-38D83EA1134A}"/>
+                </a:ext>
+              </a:extLst>
+            </p:cNvPr>
+            <p:cNvPicPr>
+              <a:picLocks noChangeAspect="1"/>
+            </p:cNvPicPr>
+            <p:nvPr/>
+          </p:nvPicPr>
+          <p:blipFill rotWithShape="1">
+            <a:blip r:embed="rId5" cstate="print">
+              <a:extLst>
+                <a:ext uri="{BEBA8EAE-BF5A-486C-A8C5-ECC9F3942E4B}">
+                  <a14:imgProps xmlns:a14="http://schemas.microsoft.com/office/drawing/2010/main">
+                    <a14:imgLayer r:embed="rId6">
+                      <a14:imgEffect>
+                        <a14:colorTemperature colorTemp="11200"/>
+                      </a14:imgEffect>
+                    </a14:imgLayer>
+                  </a14:imgProps>
+                </a:ext>
+                <a:ext uri="{28A0092B-C50C-407E-A947-70E740481C1C}">
+                  <a14:useLocalDpi xmlns:a14="http://schemas.microsoft.com/office/drawing/2010/main" val="0"/>
+                </a:ext>
+              </a:extLst>
+            </a:blip>
+            <a:srcRect l="15484" t="16476" r="16664" b="16556"/>
+            <a:stretch/>
+          </p:blipFill>
+          <p:spPr>
+            <a:xfrm>
+              <a:off x="7451795" y="4166686"/>
+              <a:ext cx="293068" cy="289248"/>
+            </a:xfrm>
+            <a:prstGeom prst="rect">
+              <a:avLst/>
+            </a:prstGeom>
+          </p:spPr>
+        </p:pic>
       </p:grpSp>
     </p:spTree>
     <p:extLst>
@@ -6067,22 +5975,16 @@
       </p:grpSpPr>
       <p:grpSp>
         <p:nvGrpSpPr>
-          <p:cNvPr id="167" name="Agrupar 166">
-            <a:extLst>
-              <a:ext uri="{FF2B5EF4-FFF2-40B4-BE49-F238E27FC236}">
-                <a16:creationId xmlns:a16="http://schemas.microsoft.com/office/drawing/2014/main" id="{9E0D85FB-F872-447E-A64F-8C18857747CA}"/>
-              </a:ext>
-            </a:extLst>
-          </p:cNvPr>
+          <p:cNvPr id="2" name="Grupo 1"/>
           <p:cNvGrpSpPr/>
           <p:nvPr/>
         </p:nvGrpSpPr>
         <p:grpSpPr>
           <a:xfrm>
-            <a:off x="1480152" y="1085167"/>
-            <a:ext cx="9231697" cy="4687667"/>
-            <a:chOff x="1480152" y="1085167"/>
-            <a:chExt cx="9231697" cy="4687667"/>
+            <a:off x="1480152" y="1002044"/>
+            <a:ext cx="9231697" cy="4770790"/>
+            <a:chOff x="1480152" y="1002044"/>
+            <a:chExt cx="9231697" cy="4770790"/>
           </a:xfrm>
         </p:grpSpPr>
         <p:sp>
@@ -6090,7 +5992,7 @@
             <p:cNvPr id="31" name="Ondulado Duplo 30">
               <a:extLst>
                 <a:ext uri="{FF2B5EF4-FFF2-40B4-BE49-F238E27FC236}">
-                  <a16:creationId xmlns:a16="http://schemas.microsoft.com/office/drawing/2014/main" id="{1BFC2D53-C45D-4CF2-AD3F-AC9D52217E41}"/>
+                  <a16:creationId xmlns="" xmlns:a16="http://schemas.microsoft.com/office/drawing/2014/main" id="{1BFC2D53-C45D-4CF2-AD3F-AC9D52217E41}"/>
                 </a:ext>
               </a:extLst>
             </p:cNvPr>
@@ -6140,2227 +6042,2143 @@
             </a:p>
           </p:txBody>
         </p:sp>
-        <p:grpSp>
-          <p:nvGrpSpPr>
-            <p:cNvPr id="39" name="Agrupar 38">
+        <p:sp>
+          <p:nvSpPr>
+            <p:cNvPr id="35" name="Forma Livre: Forma 34">
               <a:extLst>
                 <a:ext uri="{FF2B5EF4-FFF2-40B4-BE49-F238E27FC236}">
-                  <a16:creationId xmlns:a16="http://schemas.microsoft.com/office/drawing/2014/main" id="{E78BA9EC-CF27-4E2F-A9A0-91587D87648A}"/>
+                  <a16:creationId xmlns="" xmlns:a16="http://schemas.microsoft.com/office/drawing/2014/main" id="{66AC0266-554B-4CF5-A952-D1AF703C30DA}"/>
                 </a:ext>
               </a:extLst>
             </p:cNvPr>
-            <p:cNvGrpSpPr/>
+            <p:cNvSpPr/>
             <p:nvPr/>
-          </p:nvGrpSpPr>
-          <p:grpSpPr>
+          </p:nvSpPr>
+          <p:spPr>
             <a:xfrm>
-              <a:off x="1743118" y="4411649"/>
-              <a:ext cx="3258669" cy="1075102"/>
-              <a:chOff x="2409810" y="3699200"/>
-              <a:chExt cx="3258669" cy="1075102"/>
+              <a:off x="1743118" y="4957258"/>
+              <a:ext cx="3258669" cy="529493"/>
             </a:xfrm>
-          </p:grpSpPr>
-          <p:sp>
-            <p:nvSpPr>
-              <p:cNvPr id="35" name="Forma Livre: Forma 34">
-                <a:extLst>
-                  <a:ext uri="{FF2B5EF4-FFF2-40B4-BE49-F238E27FC236}">
-                    <a16:creationId xmlns:a16="http://schemas.microsoft.com/office/drawing/2014/main" id="{66AC0266-554B-4CF5-A952-D1AF703C30DA}"/>
-                  </a:ext>
-                </a:extLst>
-              </p:cNvPr>
-              <p:cNvSpPr/>
-              <p:nvPr/>
-            </p:nvSpPr>
-            <p:spPr>
-              <a:xfrm>
-                <a:off x="2409810" y="4244809"/>
-                <a:ext cx="3258669" cy="529493"/>
-              </a:xfrm>
-              <a:custGeom>
-                <a:avLst/>
-                <a:gdLst>
-                  <a:gd name="connsiteX0" fmla="*/ 0 w 9610725"/>
-                  <a:gd name="connsiteY0" fmla="*/ 1000125 h 1038225"/>
-                  <a:gd name="connsiteX1" fmla="*/ 152400 w 9610725"/>
-                  <a:gd name="connsiteY1" fmla="*/ 962025 h 1038225"/>
-                  <a:gd name="connsiteX2" fmla="*/ 276225 w 9610725"/>
-                  <a:gd name="connsiteY2" fmla="*/ 990600 h 1038225"/>
-                  <a:gd name="connsiteX3" fmla="*/ 447675 w 9610725"/>
-                  <a:gd name="connsiteY3" fmla="*/ 914400 h 1038225"/>
-                  <a:gd name="connsiteX4" fmla="*/ 685800 w 9610725"/>
-                  <a:gd name="connsiteY4" fmla="*/ 1038225 h 1038225"/>
-                  <a:gd name="connsiteX5" fmla="*/ 962025 w 9610725"/>
-                  <a:gd name="connsiteY5" fmla="*/ 952500 h 1038225"/>
-                  <a:gd name="connsiteX6" fmla="*/ 1085850 w 9610725"/>
-                  <a:gd name="connsiteY6" fmla="*/ 1000125 h 1038225"/>
-                  <a:gd name="connsiteX7" fmla="*/ 1285875 w 9610725"/>
-                  <a:gd name="connsiteY7" fmla="*/ 885825 h 1038225"/>
-                  <a:gd name="connsiteX8" fmla="*/ 1495425 w 9610725"/>
-                  <a:gd name="connsiteY8" fmla="*/ 990600 h 1038225"/>
-                  <a:gd name="connsiteX9" fmla="*/ 1781175 w 9610725"/>
-                  <a:gd name="connsiteY9" fmla="*/ 876300 h 1038225"/>
-                  <a:gd name="connsiteX10" fmla="*/ 1847850 w 9610725"/>
-                  <a:gd name="connsiteY10" fmla="*/ 914400 h 1038225"/>
-                  <a:gd name="connsiteX11" fmla="*/ 2114550 w 9610725"/>
-                  <a:gd name="connsiteY11" fmla="*/ 800100 h 1038225"/>
-                  <a:gd name="connsiteX12" fmla="*/ 2343150 w 9610725"/>
-                  <a:gd name="connsiteY12" fmla="*/ 962025 h 1038225"/>
-                  <a:gd name="connsiteX13" fmla="*/ 2609850 w 9610725"/>
-                  <a:gd name="connsiteY13" fmla="*/ 828675 h 1038225"/>
-                  <a:gd name="connsiteX14" fmla="*/ 2743200 w 9610725"/>
-                  <a:gd name="connsiteY14" fmla="*/ 914400 h 1038225"/>
-                  <a:gd name="connsiteX15" fmla="*/ 2962275 w 9610725"/>
-                  <a:gd name="connsiteY15" fmla="*/ 742950 h 1038225"/>
-                  <a:gd name="connsiteX16" fmla="*/ 3143250 w 9610725"/>
-                  <a:gd name="connsiteY16" fmla="*/ 895350 h 1038225"/>
-                  <a:gd name="connsiteX17" fmla="*/ 3324225 w 9610725"/>
-                  <a:gd name="connsiteY17" fmla="*/ 790575 h 1038225"/>
-                  <a:gd name="connsiteX18" fmla="*/ 3390900 w 9610725"/>
-                  <a:gd name="connsiteY18" fmla="*/ 714375 h 1038225"/>
-                  <a:gd name="connsiteX19" fmla="*/ 3609975 w 9610725"/>
-                  <a:gd name="connsiteY19" fmla="*/ 742950 h 1038225"/>
-                  <a:gd name="connsiteX20" fmla="*/ 3800475 w 9610725"/>
-                  <a:gd name="connsiteY20" fmla="*/ 676275 h 1038225"/>
-                  <a:gd name="connsiteX21" fmla="*/ 3990975 w 9610725"/>
-                  <a:gd name="connsiteY21" fmla="*/ 857250 h 1038225"/>
-                  <a:gd name="connsiteX22" fmla="*/ 4171950 w 9610725"/>
-                  <a:gd name="connsiteY22" fmla="*/ 819150 h 1038225"/>
-                  <a:gd name="connsiteX23" fmla="*/ 4286250 w 9610725"/>
-                  <a:gd name="connsiteY23" fmla="*/ 714375 h 1038225"/>
-                  <a:gd name="connsiteX24" fmla="*/ 4619625 w 9610725"/>
-                  <a:gd name="connsiteY24" fmla="*/ 581025 h 1038225"/>
-                  <a:gd name="connsiteX25" fmla="*/ 4810125 w 9610725"/>
-                  <a:gd name="connsiteY25" fmla="*/ 790575 h 1038225"/>
-                  <a:gd name="connsiteX26" fmla="*/ 5029200 w 9610725"/>
-                  <a:gd name="connsiteY26" fmla="*/ 742950 h 1038225"/>
-                  <a:gd name="connsiteX27" fmla="*/ 5229225 w 9610725"/>
-                  <a:gd name="connsiteY27" fmla="*/ 647700 h 1038225"/>
-                  <a:gd name="connsiteX28" fmla="*/ 5353050 w 9610725"/>
-                  <a:gd name="connsiteY28" fmla="*/ 457200 h 1038225"/>
-                  <a:gd name="connsiteX29" fmla="*/ 5629275 w 9610725"/>
-                  <a:gd name="connsiteY29" fmla="*/ 733425 h 1038225"/>
-                  <a:gd name="connsiteX30" fmla="*/ 5819775 w 9610725"/>
-                  <a:gd name="connsiteY30" fmla="*/ 619125 h 1038225"/>
-                  <a:gd name="connsiteX31" fmla="*/ 5895975 w 9610725"/>
-                  <a:gd name="connsiteY31" fmla="*/ 533400 h 1038225"/>
-                  <a:gd name="connsiteX32" fmla="*/ 6048375 w 9610725"/>
-                  <a:gd name="connsiteY32" fmla="*/ 552450 h 1038225"/>
-                  <a:gd name="connsiteX33" fmla="*/ 6219825 w 9610725"/>
-                  <a:gd name="connsiteY33" fmla="*/ 361950 h 1038225"/>
-                  <a:gd name="connsiteX34" fmla="*/ 6429375 w 9610725"/>
-                  <a:gd name="connsiteY34" fmla="*/ 590550 h 1038225"/>
-                  <a:gd name="connsiteX35" fmla="*/ 6629400 w 9610725"/>
-                  <a:gd name="connsiteY35" fmla="*/ 581025 h 1038225"/>
-                  <a:gd name="connsiteX36" fmla="*/ 6743700 w 9610725"/>
-                  <a:gd name="connsiteY36" fmla="*/ 476250 h 1038225"/>
-                  <a:gd name="connsiteX37" fmla="*/ 6877050 w 9610725"/>
-                  <a:gd name="connsiteY37" fmla="*/ 476250 h 1038225"/>
-                  <a:gd name="connsiteX38" fmla="*/ 7058025 w 9610725"/>
-                  <a:gd name="connsiteY38" fmla="*/ 228600 h 1038225"/>
-                  <a:gd name="connsiteX39" fmla="*/ 7277100 w 9610725"/>
-                  <a:gd name="connsiteY39" fmla="*/ 552450 h 1038225"/>
-                  <a:gd name="connsiteX40" fmla="*/ 7515225 w 9610725"/>
-                  <a:gd name="connsiteY40" fmla="*/ 552450 h 1038225"/>
-                  <a:gd name="connsiteX41" fmla="*/ 7600950 w 9610725"/>
-                  <a:gd name="connsiteY41" fmla="*/ 466725 h 1038225"/>
-                  <a:gd name="connsiteX42" fmla="*/ 7924800 w 9610725"/>
-                  <a:gd name="connsiteY42" fmla="*/ 142875 h 1038225"/>
-                  <a:gd name="connsiteX43" fmla="*/ 8134350 w 9610725"/>
-                  <a:gd name="connsiteY43" fmla="*/ 561975 h 1038225"/>
-                  <a:gd name="connsiteX44" fmla="*/ 8267700 w 9610725"/>
-                  <a:gd name="connsiteY44" fmla="*/ 447675 h 1038225"/>
-                  <a:gd name="connsiteX45" fmla="*/ 8334375 w 9610725"/>
-                  <a:gd name="connsiteY45" fmla="*/ 504825 h 1038225"/>
-                  <a:gd name="connsiteX46" fmla="*/ 8362950 w 9610725"/>
-                  <a:gd name="connsiteY46" fmla="*/ 352425 h 1038225"/>
-                  <a:gd name="connsiteX47" fmla="*/ 8496300 w 9610725"/>
-                  <a:gd name="connsiteY47" fmla="*/ 371475 h 1038225"/>
-                  <a:gd name="connsiteX48" fmla="*/ 8686800 w 9610725"/>
-                  <a:gd name="connsiteY48" fmla="*/ 0 h 1038225"/>
-                  <a:gd name="connsiteX49" fmla="*/ 8972550 w 9610725"/>
-                  <a:gd name="connsiteY49" fmla="*/ 466725 h 1038225"/>
-                  <a:gd name="connsiteX50" fmla="*/ 9115425 w 9610725"/>
-                  <a:gd name="connsiteY50" fmla="*/ 352425 h 1038225"/>
-                  <a:gd name="connsiteX51" fmla="*/ 9258300 w 9610725"/>
-                  <a:gd name="connsiteY51" fmla="*/ 409575 h 1038225"/>
-                  <a:gd name="connsiteX52" fmla="*/ 9610725 w 9610725"/>
-                  <a:gd name="connsiteY52" fmla="*/ 85725 h 1038225"/>
-                </a:gdLst>
-                <a:ahLst/>
-                <a:cxnLst>
-                  <a:cxn ang="0">
-                    <a:pos x="connsiteX0" y="connsiteY0"/>
-                  </a:cxn>
-                  <a:cxn ang="0">
-                    <a:pos x="connsiteX1" y="connsiteY1"/>
-                  </a:cxn>
-                  <a:cxn ang="0">
-                    <a:pos x="connsiteX2" y="connsiteY2"/>
-                  </a:cxn>
-                  <a:cxn ang="0">
-                    <a:pos x="connsiteX3" y="connsiteY3"/>
-                  </a:cxn>
-                  <a:cxn ang="0">
-                    <a:pos x="connsiteX4" y="connsiteY4"/>
-                  </a:cxn>
-                  <a:cxn ang="0">
-                    <a:pos x="connsiteX5" y="connsiteY5"/>
-                  </a:cxn>
-                  <a:cxn ang="0">
-                    <a:pos x="connsiteX6" y="connsiteY6"/>
-                  </a:cxn>
-                  <a:cxn ang="0">
-                    <a:pos x="connsiteX7" y="connsiteY7"/>
-                  </a:cxn>
-                  <a:cxn ang="0">
-                    <a:pos x="connsiteX8" y="connsiteY8"/>
-                  </a:cxn>
-                  <a:cxn ang="0">
-                    <a:pos x="connsiteX9" y="connsiteY9"/>
-                  </a:cxn>
-                  <a:cxn ang="0">
-                    <a:pos x="connsiteX10" y="connsiteY10"/>
-                  </a:cxn>
-                  <a:cxn ang="0">
-                    <a:pos x="connsiteX11" y="connsiteY11"/>
-                  </a:cxn>
-                  <a:cxn ang="0">
-                    <a:pos x="connsiteX12" y="connsiteY12"/>
-                  </a:cxn>
-                  <a:cxn ang="0">
-                    <a:pos x="connsiteX13" y="connsiteY13"/>
-                  </a:cxn>
-                  <a:cxn ang="0">
-                    <a:pos x="connsiteX14" y="connsiteY14"/>
-                  </a:cxn>
-                  <a:cxn ang="0">
-                    <a:pos x="connsiteX15" y="connsiteY15"/>
-                  </a:cxn>
-                  <a:cxn ang="0">
-                    <a:pos x="connsiteX16" y="connsiteY16"/>
-                  </a:cxn>
-                  <a:cxn ang="0">
-                    <a:pos x="connsiteX17" y="connsiteY17"/>
-                  </a:cxn>
-                  <a:cxn ang="0">
-                    <a:pos x="connsiteX18" y="connsiteY18"/>
-                  </a:cxn>
-                  <a:cxn ang="0">
-                    <a:pos x="connsiteX19" y="connsiteY19"/>
-                  </a:cxn>
-                  <a:cxn ang="0">
-                    <a:pos x="connsiteX20" y="connsiteY20"/>
-                  </a:cxn>
-                  <a:cxn ang="0">
-                    <a:pos x="connsiteX21" y="connsiteY21"/>
-                  </a:cxn>
-                  <a:cxn ang="0">
-                    <a:pos x="connsiteX22" y="connsiteY22"/>
-                  </a:cxn>
-                  <a:cxn ang="0">
-                    <a:pos x="connsiteX23" y="connsiteY23"/>
-                  </a:cxn>
-                  <a:cxn ang="0">
-                    <a:pos x="connsiteX24" y="connsiteY24"/>
-                  </a:cxn>
-                  <a:cxn ang="0">
-                    <a:pos x="connsiteX25" y="connsiteY25"/>
-                  </a:cxn>
-                  <a:cxn ang="0">
-                    <a:pos x="connsiteX26" y="connsiteY26"/>
-                  </a:cxn>
-                  <a:cxn ang="0">
-                    <a:pos x="connsiteX27" y="connsiteY27"/>
-                  </a:cxn>
-                  <a:cxn ang="0">
-                    <a:pos x="connsiteX28" y="connsiteY28"/>
-                  </a:cxn>
-                  <a:cxn ang="0">
-                    <a:pos x="connsiteX29" y="connsiteY29"/>
-                  </a:cxn>
-                  <a:cxn ang="0">
-                    <a:pos x="connsiteX30" y="connsiteY30"/>
-                  </a:cxn>
-                  <a:cxn ang="0">
-                    <a:pos x="connsiteX31" y="connsiteY31"/>
-                  </a:cxn>
-                  <a:cxn ang="0">
-                    <a:pos x="connsiteX32" y="connsiteY32"/>
-                  </a:cxn>
-                  <a:cxn ang="0">
-                    <a:pos x="connsiteX33" y="connsiteY33"/>
-                  </a:cxn>
-                  <a:cxn ang="0">
-                    <a:pos x="connsiteX34" y="connsiteY34"/>
-                  </a:cxn>
-                  <a:cxn ang="0">
-                    <a:pos x="connsiteX35" y="connsiteY35"/>
-                  </a:cxn>
-                  <a:cxn ang="0">
-                    <a:pos x="connsiteX36" y="connsiteY36"/>
-                  </a:cxn>
-                  <a:cxn ang="0">
-                    <a:pos x="connsiteX37" y="connsiteY37"/>
-                  </a:cxn>
-                  <a:cxn ang="0">
-                    <a:pos x="connsiteX38" y="connsiteY38"/>
-                  </a:cxn>
-                  <a:cxn ang="0">
-                    <a:pos x="connsiteX39" y="connsiteY39"/>
-                  </a:cxn>
-                  <a:cxn ang="0">
-                    <a:pos x="connsiteX40" y="connsiteY40"/>
-                  </a:cxn>
-                  <a:cxn ang="0">
-                    <a:pos x="connsiteX41" y="connsiteY41"/>
-                  </a:cxn>
-                  <a:cxn ang="0">
-                    <a:pos x="connsiteX42" y="connsiteY42"/>
-                  </a:cxn>
-                  <a:cxn ang="0">
-                    <a:pos x="connsiteX43" y="connsiteY43"/>
-                  </a:cxn>
-                  <a:cxn ang="0">
-                    <a:pos x="connsiteX44" y="connsiteY44"/>
-                  </a:cxn>
-                  <a:cxn ang="0">
-                    <a:pos x="connsiteX45" y="connsiteY45"/>
-                  </a:cxn>
-                  <a:cxn ang="0">
-                    <a:pos x="connsiteX46" y="connsiteY46"/>
-                  </a:cxn>
-                  <a:cxn ang="0">
-                    <a:pos x="connsiteX47" y="connsiteY47"/>
-                  </a:cxn>
-                  <a:cxn ang="0">
-                    <a:pos x="connsiteX48" y="connsiteY48"/>
-                  </a:cxn>
-                  <a:cxn ang="0">
-                    <a:pos x="connsiteX49" y="connsiteY49"/>
-                  </a:cxn>
-                  <a:cxn ang="0">
-                    <a:pos x="connsiteX50" y="connsiteY50"/>
-                  </a:cxn>
-                  <a:cxn ang="0">
-                    <a:pos x="connsiteX51" y="connsiteY51"/>
-                  </a:cxn>
-                  <a:cxn ang="0">
-                    <a:pos x="connsiteX52" y="connsiteY52"/>
-                  </a:cxn>
-                </a:cxnLst>
-                <a:rect l="l" t="t" r="r" b="b"/>
-                <a:pathLst>
-                  <a:path w="9610725" h="1038225">
-                    <a:moveTo>
-                      <a:pt x="0" y="1000125"/>
-                    </a:moveTo>
-                    <a:lnTo>
-                      <a:pt x="152400" y="962025"/>
-                    </a:lnTo>
-                    <a:lnTo>
-                      <a:pt x="276225" y="990600"/>
-                    </a:lnTo>
-                    <a:lnTo>
-                      <a:pt x="447675" y="914400"/>
-                    </a:lnTo>
-                    <a:lnTo>
-                      <a:pt x="685800" y="1038225"/>
-                    </a:lnTo>
-                    <a:lnTo>
-                      <a:pt x="962025" y="952500"/>
-                    </a:lnTo>
-                    <a:lnTo>
-                      <a:pt x="1085850" y="1000125"/>
-                    </a:lnTo>
-                    <a:lnTo>
-                      <a:pt x="1285875" y="885825"/>
-                    </a:lnTo>
-                    <a:lnTo>
-                      <a:pt x="1495425" y="990600"/>
-                    </a:lnTo>
-                    <a:lnTo>
-                      <a:pt x="1781175" y="876300"/>
-                    </a:lnTo>
-                    <a:lnTo>
-                      <a:pt x="1847850" y="914400"/>
-                    </a:lnTo>
-                    <a:lnTo>
-                      <a:pt x="2114550" y="800100"/>
-                    </a:lnTo>
-                    <a:lnTo>
-                      <a:pt x="2343150" y="962025"/>
-                    </a:lnTo>
-                    <a:lnTo>
-                      <a:pt x="2609850" y="828675"/>
-                    </a:lnTo>
-                    <a:lnTo>
-                      <a:pt x="2743200" y="914400"/>
-                    </a:lnTo>
-                    <a:lnTo>
-                      <a:pt x="2962275" y="742950"/>
-                    </a:lnTo>
-                    <a:lnTo>
-                      <a:pt x="3143250" y="895350"/>
-                    </a:lnTo>
-                    <a:lnTo>
-                      <a:pt x="3324225" y="790575"/>
-                    </a:lnTo>
-                    <a:lnTo>
-                      <a:pt x="3390900" y="714375"/>
-                    </a:lnTo>
-                    <a:lnTo>
-                      <a:pt x="3609975" y="742950"/>
-                    </a:lnTo>
-                    <a:lnTo>
-                      <a:pt x="3800475" y="676275"/>
-                    </a:lnTo>
-                    <a:lnTo>
-                      <a:pt x="3990975" y="857250"/>
-                    </a:lnTo>
-                    <a:lnTo>
-                      <a:pt x="4171950" y="819150"/>
-                    </a:lnTo>
-                    <a:lnTo>
-                      <a:pt x="4286250" y="714375"/>
-                    </a:lnTo>
-                    <a:lnTo>
-                      <a:pt x="4619625" y="581025"/>
-                    </a:lnTo>
-                    <a:lnTo>
-                      <a:pt x="4810125" y="790575"/>
-                    </a:lnTo>
-                    <a:lnTo>
-                      <a:pt x="5029200" y="742950"/>
-                    </a:lnTo>
-                    <a:lnTo>
-                      <a:pt x="5229225" y="647700"/>
-                    </a:lnTo>
-                    <a:lnTo>
-                      <a:pt x="5353050" y="457200"/>
-                    </a:lnTo>
-                    <a:lnTo>
-                      <a:pt x="5629275" y="733425"/>
-                    </a:lnTo>
-                    <a:lnTo>
-                      <a:pt x="5819775" y="619125"/>
-                    </a:lnTo>
-                    <a:lnTo>
-                      <a:pt x="5895975" y="533400"/>
-                    </a:lnTo>
-                    <a:lnTo>
-                      <a:pt x="6048375" y="552450"/>
-                    </a:lnTo>
-                    <a:lnTo>
-                      <a:pt x="6219825" y="361950"/>
-                    </a:lnTo>
-                    <a:lnTo>
-                      <a:pt x="6429375" y="590550"/>
-                    </a:lnTo>
-                    <a:lnTo>
-                      <a:pt x="6629400" y="581025"/>
-                    </a:lnTo>
-                    <a:lnTo>
-                      <a:pt x="6743700" y="476250"/>
-                    </a:lnTo>
-                    <a:lnTo>
-                      <a:pt x="6877050" y="476250"/>
-                    </a:lnTo>
-                    <a:lnTo>
-                      <a:pt x="7058025" y="228600"/>
-                    </a:lnTo>
-                    <a:lnTo>
-                      <a:pt x="7277100" y="552450"/>
-                    </a:lnTo>
-                    <a:lnTo>
-                      <a:pt x="7515225" y="552450"/>
-                    </a:lnTo>
-                    <a:lnTo>
-                      <a:pt x="7600950" y="466725"/>
-                    </a:lnTo>
-                    <a:lnTo>
-                      <a:pt x="7924800" y="142875"/>
-                    </a:lnTo>
-                    <a:lnTo>
-                      <a:pt x="8134350" y="561975"/>
-                    </a:lnTo>
-                    <a:lnTo>
-                      <a:pt x="8267700" y="447675"/>
-                    </a:lnTo>
-                    <a:lnTo>
-                      <a:pt x="8334375" y="504825"/>
-                    </a:lnTo>
-                    <a:lnTo>
-                      <a:pt x="8362950" y="352425"/>
-                    </a:lnTo>
-                    <a:lnTo>
-                      <a:pt x="8496300" y="371475"/>
-                    </a:lnTo>
-                    <a:lnTo>
-                      <a:pt x="8686800" y="0"/>
-                    </a:lnTo>
-                    <a:lnTo>
-                      <a:pt x="8972550" y="466725"/>
-                    </a:lnTo>
-                    <a:lnTo>
-                      <a:pt x="9115425" y="352425"/>
-                    </a:lnTo>
-                    <a:lnTo>
-                      <a:pt x="9258300" y="409575"/>
-                    </a:lnTo>
-                    <a:lnTo>
-                      <a:pt x="9610725" y="85725"/>
-                    </a:lnTo>
-                  </a:path>
-                </a:pathLst>
-              </a:custGeom>
-              <a:noFill/>
-              <a:ln w="28575">
-                <a:solidFill>
-                  <a:schemeClr val="bg2">
-                    <a:lumMod val="75000"/>
-                  </a:schemeClr>
-                </a:solidFill>
-              </a:ln>
-            </p:spPr>
-            <p:style>
-              <a:lnRef idx="2">
-                <a:schemeClr val="accent1">
-                  <a:shade val="50000"/>
+            <a:custGeom>
+              <a:avLst/>
+              <a:gdLst>
+                <a:gd name="connsiteX0" fmla="*/ 0 w 9610725"/>
+                <a:gd name="connsiteY0" fmla="*/ 1000125 h 1038225"/>
+                <a:gd name="connsiteX1" fmla="*/ 152400 w 9610725"/>
+                <a:gd name="connsiteY1" fmla="*/ 962025 h 1038225"/>
+                <a:gd name="connsiteX2" fmla="*/ 276225 w 9610725"/>
+                <a:gd name="connsiteY2" fmla="*/ 990600 h 1038225"/>
+                <a:gd name="connsiteX3" fmla="*/ 447675 w 9610725"/>
+                <a:gd name="connsiteY3" fmla="*/ 914400 h 1038225"/>
+                <a:gd name="connsiteX4" fmla="*/ 685800 w 9610725"/>
+                <a:gd name="connsiteY4" fmla="*/ 1038225 h 1038225"/>
+                <a:gd name="connsiteX5" fmla="*/ 962025 w 9610725"/>
+                <a:gd name="connsiteY5" fmla="*/ 952500 h 1038225"/>
+                <a:gd name="connsiteX6" fmla="*/ 1085850 w 9610725"/>
+                <a:gd name="connsiteY6" fmla="*/ 1000125 h 1038225"/>
+                <a:gd name="connsiteX7" fmla="*/ 1285875 w 9610725"/>
+                <a:gd name="connsiteY7" fmla="*/ 885825 h 1038225"/>
+                <a:gd name="connsiteX8" fmla="*/ 1495425 w 9610725"/>
+                <a:gd name="connsiteY8" fmla="*/ 990600 h 1038225"/>
+                <a:gd name="connsiteX9" fmla="*/ 1781175 w 9610725"/>
+                <a:gd name="connsiteY9" fmla="*/ 876300 h 1038225"/>
+                <a:gd name="connsiteX10" fmla="*/ 1847850 w 9610725"/>
+                <a:gd name="connsiteY10" fmla="*/ 914400 h 1038225"/>
+                <a:gd name="connsiteX11" fmla="*/ 2114550 w 9610725"/>
+                <a:gd name="connsiteY11" fmla="*/ 800100 h 1038225"/>
+                <a:gd name="connsiteX12" fmla="*/ 2343150 w 9610725"/>
+                <a:gd name="connsiteY12" fmla="*/ 962025 h 1038225"/>
+                <a:gd name="connsiteX13" fmla="*/ 2609850 w 9610725"/>
+                <a:gd name="connsiteY13" fmla="*/ 828675 h 1038225"/>
+                <a:gd name="connsiteX14" fmla="*/ 2743200 w 9610725"/>
+                <a:gd name="connsiteY14" fmla="*/ 914400 h 1038225"/>
+                <a:gd name="connsiteX15" fmla="*/ 2962275 w 9610725"/>
+                <a:gd name="connsiteY15" fmla="*/ 742950 h 1038225"/>
+                <a:gd name="connsiteX16" fmla="*/ 3143250 w 9610725"/>
+                <a:gd name="connsiteY16" fmla="*/ 895350 h 1038225"/>
+                <a:gd name="connsiteX17" fmla="*/ 3324225 w 9610725"/>
+                <a:gd name="connsiteY17" fmla="*/ 790575 h 1038225"/>
+                <a:gd name="connsiteX18" fmla="*/ 3390900 w 9610725"/>
+                <a:gd name="connsiteY18" fmla="*/ 714375 h 1038225"/>
+                <a:gd name="connsiteX19" fmla="*/ 3609975 w 9610725"/>
+                <a:gd name="connsiteY19" fmla="*/ 742950 h 1038225"/>
+                <a:gd name="connsiteX20" fmla="*/ 3800475 w 9610725"/>
+                <a:gd name="connsiteY20" fmla="*/ 676275 h 1038225"/>
+                <a:gd name="connsiteX21" fmla="*/ 3990975 w 9610725"/>
+                <a:gd name="connsiteY21" fmla="*/ 857250 h 1038225"/>
+                <a:gd name="connsiteX22" fmla="*/ 4171950 w 9610725"/>
+                <a:gd name="connsiteY22" fmla="*/ 819150 h 1038225"/>
+                <a:gd name="connsiteX23" fmla="*/ 4286250 w 9610725"/>
+                <a:gd name="connsiteY23" fmla="*/ 714375 h 1038225"/>
+                <a:gd name="connsiteX24" fmla="*/ 4619625 w 9610725"/>
+                <a:gd name="connsiteY24" fmla="*/ 581025 h 1038225"/>
+                <a:gd name="connsiteX25" fmla="*/ 4810125 w 9610725"/>
+                <a:gd name="connsiteY25" fmla="*/ 790575 h 1038225"/>
+                <a:gd name="connsiteX26" fmla="*/ 5029200 w 9610725"/>
+                <a:gd name="connsiteY26" fmla="*/ 742950 h 1038225"/>
+                <a:gd name="connsiteX27" fmla="*/ 5229225 w 9610725"/>
+                <a:gd name="connsiteY27" fmla="*/ 647700 h 1038225"/>
+                <a:gd name="connsiteX28" fmla="*/ 5353050 w 9610725"/>
+                <a:gd name="connsiteY28" fmla="*/ 457200 h 1038225"/>
+                <a:gd name="connsiteX29" fmla="*/ 5629275 w 9610725"/>
+                <a:gd name="connsiteY29" fmla="*/ 733425 h 1038225"/>
+                <a:gd name="connsiteX30" fmla="*/ 5819775 w 9610725"/>
+                <a:gd name="connsiteY30" fmla="*/ 619125 h 1038225"/>
+                <a:gd name="connsiteX31" fmla="*/ 5895975 w 9610725"/>
+                <a:gd name="connsiteY31" fmla="*/ 533400 h 1038225"/>
+                <a:gd name="connsiteX32" fmla="*/ 6048375 w 9610725"/>
+                <a:gd name="connsiteY32" fmla="*/ 552450 h 1038225"/>
+                <a:gd name="connsiteX33" fmla="*/ 6219825 w 9610725"/>
+                <a:gd name="connsiteY33" fmla="*/ 361950 h 1038225"/>
+                <a:gd name="connsiteX34" fmla="*/ 6429375 w 9610725"/>
+                <a:gd name="connsiteY34" fmla="*/ 590550 h 1038225"/>
+                <a:gd name="connsiteX35" fmla="*/ 6629400 w 9610725"/>
+                <a:gd name="connsiteY35" fmla="*/ 581025 h 1038225"/>
+                <a:gd name="connsiteX36" fmla="*/ 6743700 w 9610725"/>
+                <a:gd name="connsiteY36" fmla="*/ 476250 h 1038225"/>
+                <a:gd name="connsiteX37" fmla="*/ 6877050 w 9610725"/>
+                <a:gd name="connsiteY37" fmla="*/ 476250 h 1038225"/>
+                <a:gd name="connsiteX38" fmla="*/ 7058025 w 9610725"/>
+                <a:gd name="connsiteY38" fmla="*/ 228600 h 1038225"/>
+                <a:gd name="connsiteX39" fmla="*/ 7277100 w 9610725"/>
+                <a:gd name="connsiteY39" fmla="*/ 552450 h 1038225"/>
+                <a:gd name="connsiteX40" fmla="*/ 7515225 w 9610725"/>
+                <a:gd name="connsiteY40" fmla="*/ 552450 h 1038225"/>
+                <a:gd name="connsiteX41" fmla="*/ 7600950 w 9610725"/>
+                <a:gd name="connsiteY41" fmla="*/ 466725 h 1038225"/>
+                <a:gd name="connsiteX42" fmla="*/ 7924800 w 9610725"/>
+                <a:gd name="connsiteY42" fmla="*/ 142875 h 1038225"/>
+                <a:gd name="connsiteX43" fmla="*/ 8134350 w 9610725"/>
+                <a:gd name="connsiteY43" fmla="*/ 561975 h 1038225"/>
+                <a:gd name="connsiteX44" fmla="*/ 8267700 w 9610725"/>
+                <a:gd name="connsiteY44" fmla="*/ 447675 h 1038225"/>
+                <a:gd name="connsiteX45" fmla="*/ 8334375 w 9610725"/>
+                <a:gd name="connsiteY45" fmla="*/ 504825 h 1038225"/>
+                <a:gd name="connsiteX46" fmla="*/ 8362950 w 9610725"/>
+                <a:gd name="connsiteY46" fmla="*/ 352425 h 1038225"/>
+                <a:gd name="connsiteX47" fmla="*/ 8496300 w 9610725"/>
+                <a:gd name="connsiteY47" fmla="*/ 371475 h 1038225"/>
+                <a:gd name="connsiteX48" fmla="*/ 8686800 w 9610725"/>
+                <a:gd name="connsiteY48" fmla="*/ 0 h 1038225"/>
+                <a:gd name="connsiteX49" fmla="*/ 8972550 w 9610725"/>
+                <a:gd name="connsiteY49" fmla="*/ 466725 h 1038225"/>
+                <a:gd name="connsiteX50" fmla="*/ 9115425 w 9610725"/>
+                <a:gd name="connsiteY50" fmla="*/ 352425 h 1038225"/>
+                <a:gd name="connsiteX51" fmla="*/ 9258300 w 9610725"/>
+                <a:gd name="connsiteY51" fmla="*/ 409575 h 1038225"/>
+                <a:gd name="connsiteX52" fmla="*/ 9610725 w 9610725"/>
+                <a:gd name="connsiteY52" fmla="*/ 85725 h 1038225"/>
+              </a:gdLst>
+              <a:ahLst/>
+              <a:cxnLst>
+                <a:cxn ang="0">
+                  <a:pos x="connsiteX0" y="connsiteY0"/>
+                </a:cxn>
+                <a:cxn ang="0">
+                  <a:pos x="connsiteX1" y="connsiteY1"/>
+                </a:cxn>
+                <a:cxn ang="0">
+                  <a:pos x="connsiteX2" y="connsiteY2"/>
+                </a:cxn>
+                <a:cxn ang="0">
+                  <a:pos x="connsiteX3" y="connsiteY3"/>
+                </a:cxn>
+                <a:cxn ang="0">
+                  <a:pos x="connsiteX4" y="connsiteY4"/>
+                </a:cxn>
+                <a:cxn ang="0">
+                  <a:pos x="connsiteX5" y="connsiteY5"/>
+                </a:cxn>
+                <a:cxn ang="0">
+                  <a:pos x="connsiteX6" y="connsiteY6"/>
+                </a:cxn>
+                <a:cxn ang="0">
+                  <a:pos x="connsiteX7" y="connsiteY7"/>
+                </a:cxn>
+                <a:cxn ang="0">
+                  <a:pos x="connsiteX8" y="connsiteY8"/>
+                </a:cxn>
+                <a:cxn ang="0">
+                  <a:pos x="connsiteX9" y="connsiteY9"/>
+                </a:cxn>
+                <a:cxn ang="0">
+                  <a:pos x="connsiteX10" y="connsiteY10"/>
+                </a:cxn>
+                <a:cxn ang="0">
+                  <a:pos x="connsiteX11" y="connsiteY11"/>
+                </a:cxn>
+                <a:cxn ang="0">
+                  <a:pos x="connsiteX12" y="connsiteY12"/>
+                </a:cxn>
+                <a:cxn ang="0">
+                  <a:pos x="connsiteX13" y="connsiteY13"/>
+                </a:cxn>
+                <a:cxn ang="0">
+                  <a:pos x="connsiteX14" y="connsiteY14"/>
+                </a:cxn>
+                <a:cxn ang="0">
+                  <a:pos x="connsiteX15" y="connsiteY15"/>
+                </a:cxn>
+                <a:cxn ang="0">
+                  <a:pos x="connsiteX16" y="connsiteY16"/>
+                </a:cxn>
+                <a:cxn ang="0">
+                  <a:pos x="connsiteX17" y="connsiteY17"/>
+                </a:cxn>
+                <a:cxn ang="0">
+                  <a:pos x="connsiteX18" y="connsiteY18"/>
+                </a:cxn>
+                <a:cxn ang="0">
+                  <a:pos x="connsiteX19" y="connsiteY19"/>
+                </a:cxn>
+                <a:cxn ang="0">
+                  <a:pos x="connsiteX20" y="connsiteY20"/>
+                </a:cxn>
+                <a:cxn ang="0">
+                  <a:pos x="connsiteX21" y="connsiteY21"/>
+                </a:cxn>
+                <a:cxn ang="0">
+                  <a:pos x="connsiteX22" y="connsiteY22"/>
+                </a:cxn>
+                <a:cxn ang="0">
+                  <a:pos x="connsiteX23" y="connsiteY23"/>
+                </a:cxn>
+                <a:cxn ang="0">
+                  <a:pos x="connsiteX24" y="connsiteY24"/>
+                </a:cxn>
+                <a:cxn ang="0">
+                  <a:pos x="connsiteX25" y="connsiteY25"/>
+                </a:cxn>
+                <a:cxn ang="0">
+                  <a:pos x="connsiteX26" y="connsiteY26"/>
+                </a:cxn>
+                <a:cxn ang="0">
+                  <a:pos x="connsiteX27" y="connsiteY27"/>
+                </a:cxn>
+                <a:cxn ang="0">
+                  <a:pos x="connsiteX28" y="connsiteY28"/>
+                </a:cxn>
+                <a:cxn ang="0">
+                  <a:pos x="connsiteX29" y="connsiteY29"/>
+                </a:cxn>
+                <a:cxn ang="0">
+                  <a:pos x="connsiteX30" y="connsiteY30"/>
+                </a:cxn>
+                <a:cxn ang="0">
+                  <a:pos x="connsiteX31" y="connsiteY31"/>
+                </a:cxn>
+                <a:cxn ang="0">
+                  <a:pos x="connsiteX32" y="connsiteY32"/>
+                </a:cxn>
+                <a:cxn ang="0">
+                  <a:pos x="connsiteX33" y="connsiteY33"/>
+                </a:cxn>
+                <a:cxn ang="0">
+                  <a:pos x="connsiteX34" y="connsiteY34"/>
+                </a:cxn>
+                <a:cxn ang="0">
+                  <a:pos x="connsiteX35" y="connsiteY35"/>
+                </a:cxn>
+                <a:cxn ang="0">
+                  <a:pos x="connsiteX36" y="connsiteY36"/>
+                </a:cxn>
+                <a:cxn ang="0">
+                  <a:pos x="connsiteX37" y="connsiteY37"/>
+                </a:cxn>
+                <a:cxn ang="0">
+                  <a:pos x="connsiteX38" y="connsiteY38"/>
+                </a:cxn>
+                <a:cxn ang="0">
+                  <a:pos x="connsiteX39" y="connsiteY39"/>
+                </a:cxn>
+                <a:cxn ang="0">
+                  <a:pos x="connsiteX40" y="connsiteY40"/>
+                </a:cxn>
+                <a:cxn ang="0">
+                  <a:pos x="connsiteX41" y="connsiteY41"/>
+                </a:cxn>
+                <a:cxn ang="0">
+                  <a:pos x="connsiteX42" y="connsiteY42"/>
+                </a:cxn>
+                <a:cxn ang="0">
+                  <a:pos x="connsiteX43" y="connsiteY43"/>
+                </a:cxn>
+                <a:cxn ang="0">
+                  <a:pos x="connsiteX44" y="connsiteY44"/>
+                </a:cxn>
+                <a:cxn ang="0">
+                  <a:pos x="connsiteX45" y="connsiteY45"/>
+                </a:cxn>
+                <a:cxn ang="0">
+                  <a:pos x="connsiteX46" y="connsiteY46"/>
+                </a:cxn>
+                <a:cxn ang="0">
+                  <a:pos x="connsiteX47" y="connsiteY47"/>
+                </a:cxn>
+                <a:cxn ang="0">
+                  <a:pos x="connsiteX48" y="connsiteY48"/>
+                </a:cxn>
+                <a:cxn ang="0">
+                  <a:pos x="connsiteX49" y="connsiteY49"/>
+                </a:cxn>
+                <a:cxn ang="0">
+                  <a:pos x="connsiteX50" y="connsiteY50"/>
+                </a:cxn>
+                <a:cxn ang="0">
+                  <a:pos x="connsiteX51" y="connsiteY51"/>
+                </a:cxn>
+                <a:cxn ang="0">
+                  <a:pos x="connsiteX52" y="connsiteY52"/>
+                </a:cxn>
+              </a:cxnLst>
+              <a:rect l="l" t="t" r="r" b="b"/>
+              <a:pathLst>
+                <a:path w="9610725" h="1038225">
+                  <a:moveTo>
+                    <a:pt x="0" y="1000125"/>
+                  </a:moveTo>
+                  <a:lnTo>
+                    <a:pt x="152400" y="962025"/>
+                  </a:lnTo>
+                  <a:lnTo>
+                    <a:pt x="276225" y="990600"/>
+                  </a:lnTo>
+                  <a:lnTo>
+                    <a:pt x="447675" y="914400"/>
+                  </a:lnTo>
+                  <a:lnTo>
+                    <a:pt x="685800" y="1038225"/>
+                  </a:lnTo>
+                  <a:lnTo>
+                    <a:pt x="962025" y="952500"/>
+                  </a:lnTo>
+                  <a:lnTo>
+                    <a:pt x="1085850" y="1000125"/>
+                  </a:lnTo>
+                  <a:lnTo>
+                    <a:pt x="1285875" y="885825"/>
+                  </a:lnTo>
+                  <a:lnTo>
+                    <a:pt x="1495425" y="990600"/>
+                  </a:lnTo>
+                  <a:lnTo>
+                    <a:pt x="1781175" y="876300"/>
+                  </a:lnTo>
+                  <a:lnTo>
+                    <a:pt x="1847850" y="914400"/>
+                  </a:lnTo>
+                  <a:lnTo>
+                    <a:pt x="2114550" y="800100"/>
+                  </a:lnTo>
+                  <a:lnTo>
+                    <a:pt x="2343150" y="962025"/>
+                  </a:lnTo>
+                  <a:lnTo>
+                    <a:pt x="2609850" y="828675"/>
+                  </a:lnTo>
+                  <a:lnTo>
+                    <a:pt x="2743200" y="914400"/>
+                  </a:lnTo>
+                  <a:lnTo>
+                    <a:pt x="2962275" y="742950"/>
+                  </a:lnTo>
+                  <a:lnTo>
+                    <a:pt x="3143250" y="895350"/>
+                  </a:lnTo>
+                  <a:lnTo>
+                    <a:pt x="3324225" y="790575"/>
+                  </a:lnTo>
+                  <a:lnTo>
+                    <a:pt x="3390900" y="714375"/>
+                  </a:lnTo>
+                  <a:lnTo>
+                    <a:pt x="3609975" y="742950"/>
+                  </a:lnTo>
+                  <a:lnTo>
+                    <a:pt x="3800475" y="676275"/>
+                  </a:lnTo>
+                  <a:lnTo>
+                    <a:pt x="3990975" y="857250"/>
+                  </a:lnTo>
+                  <a:lnTo>
+                    <a:pt x="4171950" y="819150"/>
+                  </a:lnTo>
+                  <a:lnTo>
+                    <a:pt x="4286250" y="714375"/>
+                  </a:lnTo>
+                  <a:lnTo>
+                    <a:pt x="4619625" y="581025"/>
+                  </a:lnTo>
+                  <a:lnTo>
+                    <a:pt x="4810125" y="790575"/>
+                  </a:lnTo>
+                  <a:lnTo>
+                    <a:pt x="5029200" y="742950"/>
+                  </a:lnTo>
+                  <a:lnTo>
+                    <a:pt x="5229225" y="647700"/>
+                  </a:lnTo>
+                  <a:lnTo>
+                    <a:pt x="5353050" y="457200"/>
+                  </a:lnTo>
+                  <a:lnTo>
+                    <a:pt x="5629275" y="733425"/>
+                  </a:lnTo>
+                  <a:lnTo>
+                    <a:pt x="5819775" y="619125"/>
+                  </a:lnTo>
+                  <a:lnTo>
+                    <a:pt x="5895975" y="533400"/>
+                  </a:lnTo>
+                  <a:lnTo>
+                    <a:pt x="6048375" y="552450"/>
+                  </a:lnTo>
+                  <a:lnTo>
+                    <a:pt x="6219825" y="361950"/>
+                  </a:lnTo>
+                  <a:lnTo>
+                    <a:pt x="6429375" y="590550"/>
+                  </a:lnTo>
+                  <a:lnTo>
+                    <a:pt x="6629400" y="581025"/>
+                  </a:lnTo>
+                  <a:lnTo>
+                    <a:pt x="6743700" y="476250"/>
+                  </a:lnTo>
+                  <a:lnTo>
+                    <a:pt x="6877050" y="476250"/>
+                  </a:lnTo>
+                  <a:lnTo>
+                    <a:pt x="7058025" y="228600"/>
+                  </a:lnTo>
+                  <a:lnTo>
+                    <a:pt x="7277100" y="552450"/>
+                  </a:lnTo>
+                  <a:lnTo>
+                    <a:pt x="7515225" y="552450"/>
+                  </a:lnTo>
+                  <a:lnTo>
+                    <a:pt x="7600950" y="466725"/>
+                  </a:lnTo>
+                  <a:lnTo>
+                    <a:pt x="7924800" y="142875"/>
+                  </a:lnTo>
+                  <a:lnTo>
+                    <a:pt x="8134350" y="561975"/>
+                  </a:lnTo>
+                  <a:lnTo>
+                    <a:pt x="8267700" y="447675"/>
+                  </a:lnTo>
+                  <a:lnTo>
+                    <a:pt x="8334375" y="504825"/>
+                  </a:lnTo>
+                  <a:lnTo>
+                    <a:pt x="8362950" y="352425"/>
+                  </a:lnTo>
+                  <a:lnTo>
+                    <a:pt x="8496300" y="371475"/>
+                  </a:lnTo>
+                  <a:lnTo>
+                    <a:pt x="8686800" y="0"/>
+                  </a:lnTo>
+                  <a:lnTo>
+                    <a:pt x="8972550" y="466725"/>
+                  </a:lnTo>
+                  <a:lnTo>
+                    <a:pt x="9115425" y="352425"/>
+                  </a:lnTo>
+                  <a:lnTo>
+                    <a:pt x="9258300" y="409575"/>
+                  </a:lnTo>
+                  <a:lnTo>
+                    <a:pt x="9610725" y="85725"/>
+                  </a:lnTo>
+                </a:path>
+              </a:pathLst>
+            </a:custGeom>
+            <a:noFill/>
+            <a:ln w="28575">
+              <a:solidFill>
+                <a:schemeClr val="bg2">
+                  <a:lumMod val="75000"/>
                 </a:schemeClr>
-              </a:lnRef>
-              <a:fillRef idx="1">
-                <a:schemeClr val="accent1"/>
-              </a:fillRef>
-              <a:effectRef idx="0">
-                <a:schemeClr val="accent1"/>
-              </a:effectRef>
-              <a:fontRef idx="minor">
-                <a:schemeClr val="lt1"/>
-              </a:fontRef>
-            </p:style>
-            <p:txBody>
-              <a:bodyPr rtlCol="0" anchor="ctr"/>
-              <a:lstStyle/>
-              <a:p>
-                <a:pPr algn="ctr"/>
-                <a:endParaRPr lang="pt-BR"/>
-              </a:p>
-            </p:txBody>
-          </p:sp>
-          <p:sp>
-            <p:nvSpPr>
-              <p:cNvPr id="37" name="Forma Livre: Forma 36">
-                <a:extLst>
-                  <a:ext uri="{FF2B5EF4-FFF2-40B4-BE49-F238E27FC236}">
-                    <a16:creationId xmlns:a16="http://schemas.microsoft.com/office/drawing/2014/main" id="{35685147-4B0B-4696-A56A-0644F6F4FB69}"/>
-                  </a:ext>
-                </a:extLst>
-              </p:cNvPr>
-              <p:cNvSpPr/>
-              <p:nvPr/>
-            </p:nvSpPr>
-            <p:spPr>
-              <a:xfrm>
-                <a:off x="2409810" y="4004028"/>
-                <a:ext cx="3258669" cy="746941"/>
-              </a:xfrm>
-              <a:custGeom>
-                <a:avLst/>
-                <a:gdLst>
-                  <a:gd name="connsiteX0" fmla="*/ 0 w 9429750"/>
-                  <a:gd name="connsiteY0" fmla="*/ 857250 h 1181100"/>
-                  <a:gd name="connsiteX1" fmla="*/ 114300 w 9429750"/>
-                  <a:gd name="connsiteY1" fmla="*/ 942975 h 1181100"/>
-                  <a:gd name="connsiteX2" fmla="*/ 238125 w 9429750"/>
-                  <a:gd name="connsiteY2" fmla="*/ 638175 h 1181100"/>
-                  <a:gd name="connsiteX3" fmla="*/ 361950 w 9429750"/>
-                  <a:gd name="connsiteY3" fmla="*/ 704850 h 1181100"/>
-                  <a:gd name="connsiteX4" fmla="*/ 619125 w 9429750"/>
-                  <a:gd name="connsiteY4" fmla="*/ 38100 h 1181100"/>
-                  <a:gd name="connsiteX5" fmla="*/ 733425 w 9429750"/>
-                  <a:gd name="connsiteY5" fmla="*/ 47625 h 1181100"/>
-                  <a:gd name="connsiteX6" fmla="*/ 1019175 w 9429750"/>
-                  <a:gd name="connsiteY6" fmla="*/ 1143000 h 1181100"/>
-                  <a:gd name="connsiteX7" fmla="*/ 1143000 w 9429750"/>
-                  <a:gd name="connsiteY7" fmla="*/ 942975 h 1181100"/>
-                  <a:gd name="connsiteX8" fmla="*/ 1257300 w 9429750"/>
-                  <a:gd name="connsiteY8" fmla="*/ 876300 h 1181100"/>
-                  <a:gd name="connsiteX9" fmla="*/ 1314450 w 9429750"/>
-                  <a:gd name="connsiteY9" fmla="*/ 952500 h 1181100"/>
-                  <a:gd name="connsiteX10" fmla="*/ 1476375 w 9429750"/>
-                  <a:gd name="connsiteY10" fmla="*/ 657225 h 1181100"/>
-                  <a:gd name="connsiteX11" fmla="*/ 1562100 w 9429750"/>
-                  <a:gd name="connsiteY11" fmla="*/ 704850 h 1181100"/>
-                  <a:gd name="connsiteX12" fmla="*/ 1638300 w 9429750"/>
-                  <a:gd name="connsiteY12" fmla="*/ 676275 h 1181100"/>
-                  <a:gd name="connsiteX13" fmla="*/ 1847850 w 9429750"/>
-                  <a:gd name="connsiteY13" fmla="*/ 38100 h 1181100"/>
-                  <a:gd name="connsiteX14" fmla="*/ 1990725 w 9429750"/>
-                  <a:gd name="connsiteY14" fmla="*/ 47625 h 1181100"/>
-                  <a:gd name="connsiteX15" fmla="*/ 2286000 w 9429750"/>
-                  <a:gd name="connsiteY15" fmla="*/ 1152525 h 1181100"/>
-                  <a:gd name="connsiteX16" fmla="*/ 2390775 w 9429750"/>
-                  <a:gd name="connsiteY16" fmla="*/ 933450 h 1181100"/>
-                  <a:gd name="connsiteX17" fmla="*/ 2486025 w 9429750"/>
-                  <a:gd name="connsiteY17" fmla="*/ 847725 h 1181100"/>
-                  <a:gd name="connsiteX18" fmla="*/ 2609850 w 9429750"/>
-                  <a:gd name="connsiteY18" fmla="*/ 942975 h 1181100"/>
-                  <a:gd name="connsiteX19" fmla="*/ 2714625 w 9429750"/>
-                  <a:gd name="connsiteY19" fmla="*/ 628650 h 1181100"/>
-                  <a:gd name="connsiteX20" fmla="*/ 2809875 w 9429750"/>
-                  <a:gd name="connsiteY20" fmla="*/ 714375 h 1181100"/>
-                  <a:gd name="connsiteX21" fmla="*/ 2905125 w 9429750"/>
-                  <a:gd name="connsiteY21" fmla="*/ 714375 h 1181100"/>
-                  <a:gd name="connsiteX22" fmla="*/ 3114675 w 9429750"/>
-                  <a:gd name="connsiteY22" fmla="*/ 0 h 1181100"/>
-                  <a:gd name="connsiteX23" fmla="*/ 3238500 w 9429750"/>
-                  <a:gd name="connsiteY23" fmla="*/ 57150 h 1181100"/>
-                  <a:gd name="connsiteX24" fmla="*/ 3505200 w 9429750"/>
-                  <a:gd name="connsiteY24" fmla="*/ 1152525 h 1181100"/>
-                  <a:gd name="connsiteX25" fmla="*/ 3629025 w 9429750"/>
-                  <a:gd name="connsiteY25" fmla="*/ 923925 h 1181100"/>
-                  <a:gd name="connsiteX26" fmla="*/ 3752850 w 9429750"/>
-                  <a:gd name="connsiteY26" fmla="*/ 866775 h 1181100"/>
-                  <a:gd name="connsiteX27" fmla="*/ 3857625 w 9429750"/>
-                  <a:gd name="connsiteY27" fmla="*/ 933450 h 1181100"/>
-                  <a:gd name="connsiteX28" fmla="*/ 3952875 w 9429750"/>
-                  <a:gd name="connsiteY28" fmla="*/ 571500 h 1181100"/>
-                  <a:gd name="connsiteX29" fmla="*/ 4067175 w 9429750"/>
-                  <a:gd name="connsiteY29" fmla="*/ 723900 h 1181100"/>
-                  <a:gd name="connsiteX30" fmla="*/ 4162425 w 9429750"/>
-                  <a:gd name="connsiteY30" fmla="*/ 695325 h 1181100"/>
-                  <a:gd name="connsiteX31" fmla="*/ 4352925 w 9429750"/>
-                  <a:gd name="connsiteY31" fmla="*/ 38100 h 1181100"/>
-                  <a:gd name="connsiteX32" fmla="*/ 4486275 w 9429750"/>
-                  <a:gd name="connsiteY32" fmla="*/ 38100 h 1181100"/>
-                  <a:gd name="connsiteX33" fmla="*/ 4791075 w 9429750"/>
-                  <a:gd name="connsiteY33" fmla="*/ 1181100 h 1181100"/>
-                  <a:gd name="connsiteX34" fmla="*/ 4895850 w 9429750"/>
-                  <a:gd name="connsiteY34" fmla="*/ 933450 h 1181100"/>
-                  <a:gd name="connsiteX35" fmla="*/ 5019675 w 9429750"/>
-                  <a:gd name="connsiteY35" fmla="*/ 904875 h 1181100"/>
-                  <a:gd name="connsiteX36" fmla="*/ 5114925 w 9429750"/>
-                  <a:gd name="connsiteY36" fmla="*/ 990600 h 1181100"/>
-                  <a:gd name="connsiteX37" fmla="*/ 5219700 w 9429750"/>
-                  <a:gd name="connsiteY37" fmla="*/ 609600 h 1181100"/>
-                  <a:gd name="connsiteX38" fmla="*/ 5314950 w 9429750"/>
-                  <a:gd name="connsiteY38" fmla="*/ 704850 h 1181100"/>
-                  <a:gd name="connsiteX39" fmla="*/ 5400675 w 9429750"/>
-                  <a:gd name="connsiteY39" fmla="*/ 714375 h 1181100"/>
-                  <a:gd name="connsiteX40" fmla="*/ 5619750 w 9429750"/>
-                  <a:gd name="connsiteY40" fmla="*/ 38100 h 1181100"/>
-                  <a:gd name="connsiteX41" fmla="*/ 5734050 w 9429750"/>
-                  <a:gd name="connsiteY41" fmla="*/ 57150 h 1181100"/>
-                  <a:gd name="connsiteX42" fmla="*/ 6019800 w 9429750"/>
-                  <a:gd name="connsiteY42" fmla="*/ 1114425 h 1181100"/>
-                  <a:gd name="connsiteX43" fmla="*/ 6181725 w 9429750"/>
-                  <a:gd name="connsiteY43" fmla="*/ 904875 h 1181100"/>
-                  <a:gd name="connsiteX44" fmla="*/ 6229350 w 9429750"/>
-                  <a:gd name="connsiteY44" fmla="*/ 895350 h 1181100"/>
-                  <a:gd name="connsiteX45" fmla="*/ 6353175 w 9429750"/>
-                  <a:gd name="connsiteY45" fmla="*/ 942975 h 1181100"/>
-                  <a:gd name="connsiteX46" fmla="*/ 6438900 w 9429750"/>
-                  <a:gd name="connsiteY46" fmla="*/ 609600 h 1181100"/>
-                  <a:gd name="connsiteX47" fmla="*/ 6553200 w 9429750"/>
-                  <a:gd name="connsiteY47" fmla="*/ 714375 h 1181100"/>
-                  <a:gd name="connsiteX48" fmla="*/ 6667500 w 9429750"/>
-                  <a:gd name="connsiteY48" fmla="*/ 695325 h 1181100"/>
-                  <a:gd name="connsiteX49" fmla="*/ 6838950 w 9429750"/>
-                  <a:gd name="connsiteY49" fmla="*/ 9525 h 1181100"/>
-                  <a:gd name="connsiteX50" fmla="*/ 6924675 w 9429750"/>
-                  <a:gd name="connsiteY50" fmla="*/ 19050 h 1181100"/>
-                  <a:gd name="connsiteX51" fmla="*/ 7277100 w 9429750"/>
-                  <a:gd name="connsiteY51" fmla="*/ 1152525 h 1181100"/>
-                  <a:gd name="connsiteX52" fmla="*/ 7381875 w 9429750"/>
-                  <a:gd name="connsiteY52" fmla="*/ 885825 h 1181100"/>
-                  <a:gd name="connsiteX53" fmla="*/ 7477125 w 9429750"/>
-                  <a:gd name="connsiteY53" fmla="*/ 876300 h 1181100"/>
-                  <a:gd name="connsiteX54" fmla="*/ 7591425 w 9429750"/>
-                  <a:gd name="connsiteY54" fmla="*/ 933450 h 1181100"/>
-                  <a:gd name="connsiteX55" fmla="*/ 7677150 w 9429750"/>
-                  <a:gd name="connsiteY55" fmla="*/ 609600 h 1181100"/>
-                  <a:gd name="connsiteX56" fmla="*/ 7810500 w 9429750"/>
-                  <a:gd name="connsiteY56" fmla="*/ 695325 h 1181100"/>
-                  <a:gd name="connsiteX57" fmla="*/ 7915275 w 9429750"/>
-                  <a:gd name="connsiteY57" fmla="*/ 695325 h 1181100"/>
-                  <a:gd name="connsiteX58" fmla="*/ 8124825 w 9429750"/>
-                  <a:gd name="connsiteY58" fmla="*/ 9525 h 1181100"/>
-                  <a:gd name="connsiteX59" fmla="*/ 8239125 w 9429750"/>
-                  <a:gd name="connsiteY59" fmla="*/ 57150 h 1181100"/>
-                  <a:gd name="connsiteX60" fmla="*/ 8505825 w 9429750"/>
-                  <a:gd name="connsiteY60" fmla="*/ 1133475 h 1181100"/>
-                  <a:gd name="connsiteX61" fmla="*/ 8648700 w 9429750"/>
-                  <a:gd name="connsiteY61" fmla="*/ 914400 h 1181100"/>
-                  <a:gd name="connsiteX62" fmla="*/ 8724900 w 9429750"/>
-                  <a:gd name="connsiteY62" fmla="*/ 857250 h 1181100"/>
-                  <a:gd name="connsiteX63" fmla="*/ 8820150 w 9429750"/>
-                  <a:gd name="connsiteY63" fmla="*/ 933450 h 1181100"/>
-                  <a:gd name="connsiteX64" fmla="*/ 8886825 w 9429750"/>
-                  <a:gd name="connsiteY64" fmla="*/ 647700 h 1181100"/>
-                  <a:gd name="connsiteX65" fmla="*/ 9039225 w 9429750"/>
-                  <a:gd name="connsiteY65" fmla="*/ 723900 h 1181100"/>
-                  <a:gd name="connsiteX66" fmla="*/ 9124950 w 9429750"/>
-                  <a:gd name="connsiteY66" fmla="*/ 714375 h 1181100"/>
-                  <a:gd name="connsiteX67" fmla="*/ 9353550 w 9429750"/>
-                  <a:gd name="connsiteY67" fmla="*/ 19050 h 1181100"/>
-                  <a:gd name="connsiteX68" fmla="*/ 9429750 w 9429750"/>
-                  <a:gd name="connsiteY68" fmla="*/ 38100 h 1181100"/>
-                </a:gdLst>
-                <a:ahLst/>
-                <a:cxnLst>
-                  <a:cxn ang="0">
-                    <a:pos x="connsiteX0" y="connsiteY0"/>
-                  </a:cxn>
-                  <a:cxn ang="0">
-                    <a:pos x="connsiteX1" y="connsiteY1"/>
-                  </a:cxn>
-                  <a:cxn ang="0">
-                    <a:pos x="connsiteX2" y="connsiteY2"/>
-                  </a:cxn>
-                  <a:cxn ang="0">
-                    <a:pos x="connsiteX3" y="connsiteY3"/>
-                  </a:cxn>
-                  <a:cxn ang="0">
-                    <a:pos x="connsiteX4" y="connsiteY4"/>
-                  </a:cxn>
-                  <a:cxn ang="0">
-                    <a:pos x="connsiteX5" y="connsiteY5"/>
-                  </a:cxn>
-                  <a:cxn ang="0">
-                    <a:pos x="connsiteX6" y="connsiteY6"/>
-                  </a:cxn>
-                  <a:cxn ang="0">
-                    <a:pos x="connsiteX7" y="connsiteY7"/>
-                  </a:cxn>
-                  <a:cxn ang="0">
-                    <a:pos x="connsiteX8" y="connsiteY8"/>
-                  </a:cxn>
-                  <a:cxn ang="0">
-                    <a:pos x="connsiteX9" y="connsiteY9"/>
-                  </a:cxn>
-                  <a:cxn ang="0">
-                    <a:pos x="connsiteX10" y="connsiteY10"/>
-                  </a:cxn>
-                  <a:cxn ang="0">
-                    <a:pos x="connsiteX11" y="connsiteY11"/>
-                  </a:cxn>
-                  <a:cxn ang="0">
-                    <a:pos x="connsiteX12" y="connsiteY12"/>
-                  </a:cxn>
-                  <a:cxn ang="0">
-                    <a:pos x="connsiteX13" y="connsiteY13"/>
-                  </a:cxn>
-                  <a:cxn ang="0">
-                    <a:pos x="connsiteX14" y="connsiteY14"/>
-                  </a:cxn>
-                  <a:cxn ang="0">
-                    <a:pos x="connsiteX15" y="connsiteY15"/>
-                  </a:cxn>
-                  <a:cxn ang="0">
-                    <a:pos x="connsiteX16" y="connsiteY16"/>
-                  </a:cxn>
-                  <a:cxn ang="0">
-                    <a:pos x="connsiteX17" y="connsiteY17"/>
-                  </a:cxn>
-                  <a:cxn ang="0">
-                    <a:pos x="connsiteX18" y="connsiteY18"/>
-                  </a:cxn>
-                  <a:cxn ang="0">
-                    <a:pos x="connsiteX19" y="connsiteY19"/>
-                  </a:cxn>
-                  <a:cxn ang="0">
-                    <a:pos x="connsiteX20" y="connsiteY20"/>
-                  </a:cxn>
-                  <a:cxn ang="0">
-                    <a:pos x="connsiteX21" y="connsiteY21"/>
-                  </a:cxn>
-                  <a:cxn ang="0">
-                    <a:pos x="connsiteX22" y="connsiteY22"/>
-                  </a:cxn>
-                  <a:cxn ang="0">
-                    <a:pos x="connsiteX23" y="connsiteY23"/>
-                  </a:cxn>
-                  <a:cxn ang="0">
-                    <a:pos x="connsiteX24" y="connsiteY24"/>
-                  </a:cxn>
-                  <a:cxn ang="0">
-                    <a:pos x="connsiteX25" y="connsiteY25"/>
-                  </a:cxn>
-                  <a:cxn ang="0">
-                    <a:pos x="connsiteX26" y="connsiteY26"/>
-                  </a:cxn>
-                  <a:cxn ang="0">
-                    <a:pos x="connsiteX27" y="connsiteY27"/>
-                  </a:cxn>
-                  <a:cxn ang="0">
-                    <a:pos x="connsiteX28" y="connsiteY28"/>
-                  </a:cxn>
-                  <a:cxn ang="0">
-                    <a:pos x="connsiteX29" y="connsiteY29"/>
-                  </a:cxn>
-                  <a:cxn ang="0">
-                    <a:pos x="connsiteX30" y="connsiteY30"/>
-                  </a:cxn>
-                  <a:cxn ang="0">
-                    <a:pos x="connsiteX31" y="connsiteY31"/>
-                  </a:cxn>
-                  <a:cxn ang="0">
-                    <a:pos x="connsiteX32" y="connsiteY32"/>
-                  </a:cxn>
-                  <a:cxn ang="0">
-                    <a:pos x="connsiteX33" y="connsiteY33"/>
-                  </a:cxn>
-                  <a:cxn ang="0">
-                    <a:pos x="connsiteX34" y="connsiteY34"/>
-                  </a:cxn>
-                  <a:cxn ang="0">
-                    <a:pos x="connsiteX35" y="connsiteY35"/>
-                  </a:cxn>
-                  <a:cxn ang="0">
-                    <a:pos x="connsiteX36" y="connsiteY36"/>
-                  </a:cxn>
-                  <a:cxn ang="0">
-                    <a:pos x="connsiteX37" y="connsiteY37"/>
-                  </a:cxn>
-                  <a:cxn ang="0">
-                    <a:pos x="connsiteX38" y="connsiteY38"/>
-                  </a:cxn>
-                  <a:cxn ang="0">
-                    <a:pos x="connsiteX39" y="connsiteY39"/>
-                  </a:cxn>
-                  <a:cxn ang="0">
-                    <a:pos x="connsiteX40" y="connsiteY40"/>
-                  </a:cxn>
-                  <a:cxn ang="0">
-                    <a:pos x="connsiteX41" y="connsiteY41"/>
-                  </a:cxn>
-                  <a:cxn ang="0">
-                    <a:pos x="connsiteX42" y="connsiteY42"/>
-                  </a:cxn>
-                  <a:cxn ang="0">
-                    <a:pos x="connsiteX43" y="connsiteY43"/>
-                  </a:cxn>
-                  <a:cxn ang="0">
-                    <a:pos x="connsiteX44" y="connsiteY44"/>
-                  </a:cxn>
-                  <a:cxn ang="0">
-                    <a:pos x="connsiteX45" y="connsiteY45"/>
-                  </a:cxn>
-                  <a:cxn ang="0">
-                    <a:pos x="connsiteX46" y="connsiteY46"/>
-                  </a:cxn>
-                  <a:cxn ang="0">
-                    <a:pos x="connsiteX47" y="connsiteY47"/>
-                  </a:cxn>
-                  <a:cxn ang="0">
-                    <a:pos x="connsiteX48" y="connsiteY48"/>
-                  </a:cxn>
-                  <a:cxn ang="0">
-                    <a:pos x="connsiteX49" y="connsiteY49"/>
-                  </a:cxn>
-                  <a:cxn ang="0">
-                    <a:pos x="connsiteX50" y="connsiteY50"/>
-                  </a:cxn>
-                  <a:cxn ang="0">
-                    <a:pos x="connsiteX51" y="connsiteY51"/>
-                  </a:cxn>
-                  <a:cxn ang="0">
-                    <a:pos x="connsiteX52" y="connsiteY52"/>
-                  </a:cxn>
-                  <a:cxn ang="0">
-                    <a:pos x="connsiteX53" y="connsiteY53"/>
-                  </a:cxn>
-                  <a:cxn ang="0">
-                    <a:pos x="connsiteX54" y="connsiteY54"/>
-                  </a:cxn>
-                  <a:cxn ang="0">
-                    <a:pos x="connsiteX55" y="connsiteY55"/>
-                  </a:cxn>
-                  <a:cxn ang="0">
-                    <a:pos x="connsiteX56" y="connsiteY56"/>
-                  </a:cxn>
-                  <a:cxn ang="0">
-                    <a:pos x="connsiteX57" y="connsiteY57"/>
-                  </a:cxn>
-                  <a:cxn ang="0">
-                    <a:pos x="connsiteX58" y="connsiteY58"/>
-                  </a:cxn>
-                  <a:cxn ang="0">
-                    <a:pos x="connsiteX59" y="connsiteY59"/>
-                  </a:cxn>
-                  <a:cxn ang="0">
-                    <a:pos x="connsiteX60" y="connsiteY60"/>
-                  </a:cxn>
-                  <a:cxn ang="0">
-                    <a:pos x="connsiteX61" y="connsiteY61"/>
-                  </a:cxn>
-                  <a:cxn ang="0">
-                    <a:pos x="connsiteX62" y="connsiteY62"/>
-                  </a:cxn>
-                  <a:cxn ang="0">
-                    <a:pos x="connsiteX63" y="connsiteY63"/>
-                  </a:cxn>
-                  <a:cxn ang="0">
-                    <a:pos x="connsiteX64" y="connsiteY64"/>
-                  </a:cxn>
-                  <a:cxn ang="0">
-                    <a:pos x="connsiteX65" y="connsiteY65"/>
-                  </a:cxn>
-                  <a:cxn ang="0">
-                    <a:pos x="connsiteX66" y="connsiteY66"/>
-                  </a:cxn>
-                  <a:cxn ang="0">
-                    <a:pos x="connsiteX67" y="connsiteY67"/>
-                  </a:cxn>
-                  <a:cxn ang="0">
-                    <a:pos x="connsiteX68" y="connsiteY68"/>
-                  </a:cxn>
-                </a:cxnLst>
-                <a:rect l="l" t="t" r="r" b="b"/>
-                <a:pathLst>
-                  <a:path w="9429750" h="1181100">
-                    <a:moveTo>
-                      <a:pt x="0" y="857250"/>
-                    </a:moveTo>
-                    <a:lnTo>
-                      <a:pt x="114300" y="942975"/>
-                    </a:lnTo>
-                    <a:lnTo>
-                      <a:pt x="238125" y="638175"/>
-                    </a:lnTo>
-                    <a:lnTo>
-                      <a:pt x="361950" y="704850"/>
-                    </a:lnTo>
-                    <a:lnTo>
-                      <a:pt x="619125" y="38100"/>
-                    </a:lnTo>
-                    <a:lnTo>
-                      <a:pt x="733425" y="47625"/>
-                    </a:lnTo>
-                    <a:lnTo>
-                      <a:pt x="1019175" y="1143000"/>
-                    </a:lnTo>
-                    <a:lnTo>
-                      <a:pt x="1143000" y="942975"/>
-                    </a:lnTo>
-                    <a:lnTo>
-                      <a:pt x="1257300" y="876300"/>
-                    </a:lnTo>
-                    <a:lnTo>
-                      <a:pt x="1314450" y="952500"/>
-                    </a:lnTo>
-                    <a:lnTo>
-                      <a:pt x="1476375" y="657225"/>
-                    </a:lnTo>
-                    <a:lnTo>
-                      <a:pt x="1562100" y="704850"/>
-                    </a:lnTo>
-                    <a:lnTo>
-                      <a:pt x="1638300" y="676275"/>
-                    </a:lnTo>
-                    <a:lnTo>
-                      <a:pt x="1847850" y="38100"/>
-                    </a:lnTo>
-                    <a:lnTo>
-                      <a:pt x="1990725" y="47625"/>
-                    </a:lnTo>
-                    <a:lnTo>
-                      <a:pt x="2286000" y="1152525"/>
-                    </a:lnTo>
-                    <a:lnTo>
-                      <a:pt x="2390775" y="933450"/>
-                    </a:lnTo>
-                    <a:lnTo>
-                      <a:pt x="2486025" y="847725"/>
-                    </a:lnTo>
-                    <a:lnTo>
-                      <a:pt x="2609850" y="942975"/>
-                    </a:lnTo>
-                    <a:lnTo>
-                      <a:pt x="2714625" y="628650"/>
-                    </a:lnTo>
-                    <a:lnTo>
-                      <a:pt x="2809875" y="714375"/>
-                    </a:lnTo>
-                    <a:lnTo>
-                      <a:pt x="2905125" y="714375"/>
-                    </a:lnTo>
-                    <a:lnTo>
-                      <a:pt x="3114675" y="0"/>
-                    </a:lnTo>
-                    <a:lnTo>
-                      <a:pt x="3238500" y="57150"/>
-                    </a:lnTo>
-                    <a:lnTo>
-                      <a:pt x="3505200" y="1152525"/>
-                    </a:lnTo>
-                    <a:lnTo>
-                      <a:pt x="3629025" y="923925"/>
-                    </a:lnTo>
-                    <a:lnTo>
-                      <a:pt x="3752850" y="866775"/>
-                    </a:lnTo>
-                    <a:lnTo>
-                      <a:pt x="3857625" y="933450"/>
-                    </a:lnTo>
-                    <a:lnTo>
-                      <a:pt x="3952875" y="571500"/>
-                    </a:lnTo>
-                    <a:lnTo>
-                      <a:pt x="4067175" y="723900"/>
-                    </a:lnTo>
-                    <a:lnTo>
-                      <a:pt x="4162425" y="695325"/>
-                    </a:lnTo>
-                    <a:lnTo>
-                      <a:pt x="4352925" y="38100"/>
-                    </a:lnTo>
-                    <a:lnTo>
-                      <a:pt x="4486275" y="38100"/>
-                    </a:lnTo>
-                    <a:lnTo>
-                      <a:pt x="4791075" y="1181100"/>
-                    </a:lnTo>
-                    <a:lnTo>
-                      <a:pt x="4895850" y="933450"/>
-                    </a:lnTo>
-                    <a:lnTo>
-                      <a:pt x="5019675" y="904875"/>
-                    </a:lnTo>
-                    <a:lnTo>
-                      <a:pt x="5114925" y="990600"/>
-                    </a:lnTo>
-                    <a:lnTo>
-                      <a:pt x="5219700" y="609600"/>
-                    </a:lnTo>
-                    <a:lnTo>
-                      <a:pt x="5314950" y="704850"/>
-                    </a:lnTo>
-                    <a:lnTo>
-                      <a:pt x="5400675" y="714375"/>
-                    </a:lnTo>
-                    <a:lnTo>
-                      <a:pt x="5619750" y="38100"/>
-                    </a:lnTo>
-                    <a:lnTo>
-                      <a:pt x="5734050" y="57150"/>
-                    </a:lnTo>
-                    <a:lnTo>
-                      <a:pt x="6019800" y="1114425"/>
-                    </a:lnTo>
-                    <a:lnTo>
-                      <a:pt x="6181725" y="904875"/>
-                    </a:lnTo>
-                    <a:lnTo>
-                      <a:pt x="6229350" y="895350"/>
-                    </a:lnTo>
-                    <a:lnTo>
-                      <a:pt x="6353175" y="942975"/>
-                    </a:lnTo>
-                    <a:lnTo>
-                      <a:pt x="6438900" y="609600"/>
-                    </a:lnTo>
-                    <a:lnTo>
-                      <a:pt x="6553200" y="714375"/>
-                    </a:lnTo>
-                    <a:lnTo>
-                      <a:pt x="6667500" y="695325"/>
-                    </a:lnTo>
-                    <a:lnTo>
-                      <a:pt x="6838950" y="9525"/>
-                    </a:lnTo>
-                    <a:lnTo>
-                      <a:pt x="6924675" y="19050"/>
-                    </a:lnTo>
-                    <a:lnTo>
-                      <a:pt x="7277100" y="1152525"/>
-                    </a:lnTo>
-                    <a:lnTo>
-                      <a:pt x="7381875" y="885825"/>
-                    </a:lnTo>
-                    <a:lnTo>
-                      <a:pt x="7477125" y="876300"/>
-                    </a:lnTo>
-                    <a:lnTo>
-                      <a:pt x="7591425" y="933450"/>
-                    </a:lnTo>
-                    <a:lnTo>
-                      <a:pt x="7677150" y="609600"/>
-                    </a:lnTo>
-                    <a:lnTo>
-                      <a:pt x="7810500" y="695325"/>
-                    </a:lnTo>
-                    <a:lnTo>
-                      <a:pt x="7915275" y="695325"/>
-                    </a:lnTo>
-                    <a:lnTo>
-                      <a:pt x="8124825" y="9525"/>
-                    </a:lnTo>
-                    <a:lnTo>
-                      <a:pt x="8239125" y="57150"/>
-                    </a:lnTo>
-                    <a:lnTo>
-                      <a:pt x="8505825" y="1133475"/>
-                    </a:lnTo>
-                    <a:lnTo>
-                      <a:pt x="8648700" y="914400"/>
-                    </a:lnTo>
-                    <a:lnTo>
-                      <a:pt x="8724900" y="857250"/>
-                    </a:lnTo>
-                    <a:lnTo>
-                      <a:pt x="8820150" y="933450"/>
-                    </a:lnTo>
-                    <a:lnTo>
-                      <a:pt x="8886825" y="647700"/>
-                    </a:lnTo>
-                    <a:lnTo>
-                      <a:pt x="9039225" y="723900"/>
-                    </a:lnTo>
-                    <a:lnTo>
-                      <a:pt x="9124950" y="714375"/>
-                    </a:lnTo>
-                    <a:lnTo>
-                      <a:pt x="9353550" y="19050"/>
-                    </a:lnTo>
-                    <a:lnTo>
-                      <a:pt x="9429750" y="38100"/>
-                    </a:lnTo>
-                  </a:path>
-                </a:pathLst>
-              </a:custGeom>
-              <a:noFill/>
-              <a:ln w="28575">
-                <a:solidFill>
-                  <a:schemeClr val="tx1">
-                    <a:lumMod val="50000"/>
-                    <a:lumOff val="50000"/>
-                  </a:schemeClr>
-                </a:solidFill>
-              </a:ln>
-            </p:spPr>
-            <p:style>
-              <a:lnRef idx="2">
-                <a:schemeClr val="accent1">
-                  <a:shade val="50000"/>
-                </a:schemeClr>
-              </a:lnRef>
-              <a:fillRef idx="1">
-                <a:schemeClr val="accent1"/>
-              </a:fillRef>
-              <a:effectRef idx="0">
-                <a:schemeClr val="accent1"/>
-              </a:effectRef>
-              <a:fontRef idx="minor">
-                <a:schemeClr val="lt1"/>
-              </a:fontRef>
-            </p:style>
-            <p:txBody>
-              <a:bodyPr rtlCol="0" anchor="ctr"/>
-              <a:lstStyle/>
-              <a:p>
-                <a:pPr algn="ctr"/>
-                <a:endParaRPr lang="pt-BR" dirty="0"/>
-              </a:p>
-            </p:txBody>
-          </p:sp>
-          <p:sp>
-            <p:nvSpPr>
-              <p:cNvPr id="38" name="Forma Livre: Forma 37">
-                <a:extLst>
-                  <a:ext uri="{FF2B5EF4-FFF2-40B4-BE49-F238E27FC236}">
-                    <a16:creationId xmlns:a16="http://schemas.microsoft.com/office/drawing/2014/main" id="{243FA6C8-2559-4091-A9E4-5BA19682E489}"/>
-                  </a:ext>
-                </a:extLst>
-              </p:cNvPr>
-              <p:cNvSpPr/>
-              <p:nvPr/>
-            </p:nvSpPr>
-            <p:spPr>
-              <a:xfrm>
-                <a:off x="2409810" y="3699200"/>
-                <a:ext cx="3248737" cy="467598"/>
-              </a:xfrm>
-              <a:custGeom>
-                <a:avLst/>
-                <a:gdLst>
-                  <a:gd name="connsiteX0" fmla="*/ 0 w 9658350"/>
-                  <a:gd name="connsiteY0" fmla="*/ 1047750 h 1152525"/>
-                  <a:gd name="connsiteX1" fmla="*/ 152400 w 9658350"/>
-                  <a:gd name="connsiteY1" fmla="*/ 962025 h 1152525"/>
-                  <a:gd name="connsiteX2" fmla="*/ 466725 w 9658350"/>
-                  <a:gd name="connsiteY2" fmla="*/ 1085850 h 1152525"/>
-                  <a:gd name="connsiteX3" fmla="*/ 561975 w 9658350"/>
-                  <a:gd name="connsiteY3" fmla="*/ 1095375 h 1152525"/>
-                  <a:gd name="connsiteX4" fmla="*/ 647700 w 9658350"/>
-                  <a:gd name="connsiteY4" fmla="*/ 628650 h 1152525"/>
-                  <a:gd name="connsiteX5" fmla="*/ 771525 w 9658350"/>
-                  <a:gd name="connsiteY5" fmla="*/ 314325 h 1152525"/>
-                  <a:gd name="connsiteX6" fmla="*/ 914400 w 9658350"/>
-                  <a:gd name="connsiteY6" fmla="*/ 523875 h 1152525"/>
-                  <a:gd name="connsiteX7" fmla="*/ 1000125 w 9658350"/>
-                  <a:gd name="connsiteY7" fmla="*/ 342900 h 1152525"/>
-                  <a:gd name="connsiteX8" fmla="*/ 1038225 w 9658350"/>
-                  <a:gd name="connsiteY8" fmla="*/ 590550 h 1152525"/>
-                  <a:gd name="connsiteX9" fmla="*/ 1162050 w 9658350"/>
-                  <a:gd name="connsiteY9" fmla="*/ 590550 h 1152525"/>
-                  <a:gd name="connsiteX10" fmla="*/ 1295400 w 9658350"/>
-                  <a:gd name="connsiteY10" fmla="*/ 1038225 h 1152525"/>
-                  <a:gd name="connsiteX11" fmla="*/ 1419225 w 9658350"/>
-                  <a:gd name="connsiteY11" fmla="*/ 1038225 h 1152525"/>
-                  <a:gd name="connsiteX12" fmla="*/ 1438275 w 9658350"/>
-                  <a:gd name="connsiteY12" fmla="*/ 771525 h 1152525"/>
-                  <a:gd name="connsiteX13" fmla="*/ 1638300 w 9658350"/>
-                  <a:gd name="connsiteY13" fmla="*/ 476250 h 1152525"/>
-                  <a:gd name="connsiteX14" fmla="*/ 1733550 w 9658350"/>
-                  <a:gd name="connsiteY14" fmla="*/ 523875 h 1152525"/>
-                  <a:gd name="connsiteX15" fmla="*/ 1809750 w 9658350"/>
-                  <a:gd name="connsiteY15" fmla="*/ 400050 h 1152525"/>
-                  <a:gd name="connsiteX16" fmla="*/ 1924050 w 9658350"/>
-                  <a:gd name="connsiteY16" fmla="*/ 590550 h 1152525"/>
-                  <a:gd name="connsiteX17" fmla="*/ 2019300 w 9658350"/>
-                  <a:gd name="connsiteY17" fmla="*/ 552450 h 1152525"/>
-                  <a:gd name="connsiteX18" fmla="*/ 2209800 w 9658350"/>
-                  <a:gd name="connsiteY18" fmla="*/ 1076325 h 1152525"/>
-                  <a:gd name="connsiteX19" fmla="*/ 2400300 w 9658350"/>
-                  <a:gd name="connsiteY19" fmla="*/ 447675 h 1152525"/>
-                  <a:gd name="connsiteX20" fmla="*/ 2505075 w 9658350"/>
-                  <a:gd name="connsiteY20" fmla="*/ 514350 h 1152525"/>
-                  <a:gd name="connsiteX21" fmla="*/ 2590800 w 9658350"/>
-                  <a:gd name="connsiteY21" fmla="*/ 342900 h 1152525"/>
-                  <a:gd name="connsiteX22" fmla="*/ 2676525 w 9658350"/>
-                  <a:gd name="connsiteY22" fmla="*/ 628650 h 1152525"/>
-                  <a:gd name="connsiteX23" fmla="*/ 2895600 w 9658350"/>
-                  <a:gd name="connsiteY23" fmla="*/ 762000 h 1152525"/>
-                  <a:gd name="connsiteX24" fmla="*/ 2981325 w 9658350"/>
-                  <a:gd name="connsiteY24" fmla="*/ 981075 h 1152525"/>
-                  <a:gd name="connsiteX25" fmla="*/ 3257550 w 9658350"/>
-                  <a:gd name="connsiteY25" fmla="*/ 466725 h 1152525"/>
-                  <a:gd name="connsiteX26" fmla="*/ 3390900 w 9658350"/>
-                  <a:gd name="connsiteY26" fmla="*/ 590550 h 1152525"/>
-                  <a:gd name="connsiteX27" fmla="*/ 3476625 w 9658350"/>
-                  <a:gd name="connsiteY27" fmla="*/ 504825 h 1152525"/>
-                  <a:gd name="connsiteX28" fmla="*/ 3619500 w 9658350"/>
-                  <a:gd name="connsiteY28" fmla="*/ 438150 h 1152525"/>
-                  <a:gd name="connsiteX29" fmla="*/ 3781425 w 9658350"/>
-                  <a:gd name="connsiteY29" fmla="*/ 885825 h 1152525"/>
-                  <a:gd name="connsiteX30" fmla="*/ 3971925 w 9658350"/>
-                  <a:gd name="connsiteY30" fmla="*/ 600075 h 1152525"/>
-                  <a:gd name="connsiteX31" fmla="*/ 4114800 w 9658350"/>
-                  <a:gd name="connsiteY31" fmla="*/ 533400 h 1152525"/>
-                  <a:gd name="connsiteX32" fmla="*/ 4286250 w 9658350"/>
-                  <a:gd name="connsiteY32" fmla="*/ 695325 h 1152525"/>
-                  <a:gd name="connsiteX33" fmla="*/ 4381500 w 9658350"/>
-                  <a:gd name="connsiteY33" fmla="*/ 609600 h 1152525"/>
-                  <a:gd name="connsiteX34" fmla="*/ 4457700 w 9658350"/>
-                  <a:gd name="connsiteY34" fmla="*/ 666750 h 1152525"/>
-                  <a:gd name="connsiteX35" fmla="*/ 4543425 w 9658350"/>
-                  <a:gd name="connsiteY35" fmla="*/ 619125 h 1152525"/>
-                  <a:gd name="connsiteX36" fmla="*/ 4562475 w 9658350"/>
-                  <a:gd name="connsiteY36" fmla="*/ 714375 h 1152525"/>
-                  <a:gd name="connsiteX37" fmla="*/ 4667250 w 9658350"/>
-                  <a:gd name="connsiteY37" fmla="*/ 704850 h 1152525"/>
-                  <a:gd name="connsiteX38" fmla="*/ 4772025 w 9658350"/>
-                  <a:gd name="connsiteY38" fmla="*/ 819150 h 1152525"/>
-                  <a:gd name="connsiteX39" fmla="*/ 4895850 w 9658350"/>
-                  <a:gd name="connsiteY39" fmla="*/ 619125 h 1152525"/>
-                  <a:gd name="connsiteX40" fmla="*/ 5029200 w 9658350"/>
-                  <a:gd name="connsiteY40" fmla="*/ 676275 h 1152525"/>
-                  <a:gd name="connsiteX41" fmla="*/ 5200650 w 9658350"/>
-                  <a:gd name="connsiteY41" fmla="*/ 638175 h 1152525"/>
-                  <a:gd name="connsiteX42" fmla="*/ 5362575 w 9658350"/>
-                  <a:gd name="connsiteY42" fmla="*/ 723900 h 1152525"/>
-                  <a:gd name="connsiteX43" fmla="*/ 5476875 w 9658350"/>
-                  <a:gd name="connsiteY43" fmla="*/ 533400 h 1152525"/>
-                  <a:gd name="connsiteX44" fmla="*/ 5534025 w 9658350"/>
-                  <a:gd name="connsiteY44" fmla="*/ 838200 h 1152525"/>
-                  <a:gd name="connsiteX45" fmla="*/ 5600700 w 9658350"/>
-                  <a:gd name="connsiteY45" fmla="*/ 647700 h 1152525"/>
-                  <a:gd name="connsiteX46" fmla="*/ 5705475 w 9658350"/>
-                  <a:gd name="connsiteY46" fmla="*/ 781050 h 1152525"/>
-                  <a:gd name="connsiteX47" fmla="*/ 5876925 w 9658350"/>
-                  <a:gd name="connsiteY47" fmla="*/ 552450 h 1152525"/>
-                  <a:gd name="connsiteX48" fmla="*/ 6105525 w 9658350"/>
-                  <a:gd name="connsiteY48" fmla="*/ 666750 h 1152525"/>
-                  <a:gd name="connsiteX49" fmla="*/ 6296025 w 9658350"/>
-                  <a:gd name="connsiteY49" fmla="*/ 428625 h 1152525"/>
-                  <a:gd name="connsiteX50" fmla="*/ 6534150 w 9658350"/>
-                  <a:gd name="connsiteY50" fmla="*/ 781050 h 1152525"/>
-                  <a:gd name="connsiteX51" fmla="*/ 6686550 w 9658350"/>
-                  <a:gd name="connsiteY51" fmla="*/ 723900 h 1152525"/>
-                  <a:gd name="connsiteX52" fmla="*/ 6800850 w 9658350"/>
-                  <a:gd name="connsiteY52" fmla="*/ 828675 h 1152525"/>
-                  <a:gd name="connsiteX53" fmla="*/ 6848475 w 9658350"/>
-                  <a:gd name="connsiteY53" fmla="*/ 638175 h 1152525"/>
-                  <a:gd name="connsiteX54" fmla="*/ 6972300 w 9658350"/>
-                  <a:gd name="connsiteY54" fmla="*/ 714375 h 1152525"/>
-                  <a:gd name="connsiteX55" fmla="*/ 7096125 w 9658350"/>
-                  <a:gd name="connsiteY55" fmla="*/ 304800 h 1152525"/>
-                  <a:gd name="connsiteX56" fmla="*/ 7191375 w 9658350"/>
-                  <a:gd name="connsiteY56" fmla="*/ 295275 h 1152525"/>
-                  <a:gd name="connsiteX57" fmla="*/ 7400925 w 9658350"/>
-                  <a:gd name="connsiteY57" fmla="*/ 819150 h 1152525"/>
-                  <a:gd name="connsiteX58" fmla="*/ 7496175 w 9658350"/>
-                  <a:gd name="connsiteY58" fmla="*/ 752475 h 1152525"/>
-                  <a:gd name="connsiteX59" fmla="*/ 7629525 w 9658350"/>
-                  <a:gd name="connsiteY59" fmla="*/ 923925 h 1152525"/>
-                  <a:gd name="connsiteX60" fmla="*/ 7667625 w 9658350"/>
-                  <a:gd name="connsiteY60" fmla="*/ 800100 h 1152525"/>
-                  <a:gd name="connsiteX61" fmla="*/ 7772400 w 9658350"/>
-                  <a:gd name="connsiteY61" fmla="*/ 876300 h 1152525"/>
-                  <a:gd name="connsiteX62" fmla="*/ 7915275 w 9658350"/>
-                  <a:gd name="connsiteY62" fmla="*/ 295275 h 1152525"/>
-                  <a:gd name="connsiteX63" fmla="*/ 8010525 w 9658350"/>
-                  <a:gd name="connsiteY63" fmla="*/ 47625 h 1152525"/>
-                  <a:gd name="connsiteX64" fmla="*/ 8077200 w 9658350"/>
-                  <a:gd name="connsiteY64" fmla="*/ 628650 h 1152525"/>
-                  <a:gd name="connsiteX65" fmla="*/ 8220075 w 9658350"/>
-                  <a:gd name="connsiteY65" fmla="*/ 1000125 h 1152525"/>
-                  <a:gd name="connsiteX66" fmla="*/ 8353425 w 9658350"/>
-                  <a:gd name="connsiteY66" fmla="*/ 1028700 h 1152525"/>
-                  <a:gd name="connsiteX67" fmla="*/ 8353425 w 9658350"/>
-                  <a:gd name="connsiteY67" fmla="*/ 828675 h 1152525"/>
-                  <a:gd name="connsiteX68" fmla="*/ 8458200 w 9658350"/>
-                  <a:gd name="connsiteY68" fmla="*/ 962025 h 1152525"/>
-                  <a:gd name="connsiteX69" fmla="*/ 8496300 w 9658350"/>
-                  <a:gd name="connsiteY69" fmla="*/ 676275 h 1152525"/>
-                  <a:gd name="connsiteX70" fmla="*/ 8629650 w 9658350"/>
-                  <a:gd name="connsiteY70" fmla="*/ 781050 h 1152525"/>
-                  <a:gd name="connsiteX71" fmla="*/ 8696325 w 9658350"/>
-                  <a:gd name="connsiteY71" fmla="*/ 552450 h 1152525"/>
-                  <a:gd name="connsiteX72" fmla="*/ 8763000 w 9658350"/>
-                  <a:gd name="connsiteY72" fmla="*/ 57150 h 1152525"/>
-                  <a:gd name="connsiteX73" fmla="*/ 8848725 w 9658350"/>
-                  <a:gd name="connsiteY73" fmla="*/ 0 h 1152525"/>
-                  <a:gd name="connsiteX74" fmla="*/ 8915400 w 9658350"/>
-                  <a:gd name="connsiteY74" fmla="*/ 619125 h 1152525"/>
-                  <a:gd name="connsiteX75" fmla="*/ 9048750 w 9658350"/>
-                  <a:gd name="connsiteY75" fmla="*/ 981075 h 1152525"/>
-                  <a:gd name="connsiteX76" fmla="*/ 9134475 w 9658350"/>
-                  <a:gd name="connsiteY76" fmla="*/ 838200 h 1152525"/>
-                  <a:gd name="connsiteX77" fmla="*/ 9182100 w 9658350"/>
-                  <a:gd name="connsiteY77" fmla="*/ 800100 h 1152525"/>
-                  <a:gd name="connsiteX78" fmla="*/ 9315450 w 9658350"/>
-                  <a:gd name="connsiteY78" fmla="*/ 1152525 h 1152525"/>
-                  <a:gd name="connsiteX79" fmla="*/ 9382125 w 9658350"/>
-                  <a:gd name="connsiteY79" fmla="*/ 666750 h 1152525"/>
-                  <a:gd name="connsiteX80" fmla="*/ 9477375 w 9658350"/>
-                  <a:gd name="connsiteY80" fmla="*/ 552450 h 1152525"/>
-                  <a:gd name="connsiteX81" fmla="*/ 9658350 w 9658350"/>
-                  <a:gd name="connsiteY81" fmla="*/ 114300 h 1152525"/>
-                </a:gdLst>
-                <a:ahLst/>
-                <a:cxnLst>
-                  <a:cxn ang="0">
-                    <a:pos x="connsiteX0" y="connsiteY0"/>
-                  </a:cxn>
-                  <a:cxn ang="0">
-                    <a:pos x="connsiteX1" y="connsiteY1"/>
-                  </a:cxn>
-                  <a:cxn ang="0">
-                    <a:pos x="connsiteX2" y="connsiteY2"/>
-                  </a:cxn>
-                  <a:cxn ang="0">
-                    <a:pos x="connsiteX3" y="connsiteY3"/>
-                  </a:cxn>
-                  <a:cxn ang="0">
-                    <a:pos x="connsiteX4" y="connsiteY4"/>
-                  </a:cxn>
-                  <a:cxn ang="0">
-                    <a:pos x="connsiteX5" y="connsiteY5"/>
-                  </a:cxn>
-                  <a:cxn ang="0">
-                    <a:pos x="connsiteX6" y="connsiteY6"/>
-                  </a:cxn>
-                  <a:cxn ang="0">
-                    <a:pos x="connsiteX7" y="connsiteY7"/>
-                  </a:cxn>
-                  <a:cxn ang="0">
-                    <a:pos x="connsiteX8" y="connsiteY8"/>
-                  </a:cxn>
-                  <a:cxn ang="0">
-                    <a:pos x="connsiteX9" y="connsiteY9"/>
-                  </a:cxn>
-                  <a:cxn ang="0">
-                    <a:pos x="connsiteX10" y="connsiteY10"/>
-                  </a:cxn>
-                  <a:cxn ang="0">
-                    <a:pos x="connsiteX11" y="connsiteY11"/>
-                  </a:cxn>
-                  <a:cxn ang="0">
-                    <a:pos x="connsiteX12" y="connsiteY12"/>
-                  </a:cxn>
-                  <a:cxn ang="0">
-                    <a:pos x="connsiteX13" y="connsiteY13"/>
-                  </a:cxn>
-                  <a:cxn ang="0">
-                    <a:pos x="connsiteX14" y="connsiteY14"/>
-                  </a:cxn>
-                  <a:cxn ang="0">
-                    <a:pos x="connsiteX15" y="connsiteY15"/>
-                  </a:cxn>
-                  <a:cxn ang="0">
-                    <a:pos x="connsiteX16" y="connsiteY16"/>
-                  </a:cxn>
-                  <a:cxn ang="0">
-                    <a:pos x="connsiteX17" y="connsiteY17"/>
-                  </a:cxn>
-                  <a:cxn ang="0">
-                    <a:pos x="connsiteX18" y="connsiteY18"/>
-                  </a:cxn>
-                  <a:cxn ang="0">
-                    <a:pos x="connsiteX19" y="connsiteY19"/>
-                  </a:cxn>
-                  <a:cxn ang="0">
-                    <a:pos x="connsiteX20" y="connsiteY20"/>
-                  </a:cxn>
-                  <a:cxn ang="0">
-                    <a:pos x="connsiteX21" y="connsiteY21"/>
-                  </a:cxn>
-                  <a:cxn ang="0">
-                    <a:pos x="connsiteX22" y="connsiteY22"/>
-                  </a:cxn>
-                  <a:cxn ang="0">
-                    <a:pos x="connsiteX23" y="connsiteY23"/>
-                  </a:cxn>
-                  <a:cxn ang="0">
-                    <a:pos x="connsiteX24" y="connsiteY24"/>
-                  </a:cxn>
-                  <a:cxn ang="0">
-                    <a:pos x="connsiteX25" y="connsiteY25"/>
-                  </a:cxn>
-                  <a:cxn ang="0">
-                    <a:pos x="connsiteX26" y="connsiteY26"/>
-                  </a:cxn>
-                  <a:cxn ang="0">
-                    <a:pos x="connsiteX27" y="connsiteY27"/>
-                  </a:cxn>
-                  <a:cxn ang="0">
-                    <a:pos x="connsiteX28" y="connsiteY28"/>
-                  </a:cxn>
-                  <a:cxn ang="0">
-                    <a:pos x="connsiteX29" y="connsiteY29"/>
-                  </a:cxn>
-                  <a:cxn ang="0">
-                    <a:pos x="connsiteX30" y="connsiteY30"/>
-                  </a:cxn>
-                  <a:cxn ang="0">
-                    <a:pos x="connsiteX31" y="connsiteY31"/>
-                  </a:cxn>
-                  <a:cxn ang="0">
-                    <a:pos x="connsiteX32" y="connsiteY32"/>
-                  </a:cxn>
-                  <a:cxn ang="0">
-                    <a:pos x="connsiteX33" y="connsiteY33"/>
-                  </a:cxn>
-                  <a:cxn ang="0">
-                    <a:pos x="connsiteX34" y="connsiteY34"/>
-                  </a:cxn>
-                  <a:cxn ang="0">
-                    <a:pos x="connsiteX35" y="connsiteY35"/>
-                  </a:cxn>
-                  <a:cxn ang="0">
-                    <a:pos x="connsiteX36" y="connsiteY36"/>
-                  </a:cxn>
-                  <a:cxn ang="0">
-                    <a:pos x="connsiteX37" y="connsiteY37"/>
-                  </a:cxn>
-                  <a:cxn ang="0">
-                    <a:pos x="connsiteX38" y="connsiteY38"/>
-                  </a:cxn>
-                  <a:cxn ang="0">
-                    <a:pos x="connsiteX39" y="connsiteY39"/>
-                  </a:cxn>
-                  <a:cxn ang="0">
-                    <a:pos x="connsiteX40" y="connsiteY40"/>
-                  </a:cxn>
-                  <a:cxn ang="0">
-                    <a:pos x="connsiteX41" y="connsiteY41"/>
-                  </a:cxn>
-                  <a:cxn ang="0">
-                    <a:pos x="connsiteX42" y="connsiteY42"/>
-                  </a:cxn>
-                  <a:cxn ang="0">
-                    <a:pos x="connsiteX43" y="connsiteY43"/>
-                  </a:cxn>
-                  <a:cxn ang="0">
-                    <a:pos x="connsiteX44" y="connsiteY44"/>
-                  </a:cxn>
-                  <a:cxn ang="0">
-                    <a:pos x="connsiteX45" y="connsiteY45"/>
-                  </a:cxn>
-                  <a:cxn ang="0">
-                    <a:pos x="connsiteX46" y="connsiteY46"/>
-                  </a:cxn>
-                  <a:cxn ang="0">
-                    <a:pos x="connsiteX47" y="connsiteY47"/>
-                  </a:cxn>
-                  <a:cxn ang="0">
-                    <a:pos x="connsiteX48" y="connsiteY48"/>
-                  </a:cxn>
-                  <a:cxn ang="0">
-                    <a:pos x="connsiteX49" y="connsiteY49"/>
-                  </a:cxn>
-                  <a:cxn ang="0">
-                    <a:pos x="connsiteX50" y="connsiteY50"/>
-                  </a:cxn>
-                  <a:cxn ang="0">
-                    <a:pos x="connsiteX51" y="connsiteY51"/>
-                  </a:cxn>
-                  <a:cxn ang="0">
-                    <a:pos x="connsiteX52" y="connsiteY52"/>
-                  </a:cxn>
-                  <a:cxn ang="0">
-                    <a:pos x="connsiteX53" y="connsiteY53"/>
-                  </a:cxn>
-                  <a:cxn ang="0">
-                    <a:pos x="connsiteX54" y="connsiteY54"/>
-                  </a:cxn>
-                  <a:cxn ang="0">
-                    <a:pos x="connsiteX55" y="connsiteY55"/>
-                  </a:cxn>
-                  <a:cxn ang="0">
-                    <a:pos x="connsiteX56" y="connsiteY56"/>
-                  </a:cxn>
-                  <a:cxn ang="0">
-                    <a:pos x="connsiteX57" y="connsiteY57"/>
-                  </a:cxn>
-                  <a:cxn ang="0">
-                    <a:pos x="connsiteX58" y="connsiteY58"/>
-                  </a:cxn>
-                  <a:cxn ang="0">
-                    <a:pos x="connsiteX59" y="connsiteY59"/>
-                  </a:cxn>
-                  <a:cxn ang="0">
-                    <a:pos x="connsiteX60" y="connsiteY60"/>
-                  </a:cxn>
-                  <a:cxn ang="0">
-                    <a:pos x="connsiteX61" y="connsiteY61"/>
-                  </a:cxn>
-                  <a:cxn ang="0">
-                    <a:pos x="connsiteX62" y="connsiteY62"/>
-                  </a:cxn>
-                  <a:cxn ang="0">
-                    <a:pos x="connsiteX63" y="connsiteY63"/>
-                  </a:cxn>
-                  <a:cxn ang="0">
-                    <a:pos x="connsiteX64" y="connsiteY64"/>
-                  </a:cxn>
-                  <a:cxn ang="0">
-                    <a:pos x="connsiteX65" y="connsiteY65"/>
-                  </a:cxn>
-                  <a:cxn ang="0">
-                    <a:pos x="connsiteX66" y="connsiteY66"/>
-                  </a:cxn>
-                  <a:cxn ang="0">
-                    <a:pos x="connsiteX67" y="connsiteY67"/>
-                  </a:cxn>
-                  <a:cxn ang="0">
-                    <a:pos x="connsiteX68" y="connsiteY68"/>
-                  </a:cxn>
-                  <a:cxn ang="0">
-                    <a:pos x="connsiteX69" y="connsiteY69"/>
-                  </a:cxn>
-                  <a:cxn ang="0">
-                    <a:pos x="connsiteX70" y="connsiteY70"/>
-                  </a:cxn>
-                  <a:cxn ang="0">
-                    <a:pos x="connsiteX71" y="connsiteY71"/>
-                  </a:cxn>
-                  <a:cxn ang="0">
-                    <a:pos x="connsiteX72" y="connsiteY72"/>
-                  </a:cxn>
-                  <a:cxn ang="0">
-                    <a:pos x="connsiteX73" y="connsiteY73"/>
-                  </a:cxn>
-                  <a:cxn ang="0">
-                    <a:pos x="connsiteX74" y="connsiteY74"/>
-                  </a:cxn>
-                  <a:cxn ang="0">
-                    <a:pos x="connsiteX75" y="connsiteY75"/>
-                  </a:cxn>
-                  <a:cxn ang="0">
-                    <a:pos x="connsiteX76" y="connsiteY76"/>
-                  </a:cxn>
-                  <a:cxn ang="0">
-                    <a:pos x="connsiteX77" y="connsiteY77"/>
-                  </a:cxn>
-                  <a:cxn ang="0">
-                    <a:pos x="connsiteX78" y="connsiteY78"/>
-                  </a:cxn>
-                  <a:cxn ang="0">
-                    <a:pos x="connsiteX79" y="connsiteY79"/>
-                  </a:cxn>
-                  <a:cxn ang="0">
-                    <a:pos x="connsiteX80" y="connsiteY80"/>
-                  </a:cxn>
-                  <a:cxn ang="0">
-                    <a:pos x="connsiteX81" y="connsiteY81"/>
-                  </a:cxn>
-                </a:cxnLst>
-                <a:rect l="l" t="t" r="r" b="b"/>
-                <a:pathLst>
-                  <a:path w="9658350" h="1152525">
-                    <a:moveTo>
-                      <a:pt x="0" y="1047750"/>
-                    </a:moveTo>
-                    <a:lnTo>
-                      <a:pt x="152400" y="962025"/>
-                    </a:lnTo>
-                    <a:lnTo>
-                      <a:pt x="466725" y="1085850"/>
-                    </a:lnTo>
-                    <a:lnTo>
-                      <a:pt x="561975" y="1095375"/>
-                    </a:lnTo>
-                    <a:lnTo>
-                      <a:pt x="647700" y="628650"/>
-                    </a:lnTo>
-                    <a:lnTo>
-                      <a:pt x="771525" y="314325"/>
-                    </a:lnTo>
-                    <a:lnTo>
-                      <a:pt x="914400" y="523875"/>
-                    </a:lnTo>
-                    <a:lnTo>
-                      <a:pt x="1000125" y="342900"/>
-                    </a:lnTo>
-                    <a:lnTo>
-                      <a:pt x="1038225" y="590550"/>
-                    </a:lnTo>
-                    <a:lnTo>
-                      <a:pt x="1162050" y="590550"/>
-                    </a:lnTo>
-                    <a:lnTo>
-                      <a:pt x="1295400" y="1038225"/>
-                    </a:lnTo>
-                    <a:lnTo>
-                      <a:pt x="1419225" y="1038225"/>
-                    </a:lnTo>
-                    <a:lnTo>
-                      <a:pt x="1438275" y="771525"/>
-                    </a:lnTo>
-                    <a:lnTo>
-                      <a:pt x="1638300" y="476250"/>
-                    </a:lnTo>
-                    <a:lnTo>
-                      <a:pt x="1733550" y="523875"/>
-                    </a:lnTo>
-                    <a:lnTo>
-                      <a:pt x="1809750" y="400050"/>
-                    </a:lnTo>
-                    <a:lnTo>
-                      <a:pt x="1924050" y="590550"/>
-                    </a:lnTo>
-                    <a:lnTo>
-                      <a:pt x="2019300" y="552450"/>
-                    </a:lnTo>
-                    <a:lnTo>
-                      <a:pt x="2209800" y="1076325"/>
-                    </a:lnTo>
-                    <a:lnTo>
-                      <a:pt x="2400300" y="447675"/>
-                    </a:lnTo>
-                    <a:lnTo>
-                      <a:pt x="2505075" y="514350"/>
-                    </a:lnTo>
-                    <a:lnTo>
-                      <a:pt x="2590800" y="342900"/>
-                    </a:lnTo>
-                    <a:lnTo>
-                      <a:pt x="2676525" y="628650"/>
-                    </a:lnTo>
-                    <a:lnTo>
-                      <a:pt x="2895600" y="762000"/>
-                    </a:lnTo>
-                    <a:lnTo>
-                      <a:pt x="2981325" y="981075"/>
-                    </a:lnTo>
-                    <a:lnTo>
-                      <a:pt x="3257550" y="466725"/>
-                    </a:lnTo>
-                    <a:lnTo>
-                      <a:pt x="3390900" y="590550"/>
-                    </a:lnTo>
-                    <a:lnTo>
-                      <a:pt x="3476625" y="504825"/>
-                    </a:lnTo>
-                    <a:lnTo>
-                      <a:pt x="3619500" y="438150"/>
-                    </a:lnTo>
-                    <a:lnTo>
-                      <a:pt x="3781425" y="885825"/>
-                    </a:lnTo>
-                    <a:lnTo>
-                      <a:pt x="3971925" y="600075"/>
-                    </a:lnTo>
-                    <a:lnTo>
-                      <a:pt x="4114800" y="533400"/>
-                    </a:lnTo>
-                    <a:lnTo>
-                      <a:pt x="4286250" y="695325"/>
-                    </a:lnTo>
-                    <a:lnTo>
-                      <a:pt x="4381500" y="609600"/>
-                    </a:lnTo>
-                    <a:lnTo>
-                      <a:pt x="4457700" y="666750"/>
-                    </a:lnTo>
-                    <a:lnTo>
-                      <a:pt x="4543425" y="619125"/>
-                    </a:lnTo>
-                    <a:lnTo>
-                      <a:pt x="4562475" y="714375"/>
-                    </a:lnTo>
-                    <a:lnTo>
-                      <a:pt x="4667250" y="704850"/>
-                    </a:lnTo>
-                    <a:lnTo>
-                      <a:pt x="4772025" y="819150"/>
-                    </a:lnTo>
-                    <a:lnTo>
-                      <a:pt x="4895850" y="619125"/>
-                    </a:lnTo>
-                    <a:lnTo>
-                      <a:pt x="5029200" y="676275"/>
-                    </a:lnTo>
-                    <a:lnTo>
-                      <a:pt x="5200650" y="638175"/>
-                    </a:lnTo>
-                    <a:lnTo>
-                      <a:pt x="5362575" y="723900"/>
-                    </a:lnTo>
-                    <a:lnTo>
-                      <a:pt x="5476875" y="533400"/>
-                    </a:lnTo>
-                    <a:lnTo>
-                      <a:pt x="5534025" y="838200"/>
-                    </a:lnTo>
-                    <a:lnTo>
-                      <a:pt x="5600700" y="647700"/>
-                    </a:lnTo>
-                    <a:lnTo>
-                      <a:pt x="5705475" y="781050"/>
-                    </a:lnTo>
-                    <a:lnTo>
-                      <a:pt x="5876925" y="552450"/>
-                    </a:lnTo>
-                    <a:lnTo>
-                      <a:pt x="6105525" y="666750"/>
-                    </a:lnTo>
-                    <a:lnTo>
-                      <a:pt x="6296025" y="428625"/>
-                    </a:lnTo>
-                    <a:lnTo>
-                      <a:pt x="6534150" y="781050"/>
-                    </a:lnTo>
-                    <a:lnTo>
-                      <a:pt x="6686550" y="723900"/>
-                    </a:lnTo>
-                    <a:lnTo>
-                      <a:pt x="6800850" y="828675"/>
-                    </a:lnTo>
-                    <a:lnTo>
-                      <a:pt x="6848475" y="638175"/>
-                    </a:lnTo>
-                    <a:lnTo>
-                      <a:pt x="6972300" y="714375"/>
-                    </a:lnTo>
-                    <a:lnTo>
-                      <a:pt x="7096125" y="304800"/>
-                    </a:lnTo>
-                    <a:lnTo>
-                      <a:pt x="7191375" y="295275"/>
-                    </a:lnTo>
-                    <a:lnTo>
-                      <a:pt x="7400925" y="819150"/>
-                    </a:lnTo>
-                    <a:lnTo>
-                      <a:pt x="7496175" y="752475"/>
-                    </a:lnTo>
-                    <a:lnTo>
-                      <a:pt x="7629525" y="923925"/>
-                    </a:lnTo>
-                    <a:lnTo>
-                      <a:pt x="7667625" y="800100"/>
-                    </a:lnTo>
-                    <a:lnTo>
-                      <a:pt x="7772400" y="876300"/>
-                    </a:lnTo>
-                    <a:lnTo>
-                      <a:pt x="7915275" y="295275"/>
-                    </a:lnTo>
-                    <a:lnTo>
-                      <a:pt x="8010525" y="47625"/>
-                    </a:lnTo>
-                    <a:lnTo>
-                      <a:pt x="8077200" y="628650"/>
-                    </a:lnTo>
-                    <a:lnTo>
-                      <a:pt x="8220075" y="1000125"/>
-                    </a:lnTo>
-                    <a:lnTo>
-                      <a:pt x="8353425" y="1028700"/>
-                    </a:lnTo>
-                    <a:lnTo>
-                      <a:pt x="8353425" y="828675"/>
-                    </a:lnTo>
-                    <a:lnTo>
-                      <a:pt x="8458200" y="962025"/>
-                    </a:lnTo>
-                    <a:lnTo>
-                      <a:pt x="8496300" y="676275"/>
-                    </a:lnTo>
-                    <a:lnTo>
-                      <a:pt x="8629650" y="781050"/>
-                    </a:lnTo>
-                    <a:lnTo>
-                      <a:pt x="8696325" y="552450"/>
-                    </a:lnTo>
-                    <a:lnTo>
-                      <a:pt x="8763000" y="57150"/>
-                    </a:lnTo>
-                    <a:lnTo>
-                      <a:pt x="8848725" y="0"/>
-                    </a:lnTo>
-                    <a:lnTo>
-                      <a:pt x="8915400" y="619125"/>
-                    </a:lnTo>
-                    <a:lnTo>
-                      <a:pt x="9048750" y="981075"/>
-                    </a:lnTo>
-                    <a:lnTo>
-                      <a:pt x="9134475" y="838200"/>
-                    </a:lnTo>
-                    <a:lnTo>
-                      <a:pt x="9182100" y="800100"/>
-                    </a:lnTo>
-                    <a:lnTo>
-                      <a:pt x="9315450" y="1152525"/>
-                    </a:lnTo>
-                    <a:lnTo>
-                      <a:pt x="9382125" y="666750"/>
-                    </a:lnTo>
-                    <a:lnTo>
-                      <a:pt x="9477375" y="552450"/>
-                    </a:lnTo>
-                    <a:lnTo>
-                      <a:pt x="9658350" y="114300"/>
-                    </a:lnTo>
-                  </a:path>
-                </a:pathLst>
-              </a:custGeom>
-              <a:noFill/>
-              <a:ln w="28575">
-                <a:solidFill>
-                  <a:schemeClr val="tx1">
-                    <a:lumMod val="65000"/>
-                    <a:lumOff val="35000"/>
-                  </a:schemeClr>
-                </a:solidFill>
-              </a:ln>
-            </p:spPr>
-            <p:style>
-              <a:lnRef idx="2">
-                <a:schemeClr val="accent1">
-                  <a:shade val="50000"/>
-                </a:schemeClr>
-              </a:lnRef>
-              <a:fillRef idx="1">
-                <a:schemeClr val="accent1"/>
-              </a:fillRef>
-              <a:effectRef idx="0">
-                <a:schemeClr val="accent1"/>
-              </a:effectRef>
-              <a:fontRef idx="minor">
-                <a:schemeClr val="lt1"/>
-              </a:fontRef>
-            </p:style>
-            <p:txBody>
-              <a:bodyPr rtlCol="0" anchor="ctr"/>
-              <a:lstStyle/>
-              <a:p>
-                <a:pPr algn="ctr"/>
-                <a:endParaRPr lang="pt-BR"/>
-              </a:p>
-            </p:txBody>
-          </p:sp>
-        </p:grpSp>
-        <p:grpSp>
-          <p:nvGrpSpPr>
-            <p:cNvPr id="164" name="Agrupar 163">
+              </a:solidFill>
+            </a:ln>
+          </p:spPr>
+          <p:style>
+            <a:lnRef idx="2">
+              <a:schemeClr val="accent1">
+                <a:shade val="50000"/>
+              </a:schemeClr>
+            </a:lnRef>
+            <a:fillRef idx="1">
+              <a:schemeClr val="accent1"/>
+            </a:fillRef>
+            <a:effectRef idx="0">
+              <a:schemeClr val="accent1"/>
+            </a:effectRef>
+            <a:fontRef idx="minor">
+              <a:schemeClr val="lt1"/>
+            </a:fontRef>
+          </p:style>
+          <p:txBody>
+            <a:bodyPr rtlCol="0" anchor="ctr"/>
+            <a:lstStyle/>
+            <a:p>
+              <a:pPr algn="ctr"/>
+              <a:endParaRPr lang="pt-BR"/>
+            </a:p>
+          </p:txBody>
+        </p:sp>
+        <p:sp>
+          <p:nvSpPr>
+            <p:cNvPr id="37" name="Forma Livre: Forma 36">
               <a:extLst>
                 <a:ext uri="{FF2B5EF4-FFF2-40B4-BE49-F238E27FC236}">
-                  <a16:creationId xmlns:a16="http://schemas.microsoft.com/office/drawing/2014/main" id="{ECB14406-9F6E-4205-9AD7-CF2D80125253}"/>
+                  <a16:creationId xmlns="" xmlns:a16="http://schemas.microsoft.com/office/drawing/2014/main" id="{35685147-4B0B-4696-A56A-0644F6F4FB69}"/>
                 </a:ext>
               </a:extLst>
             </p:cNvPr>
-            <p:cNvGrpSpPr/>
+            <p:cNvSpPr/>
             <p:nvPr/>
-          </p:nvGrpSpPr>
-          <p:grpSpPr>
+          </p:nvSpPr>
+          <p:spPr>
+            <a:xfrm>
+              <a:off x="1743118" y="4716477"/>
+              <a:ext cx="3258669" cy="746941"/>
+            </a:xfrm>
+            <a:custGeom>
+              <a:avLst/>
+              <a:gdLst>
+                <a:gd name="connsiteX0" fmla="*/ 0 w 9429750"/>
+                <a:gd name="connsiteY0" fmla="*/ 857250 h 1181100"/>
+                <a:gd name="connsiteX1" fmla="*/ 114300 w 9429750"/>
+                <a:gd name="connsiteY1" fmla="*/ 942975 h 1181100"/>
+                <a:gd name="connsiteX2" fmla="*/ 238125 w 9429750"/>
+                <a:gd name="connsiteY2" fmla="*/ 638175 h 1181100"/>
+                <a:gd name="connsiteX3" fmla="*/ 361950 w 9429750"/>
+                <a:gd name="connsiteY3" fmla="*/ 704850 h 1181100"/>
+                <a:gd name="connsiteX4" fmla="*/ 619125 w 9429750"/>
+                <a:gd name="connsiteY4" fmla="*/ 38100 h 1181100"/>
+                <a:gd name="connsiteX5" fmla="*/ 733425 w 9429750"/>
+                <a:gd name="connsiteY5" fmla="*/ 47625 h 1181100"/>
+                <a:gd name="connsiteX6" fmla="*/ 1019175 w 9429750"/>
+                <a:gd name="connsiteY6" fmla="*/ 1143000 h 1181100"/>
+                <a:gd name="connsiteX7" fmla="*/ 1143000 w 9429750"/>
+                <a:gd name="connsiteY7" fmla="*/ 942975 h 1181100"/>
+                <a:gd name="connsiteX8" fmla="*/ 1257300 w 9429750"/>
+                <a:gd name="connsiteY8" fmla="*/ 876300 h 1181100"/>
+                <a:gd name="connsiteX9" fmla="*/ 1314450 w 9429750"/>
+                <a:gd name="connsiteY9" fmla="*/ 952500 h 1181100"/>
+                <a:gd name="connsiteX10" fmla="*/ 1476375 w 9429750"/>
+                <a:gd name="connsiteY10" fmla="*/ 657225 h 1181100"/>
+                <a:gd name="connsiteX11" fmla="*/ 1562100 w 9429750"/>
+                <a:gd name="connsiteY11" fmla="*/ 704850 h 1181100"/>
+                <a:gd name="connsiteX12" fmla="*/ 1638300 w 9429750"/>
+                <a:gd name="connsiteY12" fmla="*/ 676275 h 1181100"/>
+                <a:gd name="connsiteX13" fmla="*/ 1847850 w 9429750"/>
+                <a:gd name="connsiteY13" fmla="*/ 38100 h 1181100"/>
+                <a:gd name="connsiteX14" fmla="*/ 1990725 w 9429750"/>
+                <a:gd name="connsiteY14" fmla="*/ 47625 h 1181100"/>
+                <a:gd name="connsiteX15" fmla="*/ 2286000 w 9429750"/>
+                <a:gd name="connsiteY15" fmla="*/ 1152525 h 1181100"/>
+                <a:gd name="connsiteX16" fmla="*/ 2390775 w 9429750"/>
+                <a:gd name="connsiteY16" fmla="*/ 933450 h 1181100"/>
+                <a:gd name="connsiteX17" fmla="*/ 2486025 w 9429750"/>
+                <a:gd name="connsiteY17" fmla="*/ 847725 h 1181100"/>
+                <a:gd name="connsiteX18" fmla="*/ 2609850 w 9429750"/>
+                <a:gd name="connsiteY18" fmla="*/ 942975 h 1181100"/>
+                <a:gd name="connsiteX19" fmla="*/ 2714625 w 9429750"/>
+                <a:gd name="connsiteY19" fmla="*/ 628650 h 1181100"/>
+                <a:gd name="connsiteX20" fmla="*/ 2809875 w 9429750"/>
+                <a:gd name="connsiteY20" fmla="*/ 714375 h 1181100"/>
+                <a:gd name="connsiteX21" fmla="*/ 2905125 w 9429750"/>
+                <a:gd name="connsiteY21" fmla="*/ 714375 h 1181100"/>
+                <a:gd name="connsiteX22" fmla="*/ 3114675 w 9429750"/>
+                <a:gd name="connsiteY22" fmla="*/ 0 h 1181100"/>
+                <a:gd name="connsiteX23" fmla="*/ 3238500 w 9429750"/>
+                <a:gd name="connsiteY23" fmla="*/ 57150 h 1181100"/>
+                <a:gd name="connsiteX24" fmla="*/ 3505200 w 9429750"/>
+                <a:gd name="connsiteY24" fmla="*/ 1152525 h 1181100"/>
+                <a:gd name="connsiteX25" fmla="*/ 3629025 w 9429750"/>
+                <a:gd name="connsiteY25" fmla="*/ 923925 h 1181100"/>
+                <a:gd name="connsiteX26" fmla="*/ 3752850 w 9429750"/>
+                <a:gd name="connsiteY26" fmla="*/ 866775 h 1181100"/>
+                <a:gd name="connsiteX27" fmla="*/ 3857625 w 9429750"/>
+                <a:gd name="connsiteY27" fmla="*/ 933450 h 1181100"/>
+                <a:gd name="connsiteX28" fmla="*/ 3952875 w 9429750"/>
+                <a:gd name="connsiteY28" fmla="*/ 571500 h 1181100"/>
+                <a:gd name="connsiteX29" fmla="*/ 4067175 w 9429750"/>
+                <a:gd name="connsiteY29" fmla="*/ 723900 h 1181100"/>
+                <a:gd name="connsiteX30" fmla="*/ 4162425 w 9429750"/>
+                <a:gd name="connsiteY30" fmla="*/ 695325 h 1181100"/>
+                <a:gd name="connsiteX31" fmla="*/ 4352925 w 9429750"/>
+                <a:gd name="connsiteY31" fmla="*/ 38100 h 1181100"/>
+                <a:gd name="connsiteX32" fmla="*/ 4486275 w 9429750"/>
+                <a:gd name="connsiteY32" fmla="*/ 38100 h 1181100"/>
+                <a:gd name="connsiteX33" fmla="*/ 4791075 w 9429750"/>
+                <a:gd name="connsiteY33" fmla="*/ 1181100 h 1181100"/>
+                <a:gd name="connsiteX34" fmla="*/ 4895850 w 9429750"/>
+                <a:gd name="connsiteY34" fmla="*/ 933450 h 1181100"/>
+                <a:gd name="connsiteX35" fmla="*/ 5019675 w 9429750"/>
+                <a:gd name="connsiteY35" fmla="*/ 904875 h 1181100"/>
+                <a:gd name="connsiteX36" fmla="*/ 5114925 w 9429750"/>
+                <a:gd name="connsiteY36" fmla="*/ 990600 h 1181100"/>
+                <a:gd name="connsiteX37" fmla="*/ 5219700 w 9429750"/>
+                <a:gd name="connsiteY37" fmla="*/ 609600 h 1181100"/>
+                <a:gd name="connsiteX38" fmla="*/ 5314950 w 9429750"/>
+                <a:gd name="connsiteY38" fmla="*/ 704850 h 1181100"/>
+                <a:gd name="connsiteX39" fmla="*/ 5400675 w 9429750"/>
+                <a:gd name="connsiteY39" fmla="*/ 714375 h 1181100"/>
+                <a:gd name="connsiteX40" fmla="*/ 5619750 w 9429750"/>
+                <a:gd name="connsiteY40" fmla="*/ 38100 h 1181100"/>
+                <a:gd name="connsiteX41" fmla="*/ 5734050 w 9429750"/>
+                <a:gd name="connsiteY41" fmla="*/ 57150 h 1181100"/>
+                <a:gd name="connsiteX42" fmla="*/ 6019800 w 9429750"/>
+                <a:gd name="connsiteY42" fmla="*/ 1114425 h 1181100"/>
+                <a:gd name="connsiteX43" fmla="*/ 6181725 w 9429750"/>
+                <a:gd name="connsiteY43" fmla="*/ 904875 h 1181100"/>
+                <a:gd name="connsiteX44" fmla="*/ 6229350 w 9429750"/>
+                <a:gd name="connsiteY44" fmla="*/ 895350 h 1181100"/>
+                <a:gd name="connsiteX45" fmla="*/ 6353175 w 9429750"/>
+                <a:gd name="connsiteY45" fmla="*/ 942975 h 1181100"/>
+                <a:gd name="connsiteX46" fmla="*/ 6438900 w 9429750"/>
+                <a:gd name="connsiteY46" fmla="*/ 609600 h 1181100"/>
+                <a:gd name="connsiteX47" fmla="*/ 6553200 w 9429750"/>
+                <a:gd name="connsiteY47" fmla="*/ 714375 h 1181100"/>
+                <a:gd name="connsiteX48" fmla="*/ 6667500 w 9429750"/>
+                <a:gd name="connsiteY48" fmla="*/ 695325 h 1181100"/>
+                <a:gd name="connsiteX49" fmla="*/ 6838950 w 9429750"/>
+                <a:gd name="connsiteY49" fmla="*/ 9525 h 1181100"/>
+                <a:gd name="connsiteX50" fmla="*/ 6924675 w 9429750"/>
+                <a:gd name="connsiteY50" fmla="*/ 19050 h 1181100"/>
+                <a:gd name="connsiteX51" fmla="*/ 7277100 w 9429750"/>
+                <a:gd name="connsiteY51" fmla="*/ 1152525 h 1181100"/>
+                <a:gd name="connsiteX52" fmla="*/ 7381875 w 9429750"/>
+                <a:gd name="connsiteY52" fmla="*/ 885825 h 1181100"/>
+                <a:gd name="connsiteX53" fmla="*/ 7477125 w 9429750"/>
+                <a:gd name="connsiteY53" fmla="*/ 876300 h 1181100"/>
+                <a:gd name="connsiteX54" fmla="*/ 7591425 w 9429750"/>
+                <a:gd name="connsiteY54" fmla="*/ 933450 h 1181100"/>
+                <a:gd name="connsiteX55" fmla="*/ 7677150 w 9429750"/>
+                <a:gd name="connsiteY55" fmla="*/ 609600 h 1181100"/>
+                <a:gd name="connsiteX56" fmla="*/ 7810500 w 9429750"/>
+                <a:gd name="connsiteY56" fmla="*/ 695325 h 1181100"/>
+                <a:gd name="connsiteX57" fmla="*/ 7915275 w 9429750"/>
+                <a:gd name="connsiteY57" fmla="*/ 695325 h 1181100"/>
+                <a:gd name="connsiteX58" fmla="*/ 8124825 w 9429750"/>
+                <a:gd name="connsiteY58" fmla="*/ 9525 h 1181100"/>
+                <a:gd name="connsiteX59" fmla="*/ 8239125 w 9429750"/>
+                <a:gd name="connsiteY59" fmla="*/ 57150 h 1181100"/>
+                <a:gd name="connsiteX60" fmla="*/ 8505825 w 9429750"/>
+                <a:gd name="connsiteY60" fmla="*/ 1133475 h 1181100"/>
+                <a:gd name="connsiteX61" fmla="*/ 8648700 w 9429750"/>
+                <a:gd name="connsiteY61" fmla="*/ 914400 h 1181100"/>
+                <a:gd name="connsiteX62" fmla="*/ 8724900 w 9429750"/>
+                <a:gd name="connsiteY62" fmla="*/ 857250 h 1181100"/>
+                <a:gd name="connsiteX63" fmla="*/ 8820150 w 9429750"/>
+                <a:gd name="connsiteY63" fmla="*/ 933450 h 1181100"/>
+                <a:gd name="connsiteX64" fmla="*/ 8886825 w 9429750"/>
+                <a:gd name="connsiteY64" fmla="*/ 647700 h 1181100"/>
+                <a:gd name="connsiteX65" fmla="*/ 9039225 w 9429750"/>
+                <a:gd name="connsiteY65" fmla="*/ 723900 h 1181100"/>
+                <a:gd name="connsiteX66" fmla="*/ 9124950 w 9429750"/>
+                <a:gd name="connsiteY66" fmla="*/ 714375 h 1181100"/>
+                <a:gd name="connsiteX67" fmla="*/ 9353550 w 9429750"/>
+                <a:gd name="connsiteY67" fmla="*/ 19050 h 1181100"/>
+                <a:gd name="connsiteX68" fmla="*/ 9429750 w 9429750"/>
+                <a:gd name="connsiteY68" fmla="*/ 38100 h 1181100"/>
+              </a:gdLst>
+              <a:ahLst/>
+              <a:cxnLst>
+                <a:cxn ang="0">
+                  <a:pos x="connsiteX0" y="connsiteY0"/>
+                </a:cxn>
+                <a:cxn ang="0">
+                  <a:pos x="connsiteX1" y="connsiteY1"/>
+                </a:cxn>
+                <a:cxn ang="0">
+                  <a:pos x="connsiteX2" y="connsiteY2"/>
+                </a:cxn>
+                <a:cxn ang="0">
+                  <a:pos x="connsiteX3" y="connsiteY3"/>
+                </a:cxn>
+                <a:cxn ang="0">
+                  <a:pos x="connsiteX4" y="connsiteY4"/>
+                </a:cxn>
+                <a:cxn ang="0">
+                  <a:pos x="connsiteX5" y="connsiteY5"/>
+                </a:cxn>
+                <a:cxn ang="0">
+                  <a:pos x="connsiteX6" y="connsiteY6"/>
+                </a:cxn>
+                <a:cxn ang="0">
+                  <a:pos x="connsiteX7" y="connsiteY7"/>
+                </a:cxn>
+                <a:cxn ang="0">
+                  <a:pos x="connsiteX8" y="connsiteY8"/>
+                </a:cxn>
+                <a:cxn ang="0">
+                  <a:pos x="connsiteX9" y="connsiteY9"/>
+                </a:cxn>
+                <a:cxn ang="0">
+                  <a:pos x="connsiteX10" y="connsiteY10"/>
+                </a:cxn>
+                <a:cxn ang="0">
+                  <a:pos x="connsiteX11" y="connsiteY11"/>
+                </a:cxn>
+                <a:cxn ang="0">
+                  <a:pos x="connsiteX12" y="connsiteY12"/>
+                </a:cxn>
+                <a:cxn ang="0">
+                  <a:pos x="connsiteX13" y="connsiteY13"/>
+                </a:cxn>
+                <a:cxn ang="0">
+                  <a:pos x="connsiteX14" y="connsiteY14"/>
+                </a:cxn>
+                <a:cxn ang="0">
+                  <a:pos x="connsiteX15" y="connsiteY15"/>
+                </a:cxn>
+                <a:cxn ang="0">
+                  <a:pos x="connsiteX16" y="connsiteY16"/>
+                </a:cxn>
+                <a:cxn ang="0">
+                  <a:pos x="connsiteX17" y="connsiteY17"/>
+                </a:cxn>
+                <a:cxn ang="0">
+                  <a:pos x="connsiteX18" y="connsiteY18"/>
+                </a:cxn>
+                <a:cxn ang="0">
+                  <a:pos x="connsiteX19" y="connsiteY19"/>
+                </a:cxn>
+                <a:cxn ang="0">
+                  <a:pos x="connsiteX20" y="connsiteY20"/>
+                </a:cxn>
+                <a:cxn ang="0">
+                  <a:pos x="connsiteX21" y="connsiteY21"/>
+                </a:cxn>
+                <a:cxn ang="0">
+                  <a:pos x="connsiteX22" y="connsiteY22"/>
+                </a:cxn>
+                <a:cxn ang="0">
+                  <a:pos x="connsiteX23" y="connsiteY23"/>
+                </a:cxn>
+                <a:cxn ang="0">
+                  <a:pos x="connsiteX24" y="connsiteY24"/>
+                </a:cxn>
+                <a:cxn ang="0">
+                  <a:pos x="connsiteX25" y="connsiteY25"/>
+                </a:cxn>
+                <a:cxn ang="0">
+                  <a:pos x="connsiteX26" y="connsiteY26"/>
+                </a:cxn>
+                <a:cxn ang="0">
+                  <a:pos x="connsiteX27" y="connsiteY27"/>
+                </a:cxn>
+                <a:cxn ang="0">
+                  <a:pos x="connsiteX28" y="connsiteY28"/>
+                </a:cxn>
+                <a:cxn ang="0">
+                  <a:pos x="connsiteX29" y="connsiteY29"/>
+                </a:cxn>
+                <a:cxn ang="0">
+                  <a:pos x="connsiteX30" y="connsiteY30"/>
+                </a:cxn>
+                <a:cxn ang="0">
+                  <a:pos x="connsiteX31" y="connsiteY31"/>
+                </a:cxn>
+                <a:cxn ang="0">
+                  <a:pos x="connsiteX32" y="connsiteY32"/>
+                </a:cxn>
+                <a:cxn ang="0">
+                  <a:pos x="connsiteX33" y="connsiteY33"/>
+                </a:cxn>
+                <a:cxn ang="0">
+                  <a:pos x="connsiteX34" y="connsiteY34"/>
+                </a:cxn>
+                <a:cxn ang="0">
+                  <a:pos x="connsiteX35" y="connsiteY35"/>
+                </a:cxn>
+                <a:cxn ang="0">
+                  <a:pos x="connsiteX36" y="connsiteY36"/>
+                </a:cxn>
+                <a:cxn ang="0">
+                  <a:pos x="connsiteX37" y="connsiteY37"/>
+                </a:cxn>
+                <a:cxn ang="0">
+                  <a:pos x="connsiteX38" y="connsiteY38"/>
+                </a:cxn>
+                <a:cxn ang="0">
+                  <a:pos x="connsiteX39" y="connsiteY39"/>
+                </a:cxn>
+                <a:cxn ang="0">
+                  <a:pos x="connsiteX40" y="connsiteY40"/>
+                </a:cxn>
+                <a:cxn ang="0">
+                  <a:pos x="connsiteX41" y="connsiteY41"/>
+                </a:cxn>
+                <a:cxn ang="0">
+                  <a:pos x="connsiteX42" y="connsiteY42"/>
+                </a:cxn>
+                <a:cxn ang="0">
+                  <a:pos x="connsiteX43" y="connsiteY43"/>
+                </a:cxn>
+                <a:cxn ang="0">
+                  <a:pos x="connsiteX44" y="connsiteY44"/>
+                </a:cxn>
+                <a:cxn ang="0">
+                  <a:pos x="connsiteX45" y="connsiteY45"/>
+                </a:cxn>
+                <a:cxn ang="0">
+                  <a:pos x="connsiteX46" y="connsiteY46"/>
+                </a:cxn>
+                <a:cxn ang="0">
+                  <a:pos x="connsiteX47" y="connsiteY47"/>
+                </a:cxn>
+                <a:cxn ang="0">
+                  <a:pos x="connsiteX48" y="connsiteY48"/>
+                </a:cxn>
+                <a:cxn ang="0">
+                  <a:pos x="connsiteX49" y="connsiteY49"/>
+                </a:cxn>
+                <a:cxn ang="0">
+                  <a:pos x="connsiteX50" y="connsiteY50"/>
+                </a:cxn>
+                <a:cxn ang="0">
+                  <a:pos x="connsiteX51" y="connsiteY51"/>
+                </a:cxn>
+                <a:cxn ang="0">
+                  <a:pos x="connsiteX52" y="connsiteY52"/>
+                </a:cxn>
+                <a:cxn ang="0">
+                  <a:pos x="connsiteX53" y="connsiteY53"/>
+                </a:cxn>
+                <a:cxn ang="0">
+                  <a:pos x="connsiteX54" y="connsiteY54"/>
+                </a:cxn>
+                <a:cxn ang="0">
+                  <a:pos x="connsiteX55" y="connsiteY55"/>
+                </a:cxn>
+                <a:cxn ang="0">
+                  <a:pos x="connsiteX56" y="connsiteY56"/>
+                </a:cxn>
+                <a:cxn ang="0">
+                  <a:pos x="connsiteX57" y="connsiteY57"/>
+                </a:cxn>
+                <a:cxn ang="0">
+                  <a:pos x="connsiteX58" y="connsiteY58"/>
+                </a:cxn>
+                <a:cxn ang="0">
+                  <a:pos x="connsiteX59" y="connsiteY59"/>
+                </a:cxn>
+                <a:cxn ang="0">
+                  <a:pos x="connsiteX60" y="connsiteY60"/>
+                </a:cxn>
+                <a:cxn ang="0">
+                  <a:pos x="connsiteX61" y="connsiteY61"/>
+                </a:cxn>
+                <a:cxn ang="0">
+                  <a:pos x="connsiteX62" y="connsiteY62"/>
+                </a:cxn>
+                <a:cxn ang="0">
+                  <a:pos x="connsiteX63" y="connsiteY63"/>
+                </a:cxn>
+                <a:cxn ang="0">
+                  <a:pos x="connsiteX64" y="connsiteY64"/>
+                </a:cxn>
+                <a:cxn ang="0">
+                  <a:pos x="connsiteX65" y="connsiteY65"/>
+                </a:cxn>
+                <a:cxn ang="0">
+                  <a:pos x="connsiteX66" y="connsiteY66"/>
+                </a:cxn>
+                <a:cxn ang="0">
+                  <a:pos x="connsiteX67" y="connsiteY67"/>
+                </a:cxn>
+                <a:cxn ang="0">
+                  <a:pos x="connsiteX68" y="connsiteY68"/>
+                </a:cxn>
+              </a:cxnLst>
+              <a:rect l="l" t="t" r="r" b="b"/>
+              <a:pathLst>
+                <a:path w="9429750" h="1181100">
+                  <a:moveTo>
+                    <a:pt x="0" y="857250"/>
+                  </a:moveTo>
+                  <a:lnTo>
+                    <a:pt x="114300" y="942975"/>
+                  </a:lnTo>
+                  <a:lnTo>
+                    <a:pt x="238125" y="638175"/>
+                  </a:lnTo>
+                  <a:lnTo>
+                    <a:pt x="361950" y="704850"/>
+                  </a:lnTo>
+                  <a:lnTo>
+                    <a:pt x="619125" y="38100"/>
+                  </a:lnTo>
+                  <a:lnTo>
+                    <a:pt x="733425" y="47625"/>
+                  </a:lnTo>
+                  <a:lnTo>
+                    <a:pt x="1019175" y="1143000"/>
+                  </a:lnTo>
+                  <a:lnTo>
+                    <a:pt x="1143000" y="942975"/>
+                  </a:lnTo>
+                  <a:lnTo>
+                    <a:pt x="1257300" y="876300"/>
+                  </a:lnTo>
+                  <a:lnTo>
+                    <a:pt x="1314450" y="952500"/>
+                  </a:lnTo>
+                  <a:lnTo>
+                    <a:pt x="1476375" y="657225"/>
+                  </a:lnTo>
+                  <a:lnTo>
+                    <a:pt x="1562100" y="704850"/>
+                  </a:lnTo>
+                  <a:lnTo>
+                    <a:pt x="1638300" y="676275"/>
+                  </a:lnTo>
+                  <a:lnTo>
+                    <a:pt x="1847850" y="38100"/>
+                  </a:lnTo>
+                  <a:lnTo>
+                    <a:pt x="1990725" y="47625"/>
+                  </a:lnTo>
+                  <a:lnTo>
+                    <a:pt x="2286000" y="1152525"/>
+                  </a:lnTo>
+                  <a:lnTo>
+                    <a:pt x="2390775" y="933450"/>
+                  </a:lnTo>
+                  <a:lnTo>
+                    <a:pt x="2486025" y="847725"/>
+                  </a:lnTo>
+                  <a:lnTo>
+                    <a:pt x="2609850" y="942975"/>
+                  </a:lnTo>
+                  <a:lnTo>
+                    <a:pt x="2714625" y="628650"/>
+                  </a:lnTo>
+                  <a:lnTo>
+                    <a:pt x="2809875" y="714375"/>
+                  </a:lnTo>
+                  <a:lnTo>
+                    <a:pt x="2905125" y="714375"/>
+                  </a:lnTo>
+                  <a:lnTo>
+                    <a:pt x="3114675" y="0"/>
+                  </a:lnTo>
+                  <a:lnTo>
+                    <a:pt x="3238500" y="57150"/>
+                  </a:lnTo>
+                  <a:lnTo>
+                    <a:pt x="3505200" y="1152525"/>
+                  </a:lnTo>
+                  <a:lnTo>
+                    <a:pt x="3629025" y="923925"/>
+                  </a:lnTo>
+                  <a:lnTo>
+                    <a:pt x="3752850" y="866775"/>
+                  </a:lnTo>
+                  <a:lnTo>
+                    <a:pt x="3857625" y="933450"/>
+                  </a:lnTo>
+                  <a:lnTo>
+                    <a:pt x="3952875" y="571500"/>
+                  </a:lnTo>
+                  <a:lnTo>
+                    <a:pt x="4067175" y="723900"/>
+                  </a:lnTo>
+                  <a:lnTo>
+                    <a:pt x="4162425" y="695325"/>
+                  </a:lnTo>
+                  <a:lnTo>
+                    <a:pt x="4352925" y="38100"/>
+                  </a:lnTo>
+                  <a:lnTo>
+                    <a:pt x="4486275" y="38100"/>
+                  </a:lnTo>
+                  <a:lnTo>
+                    <a:pt x="4791075" y="1181100"/>
+                  </a:lnTo>
+                  <a:lnTo>
+                    <a:pt x="4895850" y="933450"/>
+                  </a:lnTo>
+                  <a:lnTo>
+                    <a:pt x="5019675" y="904875"/>
+                  </a:lnTo>
+                  <a:lnTo>
+                    <a:pt x="5114925" y="990600"/>
+                  </a:lnTo>
+                  <a:lnTo>
+                    <a:pt x="5219700" y="609600"/>
+                  </a:lnTo>
+                  <a:lnTo>
+                    <a:pt x="5314950" y="704850"/>
+                  </a:lnTo>
+                  <a:lnTo>
+                    <a:pt x="5400675" y="714375"/>
+                  </a:lnTo>
+                  <a:lnTo>
+                    <a:pt x="5619750" y="38100"/>
+                  </a:lnTo>
+                  <a:lnTo>
+                    <a:pt x="5734050" y="57150"/>
+                  </a:lnTo>
+                  <a:lnTo>
+                    <a:pt x="6019800" y="1114425"/>
+                  </a:lnTo>
+                  <a:lnTo>
+                    <a:pt x="6181725" y="904875"/>
+                  </a:lnTo>
+                  <a:lnTo>
+                    <a:pt x="6229350" y="895350"/>
+                  </a:lnTo>
+                  <a:lnTo>
+                    <a:pt x="6353175" y="942975"/>
+                  </a:lnTo>
+                  <a:lnTo>
+                    <a:pt x="6438900" y="609600"/>
+                  </a:lnTo>
+                  <a:lnTo>
+                    <a:pt x="6553200" y="714375"/>
+                  </a:lnTo>
+                  <a:lnTo>
+                    <a:pt x="6667500" y="695325"/>
+                  </a:lnTo>
+                  <a:lnTo>
+                    <a:pt x="6838950" y="9525"/>
+                  </a:lnTo>
+                  <a:lnTo>
+                    <a:pt x="6924675" y="19050"/>
+                  </a:lnTo>
+                  <a:lnTo>
+                    <a:pt x="7277100" y="1152525"/>
+                  </a:lnTo>
+                  <a:lnTo>
+                    <a:pt x="7381875" y="885825"/>
+                  </a:lnTo>
+                  <a:lnTo>
+                    <a:pt x="7477125" y="876300"/>
+                  </a:lnTo>
+                  <a:lnTo>
+                    <a:pt x="7591425" y="933450"/>
+                  </a:lnTo>
+                  <a:lnTo>
+                    <a:pt x="7677150" y="609600"/>
+                  </a:lnTo>
+                  <a:lnTo>
+                    <a:pt x="7810500" y="695325"/>
+                  </a:lnTo>
+                  <a:lnTo>
+                    <a:pt x="7915275" y="695325"/>
+                  </a:lnTo>
+                  <a:lnTo>
+                    <a:pt x="8124825" y="9525"/>
+                  </a:lnTo>
+                  <a:lnTo>
+                    <a:pt x="8239125" y="57150"/>
+                  </a:lnTo>
+                  <a:lnTo>
+                    <a:pt x="8505825" y="1133475"/>
+                  </a:lnTo>
+                  <a:lnTo>
+                    <a:pt x="8648700" y="914400"/>
+                  </a:lnTo>
+                  <a:lnTo>
+                    <a:pt x="8724900" y="857250"/>
+                  </a:lnTo>
+                  <a:lnTo>
+                    <a:pt x="8820150" y="933450"/>
+                  </a:lnTo>
+                  <a:lnTo>
+                    <a:pt x="8886825" y="647700"/>
+                  </a:lnTo>
+                  <a:lnTo>
+                    <a:pt x="9039225" y="723900"/>
+                  </a:lnTo>
+                  <a:lnTo>
+                    <a:pt x="9124950" y="714375"/>
+                  </a:lnTo>
+                  <a:lnTo>
+                    <a:pt x="9353550" y="19050"/>
+                  </a:lnTo>
+                  <a:lnTo>
+                    <a:pt x="9429750" y="38100"/>
+                  </a:lnTo>
+                </a:path>
+              </a:pathLst>
+            </a:custGeom>
+            <a:noFill/>
+            <a:ln w="28575">
+              <a:solidFill>
+                <a:schemeClr val="tx1">
+                  <a:lumMod val="50000"/>
+                  <a:lumOff val="50000"/>
+                </a:schemeClr>
+              </a:solidFill>
+            </a:ln>
+          </p:spPr>
+          <p:style>
+            <a:lnRef idx="2">
+              <a:schemeClr val="accent1">
+                <a:shade val="50000"/>
+              </a:schemeClr>
+            </a:lnRef>
+            <a:fillRef idx="1">
+              <a:schemeClr val="accent1"/>
+            </a:fillRef>
+            <a:effectRef idx="0">
+              <a:schemeClr val="accent1"/>
+            </a:effectRef>
+            <a:fontRef idx="minor">
+              <a:schemeClr val="lt1"/>
+            </a:fontRef>
+          </p:style>
+          <p:txBody>
+            <a:bodyPr rtlCol="0" anchor="ctr"/>
+            <a:lstStyle/>
+            <a:p>
+              <a:pPr algn="ctr"/>
+              <a:endParaRPr lang="pt-BR" dirty="0"/>
+            </a:p>
+          </p:txBody>
+        </p:sp>
+        <p:sp>
+          <p:nvSpPr>
+            <p:cNvPr id="38" name="Forma Livre: Forma 37">
+              <a:extLst>
+                <a:ext uri="{FF2B5EF4-FFF2-40B4-BE49-F238E27FC236}">
+                  <a16:creationId xmlns="" xmlns:a16="http://schemas.microsoft.com/office/drawing/2014/main" id="{243FA6C8-2559-4091-A9E4-5BA19682E489}"/>
+                </a:ext>
+              </a:extLst>
+            </p:cNvPr>
+            <p:cNvSpPr/>
+            <p:nvPr/>
+          </p:nvSpPr>
+          <p:spPr>
+            <a:xfrm>
+              <a:off x="1743118" y="4411649"/>
+              <a:ext cx="3248737" cy="467598"/>
+            </a:xfrm>
+            <a:custGeom>
+              <a:avLst/>
+              <a:gdLst>
+                <a:gd name="connsiteX0" fmla="*/ 0 w 9658350"/>
+                <a:gd name="connsiteY0" fmla="*/ 1047750 h 1152525"/>
+                <a:gd name="connsiteX1" fmla="*/ 152400 w 9658350"/>
+                <a:gd name="connsiteY1" fmla="*/ 962025 h 1152525"/>
+                <a:gd name="connsiteX2" fmla="*/ 466725 w 9658350"/>
+                <a:gd name="connsiteY2" fmla="*/ 1085850 h 1152525"/>
+                <a:gd name="connsiteX3" fmla="*/ 561975 w 9658350"/>
+                <a:gd name="connsiteY3" fmla="*/ 1095375 h 1152525"/>
+                <a:gd name="connsiteX4" fmla="*/ 647700 w 9658350"/>
+                <a:gd name="connsiteY4" fmla="*/ 628650 h 1152525"/>
+                <a:gd name="connsiteX5" fmla="*/ 771525 w 9658350"/>
+                <a:gd name="connsiteY5" fmla="*/ 314325 h 1152525"/>
+                <a:gd name="connsiteX6" fmla="*/ 914400 w 9658350"/>
+                <a:gd name="connsiteY6" fmla="*/ 523875 h 1152525"/>
+                <a:gd name="connsiteX7" fmla="*/ 1000125 w 9658350"/>
+                <a:gd name="connsiteY7" fmla="*/ 342900 h 1152525"/>
+                <a:gd name="connsiteX8" fmla="*/ 1038225 w 9658350"/>
+                <a:gd name="connsiteY8" fmla="*/ 590550 h 1152525"/>
+                <a:gd name="connsiteX9" fmla="*/ 1162050 w 9658350"/>
+                <a:gd name="connsiteY9" fmla="*/ 590550 h 1152525"/>
+                <a:gd name="connsiteX10" fmla="*/ 1295400 w 9658350"/>
+                <a:gd name="connsiteY10" fmla="*/ 1038225 h 1152525"/>
+                <a:gd name="connsiteX11" fmla="*/ 1419225 w 9658350"/>
+                <a:gd name="connsiteY11" fmla="*/ 1038225 h 1152525"/>
+                <a:gd name="connsiteX12" fmla="*/ 1438275 w 9658350"/>
+                <a:gd name="connsiteY12" fmla="*/ 771525 h 1152525"/>
+                <a:gd name="connsiteX13" fmla="*/ 1638300 w 9658350"/>
+                <a:gd name="connsiteY13" fmla="*/ 476250 h 1152525"/>
+                <a:gd name="connsiteX14" fmla="*/ 1733550 w 9658350"/>
+                <a:gd name="connsiteY14" fmla="*/ 523875 h 1152525"/>
+                <a:gd name="connsiteX15" fmla="*/ 1809750 w 9658350"/>
+                <a:gd name="connsiteY15" fmla="*/ 400050 h 1152525"/>
+                <a:gd name="connsiteX16" fmla="*/ 1924050 w 9658350"/>
+                <a:gd name="connsiteY16" fmla="*/ 590550 h 1152525"/>
+                <a:gd name="connsiteX17" fmla="*/ 2019300 w 9658350"/>
+                <a:gd name="connsiteY17" fmla="*/ 552450 h 1152525"/>
+                <a:gd name="connsiteX18" fmla="*/ 2209800 w 9658350"/>
+                <a:gd name="connsiteY18" fmla="*/ 1076325 h 1152525"/>
+                <a:gd name="connsiteX19" fmla="*/ 2400300 w 9658350"/>
+                <a:gd name="connsiteY19" fmla="*/ 447675 h 1152525"/>
+                <a:gd name="connsiteX20" fmla="*/ 2505075 w 9658350"/>
+                <a:gd name="connsiteY20" fmla="*/ 514350 h 1152525"/>
+                <a:gd name="connsiteX21" fmla="*/ 2590800 w 9658350"/>
+                <a:gd name="connsiteY21" fmla="*/ 342900 h 1152525"/>
+                <a:gd name="connsiteX22" fmla="*/ 2676525 w 9658350"/>
+                <a:gd name="connsiteY22" fmla="*/ 628650 h 1152525"/>
+                <a:gd name="connsiteX23" fmla="*/ 2895600 w 9658350"/>
+                <a:gd name="connsiteY23" fmla="*/ 762000 h 1152525"/>
+                <a:gd name="connsiteX24" fmla="*/ 2981325 w 9658350"/>
+                <a:gd name="connsiteY24" fmla="*/ 981075 h 1152525"/>
+                <a:gd name="connsiteX25" fmla="*/ 3257550 w 9658350"/>
+                <a:gd name="connsiteY25" fmla="*/ 466725 h 1152525"/>
+                <a:gd name="connsiteX26" fmla="*/ 3390900 w 9658350"/>
+                <a:gd name="connsiteY26" fmla="*/ 590550 h 1152525"/>
+                <a:gd name="connsiteX27" fmla="*/ 3476625 w 9658350"/>
+                <a:gd name="connsiteY27" fmla="*/ 504825 h 1152525"/>
+                <a:gd name="connsiteX28" fmla="*/ 3619500 w 9658350"/>
+                <a:gd name="connsiteY28" fmla="*/ 438150 h 1152525"/>
+                <a:gd name="connsiteX29" fmla="*/ 3781425 w 9658350"/>
+                <a:gd name="connsiteY29" fmla="*/ 885825 h 1152525"/>
+                <a:gd name="connsiteX30" fmla="*/ 3971925 w 9658350"/>
+                <a:gd name="connsiteY30" fmla="*/ 600075 h 1152525"/>
+                <a:gd name="connsiteX31" fmla="*/ 4114800 w 9658350"/>
+                <a:gd name="connsiteY31" fmla="*/ 533400 h 1152525"/>
+                <a:gd name="connsiteX32" fmla="*/ 4286250 w 9658350"/>
+                <a:gd name="connsiteY32" fmla="*/ 695325 h 1152525"/>
+                <a:gd name="connsiteX33" fmla="*/ 4381500 w 9658350"/>
+                <a:gd name="connsiteY33" fmla="*/ 609600 h 1152525"/>
+                <a:gd name="connsiteX34" fmla="*/ 4457700 w 9658350"/>
+                <a:gd name="connsiteY34" fmla="*/ 666750 h 1152525"/>
+                <a:gd name="connsiteX35" fmla="*/ 4543425 w 9658350"/>
+                <a:gd name="connsiteY35" fmla="*/ 619125 h 1152525"/>
+                <a:gd name="connsiteX36" fmla="*/ 4562475 w 9658350"/>
+                <a:gd name="connsiteY36" fmla="*/ 714375 h 1152525"/>
+                <a:gd name="connsiteX37" fmla="*/ 4667250 w 9658350"/>
+                <a:gd name="connsiteY37" fmla="*/ 704850 h 1152525"/>
+                <a:gd name="connsiteX38" fmla="*/ 4772025 w 9658350"/>
+                <a:gd name="connsiteY38" fmla="*/ 819150 h 1152525"/>
+                <a:gd name="connsiteX39" fmla="*/ 4895850 w 9658350"/>
+                <a:gd name="connsiteY39" fmla="*/ 619125 h 1152525"/>
+                <a:gd name="connsiteX40" fmla="*/ 5029200 w 9658350"/>
+                <a:gd name="connsiteY40" fmla="*/ 676275 h 1152525"/>
+                <a:gd name="connsiteX41" fmla="*/ 5200650 w 9658350"/>
+                <a:gd name="connsiteY41" fmla="*/ 638175 h 1152525"/>
+                <a:gd name="connsiteX42" fmla="*/ 5362575 w 9658350"/>
+                <a:gd name="connsiteY42" fmla="*/ 723900 h 1152525"/>
+                <a:gd name="connsiteX43" fmla="*/ 5476875 w 9658350"/>
+                <a:gd name="connsiteY43" fmla="*/ 533400 h 1152525"/>
+                <a:gd name="connsiteX44" fmla="*/ 5534025 w 9658350"/>
+                <a:gd name="connsiteY44" fmla="*/ 838200 h 1152525"/>
+                <a:gd name="connsiteX45" fmla="*/ 5600700 w 9658350"/>
+                <a:gd name="connsiteY45" fmla="*/ 647700 h 1152525"/>
+                <a:gd name="connsiteX46" fmla="*/ 5705475 w 9658350"/>
+                <a:gd name="connsiteY46" fmla="*/ 781050 h 1152525"/>
+                <a:gd name="connsiteX47" fmla="*/ 5876925 w 9658350"/>
+                <a:gd name="connsiteY47" fmla="*/ 552450 h 1152525"/>
+                <a:gd name="connsiteX48" fmla="*/ 6105525 w 9658350"/>
+                <a:gd name="connsiteY48" fmla="*/ 666750 h 1152525"/>
+                <a:gd name="connsiteX49" fmla="*/ 6296025 w 9658350"/>
+                <a:gd name="connsiteY49" fmla="*/ 428625 h 1152525"/>
+                <a:gd name="connsiteX50" fmla="*/ 6534150 w 9658350"/>
+                <a:gd name="connsiteY50" fmla="*/ 781050 h 1152525"/>
+                <a:gd name="connsiteX51" fmla="*/ 6686550 w 9658350"/>
+                <a:gd name="connsiteY51" fmla="*/ 723900 h 1152525"/>
+                <a:gd name="connsiteX52" fmla="*/ 6800850 w 9658350"/>
+                <a:gd name="connsiteY52" fmla="*/ 828675 h 1152525"/>
+                <a:gd name="connsiteX53" fmla="*/ 6848475 w 9658350"/>
+                <a:gd name="connsiteY53" fmla="*/ 638175 h 1152525"/>
+                <a:gd name="connsiteX54" fmla="*/ 6972300 w 9658350"/>
+                <a:gd name="connsiteY54" fmla="*/ 714375 h 1152525"/>
+                <a:gd name="connsiteX55" fmla="*/ 7096125 w 9658350"/>
+                <a:gd name="connsiteY55" fmla="*/ 304800 h 1152525"/>
+                <a:gd name="connsiteX56" fmla="*/ 7191375 w 9658350"/>
+                <a:gd name="connsiteY56" fmla="*/ 295275 h 1152525"/>
+                <a:gd name="connsiteX57" fmla="*/ 7400925 w 9658350"/>
+                <a:gd name="connsiteY57" fmla="*/ 819150 h 1152525"/>
+                <a:gd name="connsiteX58" fmla="*/ 7496175 w 9658350"/>
+                <a:gd name="connsiteY58" fmla="*/ 752475 h 1152525"/>
+                <a:gd name="connsiteX59" fmla="*/ 7629525 w 9658350"/>
+                <a:gd name="connsiteY59" fmla="*/ 923925 h 1152525"/>
+                <a:gd name="connsiteX60" fmla="*/ 7667625 w 9658350"/>
+                <a:gd name="connsiteY60" fmla="*/ 800100 h 1152525"/>
+                <a:gd name="connsiteX61" fmla="*/ 7772400 w 9658350"/>
+                <a:gd name="connsiteY61" fmla="*/ 876300 h 1152525"/>
+                <a:gd name="connsiteX62" fmla="*/ 7915275 w 9658350"/>
+                <a:gd name="connsiteY62" fmla="*/ 295275 h 1152525"/>
+                <a:gd name="connsiteX63" fmla="*/ 8010525 w 9658350"/>
+                <a:gd name="connsiteY63" fmla="*/ 47625 h 1152525"/>
+                <a:gd name="connsiteX64" fmla="*/ 8077200 w 9658350"/>
+                <a:gd name="connsiteY64" fmla="*/ 628650 h 1152525"/>
+                <a:gd name="connsiteX65" fmla="*/ 8220075 w 9658350"/>
+                <a:gd name="connsiteY65" fmla="*/ 1000125 h 1152525"/>
+                <a:gd name="connsiteX66" fmla="*/ 8353425 w 9658350"/>
+                <a:gd name="connsiteY66" fmla="*/ 1028700 h 1152525"/>
+                <a:gd name="connsiteX67" fmla="*/ 8353425 w 9658350"/>
+                <a:gd name="connsiteY67" fmla="*/ 828675 h 1152525"/>
+                <a:gd name="connsiteX68" fmla="*/ 8458200 w 9658350"/>
+                <a:gd name="connsiteY68" fmla="*/ 962025 h 1152525"/>
+                <a:gd name="connsiteX69" fmla="*/ 8496300 w 9658350"/>
+                <a:gd name="connsiteY69" fmla="*/ 676275 h 1152525"/>
+                <a:gd name="connsiteX70" fmla="*/ 8629650 w 9658350"/>
+                <a:gd name="connsiteY70" fmla="*/ 781050 h 1152525"/>
+                <a:gd name="connsiteX71" fmla="*/ 8696325 w 9658350"/>
+                <a:gd name="connsiteY71" fmla="*/ 552450 h 1152525"/>
+                <a:gd name="connsiteX72" fmla="*/ 8763000 w 9658350"/>
+                <a:gd name="connsiteY72" fmla="*/ 57150 h 1152525"/>
+                <a:gd name="connsiteX73" fmla="*/ 8848725 w 9658350"/>
+                <a:gd name="connsiteY73" fmla="*/ 0 h 1152525"/>
+                <a:gd name="connsiteX74" fmla="*/ 8915400 w 9658350"/>
+                <a:gd name="connsiteY74" fmla="*/ 619125 h 1152525"/>
+                <a:gd name="connsiteX75" fmla="*/ 9048750 w 9658350"/>
+                <a:gd name="connsiteY75" fmla="*/ 981075 h 1152525"/>
+                <a:gd name="connsiteX76" fmla="*/ 9134475 w 9658350"/>
+                <a:gd name="connsiteY76" fmla="*/ 838200 h 1152525"/>
+                <a:gd name="connsiteX77" fmla="*/ 9182100 w 9658350"/>
+                <a:gd name="connsiteY77" fmla="*/ 800100 h 1152525"/>
+                <a:gd name="connsiteX78" fmla="*/ 9315450 w 9658350"/>
+                <a:gd name="connsiteY78" fmla="*/ 1152525 h 1152525"/>
+                <a:gd name="connsiteX79" fmla="*/ 9382125 w 9658350"/>
+                <a:gd name="connsiteY79" fmla="*/ 666750 h 1152525"/>
+                <a:gd name="connsiteX80" fmla="*/ 9477375 w 9658350"/>
+                <a:gd name="connsiteY80" fmla="*/ 552450 h 1152525"/>
+                <a:gd name="connsiteX81" fmla="*/ 9658350 w 9658350"/>
+                <a:gd name="connsiteY81" fmla="*/ 114300 h 1152525"/>
+              </a:gdLst>
+              <a:ahLst/>
+              <a:cxnLst>
+                <a:cxn ang="0">
+                  <a:pos x="connsiteX0" y="connsiteY0"/>
+                </a:cxn>
+                <a:cxn ang="0">
+                  <a:pos x="connsiteX1" y="connsiteY1"/>
+                </a:cxn>
+                <a:cxn ang="0">
+                  <a:pos x="connsiteX2" y="connsiteY2"/>
+                </a:cxn>
+                <a:cxn ang="0">
+                  <a:pos x="connsiteX3" y="connsiteY3"/>
+                </a:cxn>
+                <a:cxn ang="0">
+                  <a:pos x="connsiteX4" y="connsiteY4"/>
+                </a:cxn>
+                <a:cxn ang="0">
+                  <a:pos x="connsiteX5" y="connsiteY5"/>
+                </a:cxn>
+                <a:cxn ang="0">
+                  <a:pos x="connsiteX6" y="connsiteY6"/>
+                </a:cxn>
+                <a:cxn ang="0">
+                  <a:pos x="connsiteX7" y="connsiteY7"/>
+                </a:cxn>
+                <a:cxn ang="0">
+                  <a:pos x="connsiteX8" y="connsiteY8"/>
+                </a:cxn>
+                <a:cxn ang="0">
+                  <a:pos x="connsiteX9" y="connsiteY9"/>
+                </a:cxn>
+                <a:cxn ang="0">
+                  <a:pos x="connsiteX10" y="connsiteY10"/>
+                </a:cxn>
+                <a:cxn ang="0">
+                  <a:pos x="connsiteX11" y="connsiteY11"/>
+                </a:cxn>
+                <a:cxn ang="0">
+                  <a:pos x="connsiteX12" y="connsiteY12"/>
+                </a:cxn>
+                <a:cxn ang="0">
+                  <a:pos x="connsiteX13" y="connsiteY13"/>
+                </a:cxn>
+                <a:cxn ang="0">
+                  <a:pos x="connsiteX14" y="connsiteY14"/>
+                </a:cxn>
+                <a:cxn ang="0">
+                  <a:pos x="connsiteX15" y="connsiteY15"/>
+                </a:cxn>
+                <a:cxn ang="0">
+                  <a:pos x="connsiteX16" y="connsiteY16"/>
+                </a:cxn>
+                <a:cxn ang="0">
+                  <a:pos x="connsiteX17" y="connsiteY17"/>
+                </a:cxn>
+                <a:cxn ang="0">
+                  <a:pos x="connsiteX18" y="connsiteY18"/>
+                </a:cxn>
+                <a:cxn ang="0">
+                  <a:pos x="connsiteX19" y="connsiteY19"/>
+                </a:cxn>
+                <a:cxn ang="0">
+                  <a:pos x="connsiteX20" y="connsiteY20"/>
+                </a:cxn>
+                <a:cxn ang="0">
+                  <a:pos x="connsiteX21" y="connsiteY21"/>
+                </a:cxn>
+                <a:cxn ang="0">
+                  <a:pos x="connsiteX22" y="connsiteY22"/>
+                </a:cxn>
+                <a:cxn ang="0">
+                  <a:pos x="connsiteX23" y="connsiteY23"/>
+                </a:cxn>
+                <a:cxn ang="0">
+                  <a:pos x="connsiteX24" y="connsiteY24"/>
+                </a:cxn>
+                <a:cxn ang="0">
+                  <a:pos x="connsiteX25" y="connsiteY25"/>
+                </a:cxn>
+                <a:cxn ang="0">
+                  <a:pos x="connsiteX26" y="connsiteY26"/>
+                </a:cxn>
+                <a:cxn ang="0">
+                  <a:pos x="connsiteX27" y="connsiteY27"/>
+                </a:cxn>
+                <a:cxn ang="0">
+                  <a:pos x="connsiteX28" y="connsiteY28"/>
+                </a:cxn>
+                <a:cxn ang="0">
+                  <a:pos x="connsiteX29" y="connsiteY29"/>
+                </a:cxn>
+                <a:cxn ang="0">
+                  <a:pos x="connsiteX30" y="connsiteY30"/>
+                </a:cxn>
+                <a:cxn ang="0">
+                  <a:pos x="connsiteX31" y="connsiteY31"/>
+                </a:cxn>
+                <a:cxn ang="0">
+                  <a:pos x="connsiteX32" y="connsiteY32"/>
+                </a:cxn>
+                <a:cxn ang="0">
+                  <a:pos x="connsiteX33" y="connsiteY33"/>
+                </a:cxn>
+                <a:cxn ang="0">
+                  <a:pos x="connsiteX34" y="connsiteY34"/>
+                </a:cxn>
+                <a:cxn ang="0">
+                  <a:pos x="connsiteX35" y="connsiteY35"/>
+                </a:cxn>
+                <a:cxn ang="0">
+                  <a:pos x="connsiteX36" y="connsiteY36"/>
+                </a:cxn>
+                <a:cxn ang="0">
+                  <a:pos x="connsiteX37" y="connsiteY37"/>
+                </a:cxn>
+                <a:cxn ang="0">
+                  <a:pos x="connsiteX38" y="connsiteY38"/>
+                </a:cxn>
+                <a:cxn ang="0">
+                  <a:pos x="connsiteX39" y="connsiteY39"/>
+                </a:cxn>
+                <a:cxn ang="0">
+                  <a:pos x="connsiteX40" y="connsiteY40"/>
+                </a:cxn>
+                <a:cxn ang="0">
+                  <a:pos x="connsiteX41" y="connsiteY41"/>
+                </a:cxn>
+                <a:cxn ang="0">
+                  <a:pos x="connsiteX42" y="connsiteY42"/>
+                </a:cxn>
+                <a:cxn ang="0">
+                  <a:pos x="connsiteX43" y="connsiteY43"/>
+                </a:cxn>
+                <a:cxn ang="0">
+                  <a:pos x="connsiteX44" y="connsiteY44"/>
+                </a:cxn>
+                <a:cxn ang="0">
+                  <a:pos x="connsiteX45" y="connsiteY45"/>
+                </a:cxn>
+                <a:cxn ang="0">
+                  <a:pos x="connsiteX46" y="connsiteY46"/>
+                </a:cxn>
+                <a:cxn ang="0">
+                  <a:pos x="connsiteX47" y="connsiteY47"/>
+                </a:cxn>
+                <a:cxn ang="0">
+                  <a:pos x="connsiteX48" y="connsiteY48"/>
+                </a:cxn>
+                <a:cxn ang="0">
+                  <a:pos x="connsiteX49" y="connsiteY49"/>
+                </a:cxn>
+                <a:cxn ang="0">
+                  <a:pos x="connsiteX50" y="connsiteY50"/>
+                </a:cxn>
+                <a:cxn ang="0">
+                  <a:pos x="connsiteX51" y="connsiteY51"/>
+                </a:cxn>
+                <a:cxn ang="0">
+                  <a:pos x="connsiteX52" y="connsiteY52"/>
+                </a:cxn>
+                <a:cxn ang="0">
+                  <a:pos x="connsiteX53" y="connsiteY53"/>
+                </a:cxn>
+                <a:cxn ang="0">
+                  <a:pos x="connsiteX54" y="connsiteY54"/>
+                </a:cxn>
+                <a:cxn ang="0">
+                  <a:pos x="connsiteX55" y="connsiteY55"/>
+                </a:cxn>
+                <a:cxn ang="0">
+                  <a:pos x="connsiteX56" y="connsiteY56"/>
+                </a:cxn>
+                <a:cxn ang="0">
+                  <a:pos x="connsiteX57" y="connsiteY57"/>
+                </a:cxn>
+                <a:cxn ang="0">
+                  <a:pos x="connsiteX58" y="connsiteY58"/>
+                </a:cxn>
+                <a:cxn ang="0">
+                  <a:pos x="connsiteX59" y="connsiteY59"/>
+                </a:cxn>
+                <a:cxn ang="0">
+                  <a:pos x="connsiteX60" y="connsiteY60"/>
+                </a:cxn>
+                <a:cxn ang="0">
+                  <a:pos x="connsiteX61" y="connsiteY61"/>
+                </a:cxn>
+                <a:cxn ang="0">
+                  <a:pos x="connsiteX62" y="connsiteY62"/>
+                </a:cxn>
+                <a:cxn ang="0">
+                  <a:pos x="connsiteX63" y="connsiteY63"/>
+                </a:cxn>
+                <a:cxn ang="0">
+                  <a:pos x="connsiteX64" y="connsiteY64"/>
+                </a:cxn>
+                <a:cxn ang="0">
+                  <a:pos x="connsiteX65" y="connsiteY65"/>
+                </a:cxn>
+                <a:cxn ang="0">
+                  <a:pos x="connsiteX66" y="connsiteY66"/>
+                </a:cxn>
+                <a:cxn ang="0">
+                  <a:pos x="connsiteX67" y="connsiteY67"/>
+                </a:cxn>
+                <a:cxn ang="0">
+                  <a:pos x="connsiteX68" y="connsiteY68"/>
+                </a:cxn>
+                <a:cxn ang="0">
+                  <a:pos x="connsiteX69" y="connsiteY69"/>
+                </a:cxn>
+                <a:cxn ang="0">
+                  <a:pos x="connsiteX70" y="connsiteY70"/>
+                </a:cxn>
+                <a:cxn ang="0">
+                  <a:pos x="connsiteX71" y="connsiteY71"/>
+                </a:cxn>
+                <a:cxn ang="0">
+                  <a:pos x="connsiteX72" y="connsiteY72"/>
+                </a:cxn>
+                <a:cxn ang="0">
+                  <a:pos x="connsiteX73" y="connsiteY73"/>
+                </a:cxn>
+                <a:cxn ang="0">
+                  <a:pos x="connsiteX74" y="connsiteY74"/>
+                </a:cxn>
+                <a:cxn ang="0">
+                  <a:pos x="connsiteX75" y="connsiteY75"/>
+                </a:cxn>
+                <a:cxn ang="0">
+                  <a:pos x="connsiteX76" y="connsiteY76"/>
+                </a:cxn>
+                <a:cxn ang="0">
+                  <a:pos x="connsiteX77" y="connsiteY77"/>
+                </a:cxn>
+                <a:cxn ang="0">
+                  <a:pos x="connsiteX78" y="connsiteY78"/>
+                </a:cxn>
+                <a:cxn ang="0">
+                  <a:pos x="connsiteX79" y="connsiteY79"/>
+                </a:cxn>
+                <a:cxn ang="0">
+                  <a:pos x="connsiteX80" y="connsiteY80"/>
+                </a:cxn>
+                <a:cxn ang="0">
+                  <a:pos x="connsiteX81" y="connsiteY81"/>
+                </a:cxn>
+              </a:cxnLst>
+              <a:rect l="l" t="t" r="r" b="b"/>
+              <a:pathLst>
+                <a:path w="9658350" h="1152525">
+                  <a:moveTo>
+                    <a:pt x="0" y="1047750"/>
+                  </a:moveTo>
+                  <a:lnTo>
+                    <a:pt x="152400" y="962025"/>
+                  </a:lnTo>
+                  <a:lnTo>
+                    <a:pt x="466725" y="1085850"/>
+                  </a:lnTo>
+                  <a:lnTo>
+                    <a:pt x="561975" y="1095375"/>
+                  </a:lnTo>
+                  <a:lnTo>
+                    <a:pt x="647700" y="628650"/>
+                  </a:lnTo>
+                  <a:lnTo>
+                    <a:pt x="771525" y="314325"/>
+                  </a:lnTo>
+                  <a:lnTo>
+                    <a:pt x="914400" y="523875"/>
+                  </a:lnTo>
+                  <a:lnTo>
+                    <a:pt x="1000125" y="342900"/>
+                  </a:lnTo>
+                  <a:lnTo>
+                    <a:pt x="1038225" y="590550"/>
+                  </a:lnTo>
+                  <a:lnTo>
+                    <a:pt x="1162050" y="590550"/>
+                  </a:lnTo>
+                  <a:lnTo>
+                    <a:pt x="1295400" y="1038225"/>
+                  </a:lnTo>
+                  <a:lnTo>
+                    <a:pt x="1419225" y="1038225"/>
+                  </a:lnTo>
+                  <a:lnTo>
+                    <a:pt x="1438275" y="771525"/>
+                  </a:lnTo>
+                  <a:lnTo>
+                    <a:pt x="1638300" y="476250"/>
+                  </a:lnTo>
+                  <a:lnTo>
+                    <a:pt x="1733550" y="523875"/>
+                  </a:lnTo>
+                  <a:lnTo>
+                    <a:pt x="1809750" y="400050"/>
+                  </a:lnTo>
+                  <a:lnTo>
+                    <a:pt x="1924050" y="590550"/>
+                  </a:lnTo>
+                  <a:lnTo>
+                    <a:pt x="2019300" y="552450"/>
+                  </a:lnTo>
+                  <a:lnTo>
+                    <a:pt x="2209800" y="1076325"/>
+                  </a:lnTo>
+                  <a:lnTo>
+                    <a:pt x="2400300" y="447675"/>
+                  </a:lnTo>
+                  <a:lnTo>
+                    <a:pt x="2505075" y="514350"/>
+                  </a:lnTo>
+                  <a:lnTo>
+                    <a:pt x="2590800" y="342900"/>
+                  </a:lnTo>
+                  <a:lnTo>
+                    <a:pt x="2676525" y="628650"/>
+                  </a:lnTo>
+                  <a:lnTo>
+                    <a:pt x="2895600" y="762000"/>
+                  </a:lnTo>
+                  <a:lnTo>
+                    <a:pt x="2981325" y="981075"/>
+                  </a:lnTo>
+                  <a:lnTo>
+                    <a:pt x="3257550" y="466725"/>
+                  </a:lnTo>
+                  <a:lnTo>
+                    <a:pt x="3390900" y="590550"/>
+                  </a:lnTo>
+                  <a:lnTo>
+                    <a:pt x="3476625" y="504825"/>
+                  </a:lnTo>
+                  <a:lnTo>
+                    <a:pt x="3619500" y="438150"/>
+                  </a:lnTo>
+                  <a:lnTo>
+                    <a:pt x="3781425" y="885825"/>
+                  </a:lnTo>
+                  <a:lnTo>
+                    <a:pt x="3971925" y="600075"/>
+                  </a:lnTo>
+                  <a:lnTo>
+                    <a:pt x="4114800" y="533400"/>
+                  </a:lnTo>
+                  <a:lnTo>
+                    <a:pt x="4286250" y="695325"/>
+                  </a:lnTo>
+                  <a:lnTo>
+                    <a:pt x="4381500" y="609600"/>
+                  </a:lnTo>
+                  <a:lnTo>
+                    <a:pt x="4457700" y="666750"/>
+                  </a:lnTo>
+                  <a:lnTo>
+                    <a:pt x="4543425" y="619125"/>
+                  </a:lnTo>
+                  <a:lnTo>
+                    <a:pt x="4562475" y="714375"/>
+                  </a:lnTo>
+                  <a:lnTo>
+                    <a:pt x="4667250" y="704850"/>
+                  </a:lnTo>
+                  <a:lnTo>
+                    <a:pt x="4772025" y="819150"/>
+                  </a:lnTo>
+                  <a:lnTo>
+                    <a:pt x="4895850" y="619125"/>
+                  </a:lnTo>
+                  <a:lnTo>
+                    <a:pt x="5029200" y="676275"/>
+                  </a:lnTo>
+                  <a:lnTo>
+                    <a:pt x="5200650" y="638175"/>
+                  </a:lnTo>
+                  <a:lnTo>
+                    <a:pt x="5362575" y="723900"/>
+                  </a:lnTo>
+                  <a:lnTo>
+                    <a:pt x="5476875" y="533400"/>
+                  </a:lnTo>
+                  <a:lnTo>
+                    <a:pt x="5534025" y="838200"/>
+                  </a:lnTo>
+                  <a:lnTo>
+                    <a:pt x="5600700" y="647700"/>
+                  </a:lnTo>
+                  <a:lnTo>
+                    <a:pt x="5705475" y="781050"/>
+                  </a:lnTo>
+                  <a:lnTo>
+                    <a:pt x="5876925" y="552450"/>
+                  </a:lnTo>
+                  <a:lnTo>
+                    <a:pt x="6105525" y="666750"/>
+                  </a:lnTo>
+                  <a:lnTo>
+                    <a:pt x="6296025" y="428625"/>
+                  </a:lnTo>
+                  <a:lnTo>
+                    <a:pt x="6534150" y="781050"/>
+                  </a:lnTo>
+                  <a:lnTo>
+                    <a:pt x="6686550" y="723900"/>
+                  </a:lnTo>
+                  <a:lnTo>
+                    <a:pt x="6800850" y="828675"/>
+                  </a:lnTo>
+                  <a:lnTo>
+                    <a:pt x="6848475" y="638175"/>
+                  </a:lnTo>
+                  <a:lnTo>
+                    <a:pt x="6972300" y="714375"/>
+                  </a:lnTo>
+                  <a:lnTo>
+                    <a:pt x="7096125" y="304800"/>
+                  </a:lnTo>
+                  <a:lnTo>
+                    <a:pt x="7191375" y="295275"/>
+                  </a:lnTo>
+                  <a:lnTo>
+                    <a:pt x="7400925" y="819150"/>
+                  </a:lnTo>
+                  <a:lnTo>
+                    <a:pt x="7496175" y="752475"/>
+                  </a:lnTo>
+                  <a:lnTo>
+                    <a:pt x="7629525" y="923925"/>
+                  </a:lnTo>
+                  <a:lnTo>
+                    <a:pt x="7667625" y="800100"/>
+                  </a:lnTo>
+                  <a:lnTo>
+                    <a:pt x="7772400" y="876300"/>
+                  </a:lnTo>
+                  <a:lnTo>
+                    <a:pt x="7915275" y="295275"/>
+                  </a:lnTo>
+                  <a:lnTo>
+                    <a:pt x="8010525" y="47625"/>
+                  </a:lnTo>
+                  <a:lnTo>
+                    <a:pt x="8077200" y="628650"/>
+                  </a:lnTo>
+                  <a:lnTo>
+                    <a:pt x="8220075" y="1000125"/>
+                  </a:lnTo>
+                  <a:lnTo>
+                    <a:pt x="8353425" y="1028700"/>
+                  </a:lnTo>
+                  <a:lnTo>
+                    <a:pt x="8353425" y="828675"/>
+                  </a:lnTo>
+                  <a:lnTo>
+                    <a:pt x="8458200" y="962025"/>
+                  </a:lnTo>
+                  <a:lnTo>
+                    <a:pt x="8496300" y="676275"/>
+                  </a:lnTo>
+                  <a:lnTo>
+                    <a:pt x="8629650" y="781050"/>
+                  </a:lnTo>
+                  <a:lnTo>
+                    <a:pt x="8696325" y="552450"/>
+                  </a:lnTo>
+                  <a:lnTo>
+                    <a:pt x="8763000" y="57150"/>
+                  </a:lnTo>
+                  <a:lnTo>
+                    <a:pt x="8848725" y="0"/>
+                  </a:lnTo>
+                  <a:lnTo>
+                    <a:pt x="8915400" y="619125"/>
+                  </a:lnTo>
+                  <a:lnTo>
+                    <a:pt x="9048750" y="981075"/>
+                  </a:lnTo>
+                  <a:lnTo>
+                    <a:pt x="9134475" y="838200"/>
+                  </a:lnTo>
+                  <a:lnTo>
+                    <a:pt x="9182100" y="800100"/>
+                  </a:lnTo>
+                  <a:lnTo>
+                    <a:pt x="9315450" y="1152525"/>
+                  </a:lnTo>
+                  <a:lnTo>
+                    <a:pt x="9382125" y="666750"/>
+                  </a:lnTo>
+                  <a:lnTo>
+                    <a:pt x="9477375" y="552450"/>
+                  </a:lnTo>
+                  <a:lnTo>
+                    <a:pt x="9658350" y="114300"/>
+                  </a:lnTo>
+                </a:path>
+              </a:pathLst>
+            </a:custGeom>
+            <a:noFill/>
+            <a:ln w="28575">
+              <a:solidFill>
+                <a:schemeClr val="tx1">
+                  <a:lumMod val="65000"/>
+                  <a:lumOff val="35000"/>
+                </a:schemeClr>
+              </a:solidFill>
+            </a:ln>
+          </p:spPr>
+          <p:style>
+            <a:lnRef idx="2">
+              <a:schemeClr val="accent1">
+                <a:shade val="50000"/>
+              </a:schemeClr>
+            </a:lnRef>
+            <a:fillRef idx="1">
+              <a:schemeClr val="accent1"/>
+            </a:fillRef>
+            <a:effectRef idx="0">
+              <a:schemeClr val="accent1"/>
+            </a:effectRef>
+            <a:fontRef idx="minor">
+              <a:schemeClr val="lt1"/>
+            </a:fontRef>
+          </p:style>
+          <p:txBody>
+            <a:bodyPr rtlCol="0" anchor="ctr"/>
+            <a:lstStyle/>
+            <a:p>
+              <a:pPr algn="ctr"/>
+              <a:endParaRPr lang="pt-BR"/>
+            </a:p>
+          </p:txBody>
+        </p:sp>
+        <p:pic>
+          <p:nvPicPr>
+            <p:cNvPr id="163" name="Imagem 162">
+              <a:extLst>
+                <a:ext uri="{FF2B5EF4-FFF2-40B4-BE49-F238E27FC236}">
+                  <a16:creationId xmlns="" xmlns:a16="http://schemas.microsoft.com/office/drawing/2014/main" id="{CDBDB620-D4EB-4C3C-A950-78EB7BE1058D}"/>
+                </a:ext>
+              </a:extLst>
+            </p:cNvPr>
+            <p:cNvPicPr>
+              <a:picLocks noChangeAspect="1"/>
+            </p:cNvPicPr>
+            <p:nvPr/>
+          </p:nvPicPr>
+          <p:blipFill rotWithShape="1">
+            <a:blip r:embed="rId2" cstate="print">
+              <a:extLst>
+                <a:ext uri="{28A0092B-C50C-407E-A947-70E740481C1C}">
+                  <a14:useLocalDpi xmlns:a14="http://schemas.microsoft.com/office/drawing/2010/main" val="0"/>
+                </a:ext>
+              </a:extLst>
+            </a:blip>
+            <a:srcRect r="57644"/>
+            <a:stretch/>
+          </p:blipFill>
+          <p:spPr>
+            <a:xfrm>
+              <a:off x="7971992" y="3146033"/>
+              <a:ext cx="927773" cy="474470"/>
+            </a:xfrm>
+            <a:prstGeom prst="rect">
+              <a:avLst/>
+            </a:prstGeom>
+          </p:spPr>
+        </p:pic>
+        <p:sp>
+          <p:nvSpPr>
+            <p:cNvPr id="86" name="Ondulado Duplo 85">
+              <a:extLst>
+                <a:ext uri="{FF2B5EF4-FFF2-40B4-BE49-F238E27FC236}">
+                  <a16:creationId xmlns="" xmlns:a16="http://schemas.microsoft.com/office/drawing/2014/main" id="{C670E319-A52B-497B-B261-F6767489AC6B}"/>
+                </a:ext>
+              </a:extLst>
+            </p:cNvPr>
+            <p:cNvSpPr/>
+            <p:nvPr/>
+          </p:nvSpPr>
+          <p:spPr>
             <a:xfrm>
               <a:off x="7841013" y="2986912"/>
               <a:ext cx="1189732" cy="792711"/>
-              <a:chOff x="7841013" y="2986912"/>
-              <a:chExt cx="1189732" cy="792711"/>
             </a:xfrm>
-          </p:grpSpPr>
-          <p:pic>
-            <p:nvPicPr>
-              <p:cNvPr id="163" name="Imagem 162">
-                <a:extLst>
-                  <a:ext uri="{FF2B5EF4-FFF2-40B4-BE49-F238E27FC236}">
-                    <a16:creationId xmlns:a16="http://schemas.microsoft.com/office/drawing/2014/main" id="{CDBDB620-D4EB-4C3C-A950-78EB7BE1058D}"/>
-                  </a:ext>
-                </a:extLst>
-              </p:cNvPr>
-              <p:cNvPicPr>
-                <a:picLocks noChangeAspect="1"/>
-              </p:cNvPicPr>
-              <p:nvPr/>
-            </p:nvPicPr>
-            <p:blipFill rotWithShape="1">
-              <a:blip r:embed="rId2" cstate="print">
-                <a:extLst>
-                  <a:ext uri="{28A0092B-C50C-407E-A947-70E740481C1C}">
-                    <a14:useLocalDpi xmlns:a14="http://schemas.microsoft.com/office/drawing/2010/main" val="0"/>
-                  </a:ext>
-                </a:extLst>
-              </a:blip>
-              <a:srcRect r="57644"/>
-              <a:stretch/>
-            </p:blipFill>
-            <p:spPr>
-              <a:xfrm>
-                <a:off x="7971992" y="3146033"/>
-                <a:ext cx="927773" cy="474470"/>
-              </a:xfrm>
-              <a:prstGeom prst="rect">
-                <a:avLst/>
-              </a:prstGeom>
-            </p:spPr>
-          </p:pic>
-          <p:sp>
-            <p:nvSpPr>
-              <p:cNvPr id="86" name="Ondulado Duplo 85">
-                <a:extLst>
-                  <a:ext uri="{FF2B5EF4-FFF2-40B4-BE49-F238E27FC236}">
-                    <a16:creationId xmlns:a16="http://schemas.microsoft.com/office/drawing/2014/main" id="{C670E319-A52B-497B-B261-F6767489AC6B}"/>
-                  </a:ext>
-                </a:extLst>
-              </p:cNvPr>
-              <p:cNvSpPr/>
-              <p:nvPr/>
-            </p:nvSpPr>
-            <p:spPr>
-              <a:xfrm>
-                <a:off x="7841013" y="2986912"/>
-                <a:ext cx="1189732" cy="792711"/>
-              </a:xfrm>
-              <a:prstGeom prst="doubleWave">
-                <a:avLst>
-                  <a:gd name="adj1" fmla="val 4288"/>
-                  <a:gd name="adj2" fmla="val 0"/>
-                </a:avLst>
-              </a:prstGeom>
-              <a:noFill/>
-              <a:ln w="28575">
-                <a:solidFill>
-                  <a:schemeClr val="tx1"/>
-                </a:solidFill>
-              </a:ln>
-            </p:spPr>
-            <p:style>
-              <a:lnRef idx="2">
-                <a:schemeClr val="accent1">
-                  <a:shade val="50000"/>
-                </a:schemeClr>
-              </a:lnRef>
-              <a:fillRef idx="1">
-                <a:schemeClr val="accent1"/>
-              </a:fillRef>
-              <a:effectRef idx="0">
-                <a:schemeClr val="accent1"/>
-              </a:effectRef>
-              <a:fontRef idx="minor">
-                <a:schemeClr val="lt1"/>
-              </a:fontRef>
-            </p:style>
-            <p:txBody>
-              <a:bodyPr rtlCol="0" anchor="ctr"/>
-              <a:lstStyle/>
-              <a:p>
-                <a:pPr algn="ctr"/>
-                <a:endParaRPr lang="pt-BR"/>
-              </a:p>
-            </p:txBody>
-          </p:sp>
-        </p:grpSp>
-        <p:grpSp>
-          <p:nvGrpSpPr>
-            <p:cNvPr id="166" name="Agrupar 165">
+            <a:prstGeom prst="doubleWave">
+              <a:avLst>
+                <a:gd name="adj1" fmla="val 4288"/>
+                <a:gd name="adj2" fmla="val 0"/>
+              </a:avLst>
+            </a:prstGeom>
+            <a:noFill/>
+            <a:ln w="28575">
+              <a:solidFill>
+                <a:schemeClr val="tx1"/>
+              </a:solidFill>
+            </a:ln>
+          </p:spPr>
+          <p:style>
+            <a:lnRef idx="2">
+              <a:schemeClr val="accent1">
+                <a:shade val="50000"/>
+              </a:schemeClr>
+            </a:lnRef>
+            <a:fillRef idx="1">
+              <a:schemeClr val="accent1"/>
+            </a:fillRef>
+            <a:effectRef idx="0">
+              <a:schemeClr val="accent1"/>
+            </a:effectRef>
+            <a:fontRef idx="minor">
+              <a:schemeClr val="lt1"/>
+            </a:fontRef>
+          </p:style>
+          <p:txBody>
+            <a:bodyPr rtlCol="0" anchor="ctr"/>
+            <a:lstStyle/>
+            <a:p>
+              <a:pPr algn="ctr"/>
+              <a:endParaRPr lang="pt-BR"/>
+            </a:p>
+          </p:txBody>
+        </p:sp>
+        <p:pic>
+          <p:nvPicPr>
+            <p:cNvPr id="165" name="Imagem 164">
               <a:extLst>
                 <a:ext uri="{FF2B5EF4-FFF2-40B4-BE49-F238E27FC236}">
-                  <a16:creationId xmlns:a16="http://schemas.microsoft.com/office/drawing/2014/main" id="{59E110D0-E6E0-4665-88F6-B0F8F8B3BCE8}"/>
+                  <a16:creationId xmlns="" xmlns:a16="http://schemas.microsoft.com/office/drawing/2014/main" id="{675E2321-BF81-429B-90B4-E07E4BC46861}"/>
                 </a:ext>
               </a:extLst>
             </p:cNvPr>
-            <p:cNvGrpSpPr/>
+            <p:cNvPicPr>
+              <a:picLocks noChangeAspect="1"/>
+            </p:cNvPicPr>
             <p:nvPr/>
-          </p:nvGrpSpPr>
-          <p:grpSpPr>
+          </p:nvPicPr>
+          <p:blipFill rotWithShape="1">
+            <a:blip r:embed="rId2" cstate="print">
+              <a:extLst>
+                <a:ext uri="{28A0092B-C50C-407E-A947-70E740481C1C}">
+                  <a14:useLocalDpi xmlns:a14="http://schemas.microsoft.com/office/drawing/2010/main" val="0"/>
+                </a:ext>
+              </a:extLst>
+            </a:blip>
+            <a:srcRect r="57644"/>
+            <a:stretch/>
+          </p:blipFill>
+          <p:spPr>
+            <a:xfrm>
+              <a:off x="7971992" y="4711966"/>
+              <a:ext cx="927773" cy="474470"/>
+            </a:xfrm>
+            <a:prstGeom prst="rect">
+              <a:avLst/>
+            </a:prstGeom>
+          </p:spPr>
+        </p:pic>
+        <p:sp>
+          <p:nvSpPr>
+            <p:cNvPr id="123" name="Ondulado Duplo 122">
+              <a:extLst>
+                <a:ext uri="{FF2B5EF4-FFF2-40B4-BE49-F238E27FC236}">
+                  <a16:creationId xmlns="" xmlns:a16="http://schemas.microsoft.com/office/drawing/2014/main" id="{4E9E5028-FF23-40E2-9BC6-4E033FB2A52E}"/>
+                </a:ext>
+              </a:extLst>
+            </p:cNvPr>
+            <p:cNvSpPr/>
+            <p:nvPr/>
+          </p:nvSpPr>
+          <p:spPr>
             <a:xfrm>
               <a:off x="7841013" y="4552845"/>
               <a:ext cx="1189732" cy="792711"/>
-              <a:chOff x="7841013" y="4552845"/>
-              <a:chExt cx="1189732" cy="792711"/>
             </a:xfrm>
-          </p:grpSpPr>
-          <p:pic>
-            <p:nvPicPr>
-              <p:cNvPr id="165" name="Imagem 164">
-                <a:extLst>
-                  <a:ext uri="{FF2B5EF4-FFF2-40B4-BE49-F238E27FC236}">
-                    <a16:creationId xmlns:a16="http://schemas.microsoft.com/office/drawing/2014/main" id="{675E2321-BF81-429B-90B4-E07E4BC46861}"/>
-                  </a:ext>
-                </a:extLst>
-              </p:cNvPr>
-              <p:cNvPicPr>
-                <a:picLocks noChangeAspect="1"/>
-              </p:cNvPicPr>
-              <p:nvPr/>
-            </p:nvPicPr>
-            <p:blipFill rotWithShape="1">
-              <a:blip r:embed="rId2" cstate="print">
-                <a:extLst>
-                  <a:ext uri="{28A0092B-C50C-407E-A947-70E740481C1C}">
-                    <a14:useLocalDpi xmlns:a14="http://schemas.microsoft.com/office/drawing/2010/main" val="0"/>
-                  </a:ext>
-                </a:extLst>
-              </a:blip>
-              <a:srcRect r="57644"/>
-              <a:stretch/>
-            </p:blipFill>
-            <p:spPr>
-              <a:xfrm>
-                <a:off x="7971992" y="4711966"/>
-                <a:ext cx="927773" cy="474470"/>
-              </a:xfrm>
-              <a:prstGeom prst="rect">
-                <a:avLst/>
-              </a:prstGeom>
-            </p:spPr>
-          </p:pic>
-          <p:sp>
-            <p:nvSpPr>
-              <p:cNvPr id="123" name="Ondulado Duplo 122">
-                <a:extLst>
-                  <a:ext uri="{FF2B5EF4-FFF2-40B4-BE49-F238E27FC236}">
-                    <a16:creationId xmlns:a16="http://schemas.microsoft.com/office/drawing/2014/main" id="{4E9E5028-FF23-40E2-9BC6-4E033FB2A52E}"/>
-                  </a:ext>
-                </a:extLst>
-              </p:cNvPr>
-              <p:cNvSpPr/>
-              <p:nvPr/>
-            </p:nvSpPr>
-            <p:spPr>
-              <a:xfrm>
-                <a:off x="7841013" y="4552845"/>
-                <a:ext cx="1189732" cy="792711"/>
-              </a:xfrm>
-              <a:prstGeom prst="doubleWave">
-                <a:avLst>
-                  <a:gd name="adj1" fmla="val 4288"/>
-                  <a:gd name="adj2" fmla="val 0"/>
-                </a:avLst>
-              </a:prstGeom>
-              <a:noFill/>
-              <a:ln w="28575">
-                <a:solidFill>
-                  <a:schemeClr val="tx1"/>
-                </a:solidFill>
-              </a:ln>
-            </p:spPr>
-            <p:style>
-              <a:lnRef idx="2">
-                <a:schemeClr val="accent1">
-                  <a:shade val="50000"/>
-                </a:schemeClr>
-              </a:lnRef>
-              <a:fillRef idx="1">
-                <a:schemeClr val="accent1"/>
-              </a:fillRef>
-              <a:effectRef idx="0">
-                <a:schemeClr val="accent1"/>
-              </a:effectRef>
-              <a:fontRef idx="minor">
-                <a:schemeClr val="lt1"/>
-              </a:fontRef>
-            </p:style>
-            <p:txBody>
-              <a:bodyPr rtlCol="0" anchor="ctr"/>
-              <a:lstStyle/>
-              <a:p>
-                <a:pPr algn="ctr"/>
-                <a:endParaRPr lang="pt-BR"/>
-              </a:p>
-            </p:txBody>
-          </p:sp>
-        </p:grpSp>
-        <p:grpSp>
-          <p:nvGrpSpPr>
-            <p:cNvPr id="126" name="Agrupar 125">
+            <a:prstGeom prst="doubleWave">
+              <a:avLst>
+                <a:gd name="adj1" fmla="val 4288"/>
+                <a:gd name="adj2" fmla="val 0"/>
+              </a:avLst>
+            </a:prstGeom>
+            <a:noFill/>
+            <a:ln w="28575">
+              <a:solidFill>
+                <a:schemeClr val="tx1"/>
+              </a:solidFill>
+            </a:ln>
+          </p:spPr>
+          <p:style>
+            <a:lnRef idx="2">
+              <a:schemeClr val="accent1">
+                <a:shade val="50000"/>
+              </a:schemeClr>
+            </a:lnRef>
+            <a:fillRef idx="1">
+              <a:schemeClr val="accent1"/>
+            </a:fillRef>
+            <a:effectRef idx="0">
+              <a:schemeClr val="accent1"/>
+            </a:effectRef>
+            <a:fontRef idx="minor">
+              <a:schemeClr val="lt1"/>
+            </a:fontRef>
+          </p:style>
+          <p:txBody>
+            <a:bodyPr rtlCol="0" anchor="ctr"/>
+            <a:lstStyle/>
+            <a:p>
+              <a:pPr algn="ctr"/>
+              <a:endParaRPr lang="pt-BR"/>
+            </a:p>
+          </p:txBody>
+        </p:sp>
+        <p:sp>
+          <p:nvSpPr>
+            <p:cNvPr id="124" name="Retângulo 123">
               <a:extLst>
                 <a:ext uri="{FF2B5EF4-FFF2-40B4-BE49-F238E27FC236}">
-                  <a16:creationId xmlns:a16="http://schemas.microsoft.com/office/drawing/2014/main" id="{F08A4AD6-7D76-4776-958C-9128C53A20D5}"/>
+                  <a16:creationId xmlns="" xmlns:a16="http://schemas.microsoft.com/office/drawing/2014/main" id="{5F8C7532-5128-4996-91D0-CF7B225B913C}"/>
                 </a:ext>
               </a:extLst>
             </p:cNvPr>
-            <p:cNvGrpSpPr/>
+            <p:cNvSpPr/>
             <p:nvPr/>
-          </p:nvGrpSpPr>
-          <p:grpSpPr>
+          </p:nvSpPr>
+          <p:spPr>
             <a:xfrm>
-              <a:off x="5810510" y="4303614"/>
-              <a:ext cx="1421244" cy="1291172"/>
-              <a:chOff x="5687895" y="3354946"/>
-              <a:chExt cx="1960864" cy="2161236"/>
+              <a:off x="5810511" y="4303614"/>
+              <a:ext cx="1421243" cy="435436"/>
             </a:xfrm>
-          </p:grpSpPr>
-          <p:sp>
-            <p:nvSpPr>
-              <p:cNvPr id="124" name="Retângulo 123">
-                <a:extLst>
-                  <a:ext uri="{FF2B5EF4-FFF2-40B4-BE49-F238E27FC236}">
-                    <a16:creationId xmlns:a16="http://schemas.microsoft.com/office/drawing/2014/main" id="{5F8C7532-5128-4996-91D0-CF7B225B913C}"/>
-                  </a:ext>
-                </a:extLst>
-              </p:cNvPr>
-              <p:cNvSpPr/>
-              <p:nvPr/>
-            </p:nvSpPr>
-            <p:spPr>
-              <a:xfrm>
-                <a:off x="5687896" y="3354946"/>
-                <a:ext cx="1960863" cy="728857"/>
-              </a:xfrm>
-              <a:prstGeom prst="rect">
-                <a:avLst/>
-              </a:prstGeom>
-              <a:noFill/>
-              <a:ln w="28575">
-                <a:solidFill>
-                  <a:schemeClr val="tx1"/>
-                </a:solidFill>
-              </a:ln>
-            </p:spPr>
-            <p:style>
-              <a:lnRef idx="2">
-                <a:schemeClr val="accent1">
-                  <a:shade val="50000"/>
-                </a:schemeClr>
-              </a:lnRef>
-              <a:fillRef idx="1">
-                <a:schemeClr val="accent1"/>
-              </a:fillRef>
-              <a:effectRef idx="0">
-                <a:schemeClr val="accent1"/>
-              </a:effectRef>
-              <a:fontRef idx="minor">
-                <a:schemeClr val="lt1"/>
-              </a:fontRef>
-            </p:style>
-            <p:txBody>
-              <a:bodyPr rtlCol="0" anchor="ctr"/>
-              <a:lstStyle/>
-              <a:p>
-                <a:pPr algn="ctr"/>
-                <a:r>
-                  <a:rPr lang="en-US" dirty="0">
-                    <a:solidFill>
-                      <a:schemeClr val="tx1"/>
-                    </a:solidFill>
-                    <a:latin typeface="Microsoft PhagsPa" panose="020B0502040204020203" pitchFamily="34" charset="0"/>
-                    <a:ea typeface="Adobe Fan Heiti Std B" panose="020B0700000000000000" pitchFamily="34" charset="-128"/>
-                    <a:cs typeface="Arial" panose="020B0604020202020204" pitchFamily="34" charset="0"/>
-                  </a:rPr>
-                  <a:t>Forecast</a:t>
-                </a:r>
-              </a:p>
-            </p:txBody>
-          </p:sp>
-          <p:sp>
-            <p:nvSpPr>
-              <p:cNvPr id="125" name="Retângulo: Canto Dobrado 124">
-                <a:extLst>
-                  <a:ext uri="{FF2B5EF4-FFF2-40B4-BE49-F238E27FC236}">
-                    <a16:creationId xmlns:a16="http://schemas.microsoft.com/office/drawing/2014/main" id="{266F85B6-47CC-4037-A95E-2EF1CB5AFA46}"/>
-                  </a:ext>
-                </a:extLst>
-              </p:cNvPr>
-              <p:cNvSpPr/>
-              <p:nvPr/>
-            </p:nvSpPr>
-            <p:spPr>
-              <a:xfrm>
-                <a:off x="5687895" y="4083803"/>
-                <a:ext cx="1960863" cy="1432379"/>
-              </a:xfrm>
-              <a:prstGeom prst="foldedCorner">
-                <a:avLst>
-                  <a:gd name="adj" fmla="val 13927"/>
-                </a:avLst>
-              </a:prstGeom>
-              <a:noFill/>
-              <a:ln w="28575">
-                <a:solidFill>
-                  <a:schemeClr val="tx1"/>
-                </a:solidFill>
-              </a:ln>
-            </p:spPr>
-            <p:style>
-              <a:lnRef idx="2">
-                <a:schemeClr val="accent1">
-                  <a:shade val="50000"/>
-                </a:schemeClr>
-              </a:lnRef>
-              <a:fillRef idx="1">
-                <a:schemeClr val="accent1"/>
-              </a:fillRef>
-              <a:effectRef idx="0">
-                <a:schemeClr val="accent1"/>
-              </a:effectRef>
-              <a:fontRef idx="minor">
-                <a:schemeClr val="lt1"/>
-              </a:fontRef>
-            </p:style>
-            <p:txBody>
-              <a:bodyPr rtlCol="0" anchor="ctr"/>
-              <a:lstStyle/>
-              <a:p>
-                <a:r>
-                  <a:rPr lang="en-US" dirty="0">
-                    <a:solidFill>
-                      <a:schemeClr val="tx1"/>
-                    </a:solidFill>
-                    <a:latin typeface="Microsoft PhagsPa" panose="020B0502040204020203" pitchFamily="34" charset="0"/>
-                    <a:ea typeface="Adobe Fan Heiti Std B" panose="020B0700000000000000" pitchFamily="34" charset="-128"/>
-                    <a:cs typeface="Arial" panose="020B0604020202020204" pitchFamily="34" charset="0"/>
-                  </a:rPr>
-                  <a:t>Time Series forecaster</a:t>
-                </a:r>
-              </a:p>
-            </p:txBody>
-          </p:sp>
-        </p:grpSp>
+            <a:prstGeom prst="rect">
+              <a:avLst/>
+            </a:prstGeom>
+            <a:noFill/>
+            <a:ln w="28575">
+              <a:solidFill>
+                <a:schemeClr val="tx1"/>
+              </a:solidFill>
+            </a:ln>
+          </p:spPr>
+          <p:style>
+            <a:lnRef idx="2">
+              <a:schemeClr val="accent1">
+                <a:shade val="50000"/>
+              </a:schemeClr>
+            </a:lnRef>
+            <a:fillRef idx="1">
+              <a:schemeClr val="accent1"/>
+            </a:fillRef>
+            <a:effectRef idx="0">
+              <a:schemeClr val="accent1"/>
+            </a:effectRef>
+            <a:fontRef idx="minor">
+              <a:schemeClr val="lt1"/>
+            </a:fontRef>
+          </p:style>
+          <p:txBody>
+            <a:bodyPr rtlCol="0" anchor="ctr"/>
+            <a:lstStyle/>
+            <a:p>
+              <a:pPr algn="ctr"/>
+              <a:r>
+                <a:rPr lang="en-US" dirty="0">
+                  <a:solidFill>
+                    <a:schemeClr val="tx1"/>
+                  </a:solidFill>
+                  <a:latin typeface="Microsoft PhagsPa" panose="020B0502040204020203" pitchFamily="34" charset="0"/>
+                  <a:ea typeface="Adobe Fan Heiti Std B" panose="020B0700000000000000" pitchFamily="34" charset="-128"/>
+                  <a:cs typeface="Arial" panose="020B0604020202020204" pitchFamily="34" charset="0"/>
+                </a:rPr>
+                <a:t>Forecast</a:t>
+              </a:r>
+            </a:p>
+          </p:txBody>
+        </p:sp>
+        <p:sp>
+          <p:nvSpPr>
+            <p:cNvPr id="125" name="Retângulo: Canto Dobrado 124">
+              <a:extLst>
+                <a:ext uri="{FF2B5EF4-FFF2-40B4-BE49-F238E27FC236}">
+                  <a16:creationId xmlns="" xmlns:a16="http://schemas.microsoft.com/office/drawing/2014/main" id="{266F85B6-47CC-4037-A95E-2EF1CB5AFA46}"/>
+                </a:ext>
+              </a:extLst>
+            </p:cNvPr>
+            <p:cNvSpPr/>
+            <p:nvPr/>
+          </p:nvSpPr>
+          <p:spPr>
+            <a:xfrm>
+              <a:off x="5810510" y="4739050"/>
+              <a:ext cx="1421243" cy="855736"/>
+            </a:xfrm>
+            <a:prstGeom prst="foldedCorner">
+              <a:avLst>
+                <a:gd name="adj" fmla="val 13927"/>
+              </a:avLst>
+            </a:prstGeom>
+            <a:noFill/>
+            <a:ln w="28575">
+              <a:solidFill>
+                <a:schemeClr val="tx1"/>
+              </a:solidFill>
+            </a:ln>
+          </p:spPr>
+          <p:style>
+            <a:lnRef idx="2">
+              <a:schemeClr val="accent1">
+                <a:shade val="50000"/>
+              </a:schemeClr>
+            </a:lnRef>
+            <a:fillRef idx="1">
+              <a:schemeClr val="accent1"/>
+            </a:fillRef>
+            <a:effectRef idx="0">
+              <a:schemeClr val="accent1"/>
+            </a:effectRef>
+            <a:fontRef idx="minor">
+              <a:schemeClr val="lt1"/>
+            </a:fontRef>
+          </p:style>
+          <p:txBody>
+            <a:bodyPr rtlCol="0" anchor="ctr"/>
+            <a:lstStyle/>
+            <a:p>
+              <a:r>
+                <a:rPr lang="en-US" dirty="0">
+                  <a:solidFill>
+                    <a:schemeClr val="tx1"/>
+                  </a:solidFill>
+                  <a:latin typeface="Microsoft PhagsPa" panose="020B0502040204020203" pitchFamily="34" charset="0"/>
+                  <a:ea typeface="Adobe Fan Heiti Std B" panose="020B0700000000000000" pitchFamily="34" charset="-128"/>
+                  <a:cs typeface="Arial" panose="020B0604020202020204" pitchFamily="34" charset="0"/>
+                </a:rPr>
+                <a:t>Time Series forecaster</a:t>
+              </a:r>
+            </a:p>
+          </p:txBody>
+        </p:sp>
         <p:cxnSp>
           <p:nvCxnSpPr>
             <p:cNvPr id="135" name="Conector de Seta Reta 134">
               <a:extLst>
                 <a:ext uri="{FF2B5EF4-FFF2-40B4-BE49-F238E27FC236}">
-                  <a16:creationId xmlns:a16="http://schemas.microsoft.com/office/drawing/2014/main" id="{202C2F05-DC59-464E-903E-47A711B7F96C}"/>
+                  <a16:creationId xmlns="" xmlns:a16="http://schemas.microsoft.com/office/drawing/2014/main" id="{202C2F05-DC59-464E-903E-47A711B7F96C}"/>
                 </a:ext>
               </a:extLst>
             </p:cNvPr>
@@ -8401,7 +8219,7 @@
             <p:cNvPr id="137" name="Conector de Seta Reta 136">
               <a:extLst>
                 <a:ext uri="{FF2B5EF4-FFF2-40B4-BE49-F238E27FC236}">
-                  <a16:creationId xmlns:a16="http://schemas.microsoft.com/office/drawing/2014/main" id="{3796FDFF-828C-4A56-B08E-EFCF5D18DAE9}"/>
+                  <a16:creationId xmlns="" xmlns:a16="http://schemas.microsoft.com/office/drawing/2014/main" id="{3796FDFF-828C-4A56-B08E-EFCF5D18DAE9}"/>
                 </a:ext>
               </a:extLst>
             </p:cNvPr>
@@ -8442,7 +8260,7 @@
             <p:cNvPr id="138" name="Retângulo: Cantos Arredondados 137">
               <a:extLst>
                 <a:ext uri="{FF2B5EF4-FFF2-40B4-BE49-F238E27FC236}">
-                  <a16:creationId xmlns:a16="http://schemas.microsoft.com/office/drawing/2014/main" id="{A1006097-748A-44F9-B7FB-655F2DF73ED9}"/>
+                  <a16:creationId xmlns="" xmlns:a16="http://schemas.microsoft.com/office/drawing/2014/main" id="{A1006097-748A-44F9-B7FB-655F2DF73ED9}"/>
                 </a:ext>
               </a:extLst>
             </p:cNvPr>
@@ -8506,7 +8324,7 @@
             <p:cNvPr id="148" name="Forma Livre: Forma 147">
               <a:extLst>
                 <a:ext uri="{FF2B5EF4-FFF2-40B4-BE49-F238E27FC236}">
-                  <a16:creationId xmlns:a16="http://schemas.microsoft.com/office/drawing/2014/main" id="{377A4C18-DE09-4BBB-A60E-AE3196CF7F04}"/>
+                  <a16:creationId xmlns="" xmlns:a16="http://schemas.microsoft.com/office/drawing/2014/main" id="{377A4C18-DE09-4BBB-A60E-AE3196CF7F04}"/>
                 </a:ext>
               </a:extLst>
             </p:cNvPr>
@@ -8656,10 +8474,10 @@
         </p:sp>
         <p:grpSp>
           <p:nvGrpSpPr>
-            <p:cNvPr id="156" name="Agrupar 155">
+            <p:cNvPr id="14" name="Agrupar 13">
               <a:extLst>
                 <a:ext uri="{FF2B5EF4-FFF2-40B4-BE49-F238E27FC236}">
-                  <a16:creationId xmlns:a16="http://schemas.microsoft.com/office/drawing/2014/main" id="{FB0CD131-A86D-41A5-987B-F7A672D069F2}"/>
+                  <a16:creationId xmlns="" xmlns:a16="http://schemas.microsoft.com/office/drawing/2014/main" id="{2A853278-875D-450A-919E-E6136BDA143B}"/>
                 </a:ext>
               </a:extLst>
             </p:cNvPr>
@@ -8668,917 +8486,948 @@
           </p:nvGrpSpPr>
           <p:grpSpPr>
             <a:xfrm>
-              <a:off x="1784223" y="1085167"/>
-              <a:ext cx="6914745" cy="2933753"/>
-              <a:chOff x="1525731" y="815687"/>
-              <a:chExt cx="6914745" cy="2933753"/>
+              <a:off x="6562259" y="1419685"/>
+              <a:ext cx="635668" cy="801000"/>
+              <a:chOff x="938200" y="3259651"/>
+              <a:chExt cx="571936" cy="720692"/>
             </a:xfrm>
           </p:grpSpPr>
-          <p:grpSp>
-            <p:nvGrpSpPr>
-              <p:cNvPr id="155" name="Agrupar 154">
+          <p:pic>
+            <p:nvPicPr>
+              <p:cNvPr id="16" name="Imagem 15">
                 <a:extLst>
                   <a:ext uri="{FF2B5EF4-FFF2-40B4-BE49-F238E27FC236}">
-                    <a16:creationId xmlns:a16="http://schemas.microsoft.com/office/drawing/2014/main" id="{3466708C-26C1-49D6-AD49-5E1148F4FB13}"/>
+                    <a16:creationId xmlns="" xmlns:a16="http://schemas.microsoft.com/office/drawing/2014/main" id="{77A5F730-735B-46DC-80BD-857E0B038E43}"/>
                   </a:ext>
                 </a:extLst>
               </p:cNvPr>
-              <p:cNvGrpSpPr/>
+              <p:cNvPicPr>
+                <a:picLocks noChangeAspect="1"/>
+              </p:cNvPicPr>
               <p:nvPr/>
-            </p:nvGrpSpPr>
-            <p:grpSpPr>
+            </p:nvPicPr>
+            <p:blipFill>
+              <a:blip r:embed="rId3" cstate="print">
+                <a:extLst>
+                  <a:ext uri="{28A0092B-C50C-407E-A947-70E740481C1C}">
+                    <a14:useLocalDpi xmlns:a14="http://schemas.microsoft.com/office/drawing/2010/main" val="0"/>
+                  </a:ext>
+                </a:extLst>
+              </a:blip>
+              <a:stretch>
+                <a:fillRect/>
+              </a:stretch>
+            </p:blipFill>
+            <p:spPr>
               <a:xfrm>
-                <a:off x="6303767" y="815687"/>
-                <a:ext cx="2136709" cy="1750744"/>
-                <a:chOff x="6303767" y="815687"/>
-                <a:chExt cx="2136709" cy="1750744"/>
+                <a:off x="938200" y="3408407"/>
+                <a:ext cx="571936" cy="571936"/>
               </a:xfrm>
-            </p:grpSpPr>
-            <p:grpSp>
-              <p:nvGrpSpPr>
-                <p:cNvPr id="13" name="Agrupar 12">
-                  <a:extLst>
-                    <a:ext uri="{FF2B5EF4-FFF2-40B4-BE49-F238E27FC236}">
-                      <a16:creationId xmlns:a16="http://schemas.microsoft.com/office/drawing/2014/main" id="{A7D65837-CE06-49F4-8C10-810EE4F48C95}"/>
-                    </a:ext>
-                  </a:extLst>
-                </p:cNvPr>
-                <p:cNvGrpSpPr/>
-                <p:nvPr/>
-              </p:nvGrpSpPr>
-              <p:grpSpPr>
-                <a:xfrm>
-                  <a:off x="6303767" y="815687"/>
-                  <a:ext cx="635668" cy="1135518"/>
-                  <a:chOff x="9892517" y="2576091"/>
-                  <a:chExt cx="635668" cy="1135518"/>
-                </a:xfrm>
-              </p:grpSpPr>
-              <p:grpSp>
-                <p:nvGrpSpPr>
-                  <p:cNvPr id="14" name="Agrupar 13">
-                    <a:extLst>
-                      <a:ext uri="{FF2B5EF4-FFF2-40B4-BE49-F238E27FC236}">
-                        <a16:creationId xmlns:a16="http://schemas.microsoft.com/office/drawing/2014/main" id="{2A853278-875D-450A-919E-E6136BDA143B}"/>
-                      </a:ext>
-                    </a:extLst>
-                  </p:cNvPr>
-                  <p:cNvGrpSpPr/>
-                  <p:nvPr/>
-                </p:nvGrpSpPr>
-                <p:grpSpPr>
-                  <a:xfrm>
-                    <a:off x="9892517" y="2910609"/>
-                    <a:ext cx="635668" cy="801000"/>
-                    <a:chOff x="938200" y="3259651"/>
-                    <a:chExt cx="571936" cy="720692"/>
-                  </a:xfrm>
-                </p:grpSpPr>
-                <p:pic>
-                  <p:nvPicPr>
-                    <p:cNvPr id="16" name="Imagem 15">
-                      <a:extLst>
-                        <a:ext uri="{FF2B5EF4-FFF2-40B4-BE49-F238E27FC236}">
-                          <a16:creationId xmlns:a16="http://schemas.microsoft.com/office/drawing/2014/main" id="{77A5F730-735B-46DC-80BD-857E0B038E43}"/>
-                        </a:ext>
-                      </a:extLst>
-                    </p:cNvPr>
-                    <p:cNvPicPr>
-                      <a:picLocks noChangeAspect="1"/>
-                    </p:cNvPicPr>
-                    <p:nvPr/>
-                  </p:nvPicPr>
-                  <p:blipFill>
-                    <a:blip r:embed="rId3" cstate="print">
-                      <a:extLst>
-                        <a:ext uri="{28A0092B-C50C-407E-A947-70E740481C1C}">
-                          <a14:useLocalDpi xmlns:a14="http://schemas.microsoft.com/office/drawing/2010/main" val="0"/>
-                        </a:ext>
-                      </a:extLst>
-                    </a:blip>
-                    <a:stretch>
-                      <a:fillRect/>
-                    </a:stretch>
-                  </p:blipFill>
-                  <p:spPr>
-                    <a:xfrm>
-                      <a:off x="938200" y="3408407"/>
-                      <a:ext cx="571936" cy="571936"/>
-                    </a:xfrm>
-                    <a:prstGeom prst="rect">
-                      <a:avLst/>
-                    </a:prstGeom>
-                  </p:spPr>
-                </p:pic>
-                <p:pic>
-                  <p:nvPicPr>
-                    <p:cNvPr id="17" name="Imagem 16">
-                      <a:extLst>
-                        <a:ext uri="{FF2B5EF4-FFF2-40B4-BE49-F238E27FC236}">
-                          <a16:creationId xmlns:a16="http://schemas.microsoft.com/office/drawing/2014/main" id="{AA0CBCE1-AFD1-4E9A-8E0C-AA30D18145AD}"/>
-                        </a:ext>
-                      </a:extLst>
-                    </p:cNvPr>
-                    <p:cNvPicPr>
-                      <a:picLocks noChangeAspect="1"/>
-                    </p:cNvPicPr>
-                    <p:nvPr/>
-                  </p:nvPicPr>
-                  <p:blipFill>
-                    <a:blip r:embed="rId3" cstate="print">
-                      <a:extLst>
-                        <a:ext uri="{28A0092B-C50C-407E-A947-70E740481C1C}">
-                          <a14:useLocalDpi xmlns:a14="http://schemas.microsoft.com/office/drawing/2010/main" val="0"/>
-                        </a:ext>
-                      </a:extLst>
-                    </a:blip>
-                    <a:stretch>
-                      <a:fillRect/>
-                    </a:stretch>
-                  </p:blipFill>
-                  <p:spPr>
-                    <a:xfrm>
-                      <a:off x="938200" y="3259651"/>
-                      <a:ext cx="571936" cy="571936"/>
-                    </a:xfrm>
-                    <a:prstGeom prst="rect">
-                      <a:avLst/>
-                    </a:prstGeom>
-                  </p:spPr>
-                </p:pic>
-              </p:grpSp>
-              <p:sp>
-                <p:nvSpPr>
-                  <p:cNvPr id="15" name="CaixaDeTexto 14">
-                    <a:extLst>
-                      <a:ext uri="{FF2B5EF4-FFF2-40B4-BE49-F238E27FC236}">
-                        <a16:creationId xmlns:a16="http://schemas.microsoft.com/office/drawing/2014/main" id="{6782E94F-6767-4725-A5C5-C1F97CAAF6B3}"/>
-                      </a:ext>
-                    </a:extLst>
-                  </p:cNvPr>
-                  <p:cNvSpPr txBox="1"/>
-                  <p:nvPr/>
-                </p:nvSpPr>
-                <p:spPr>
-                  <a:xfrm>
-                    <a:off x="10049889" y="2576091"/>
-                    <a:ext cx="320922" cy="307777"/>
-                  </a:xfrm>
-                  <a:prstGeom prst="rect">
-                    <a:avLst/>
-                  </a:prstGeom>
-                  <a:noFill/>
-                </p:spPr>
-                <p:txBody>
-                  <a:bodyPr wrap="none" rtlCol="0">
-                    <a:spAutoFit/>
-                  </a:bodyPr>
-                  <a:lstStyle/>
-                  <a:p>
-                    <a:pPr algn="ctr"/>
-                    <a:r>
-                      <a:rPr lang="en-US" sz="1400" dirty="0" err="1">
-                        <a:latin typeface="Microsoft PhagsPa" panose="020B0502040204020203" pitchFamily="34" charset="0"/>
-                        <a:ea typeface="Adobe Fan Heiti Std B" panose="020B0700000000000000" pitchFamily="34" charset="-128"/>
-                        <a:cs typeface="Arial" panose="020B0604020202020204" pitchFamily="34" charset="0"/>
-                      </a:rPr>
-                      <a:t>T</a:t>
-                    </a:r>
-                    <a:r>
-                      <a:rPr lang="en-US" sz="1000" dirty="0" err="1">
-                        <a:latin typeface="Microsoft PhagsPa" panose="020B0502040204020203" pitchFamily="34" charset="0"/>
-                        <a:ea typeface="Adobe Fan Heiti Std B" panose="020B0700000000000000" pitchFamily="34" charset="-128"/>
-                        <a:cs typeface="Arial" panose="020B0604020202020204" pitchFamily="34" charset="0"/>
-                      </a:rPr>
-                      <a:t>f</a:t>
-                    </a:r>
-                    <a:endParaRPr lang="en-US" sz="1400" dirty="0">
-                      <a:latin typeface="Microsoft PhagsPa" panose="020B0502040204020203" pitchFamily="34" charset="0"/>
-                      <a:ea typeface="Adobe Fan Heiti Std B" panose="020B0700000000000000" pitchFamily="34" charset="-128"/>
-                      <a:cs typeface="Arial" panose="020B0604020202020204" pitchFamily="34" charset="0"/>
-                    </a:endParaRPr>
-                  </a:p>
-                </p:txBody>
-              </p:sp>
-            </p:grpSp>
-            <p:grpSp>
-              <p:nvGrpSpPr>
-                <p:cNvPr id="133" name="Agrupar 132">
-                  <a:extLst>
-                    <a:ext uri="{FF2B5EF4-FFF2-40B4-BE49-F238E27FC236}">
-                      <a16:creationId xmlns:a16="http://schemas.microsoft.com/office/drawing/2014/main" id="{F468D257-C6E9-43C5-9B56-77AAFA4C0E78}"/>
-                    </a:ext>
-                  </a:extLst>
-                </p:cNvPr>
-                <p:cNvGrpSpPr/>
-                <p:nvPr/>
-              </p:nvGrpSpPr>
-              <p:grpSpPr>
-                <a:xfrm>
-                  <a:off x="7069347" y="1386937"/>
-                  <a:ext cx="1371129" cy="1179494"/>
-                  <a:chOff x="7069347" y="1386937"/>
-                  <a:chExt cx="1371129" cy="1179494"/>
-                </a:xfrm>
-              </p:grpSpPr>
-              <p:pic>
-                <p:nvPicPr>
-                  <p:cNvPr id="127" name="Imagem 126">
-                    <a:extLst>
-                      <a:ext uri="{FF2B5EF4-FFF2-40B4-BE49-F238E27FC236}">
-                        <a16:creationId xmlns:a16="http://schemas.microsoft.com/office/drawing/2014/main" id="{A94227A2-11AB-4CA7-B35D-11265E9EA817}"/>
-                      </a:ext>
-                    </a:extLst>
-                  </p:cNvPr>
-                  <p:cNvPicPr>
-                    <a:picLocks noChangeAspect="1"/>
-                  </p:cNvPicPr>
-                  <p:nvPr/>
-                </p:nvPicPr>
-                <p:blipFill rotWithShape="1">
-                  <a:blip r:embed="rId4" cstate="print">
-                    <a:extLst>
-                      <a:ext uri="{BEBA8EAE-BF5A-486C-A8C5-ECC9F3942E4B}">
-                        <a14:imgProps xmlns:a14="http://schemas.microsoft.com/office/drawing/2010/main">
-                          <a14:imgLayer r:embed="rId5">
-                            <a14:imgEffect>
-                              <a14:colorTemperature colorTemp="11200"/>
-                            </a14:imgEffect>
-                          </a14:imgLayer>
-                        </a14:imgProps>
-                      </a:ext>
-                      <a:ext uri="{28A0092B-C50C-407E-A947-70E740481C1C}">
-                        <a14:useLocalDpi xmlns:a14="http://schemas.microsoft.com/office/drawing/2010/main" val="0"/>
-                      </a:ext>
-                    </a:extLst>
-                  </a:blip>
-                  <a:srcRect l="15484" t="16476" r="16664" b="16556"/>
-                  <a:stretch/>
-                </p:blipFill>
-                <p:spPr>
-                  <a:xfrm>
-                    <a:off x="7914298" y="1386937"/>
-                    <a:ext cx="526178" cy="519318"/>
-                  </a:xfrm>
-                  <a:prstGeom prst="rect">
-                    <a:avLst/>
-                  </a:prstGeom>
-                </p:spPr>
-              </p:pic>
-              <p:cxnSp>
-                <p:nvCxnSpPr>
-                  <p:cNvPr id="128" name="Conector de Seta Reta 127">
-                    <a:extLst>
-                      <a:ext uri="{FF2B5EF4-FFF2-40B4-BE49-F238E27FC236}">
-                        <a16:creationId xmlns:a16="http://schemas.microsoft.com/office/drawing/2014/main" id="{DC94C619-DD6C-40F3-AE5F-8A8FC464B232}"/>
-                      </a:ext>
-                    </a:extLst>
-                  </p:cNvPr>
-                  <p:cNvCxnSpPr>
-                    <a:cxnSpLocks/>
-                  </p:cNvCxnSpPr>
-                  <p:nvPr/>
-                </p:nvCxnSpPr>
-                <p:spPr>
-                  <a:xfrm>
-                    <a:off x="8177387" y="2007515"/>
-                    <a:ext cx="0" cy="558916"/>
-                  </a:xfrm>
-                  <a:prstGeom prst="straightConnector1">
-                    <a:avLst/>
-                  </a:prstGeom>
-                  <a:ln w="28575">
-                    <a:tailEnd type="triangle"/>
-                  </a:ln>
-                </p:spPr>
-                <p:style>
-                  <a:lnRef idx="2">
-                    <a:schemeClr val="dk1"/>
-                  </a:lnRef>
-                  <a:fillRef idx="0">
-                    <a:schemeClr val="dk1"/>
-                  </a:fillRef>
-                  <a:effectRef idx="1">
-                    <a:schemeClr val="dk1"/>
-                  </a:effectRef>
-                  <a:fontRef idx="minor">
-                    <a:schemeClr val="tx1"/>
-                  </a:fontRef>
-                </p:style>
-              </p:cxnSp>
-              <p:cxnSp>
-                <p:nvCxnSpPr>
-                  <p:cNvPr id="129" name="Conector de Seta Reta 128">
-                    <a:extLst>
-                      <a:ext uri="{FF2B5EF4-FFF2-40B4-BE49-F238E27FC236}">
-                        <a16:creationId xmlns:a16="http://schemas.microsoft.com/office/drawing/2014/main" id="{D1CB757C-FC19-4F9C-8B1B-0CA898A15D0B}"/>
-                      </a:ext>
-                    </a:extLst>
-                  </p:cNvPr>
-                  <p:cNvCxnSpPr>
-                    <a:cxnSpLocks/>
-                  </p:cNvCxnSpPr>
-                  <p:nvPr/>
-                </p:nvCxnSpPr>
-                <p:spPr>
-                  <a:xfrm>
-                    <a:off x="7069347" y="1646596"/>
-                    <a:ext cx="714703" cy="0"/>
-                  </a:xfrm>
-                  <a:prstGeom prst="straightConnector1">
-                    <a:avLst/>
-                  </a:prstGeom>
-                  <a:ln w="28575">
-                    <a:tailEnd type="triangle"/>
-                  </a:ln>
-                </p:spPr>
-                <p:style>
-                  <a:lnRef idx="2">
-                    <a:schemeClr val="dk1"/>
-                  </a:lnRef>
-                  <a:fillRef idx="0">
-                    <a:schemeClr val="dk1"/>
-                  </a:fillRef>
-                  <a:effectRef idx="1">
-                    <a:schemeClr val="dk1"/>
-                  </a:effectRef>
-                  <a:fontRef idx="minor">
-                    <a:schemeClr val="tx1"/>
-                  </a:fontRef>
-                </p:style>
-              </p:cxnSp>
-            </p:grpSp>
-          </p:grpSp>
-          <p:grpSp>
-            <p:nvGrpSpPr>
-              <p:cNvPr id="153" name="Agrupar 152">
+              <a:prstGeom prst="rect">
+                <a:avLst/>
+              </a:prstGeom>
+            </p:spPr>
+          </p:pic>
+          <p:pic>
+            <p:nvPicPr>
+              <p:cNvPr id="17" name="Imagem 16">
                 <a:extLst>
                   <a:ext uri="{FF2B5EF4-FFF2-40B4-BE49-F238E27FC236}">
-                    <a16:creationId xmlns:a16="http://schemas.microsoft.com/office/drawing/2014/main" id="{76A783CB-56E2-46F0-8B60-2016FCC27D31}"/>
+                    <a16:creationId xmlns="" xmlns:a16="http://schemas.microsoft.com/office/drawing/2014/main" id="{AA0CBCE1-AFD1-4E9A-8E0C-AA30D18145AD}"/>
                   </a:ext>
                 </a:extLst>
               </p:cNvPr>
-              <p:cNvGrpSpPr/>
+              <p:cNvPicPr>
+                <a:picLocks noChangeAspect="1"/>
+              </p:cNvPicPr>
               <p:nvPr/>
-            </p:nvGrpSpPr>
-            <p:grpSpPr>
+            </p:nvPicPr>
+            <p:blipFill>
+              <a:blip r:embed="rId3" cstate="print">
+                <a:extLst>
+                  <a:ext uri="{28A0092B-C50C-407E-A947-70E740481C1C}">
+                    <a14:useLocalDpi xmlns:a14="http://schemas.microsoft.com/office/drawing/2010/main" val="0"/>
+                  </a:ext>
+                </a:extLst>
+              </a:blip>
+              <a:stretch>
+                <a:fillRect/>
+              </a:stretch>
+            </p:blipFill>
+            <p:spPr>
               <a:xfrm>
-                <a:off x="3999429" y="815687"/>
-                <a:ext cx="635668" cy="2933753"/>
-                <a:chOff x="3939521" y="815687"/>
-                <a:chExt cx="635668" cy="2933753"/>
+                <a:off x="938200" y="3259651"/>
+                <a:ext cx="571936" cy="571936"/>
               </a:xfrm>
-            </p:grpSpPr>
-            <p:grpSp>
-              <p:nvGrpSpPr>
-                <p:cNvPr id="12" name="Agrupar 11">
-                  <a:extLst>
-                    <a:ext uri="{FF2B5EF4-FFF2-40B4-BE49-F238E27FC236}">
-                      <a16:creationId xmlns:a16="http://schemas.microsoft.com/office/drawing/2014/main" id="{28CD9539-7BD0-44E1-B677-6415C59B9AFA}"/>
-                    </a:ext>
-                  </a:extLst>
-                </p:cNvPr>
-                <p:cNvGrpSpPr/>
-                <p:nvPr/>
-              </p:nvGrpSpPr>
-              <p:grpSpPr>
-                <a:xfrm>
-                  <a:off x="3939521" y="815687"/>
-                  <a:ext cx="635668" cy="1135518"/>
-                  <a:chOff x="8814396" y="2576091"/>
-                  <a:chExt cx="635668" cy="1135518"/>
-                </a:xfrm>
-              </p:grpSpPr>
-              <p:grpSp>
-                <p:nvGrpSpPr>
-                  <p:cNvPr id="18" name="Agrupar 17">
-                    <a:extLst>
-                      <a:ext uri="{FF2B5EF4-FFF2-40B4-BE49-F238E27FC236}">
-                        <a16:creationId xmlns:a16="http://schemas.microsoft.com/office/drawing/2014/main" id="{DFC5FE99-9A1E-4FDB-B02B-ABE5CB6074B8}"/>
-                      </a:ext>
-                    </a:extLst>
-                  </p:cNvPr>
-                  <p:cNvGrpSpPr/>
-                  <p:nvPr/>
-                </p:nvGrpSpPr>
-                <p:grpSpPr>
-                  <a:xfrm>
-                    <a:off x="8814396" y="2910609"/>
-                    <a:ext cx="635668" cy="801000"/>
-                    <a:chOff x="938200" y="3259651"/>
-                    <a:chExt cx="571936" cy="720692"/>
-                  </a:xfrm>
-                </p:grpSpPr>
-                <p:pic>
-                  <p:nvPicPr>
-                    <p:cNvPr id="20" name="Imagem 19">
-                      <a:extLst>
-                        <a:ext uri="{FF2B5EF4-FFF2-40B4-BE49-F238E27FC236}">
-                          <a16:creationId xmlns:a16="http://schemas.microsoft.com/office/drawing/2014/main" id="{305DF1A1-84F9-44C7-A05C-55F12658D1B5}"/>
-                        </a:ext>
-                      </a:extLst>
-                    </p:cNvPr>
-                    <p:cNvPicPr>
-                      <a:picLocks noChangeAspect="1"/>
-                    </p:cNvPicPr>
-                    <p:nvPr/>
-                  </p:nvPicPr>
-                  <p:blipFill>
-                    <a:blip r:embed="rId3" cstate="print">
-                      <a:extLst>
-                        <a:ext uri="{28A0092B-C50C-407E-A947-70E740481C1C}">
-                          <a14:useLocalDpi xmlns:a14="http://schemas.microsoft.com/office/drawing/2010/main" val="0"/>
-                        </a:ext>
-                      </a:extLst>
-                    </a:blip>
-                    <a:stretch>
-                      <a:fillRect/>
-                    </a:stretch>
-                  </p:blipFill>
-                  <p:spPr>
-                    <a:xfrm>
-                      <a:off x="938200" y="3408407"/>
-                      <a:ext cx="571936" cy="571936"/>
-                    </a:xfrm>
-                    <a:prstGeom prst="rect">
-                      <a:avLst/>
-                    </a:prstGeom>
-                  </p:spPr>
-                </p:pic>
-                <p:pic>
-                  <p:nvPicPr>
-                    <p:cNvPr id="21" name="Imagem 20">
-                      <a:extLst>
-                        <a:ext uri="{FF2B5EF4-FFF2-40B4-BE49-F238E27FC236}">
-                          <a16:creationId xmlns:a16="http://schemas.microsoft.com/office/drawing/2014/main" id="{DC8B40C8-2BA3-4872-940D-81778AD523B9}"/>
-                        </a:ext>
-                      </a:extLst>
-                    </p:cNvPr>
-                    <p:cNvPicPr>
-                      <a:picLocks noChangeAspect="1"/>
-                    </p:cNvPicPr>
-                    <p:nvPr/>
-                  </p:nvPicPr>
-                  <p:blipFill>
-                    <a:blip r:embed="rId3" cstate="print">
-                      <a:extLst>
-                        <a:ext uri="{28A0092B-C50C-407E-A947-70E740481C1C}">
-                          <a14:useLocalDpi xmlns:a14="http://schemas.microsoft.com/office/drawing/2010/main" val="0"/>
-                        </a:ext>
-                      </a:extLst>
-                    </a:blip>
-                    <a:stretch>
-                      <a:fillRect/>
-                    </a:stretch>
-                  </p:blipFill>
-                  <p:spPr>
-                    <a:xfrm>
-                      <a:off x="938200" y="3259651"/>
-                      <a:ext cx="571936" cy="571936"/>
-                    </a:xfrm>
-                    <a:prstGeom prst="rect">
-                      <a:avLst/>
-                    </a:prstGeom>
-                  </p:spPr>
-                </p:pic>
-              </p:grpSp>
-              <p:sp>
-                <p:nvSpPr>
-                  <p:cNvPr id="19" name="CaixaDeTexto 18">
-                    <a:extLst>
-                      <a:ext uri="{FF2B5EF4-FFF2-40B4-BE49-F238E27FC236}">
-                        <a16:creationId xmlns:a16="http://schemas.microsoft.com/office/drawing/2014/main" id="{04176FED-488A-459D-B5D6-9B758C9F189E}"/>
-                      </a:ext>
-                    </a:extLst>
-                  </p:cNvPr>
-                  <p:cNvSpPr txBox="1"/>
-                  <p:nvPr/>
-                </p:nvSpPr>
-                <p:spPr>
-                  <a:xfrm>
-                    <a:off x="8934900" y="2576091"/>
-                    <a:ext cx="394659" cy="307777"/>
-                  </a:xfrm>
-                  <a:prstGeom prst="rect">
-                    <a:avLst/>
-                  </a:prstGeom>
-                  <a:noFill/>
-                </p:spPr>
-                <p:txBody>
-                  <a:bodyPr wrap="none" rtlCol="0">
-                    <a:spAutoFit/>
-                  </a:bodyPr>
-                  <a:lstStyle/>
-                  <a:p>
-                    <a:pPr algn="ctr"/>
-                    <a:r>
-                      <a:rPr lang="en-US" sz="1400" dirty="0">
-                        <a:latin typeface="Microsoft PhagsPa" panose="020B0502040204020203" pitchFamily="34" charset="0"/>
-                        <a:ea typeface="Adobe Fan Heiti Std B" panose="020B0700000000000000" pitchFamily="34" charset="-128"/>
-                        <a:cs typeface="Arial" panose="020B0604020202020204" pitchFamily="34" charset="0"/>
-                      </a:rPr>
-                      <a:t>T</a:t>
-                    </a:r>
-                    <a:r>
-                      <a:rPr lang="en-US" sz="1000" dirty="0">
-                        <a:latin typeface="Microsoft PhagsPa" panose="020B0502040204020203" pitchFamily="34" charset="0"/>
-                        <a:ea typeface="Adobe Fan Heiti Std B" panose="020B0700000000000000" pitchFamily="34" charset="-128"/>
-                        <a:cs typeface="Arial" panose="020B0604020202020204" pitchFamily="34" charset="0"/>
-                      </a:rPr>
-                      <a:t>m</a:t>
-                    </a:r>
-                    <a:endParaRPr lang="en-US" sz="1400" dirty="0">
-                      <a:latin typeface="Microsoft PhagsPa" panose="020B0502040204020203" pitchFamily="34" charset="0"/>
-                      <a:ea typeface="Adobe Fan Heiti Std B" panose="020B0700000000000000" pitchFamily="34" charset="-128"/>
-                      <a:cs typeface="Arial" panose="020B0604020202020204" pitchFamily="34" charset="0"/>
-                    </a:endParaRPr>
-                  </a:p>
-                </p:txBody>
-              </p:sp>
-            </p:grpSp>
-            <p:grpSp>
-              <p:nvGrpSpPr>
-                <p:cNvPr id="115" name="Agrupar 114">
-                  <a:extLst>
-                    <a:ext uri="{FF2B5EF4-FFF2-40B4-BE49-F238E27FC236}">
-                      <a16:creationId xmlns:a16="http://schemas.microsoft.com/office/drawing/2014/main" id="{C0143C32-E74D-4A75-89F5-5482CA1729EA}"/>
-                    </a:ext>
-                  </a:extLst>
-                </p:cNvPr>
-                <p:cNvGrpSpPr/>
-                <p:nvPr/>
-              </p:nvGrpSpPr>
-              <p:grpSpPr>
-                <a:xfrm>
-                  <a:off x="3994266" y="2007515"/>
-                  <a:ext cx="526178" cy="1741925"/>
-                  <a:chOff x="1393162" y="1253641"/>
-                  <a:chExt cx="526178" cy="1741925"/>
-                </a:xfrm>
-              </p:grpSpPr>
-              <p:pic>
-                <p:nvPicPr>
-                  <p:cNvPr id="112" name="Imagem 111">
-                    <a:extLst>
-                      <a:ext uri="{FF2B5EF4-FFF2-40B4-BE49-F238E27FC236}">
-                        <a16:creationId xmlns:a16="http://schemas.microsoft.com/office/drawing/2014/main" id="{68F31D8C-5088-4B7A-8646-84D0AD09B42A}"/>
-                      </a:ext>
-                    </a:extLst>
-                  </p:cNvPr>
-                  <p:cNvPicPr>
-                    <a:picLocks noChangeAspect="1"/>
-                  </p:cNvPicPr>
-                  <p:nvPr/>
-                </p:nvPicPr>
-                <p:blipFill rotWithShape="1">
-                  <a:blip r:embed="rId4" cstate="print">
-                    <a:extLst>
-                      <a:ext uri="{BEBA8EAE-BF5A-486C-A8C5-ECC9F3942E4B}">
-                        <a14:imgProps xmlns:a14="http://schemas.microsoft.com/office/drawing/2010/main">
-                          <a14:imgLayer r:embed="rId5">
-                            <a14:imgEffect>
-                              <a14:colorTemperature colorTemp="11200"/>
-                            </a14:imgEffect>
-                          </a14:imgLayer>
-                        </a14:imgProps>
-                      </a:ext>
-                      <a:ext uri="{28A0092B-C50C-407E-A947-70E740481C1C}">
-                        <a14:useLocalDpi xmlns:a14="http://schemas.microsoft.com/office/drawing/2010/main" val="0"/>
-                      </a:ext>
-                    </a:extLst>
-                  </a:blip>
-                  <a:srcRect l="15484" t="16476" r="16664" b="16556"/>
-                  <a:stretch/>
-                </p:blipFill>
-                <p:spPr>
-                  <a:xfrm>
-                    <a:off x="1393162" y="1843625"/>
-                    <a:ext cx="526178" cy="519318"/>
-                  </a:xfrm>
-                  <a:prstGeom prst="rect">
-                    <a:avLst/>
-                  </a:prstGeom>
-                </p:spPr>
-              </p:pic>
-              <p:cxnSp>
-                <p:nvCxnSpPr>
-                  <p:cNvPr id="113" name="Conector de Seta Reta 112">
-                    <a:extLst>
-                      <a:ext uri="{FF2B5EF4-FFF2-40B4-BE49-F238E27FC236}">
-                        <a16:creationId xmlns:a16="http://schemas.microsoft.com/office/drawing/2014/main" id="{F7B043C6-5C19-4E5C-B66C-F5895C8EB638}"/>
-                      </a:ext>
-                    </a:extLst>
-                  </p:cNvPr>
-                  <p:cNvCxnSpPr>
-                    <a:cxnSpLocks/>
-                  </p:cNvCxnSpPr>
-                  <p:nvPr/>
-                </p:nvCxnSpPr>
-                <p:spPr>
-                  <a:xfrm>
-                    <a:off x="1656251" y="1253641"/>
-                    <a:ext cx="0" cy="558916"/>
-                  </a:xfrm>
-                  <a:prstGeom prst="straightConnector1">
-                    <a:avLst/>
-                  </a:prstGeom>
-                  <a:ln w="28575">
-                    <a:tailEnd type="triangle"/>
-                  </a:ln>
-                </p:spPr>
-                <p:style>
-                  <a:lnRef idx="2">
-                    <a:schemeClr val="dk1"/>
-                  </a:lnRef>
-                  <a:fillRef idx="0">
-                    <a:schemeClr val="dk1"/>
-                  </a:fillRef>
-                  <a:effectRef idx="1">
-                    <a:schemeClr val="dk1"/>
-                  </a:effectRef>
-                  <a:fontRef idx="minor">
-                    <a:schemeClr val="tx1"/>
-                  </a:fontRef>
-                </p:style>
-              </p:cxnSp>
-              <p:cxnSp>
-                <p:nvCxnSpPr>
-                  <p:cNvPr id="114" name="Conector de Seta Reta 113">
-                    <a:extLst>
-                      <a:ext uri="{FF2B5EF4-FFF2-40B4-BE49-F238E27FC236}">
-                        <a16:creationId xmlns:a16="http://schemas.microsoft.com/office/drawing/2014/main" id="{9A562646-798B-474C-9907-E01F8BD8B86E}"/>
-                      </a:ext>
-                    </a:extLst>
-                  </p:cNvPr>
-                  <p:cNvCxnSpPr>
-                    <a:cxnSpLocks/>
-                  </p:cNvCxnSpPr>
-                  <p:nvPr/>
-                </p:nvCxnSpPr>
-                <p:spPr>
-                  <a:xfrm>
-                    <a:off x="1656251" y="2394011"/>
-                    <a:ext cx="1" cy="601555"/>
-                  </a:xfrm>
-                  <a:prstGeom prst="straightConnector1">
-                    <a:avLst/>
-                  </a:prstGeom>
-                  <a:ln w="28575">
-                    <a:tailEnd type="triangle"/>
-                  </a:ln>
-                </p:spPr>
-                <p:style>
-                  <a:lnRef idx="2">
-                    <a:schemeClr val="dk1"/>
-                  </a:lnRef>
-                  <a:fillRef idx="0">
-                    <a:schemeClr val="dk1"/>
-                  </a:fillRef>
-                  <a:effectRef idx="1">
-                    <a:schemeClr val="dk1"/>
-                  </a:effectRef>
-                  <a:fontRef idx="minor">
-                    <a:schemeClr val="tx1"/>
-                  </a:fontRef>
-                </p:style>
-              </p:cxnSp>
-            </p:grpSp>
-          </p:grpSp>
-          <p:grpSp>
-            <p:nvGrpSpPr>
-              <p:cNvPr id="152" name="Agrupar 151">
+              <a:prstGeom prst="rect">
+                <a:avLst/>
+              </a:prstGeom>
+            </p:spPr>
+          </p:pic>
+        </p:grpSp>
+        <p:pic>
+          <p:nvPicPr>
+            <p:cNvPr id="127" name="Imagem 126">
+              <a:extLst>
+                <a:ext uri="{FF2B5EF4-FFF2-40B4-BE49-F238E27FC236}">
+                  <a16:creationId xmlns="" xmlns:a16="http://schemas.microsoft.com/office/drawing/2014/main" id="{A94227A2-11AB-4CA7-B35D-11265E9EA817}"/>
+                </a:ext>
+              </a:extLst>
+            </p:cNvPr>
+            <p:cNvPicPr>
+              <a:picLocks noChangeAspect="1"/>
+            </p:cNvPicPr>
+            <p:nvPr/>
+          </p:nvPicPr>
+          <p:blipFill rotWithShape="1">
+            <a:blip r:embed="rId4" cstate="print">
+              <a:extLst>
+                <a:ext uri="{BEBA8EAE-BF5A-486C-A8C5-ECC9F3942E4B}">
+                  <a14:imgProps xmlns:a14="http://schemas.microsoft.com/office/drawing/2010/main">
+                    <a14:imgLayer r:embed="rId5">
+                      <a14:imgEffect>
+                        <a14:colorTemperature colorTemp="11200"/>
+                      </a14:imgEffect>
+                    </a14:imgLayer>
+                  </a14:imgProps>
+                </a:ext>
+                <a:ext uri="{28A0092B-C50C-407E-A947-70E740481C1C}">
+                  <a14:useLocalDpi xmlns:a14="http://schemas.microsoft.com/office/drawing/2010/main" val="0"/>
+                </a:ext>
+              </a:extLst>
+            </a:blip>
+            <a:srcRect l="15484" t="16476" r="16664" b="16556"/>
+            <a:stretch/>
+          </p:blipFill>
+          <p:spPr>
+            <a:xfrm>
+              <a:off x="8172790" y="1656417"/>
+              <a:ext cx="526178" cy="519318"/>
+            </a:xfrm>
+            <a:prstGeom prst="rect">
+              <a:avLst/>
+            </a:prstGeom>
+          </p:spPr>
+        </p:pic>
+        <p:cxnSp>
+          <p:nvCxnSpPr>
+            <p:cNvPr id="128" name="Conector de Seta Reta 127">
+              <a:extLst>
+                <a:ext uri="{FF2B5EF4-FFF2-40B4-BE49-F238E27FC236}">
+                  <a16:creationId xmlns="" xmlns:a16="http://schemas.microsoft.com/office/drawing/2014/main" id="{DC94C619-DD6C-40F3-AE5F-8A8FC464B232}"/>
+                </a:ext>
+              </a:extLst>
+            </p:cNvPr>
+            <p:cNvCxnSpPr>
+              <a:cxnSpLocks/>
+            </p:cNvCxnSpPr>
+            <p:nvPr/>
+          </p:nvCxnSpPr>
+          <p:spPr>
+            <a:xfrm>
+              <a:off x="8435879" y="2276995"/>
+              <a:ext cx="0" cy="558916"/>
+            </a:xfrm>
+            <a:prstGeom prst="straightConnector1">
+              <a:avLst/>
+            </a:prstGeom>
+            <a:ln w="28575">
+              <a:tailEnd type="triangle"/>
+            </a:ln>
+          </p:spPr>
+          <p:style>
+            <a:lnRef idx="2">
+              <a:schemeClr val="dk1"/>
+            </a:lnRef>
+            <a:fillRef idx="0">
+              <a:schemeClr val="dk1"/>
+            </a:fillRef>
+            <a:effectRef idx="1">
+              <a:schemeClr val="dk1"/>
+            </a:effectRef>
+            <a:fontRef idx="minor">
+              <a:schemeClr val="tx1"/>
+            </a:fontRef>
+          </p:style>
+        </p:cxnSp>
+        <p:cxnSp>
+          <p:nvCxnSpPr>
+            <p:cNvPr id="129" name="Conector de Seta Reta 128">
+              <a:extLst>
+                <a:ext uri="{FF2B5EF4-FFF2-40B4-BE49-F238E27FC236}">
+                  <a16:creationId xmlns="" xmlns:a16="http://schemas.microsoft.com/office/drawing/2014/main" id="{D1CB757C-FC19-4F9C-8B1B-0CA898A15D0B}"/>
+                </a:ext>
+              </a:extLst>
+            </p:cNvPr>
+            <p:cNvCxnSpPr>
+              <a:cxnSpLocks/>
+            </p:cNvCxnSpPr>
+            <p:nvPr/>
+          </p:nvCxnSpPr>
+          <p:spPr>
+            <a:xfrm>
+              <a:off x="7327839" y="1916076"/>
+              <a:ext cx="714703" cy="0"/>
+            </a:xfrm>
+            <a:prstGeom prst="straightConnector1">
+              <a:avLst/>
+            </a:prstGeom>
+            <a:ln w="28575">
+              <a:tailEnd type="triangle"/>
+            </a:ln>
+          </p:spPr>
+          <p:style>
+            <a:lnRef idx="2">
+              <a:schemeClr val="dk1"/>
+            </a:lnRef>
+            <a:fillRef idx="0">
+              <a:schemeClr val="dk1"/>
+            </a:fillRef>
+            <a:effectRef idx="1">
+              <a:schemeClr val="dk1"/>
+            </a:effectRef>
+            <a:fontRef idx="minor">
+              <a:schemeClr val="tx1"/>
+            </a:fontRef>
+          </p:style>
+        </p:cxnSp>
+        <p:grpSp>
+          <p:nvGrpSpPr>
+            <p:cNvPr id="18" name="Agrupar 17">
+              <a:extLst>
+                <a:ext uri="{FF2B5EF4-FFF2-40B4-BE49-F238E27FC236}">
+                  <a16:creationId xmlns="" xmlns:a16="http://schemas.microsoft.com/office/drawing/2014/main" id="{DFC5FE99-9A1E-4FDB-B02B-ABE5CB6074B8}"/>
+                </a:ext>
+              </a:extLst>
+            </p:cNvPr>
+            <p:cNvGrpSpPr/>
+            <p:nvPr/>
+          </p:nvGrpSpPr>
+          <p:grpSpPr>
+            <a:xfrm>
+              <a:off x="4257921" y="1419685"/>
+              <a:ext cx="635668" cy="801000"/>
+              <a:chOff x="938200" y="3259651"/>
+              <a:chExt cx="571936" cy="720692"/>
+            </a:xfrm>
+          </p:grpSpPr>
+          <p:pic>
+            <p:nvPicPr>
+              <p:cNvPr id="20" name="Imagem 19">
                 <a:extLst>
                   <a:ext uri="{FF2B5EF4-FFF2-40B4-BE49-F238E27FC236}">
-                    <a16:creationId xmlns:a16="http://schemas.microsoft.com/office/drawing/2014/main" id="{489C40CF-FB6F-412E-B189-4FEF5E1BFEC8}"/>
+                    <a16:creationId xmlns="" xmlns:a16="http://schemas.microsoft.com/office/drawing/2014/main" id="{305DF1A1-84F9-44C7-A05C-55F12658D1B5}"/>
                   </a:ext>
                 </a:extLst>
               </p:cNvPr>
-              <p:cNvGrpSpPr/>
+              <p:cNvPicPr>
+                <a:picLocks noChangeAspect="1"/>
+              </p:cNvPicPr>
               <p:nvPr/>
-            </p:nvGrpSpPr>
-            <p:grpSpPr>
+            </p:nvPicPr>
+            <p:blipFill>
+              <a:blip r:embed="rId3" cstate="print">
+                <a:extLst>
+                  <a:ext uri="{28A0092B-C50C-407E-A947-70E740481C1C}">
+                    <a14:useLocalDpi xmlns:a14="http://schemas.microsoft.com/office/drawing/2010/main" val="0"/>
+                  </a:ext>
+                </a:extLst>
+              </a:blip>
+              <a:stretch>
+                <a:fillRect/>
+              </a:stretch>
+            </p:blipFill>
+            <p:spPr>
               <a:xfrm>
-                <a:off x="1525731" y="815687"/>
-                <a:ext cx="805029" cy="2933753"/>
-                <a:chOff x="1525731" y="815687"/>
-                <a:chExt cx="805029" cy="2933753"/>
+                <a:off x="938200" y="3408407"/>
+                <a:ext cx="571936" cy="571936"/>
               </a:xfrm>
-            </p:grpSpPr>
-            <p:grpSp>
-              <p:nvGrpSpPr>
-                <p:cNvPr id="11" name="Agrupar 10">
-                  <a:extLst>
-                    <a:ext uri="{FF2B5EF4-FFF2-40B4-BE49-F238E27FC236}">
-                      <a16:creationId xmlns:a16="http://schemas.microsoft.com/office/drawing/2014/main" id="{2612F9E0-BD6A-4361-A2E4-79B5712C11ED}"/>
-                    </a:ext>
-                  </a:extLst>
-                </p:cNvPr>
-                <p:cNvGrpSpPr/>
-                <p:nvPr/>
-              </p:nvGrpSpPr>
-              <p:grpSpPr>
-                <a:xfrm>
-                  <a:off x="1525731" y="815687"/>
-                  <a:ext cx="805029" cy="1135518"/>
-                  <a:chOff x="7651595" y="2576091"/>
-                  <a:chExt cx="805029" cy="1135518"/>
-                </a:xfrm>
-              </p:grpSpPr>
-              <p:grpSp>
-                <p:nvGrpSpPr>
-                  <p:cNvPr id="22" name="Agrupar 21">
-                    <a:extLst>
-                      <a:ext uri="{FF2B5EF4-FFF2-40B4-BE49-F238E27FC236}">
-                        <a16:creationId xmlns:a16="http://schemas.microsoft.com/office/drawing/2014/main" id="{72C23C43-CBBD-4FA4-8991-D95EF073EA41}"/>
-                      </a:ext>
-                    </a:extLst>
-                  </p:cNvPr>
-                  <p:cNvGrpSpPr/>
-                  <p:nvPr/>
-                </p:nvGrpSpPr>
-                <p:grpSpPr>
-                  <a:xfrm>
-                    <a:off x="7736275" y="2910609"/>
-                    <a:ext cx="635668" cy="801000"/>
-                    <a:chOff x="938200" y="3259651"/>
-                    <a:chExt cx="571936" cy="720692"/>
-                  </a:xfrm>
-                </p:grpSpPr>
-                <p:pic>
-                  <p:nvPicPr>
-                    <p:cNvPr id="24" name="Imagem 23">
-                      <a:extLst>
-                        <a:ext uri="{FF2B5EF4-FFF2-40B4-BE49-F238E27FC236}">
-                          <a16:creationId xmlns:a16="http://schemas.microsoft.com/office/drawing/2014/main" id="{EAD5637F-5950-434F-A422-281A93AFE952}"/>
-                        </a:ext>
-                      </a:extLst>
-                    </p:cNvPr>
-                    <p:cNvPicPr>
-                      <a:picLocks noChangeAspect="1"/>
-                    </p:cNvPicPr>
-                    <p:nvPr/>
-                  </p:nvPicPr>
-                  <p:blipFill>
-                    <a:blip r:embed="rId3" cstate="print">
-                      <a:extLst>
-                        <a:ext uri="{28A0092B-C50C-407E-A947-70E740481C1C}">
-                          <a14:useLocalDpi xmlns:a14="http://schemas.microsoft.com/office/drawing/2010/main" val="0"/>
-                        </a:ext>
-                      </a:extLst>
-                    </a:blip>
-                    <a:stretch>
-                      <a:fillRect/>
-                    </a:stretch>
-                  </p:blipFill>
-                  <p:spPr>
-                    <a:xfrm>
-                      <a:off x="938200" y="3408407"/>
-                      <a:ext cx="571936" cy="571936"/>
-                    </a:xfrm>
-                    <a:prstGeom prst="rect">
-                      <a:avLst/>
-                    </a:prstGeom>
-                  </p:spPr>
-                </p:pic>
-                <p:pic>
-                  <p:nvPicPr>
-                    <p:cNvPr id="25" name="Imagem 24">
-                      <a:extLst>
-                        <a:ext uri="{FF2B5EF4-FFF2-40B4-BE49-F238E27FC236}">
-                          <a16:creationId xmlns:a16="http://schemas.microsoft.com/office/drawing/2014/main" id="{D4FB6590-B6DA-406F-A146-0DE262CAF931}"/>
-                        </a:ext>
-                      </a:extLst>
-                    </p:cNvPr>
-                    <p:cNvPicPr>
-                      <a:picLocks noChangeAspect="1"/>
-                    </p:cNvPicPr>
-                    <p:nvPr/>
-                  </p:nvPicPr>
-                  <p:blipFill>
-                    <a:blip r:embed="rId3" cstate="print">
-                      <a:extLst>
-                        <a:ext uri="{28A0092B-C50C-407E-A947-70E740481C1C}">
-                          <a14:useLocalDpi xmlns:a14="http://schemas.microsoft.com/office/drawing/2010/main" val="0"/>
-                        </a:ext>
-                      </a:extLst>
-                    </a:blip>
-                    <a:stretch>
-                      <a:fillRect/>
-                    </a:stretch>
-                  </p:blipFill>
-                  <p:spPr>
-                    <a:xfrm>
-                      <a:off x="938200" y="3259651"/>
-                      <a:ext cx="571936" cy="571936"/>
-                    </a:xfrm>
-                    <a:prstGeom prst="rect">
-                      <a:avLst/>
-                    </a:prstGeom>
-                  </p:spPr>
-                </p:pic>
-              </p:grpSp>
-              <p:sp>
-                <p:nvSpPr>
-                  <p:cNvPr id="23" name="CaixaDeTexto 22">
-                    <a:extLst>
-                      <a:ext uri="{FF2B5EF4-FFF2-40B4-BE49-F238E27FC236}">
-                        <a16:creationId xmlns:a16="http://schemas.microsoft.com/office/drawing/2014/main" id="{B439ACAE-6532-4207-9A29-F2A48D0AD414}"/>
-                      </a:ext>
-                    </a:extLst>
-                  </p:cNvPr>
-                  <p:cNvSpPr txBox="1"/>
-                  <p:nvPr/>
-                </p:nvSpPr>
-                <p:spPr>
-                  <a:xfrm>
-                    <a:off x="7651595" y="2576091"/>
-                    <a:ext cx="805029" cy="307777"/>
-                  </a:xfrm>
-                  <a:prstGeom prst="rect">
-                    <a:avLst/>
-                  </a:prstGeom>
-                  <a:noFill/>
-                </p:spPr>
-                <p:txBody>
-                  <a:bodyPr wrap="none" rtlCol="0">
-                    <a:spAutoFit/>
-                  </a:bodyPr>
-                  <a:lstStyle/>
-                  <a:p>
-                    <a:pPr algn="ctr"/>
-                    <a:r>
-                      <a:rPr lang="en-US" sz="1400" dirty="0">
-                        <a:latin typeface="Microsoft PhagsPa" panose="020B0502040204020203" pitchFamily="34" charset="0"/>
-                        <a:ea typeface="Adobe Fan Heiti Std B" panose="020B0700000000000000" pitchFamily="34" charset="-128"/>
-                        <a:cs typeface="Arial" panose="020B0604020202020204" pitchFamily="34" charset="0"/>
-                      </a:rPr>
-                      <a:t>Labeled</a:t>
-                    </a:r>
-                  </a:p>
-                </p:txBody>
-              </p:sp>
-            </p:grpSp>
-            <p:cxnSp>
-              <p:nvCxnSpPr>
-                <p:cNvPr id="33" name="Conector de Seta Reta 32">
-                  <a:extLst>
-                    <a:ext uri="{FF2B5EF4-FFF2-40B4-BE49-F238E27FC236}">
-                      <a16:creationId xmlns:a16="http://schemas.microsoft.com/office/drawing/2014/main" id="{8FD3869E-2056-4B76-A21B-29B2F38E29FA}"/>
-                    </a:ext>
-                  </a:extLst>
-                </p:cNvPr>
-                <p:cNvCxnSpPr>
-                  <a:cxnSpLocks/>
-                </p:cNvCxnSpPr>
-                <p:nvPr/>
-              </p:nvCxnSpPr>
-              <p:spPr>
-                <a:xfrm>
-                  <a:off x="1928245" y="2007515"/>
-                  <a:ext cx="0" cy="1741925"/>
-                </a:xfrm>
-                <a:prstGeom prst="straightConnector1">
-                  <a:avLst/>
-                </a:prstGeom>
-                <a:ln w="28575">
-                  <a:tailEnd type="triangle"/>
-                </a:ln>
-              </p:spPr>
-              <p:style>
-                <a:lnRef idx="2">
-                  <a:schemeClr val="dk1"/>
-                </a:lnRef>
-                <a:fillRef idx="0">
-                  <a:schemeClr val="dk1"/>
-                </a:fillRef>
-                <a:effectRef idx="1">
-                  <a:schemeClr val="dk1"/>
-                </a:effectRef>
-                <a:fontRef idx="minor">
-                  <a:schemeClr val="tx1"/>
-                </a:fontRef>
-              </p:style>
-            </p:cxnSp>
-          </p:grpSp>
-          <p:sp>
-            <p:nvSpPr>
-              <p:cNvPr id="150" name="Sinal de Adição 149">
+              <a:prstGeom prst="rect">
+                <a:avLst/>
+              </a:prstGeom>
+            </p:spPr>
+          </p:pic>
+          <p:pic>
+            <p:nvPicPr>
+              <p:cNvPr id="21" name="Imagem 20">
                 <a:extLst>
                   <a:ext uri="{FF2B5EF4-FFF2-40B4-BE49-F238E27FC236}">
-                    <a16:creationId xmlns:a16="http://schemas.microsoft.com/office/drawing/2014/main" id="{869575F4-F76C-400C-B4B0-DEC8DFAA483B}"/>
+                    <a16:creationId xmlns="" xmlns:a16="http://schemas.microsoft.com/office/drawing/2014/main" id="{DC8B40C8-2BA3-4872-940D-81778AD523B9}"/>
                   </a:ext>
                 </a:extLst>
               </p:cNvPr>
+              <p:cNvPicPr>
+                <a:picLocks noChangeAspect="1"/>
+              </p:cNvPicPr>
+              <p:nvPr/>
+            </p:nvPicPr>
+            <p:blipFill>
+              <a:blip r:embed="rId3" cstate="print">
+                <a:extLst>
+                  <a:ext uri="{28A0092B-C50C-407E-A947-70E740481C1C}">
+                    <a14:useLocalDpi xmlns:a14="http://schemas.microsoft.com/office/drawing/2010/main" val="0"/>
+                  </a:ext>
+                </a:extLst>
+              </a:blip>
+              <a:stretch>
+                <a:fillRect/>
+              </a:stretch>
+            </p:blipFill>
+            <p:spPr>
+              <a:xfrm>
+                <a:off x="938200" y="3259651"/>
+                <a:ext cx="571936" cy="571936"/>
+              </a:xfrm>
+              <a:prstGeom prst="rect">
+                <a:avLst/>
+              </a:prstGeom>
+            </p:spPr>
+          </p:pic>
+        </p:grpSp>
+        <p:sp>
+          <p:nvSpPr>
+            <p:cNvPr id="19" name="CaixaDeTexto 18">
+              <a:extLst>
+                <a:ext uri="{FF2B5EF4-FFF2-40B4-BE49-F238E27FC236}">
+                  <a16:creationId xmlns="" xmlns:a16="http://schemas.microsoft.com/office/drawing/2014/main" id="{04176FED-488A-459D-B5D6-9B758C9F189E}"/>
+                </a:ext>
+              </a:extLst>
+            </p:cNvPr>
+            <p:cNvSpPr txBox="1"/>
+            <p:nvPr/>
+          </p:nvSpPr>
+          <p:spPr>
+            <a:xfrm>
+              <a:off x="4195682" y="1002044"/>
+              <a:ext cx="760144" cy="338554"/>
+            </a:xfrm>
+            <a:prstGeom prst="rect">
+              <a:avLst/>
+            </a:prstGeom>
+            <a:noFill/>
+          </p:spPr>
+          <p:txBody>
+            <a:bodyPr wrap="none" rtlCol="0">
+              <a:spAutoFit/>
+            </a:bodyPr>
+            <a:lstStyle/>
+            <a:p>
+              <a:pPr algn="ctr"/>
+              <a:r>
+                <a:rPr lang="en-US" sz="1600" dirty="0" err="1" smtClean="0">
+                  <a:latin typeface="Microsoft PhagsPa" panose="020B0502040204020203" pitchFamily="34" charset="0"/>
+                  <a:ea typeface="Adobe Fan Heiti Std B" panose="020B0700000000000000" pitchFamily="34" charset="-128"/>
+                  <a:cs typeface="Arial" panose="020B0604020202020204" pitchFamily="34" charset="0"/>
+                </a:rPr>
+                <a:t>T</a:t>
+              </a:r>
+              <a:r>
+                <a:rPr lang="en-US" sz="1050" i="1" dirty="0" err="1" smtClean="0">
+                  <a:latin typeface="Microsoft PhagsPa" panose="020B0502040204020203" pitchFamily="34" charset="0"/>
+                  <a:ea typeface="Adobe Fan Heiti Std B" panose="020B0700000000000000" pitchFamily="34" charset="-128"/>
+                  <a:cs typeface="Arial" panose="020B0604020202020204" pitchFamily="34" charset="0"/>
+                </a:rPr>
+                <a:t>present</a:t>
+              </a:r>
+              <a:endParaRPr lang="en-US" sz="1400" i="1" dirty="0">
+                <a:latin typeface="Microsoft PhagsPa" panose="020B0502040204020203" pitchFamily="34" charset="0"/>
+                <a:ea typeface="Adobe Fan Heiti Std B" panose="020B0700000000000000" pitchFamily="34" charset="-128"/>
+                <a:cs typeface="Arial" panose="020B0604020202020204" pitchFamily="34" charset="0"/>
+              </a:endParaRPr>
+            </a:p>
+          </p:txBody>
+        </p:sp>
+        <p:pic>
+          <p:nvPicPr>
+            <p:cNvPr id="112" name="Imagem 111">
+              <a:extLst>
+                <a:ext uri="{FF2B5EF4-FFF2-40B4-BE49-F238E27FC236}">
+                  <a16:creationId xmlns="" xmlns:a16="http://schemas.microsoft.com/office/drawing/2014/main" id="{68F31D8C-5088-4B7A-8646-84D0AD09B42A}"/>
+                </a:ext>
+              </a:extLst>
+            </p:cNvPr>
+            <p:cNvPicPr>
+              <a:picLocks noChangeAspect="1"/>
+            </p:cNvPicPr>
+            <p:nvPr/>
+          </p:nvPicPr>
+          <p:blipFill rotWithShape="1">
+            <a:blip r:embed="rId4" cstate="print">
+              <a:extLst>
+                <a:ext uri="{BEBA8EAE-BF5A-486C-A8C5-ECC9F3942E4B}">
+                  <a14:imgProps xmlns:a14="http://schemas.microsoft.com/office/drawing/2010/main">
+                    <a14:imgLayer r:embed="rId5">
+                      <a14:imgEffect>
+                        <a14:colorTemperature colorTemp="11200"/>
+                      </a14:imgEffect>
+                    </a14:imgLayer>
+                  </a14:imgProps>
+                </a:ext>
+                <a:ext uri="{28A0092B-C50C-407E-A947-70E740481C1C}">
+                  <a14:useLocalDpi xmlns:a14="http://schemas.microsoft.com/office/drawing/2010/main" val="0"/>
+                </a:ext>
+              </a:extLst>
+            </a:blip>
+            <a:srcRect l="15484" t="16476" r="16664" b="16556"/>
+            <a:stretch/>
+          </p:blipFill>
+          <p:spPr>
+            <a:xfrm>
+              <a:off x="4312666" y="2866979"/>
+              <a:ext cx="526178" cy="519318"/>
+            </a:xfrm>
+            <a:prstGeom prst="rect">
+              <a:avLst/>
+            </a:prstGeom>
+          </p:spPr>
+        </p:pic>
+        <p:cxnSp>
+          <p:nvCxnSpPr>
+            <p:cNvPr id="113" name="Conector de Seta Reta 112">
+              <a:extLst>
+                <a:ext uri="{FF2B5EF4-FFF2-40B4-BE49-F238E27FC236}">
+                  <a16:creationId xmlns="" xmlns:a16="http://schemas.microsoft.com/office/drawing/2014/main" id="{F7B043C6-5C19-4E5C-B66C-F5895C8EB638}"/>
+                </a:ext>
+              </a:extLst>
+            </p:cNvPr>
+            <p:cNvCxnSpPr>
+              <a:cxnSpLocks/>
+            </p:cNvCxnSpPr>
+            <p:nvPr/>
+          </p:nvCxnSpPr>
+          <p:spPr>
+            <a:xfrm>
+              <a:off x="4575755" y="2276995"/>
+              <a:ext cx="0" cy="558916"/>
+            </a:xfrm>
+            <a:prstGeom prst="straightConnector1">
+              <a:avLst/>
+            </a:prstGeom>
+            <a:ln w="28575">
+              <a:tailEnd type="triangle"/>
+            </a:ln>
+          </p:spPr>
+          <p:style>
+            <a:lnRef idx="2">
+              <a:schemeClr val="dk1"/>
+            </a:lnRef>
+            <a:fillRef idx="0">
+              <a:schemeClr val="dk1"/>
+            </a:fillRef>
+            <a:effectRef idx="1">
+              <a:schemeClr val="dk1"/>
+            </a:effectRef>
+            <a:fontRef idx="minor">
+              <a:schemeClr val="tx1"/>
+            </a:fontRef>
+          </p:style>
+        </p:cxnSp>
+        <p:cxnSp>
+          <p:nvCxnSpPr>
+            <p:cNvPr id="114" name="Conector de Seta Reta 113">
+              <a:extLst>
+                <a:ext uri="{FF2B5EF4-FFF2-40B4-BE49-F238E27FC236}">
+                  <a16:creationId xmlns="" xmlns:a16="http://schemas.microsoft.com/office/drawing/2014/main" id="{9A562646-798B-474C-9907-E01F8BD8B86E}"/>
+                </a:ext>
+              </a:extLst>
+            </p:cNvPr>
+            <p:cNvCxnSpPr>
+              <a:cxnSpLocks/>
+            </p:cNvCxnSpPr>
+            <p:nvPr/>
+          </p:nvCxnSpPr>
+          <p:spPr>
+            <a:xfrm>
+              <a:off x="4575755" y="3417365"/>
+              <a:ext cx="1" cy="601555"/>
+            </a:xfrm>
+            <a:prstGeom prst="straightConnector1">
+              <a:avLst/>
+            </a:prstGeom>
+            <a:ln w="28575">
+              <a:tailEnd type="triangle"/>
+            </a:ln>
+          </p:spPr>
+          <p:style>
+            <a:lnRef idx="2">
+              <a:schemeClr val="dk1"/>
+            </a:lnRef>
+            <a:fillRef idx="0">
+              <a:schemeClr val="dk1"/>
+            </a:fillRef>
+            <a:effectRef idx="1">
+              <a:schemeClr val="dk1"/>
+            </a:effectRef>
+            <a:fontRef idx="minor">
+              <a:schemeClr val="tx1"/>
+            </a:fontRef>
+          </p:style>
+        </p:cxnSp>
+        <p:grpSp>
+          <p:nvGrpSpPr>
+            <p:cNvPr id="22" name="Agrupar 21">
+              <a:extLst>
+                <a:ext uri="{FF2B5EF4-FFF2-40B4-BE49-F238E27FC236}">
+                  <a16:creationId xmlns="" xmlns:a16="http://schemas.microsoft.com/office/drawing/2014/main" id="{72C23C43-CBBD-4FA4-8991-D95EF073EA41}"/>
+                </a:ext>
+              </a:extLst>
+            </p:cNvPr>
+            <p:cNvGrpSpPr/>
+            <p:nvPr/>
+          </p:nvGrpSpPr>
+          <p:grpSpPr>
+            <a:xfrm>
+              <a:off x="1868903" y="1419685"/>
+              <a:ext cx="635668" cy="801000"/>
+              <a:chOff x="938200" y="3259651"/>
+              <a:chExt cx="571936" cy="720692"/>
+            </a:xfrm>
+          </p:grpSpPr>
+          <p:pic>
+            <p:nvPicPr>
+              <p:cNvPr id="24" name="Imagem 23">
+                <a:extLst>
+                  <a:ext uri="{FF2B5EF4-FFF2-40B4-BE49-F238E27FC236}">
+                    <a16:creationId xmlns="" xmlns:a16="http://schemas.microsoft.com/office/drawing/2014/main" id="{EAD5637F-5950-434F-A422-281A93AFE952}"/>
+                  </a:ext>
+                </a:extLst>
+              </p:cNvPr>
+              <p:cNvPicPr>
+                <a:picLocks noChangeAspect="1"/>
+              </p:cNvPicPr>
+              <p:nvPr/>
+            </p:nvPicPr>
+            <p:blipFill>
+              <a:blip r:embed="rId3" cstate="print">
+                <a:extLst>
+                  <a:ext uri="{28A0092B-C50C-407E-A947-70E740481C1C}">
+                    <a14:useLocalDpi xmlns:a14="http://schemas.microsoft.com/office/drawing/2010/main" val="0"/>
+                  </a:ext>
+                </a:extLst>
+              </a:blip>
+              <a:stretch>
+                <a:fillRect/>
+              </a:stretch>
+            </p:blipFill>
+            <p:spPr>
+              <a:xfrm>
+                <a:off x="938200" y="3408407"/>
+                <a:ext cx="571936" cy="571936"/>
+              </a:xfrm>
+              <a:prstGeom prst="rect">
+                <a:avLst/>
+              </a:prstGeom>
+            </p:spPr>
+          </p:pic>
+          <p:pic>
+            <p:nvPicPr>
+              <p:cNvPr id="25" name="Imagem 24">
+                <a:extLst>
+                  <a:ext uri="{FF2B5EF4-FFF2-40B4-BE49-F238E27FC236}">
+                    <a16:creationId xmlns="" xmlns:a16="http://schemas.microsoft.com/office/drawing/2014/main" id="{D4FB6590-B6DA-406F-A146-0DE262CAF931}"/>
+                  </a:ext>
+                </a:extLst>
+              </p:cNvPr>
+              <p:cNvPicPr>
+                <a:picLocks noChangeAspect="1"/>
+              </p:cNvPicPr>
+              <p:nvPr/>
+            </p:nvPicPr>
+            <p:blipFill>
+              <a:blip r:embed="rId3" cstate="print">
+                <a:extLst>
+                  <a:ext uri="{28A0092B-C50C-407E-A947-70E740481C1C}">
+                    <a14:useLocalDpi xmlns:a14="http://schemas.microsoft.com/office/drawing/2010/main" val="0"/>
+                  </a:ext>
+                </a:extLst>
+              </a:blip>
+              <a:stretch>
+                <a:fillRect/>
+              </a:stretch>
+            </p:blipFill>
+            <p:spPr>
+              <a:xfrm>
+                <a:off x="938200" y="3259651"/>
+                <a:ext cx="571936" cy="571936"/>
+              </a:xfrm>
+              <a:prstGeom prst="rect">
+                <a:avLst/>
+              </a:prstGeom>
+            </p:spPr>
+          </p:pic>
+        </p:grpSp>
+        <p:sp>
+          <p:nvSpPr>
+            <p:cNvPr id="23" name="CaixaDeTexto 22">
+              <a:extLst>
+                <a:ext uri="{FF2B5EF4-FFF2-40B4-BE49-F238E27FC236}">
+                  <a16:creationId xmlns="" xmlns:a16="http://schemas.microsoft.com/office/drawing/2014/main" id="{B439ACAE-6532-4207-9A29-F2A48D0AD414}"/>
+                </a:ext>
+              </a:extLst>
+            </p:cNvPr>
+            <p:cNvSpPr txBox="1"/>
+            <p:nvPr/>
+          </p:nvSpPr>
+          <p:spPr>
+            <a:xfrm>
+              <a:off x="1594267" y="1017433"/>
+              <a:ext cx="1184940" cy="307777"/>
+            </a:xfrm>
+            <a:prstGeom prst="rect">
+              <a:avLst/>
+            </a:prstGeom>
+            <a:noFill/>
+          </p:spPr>
+          <p:txBody>
+            <a:bodyPr wrap="none" rtlCol="0">
+              <a:spAutoFit/>
+            </a:bodyPr>
+            <a:lstStyle/>
+            <a:p>
+              <a:pPr algn="ctr"/>
+              <a:r>
+                <a:rPr lang="en-US" sz="1400" i="1" dirty="0">
+                  <a:latin typeface="Microsoft PhagsPa" panose="020B0502040204020203" pitchFamily="34" charset="0"/>
+                  <a:ea typeface="Adobe Fan Heiti Std B" panose="020B0700000000000000" pitchFamily="34" charset="-128"/>
+                  <a:cs typeface="Arial" panose="020B0604020202020204" pitchFamily="34" charset="0"/>
+                </a:rPr>
+                <a:t>Labeled </a:t>
+              </a:r>
+              <a:r>
+                <a:rPr lang="en-US" sz="1400" i="1" dirty="0" smtClean="0">
+                  <a:latin typeface="Microsoft PhagsPa" panose="020B0502040204020203" pitchFamily="34" charset="0"/>
+                  <a:ea typeface="Adobe Fan Heiti Std B" panose="020B0700000000000000" pitchFamily="34" charset="-128"/>
+                  <a:cs typeface="Arial" panose="020B0604020202020204" pitchFamily="34" charset="0"/>
+                </a:rPr>
+                <a:t>Past</a:t>
+              </a:r>
+              <a:endParaRPr lang="en-US" sz="1400" i="1" dirty="0">
+                <a:latin typeface="Microsoft PhagsPa" panose="020B0502040204020203" pitchFamily="34" charset="0"/>
+                <a:ea typeface="Adobe Fan Heiti Std B" panose="020B0700000000000000" pitchFamily="34" charset="-128"/>
+                <a:cs typeface="Arial" panose="020B0604020202020204" pitchFamily="34" charset="0"/>
+              </a:endParaRPr>
+            </a:p>
+          </p:txBody>
+        </p:sp>
+        <p:cxnSp>
+          <p:nvCxnSpPr>
+            <p:cNvPr id="33" name="Conector de Seta Reta 32">
+              <a:extLst>
+                <a:ext uri="{FF2B5EF4-FFF2-40B4-BE49-F238E27FC236}">
+                  <a16:creationId xmlns="" xmlns:a16="http://schemas.microsoft.com/office/drawing/2014/main" id="{8FD3869E-2056-4B76-A21B-29B2F38E29FA}"/>
+                </a:ext>
+              </a:extLst>
+            </p:cNvPr>
+            <p:cNvCxnSpPr>
+              <a:cxnSpLocks/>
+            </p:cNvCxnSpPr>
+            <p:nvPr/>
+          </p:nvCxnSpPr>
+          <p:spPr>
+            <a:xfrm>
+              <a:off x="2186737" y="2276995"/>
+              <a:ext cx="0" cy="1741925"/>
+            </a:xfrm>
+            <a:prstGeom prst="straightConnector1">
+              <a:avLst/>
+            </a:prstGeom>
+            <a:ln w="28575">
+              <a:tailEnd type="triangle"/>
+            </a:ln>
+          </p:spPr>
+          <p:style>
+            <a:lnRef idx="2">
+              <a:schemeClr val="dk1"/>
+            </a:lnRef>
+            <a:fillRef idx="0">
+              <a:schemeClr val="dk1"/>
+            </a:fillRef>
+            <a:effectRef idx="1">
+              <a:schemeClr val="dk1"/>
+            </a:effectRef>
+            <a:fontRef idx="minor">
+              <a:schemeClr val="tx1"/>
+            </a:fontRef>
+          </p:style>
+        </p:cxnSp>
+        <p:sp>
+          <p:nvSpPr>
+            <p:cNvPr id="150" name="Sinal de Adição 149">
+              <a:extLst>
+                <a:ext uri="{FF2B5EF4-FFF2-40B4-BE49-F238E27FC236}">
+                  <a16:creationId xmlns="" xmlns:a16="http://schemas.microsoft.com/office/drawing/2014/main" id="{869575F4-F76C-400C-B4B0-DEC8DFAA483B}"/>
+                </a:ext>
+              </a:extLst>
+            </p:cNvPr>
+            <p:cNvSpPr/>
+            <p:nvPr/>
+          </p:nvSpPr>
+          <p:spPr>
+            <a:xfrm>
+              <a:off x="3262933" y="1657373"/>
+              <a:ext cx="321307" cy="321307"/>
+            </a:xfrm>
+            <a:prstGeom prst="mathPlus">
+              <a:avLst/>
+            </a:prstGeom>
+            <a:solidFill>
+              <a:schemeClr val="tx1"/>
+            </a:solidFill>
+            <a:ln>
+              <a:noFill/>
+            </a:ln>
+          </p:spPr>
+          <p:style>
+            <a:lnRef idx="2">
+              <a:schemeClr val="accent1">
+                <a:shade val="50000"/>
+              </a:schemeClr>
+            </a:lnRef>
+            <a:fillRef idx="1">
+              <a:schemeClr val="accent1"/>
+            </a:fillRef>
+            <a:effectRef idx="0">
+              <a:schemeClr val="accent1"/>
+            </a:effectRef>
+            <a:fontRef idx="minor">
+              <a:schemeClr val="lt1"/>
+            </a:fontRef>
+          </p:style>
+          <p:txBody>
+            <a:bodyPr rtlCol="0" anchor="ctr"/>
+            <a:lstStyle/>
+            <a:p>
+              <a:pPr algn="ctr"/>
+              <a:endParaRPr lang="pt-BR"/>
+            </a:p>
+          </p:txBody>
+        </p:sp>
+        <p:sp>
+          <p:nvSpPr>
+            <p:cNvPr id="151" name="Sinal de Adição 150">
+              <a:extLst>
+                <a:ext uri="{FF2B5EF4-FFF2-40B4-BE49-F238E27FC236}">
+                  <a16:creationId xmlns="" xmlns:a16="http://schemas.microsoft.com/office/drawing/2014/main" id="{96B9A4FC-D839-48CB-BBA9-242ECE5A4C2C}"/>
+                </a:ext>
+              </a:extLst>
+            </p:cNvPr>
+            <p:cNvSpPr/>
+            <p:nvPr/>
+          </p:nvSpPr>
+          <p:spPr>
+            <a:xfrm>
+              <a:off x="5567270" y="1657373"/>
+              <a:ext cx="321307" cy="321307"/>
+            </a:xfrm>
+            <a:prstGeom prst="mathPlus">
+              <a:avLst/>
+            </a:prstGeom>
+            <a:solidFill>
+              <a:schemeClr val="tx1"/>
+            </a:solidFill>
+            <a:ln>
+              <a:noFill/>
+            </a:ln>
+          </p:spPr>
+          <p:style>
+            <a:lnRef idx="2">
+              <a:schemeClr val="accent1">
+                <a:shade val="50000"/>
+              </a:schemeClr>
+            </a:lnRef>
+            <a:fillRef idx="1">
+              <a:schemeClr val="accent1"/>
+            </a:fillRef>
+            <a:effectRef idx="0">
+              <a:schemeClr val="accent1"/>
+            </a:effectRef>
+            <a:fontRef idx="minor">
+              <a:schemeClr val="lt1"/>
+            </a:fontRef>
+          </p:style>
+          <p:txBody>
+            <a:bodyPr rtlCol="0" anchor="ctr"/>
+            <a:lstStyle/>
+            <a:p>
+              <a:pPr algn="ctr"/>
+              <a:endParaRPr lang="pt-BR"/>
+            </a:p>
+          </p:txBody>
+        </p:sp>
+        <p:sp>
+          <p:nvSpPr>
+            <p:cNvPr id="51" name="CaixaDeTexto 50">
+              <a:extLst>
+                <a:ext uri="{FF2B5EF4-FFF2-40B4-BE49-F238E27FC236}">
+                  <a16:creationId xmlns="" xmlns:a16="http://schemas.microsoft.com/office/drawing/2014/main" id="{357DCF7E-711A-4013-AC35-B6F4F0119784}"/>
+                </a:ext>
+              </a:extLst>
+            </p:cNvPr>
+            <p:cNvSpPr txBox="1"/>
+            <p:nvPr/>
+          </p:nvSpPr>
+          <p:spPr>
+            <a:xfrm>
+              <a:off x="6545707" y="1002044"/>
+              <a:ext cx="668773" cy="338554"/>
+            </a:xfrm>
+            <a:prstGeom prst="rect">
+              <a:avLst/>
+            </a:prstGeom>
+            <a:noFill/>
+          </p:spPr>
+          <p:txBody>
+            <a:bodyPr wrap="none" rtlCol="0">
+              <a:spAutoFit/>
+            </a:bodyPr>
+            <a:lstStyle/>
+            <a:p>
+              <a:pPr algn="ctr"/>
+              <a:r>
+                <a:rPr lang="en-US" sz="1600" dirty="0" err="1" smtClean="0">
+                  <a:latin typeface="Microsoft PhagsPa" panose="020B0502040204020203" pitchFamily="34" charset="0"/>
+                  <a:ea typeface="Adobe Fan Heiti Std B" panose="020B0700000000000000" pitchFamily="34" charset="-128"/>
+                  <a:cs typeface="Arial" panose="020B0604020202020204" pitchFamily="34" charset="0"/>
+                </a:rPr>
+                <a:t>T</a:t>
+              </a:r>
+              <a:r>
+                <a:rPr lang="en-US" sz="1050" i="1" dirty="0" err="1" smtClean="0">
+                  <a:latin typeface="Microsoft PhagsPa" panose="020B0502040204020203" pitchFamily="34" charset="0"/>
+                  <a:ea typeface="Adobe Fan Heiti Std B" panose="020B0700000000000000" pitchFamily="34" charset="-128"/>
+                  <a:cs typeface="Arial" panose="020B0604020202020204" pitchFamily="34" charset="0"/>
+                </a:rPr>
+                <a:t>future</a:t>
+              </a:r>
+              <a:endParaRPr lang="en-US" sz="1600" i="1" dirty="0">
+                <a:latin typeface="Microsoft PhagsPa" panose="020B0502040204020203" pitchFamily="34" charset="0"/>
+                <a:ea typeface="Adobe Fan Heiti Std B" panose="020B0700000000000000" pitchFamily="34" charset="-128"/>
+                <a:cs typeface="Arial" panose="020B0604020202020204" pitchFamily="34" charset="0"/>
+              </a:endParaRPr>
+            </a:p>
+          </p:txBody>
+        </p:sp>
+      </p:grpSp>
+    </p:spTree>
+    <p:extLst>
+      <p:ext uri="{BB962C8B-B14F-4D97-AF65-F5344CB8AC3E}">
+        <p14:creationId xmlns:p14="http://schemas.microsoft.com/office/powerpoint/2010/main" val="27360001"/>
+      </p:ext>
+    </p:extLst>
+  </p:cSld>
+  <p:clrMapOvr>
+    <a:masterClrMapping/>
+  </p:clrMapOvr>
+</p:sld>
+</file>
+
+<file path=ppt/slides/slide5.xml><?xml version="1.0" encoding="utf-8"?>
+<p:sld xmlns:a="http://schemas.openxmlformats.org/drawingml/2006/main" xmlns:r="http://schemas.openxmlformats.org/officeDocument/2006/relationships" xmlns:p="http://schemas.openxmlformats.org/presentationml/2006/main">
+  <p:cSld>
+    <p:spTree>
+      <p:nvGrpSpPr>
+        <p:cNvPr id="1" name=""/>
+        <p:cNvGrpSpPr/>
+        <p:nvPr/>
+      </p:nvGrpSpPr>
+      <p:grpSpPr>
+        <a:xfrm>
+          <a:off x="0" y="0"/>
+          <a:ext cx="0" cy="0"/>
+          <a:chOff x="0" y="0"/>
+          <a:chExt cx="0" cy="0"/>
+        </a:xfrm>
+      </p:grpSpPr>
+      <p:grpSp>
+        <p:nvGrpSpPr>
+          <p:cNvPr id="27" name="Grupo 26"/>
+          <p:cNvGrpSpPr/>
+          <p:nvPr/>
+        </p:nvGrpSpPr>
+        <p:grpSpPr>
+          <a:xfrm>
+            <a:off x="1868466" y="1501056"/>
+            <a:ext cx="8455068" cy="3855888"/>
+            <a:chOff x="1828801" y="1027135"/>
+            <a:chExt cx="8455068" cy="3855888"/>
+          </a:xfrm>
+        </p:grpSpPr>
+        <p:sp>
+          <p:nvSpPr>
+            <p:cNvPr id="4" name="Retângulo 3"/>
+            <p:cNvSpPr/>
+            <p:nvPr/>
+          </p:nvSpPr>
+          <p:spPr>
+            <a:xfrm>
+              <a:off x="1828801" y="1027135"/>
+              <a:ext cx="8455068" cy="3832964"/>
+            </a:xfrm>
+            <a:prstGeom prst="rect">
+              <a:avLst/>
+            </a:prstGeom>
+            <a:noFill/>
+            <a:ln w="28575">
+              <a:solidFill>
+                <a:schemeClr val="tx1"/>
+              </a:solidFill>
+            </a:ln>
+          </p:spPr>
+          <p:style>
+            <a:lnRef idx="2">
+              <a:schemeClr val="accent1">
+                <a:shade val="50000"/>
+              </a:schemeClr>
+            </a:lnRef>
+            <a:fillRef idx="1">
+              <a:schemeClr val="accent1"/>
+            </a:fillRef>
+            <a:effectRef idx="0">
+              <a:schemeClr val="accent1"/>
+            </a:effectRef>
+            <a:fontRef idx="minor">
+              <a:schemeClr val="lt1"/>
+            </a:fontRef>
+          </p:style>
+          <p:txBody>
+            <a:bodyPr rtlCol="0" anchor="ctr"/>
+            <a:lstStyle/>
+            <a:p>
+              <a:pPr algn="ctr"/>
+              <a:endParaRPr lang="pt-BR"/>
+            </a:p>
+          </p:txBody>
+        </p:sp>
+        <p:grpSp>
+          <p:nvGrpSpPr>
+            <p:cNvPr id="26" name="Grupo 25"/>
+            <p:cNvGrpSpPr/>
+            <p:nvPr/>
+          </p:nvGrpSpPr>
+          <p:grpSpPr>
+            <a:xfrm>
+              <a:off x="5955537" y="2964344"/>
+              <a:ext cx="2096396" cy="307601"/>
+              <a:chOff x="5955537" y="2964344"/>
+              <a:chExt cx="2096396" cy="307601"/>
+            </a:xfrm>
+          </p:grpSpPr>
+          <p:sp>
+            <p:nvSpPr>
+              <p:cNvPr id="13" name="Seta para baixo 12"/>
               <p:cNvSpPr/>
               <p:nvPr/>
             </p:nvSpPr>
             <p:spPr>
               <a:xfrm>
-                <a:off x="3004441" y="1387893"/>
-                <a:ext cx="321307" cy="321307"/>
+                <a:off x="5955537" y="2964344"/>
+                <a:ext cx="364431" cy="307601"/>
               </a:xfrm>
-              <a:prstGeom prst="mathPlus">
-                <a:avLst/>
+              <a:prstGeom prst="downArrow">
+                <a:avLst>
+                  <a:gd name="adj1" fmla="val 55227"/>
+                  <a:gd name="adj2" fmla="val 50000"/>
+                </a:avLst>
               </a:prstGeom>
               <a:solidFill>
                 <a:schemeClr val="tx1"/>
@@ -9614,53 +9463,660 @@
           </p:sp>
           <p:sp>
             <p:nvSpPr>
-              <p:cNvPr id="151" name="Sinal de Adição 150">
-                <a:extLst>
-                  <a:ext uri="{FF2B5EF4-FFF2-40B4-BE49-F238E27FC236}">
-                    <a16:creationId xmlns:a16="http://schemas.microsoft.com/office/drawing/2014/main" id="{96B9A4FC-D839-48CB-BBA9-242ECE5A4C2C}"/>
-                  </a:ext>
-                </a:extLst>
-              </p:cNvPr>
+              <p:cNvPr id="17" name="Retângulo 16"/>
               <p:cNvSpPr/>
               <p:nvPr/>
             </p:nvSpPr>
             <p:spPr>
               <a:xfrm>
-                <a:off x="5308778" y="1387893"/>
-                <a:ext cx="321307" cy="321307"/>
+                <a:off x="6319968" y="2979645"/>
+                <a:ext cx="1731965" cy="276999"/>
               </a:xfrm>
-              <a:prstGeom prst="mathPlus">
+              <a:prstGeom prst="rect">
                 <a:avLst/>
               </a:prstGeom>
-              <a:solidFill>
-                <a:schemeClr val="tx1"/>
-              </a:solidFill>
-              <a:ln>
+            </p:spPr>
+            <p:txBody>
+              <a:bodyPr wrap="square">
+                <a:spAutoFit/>
+              </a:bodyPr>
+              <a:lstStyle/>
+              <a:p>
+                <a:r>
+                  <a:rPr lang="en-US" sz="1200" b="1" dirty="0" smtClean="0">
+                    <a:latin typeface="Microsoft PhagsPa" panose="020B0502040204020203" pitchFamily="34" charset="0"/>
+                    <a:ea typeface="Adobe Fan Heiti Std B" panose="020B0700000000000000" pitchFamily="34" charset="-128"/>
+                    <a:cs typeface="Arial" panose="020B0604020202020204" pitchFamily="34" charset="0"/>
+                  </a:rPr>
+                  <a:t>Normalization</a:t>
+                </a:r>
+                <a:endParaRPr lang="en-US" sz="1200" b="1" dirty="0">
+                  <a:latin typeface="Microsoft PhagsPa" panose="020B0502040204020203" pitchFamily="34" charset="0"/>
+                  <a:ea typeface="Adobe Fan Heiti Std B" panose="020B0700000000000000" pitchFamily="34" charset="-128"/>
+                  <a:cs typeface="Arial" panose="020B0604020202020204" pitchFamily="34" charset="0"/>
+                </a:endParaRPr>
+              </a:p>
+            </p:txBody>
+          </p:sp>
+        </p:grpSp>
+        <p:grpSp>
+          <p:nvGrpSpPr>
+            <p:cNvPr id="24" name="Grupo 23"/>
+            <p:cNvGrpSpPr/>
+            <p:nvPr/>
+          </p:nvGrpSpPr>
+          <p:grpSpPr>
+            <a:xfrm>
+              <a:off x="2004493" y="1178737"/>
+              <a:ext cx="7932822" cy="1731965"/>
+              <a:chOff x="2004493" y="1178737"/>
+              <a:chExt cx="7932822" cy="1731965"/>
+            </a:xfrm>
+          </p:grpSpPr>
+          <p:grpSp>
+            <p:nvGrpSpPr>
+              <p:cNvPr id="10" name="Grupo 9"/>
+              <p:cNvGrpSpPr/>
+              <p:nvPr/>
+            </p:nvGrpSpPr>
+            <p:grpSpPr>
+              <a:xfrm>
+                <a:off x="2338190" y="1245441"/>
+                <a:ext cx="7599125" cy="1598557"/>
+                <a:chOff x="2396645" y="1194747"/>
+                <a:chExt cx="7599125" cy="1598557"/>
+              </a:xfrm>
+            </p:grpSpPr>
+            <p:sp>
+              <p:nvSpPr>
+                <p:cNvPr id="5" name="Retângulo 4"/>
+                <p:cNvSpPr/>
+                <p:nvPr/>
+              </p:nvSpPr>
+              <p:spPr>
+                <a:xfrm>
+                  <a:off x="2521906" y="1301528"/>
+                  <a:ext cx="7348603" cy="1384995"/>
+                </a:xfrm>
+                <a:prstGeom prst="rect">
+                  <a:avLst/>
+                </a:prstGeom>
+              </p:spPr>
+              <p:txBody>
+                <a:bodyPr wrap="square">
+                  <a:spAutoFit/>
+                </a:bodyPr>
+                <a:lstStyle/>
+                <a:p>
+                  <a:r>
+                    <a:rPr lang="en-US" sz="1200" dirty="0" smtClean="0">
+                      <a:latin typeface="Microsoft PhagsPa" panose="020B0502040204020203" pitchFamily="34" charset="0"/>
+                      <a:ea typeface="Adobe Fan Heiti Std B" panose="020B0700000000000000" pitchFamily="34" charset="-128"/>
+                      <a:cs typeface="Arial" panose="020B0604020202020204" pitchFamily="34" charset="0"/>
+                    </a:rPr>
+                    <a:t>767\n\</a:t>
+                  </a:r>
+                  <a:r>
+                    <a:rPr lang="en-US" sz="1200" dirty="0" err="1" smtClean="0">
+                      <a:latin typeface="Microsoft PhagsPa" panose="020B0502040204020203" pitchFamily="34" charset="0"/>
+                      <a:ea typeface="Adobe Fan Heiti Std B" panose="020B0700000000000000" pitchFamily="34" charset="-128"/>
+                      <a:cs typeface="Arial" panose="020B0604020202020204" pitchFamily="34" charset="0"/>
+                    </a:rPr>
+                    <a:t>nSELF</a:t>
+                  </a:r>
+                  <a:r>
+                    <a:rPr lang="en-US" sz="1200" dirty="0" smtClean="0">
+                      <a:latin typeface="Microsoft PhagsPa" panose="020B0502040204020203" pitchFamily="34" charset="0"/>
+                      <a:ea typeface="Adobe Fan Heiti Std B" panose="020B0700000000000000" pitchFamily="34" charset="-128"/>
+                      <a:cs typeface="Arial" panose="020B0604020202020204" pitchFamily="34" charset="0"/>
+                    </a:rPr>
+                    <a:t>-ORGANIZATION OF ASSOCIATIVE DATABASE\</a:t>
+                  </a:r>
+                  <a:r>
+                    <a:rPr lang="en-US" sz="1200" dirty="0" err="1" smtClean="0">
+                      <a:latin typeface="Microsoft PhagsPa" panose="020B0502040204020203" pitchFamily="34" charset="0"/>
+                      <a:ea typeface="Adobe Fan Heiti Std B" panose="020B0700000000000000" pitchFamily="34" charset="-128"/>
+                      <a:cs typeface="Arial" panose="020B0604020202020204" pitchFamily="34" charset="0"/>
+                    </a:rPr>
+                    <a:t>nAND</a:t>
+                  </a:r>
+                  <a:r>
+                    <a:rPr lang="en-US" sz="1200" dirty="0" smtClean="0">
+                      <a:latin typeface="Microsoft PhagsPa" panose="020B0502040204020203" pitchFamily="34" charset="0"/>
+                      <a:ea typeface="Adobe Fan Heiti Std B" panose="020B0700000000000000" pitchFamily="34" charset="-128"/>
+                      <a:cs typeface="Arial" panose="020B0604020202020204" pitchFamily="34" charset="0"/>
+                    </a:rPr>
+                    <a:t> ITS APPLICATIONS\</a:t>
+                  </a:r>
+                  <a:r>
+                    <a:rPr lang="en-US" sz="1200" dirty="0" err="1" smtClean="0">
+                      <a:latin typeface="Microsoft PhagsPa" panose="020B0502040204020203" pitchFamily="34" charset="0"/>
+                      <a:ea typeface="Adobe Fan Heiti Std B" panose="020B0700000000000000" pitchFamily="34" charset="-128"/>
+                      <a:cs typeface="Arial" panose="020B0604020202020204" pitchFamily="34" charset="0"/>
+                    </a:rPr>
+                    <a:t>nHisashi</a:t>
+                  </a:r>
+                  <a:r>
+                    <a:rPr lang="en-US" sz="1200" dirty="0" smtClean="0">
+                      <a:latin typeface="Microsoft PhagsPa" panose="020B0502040204020203" pitchFamily="34" charset="0"/>
+                      <a:ea typeface="Adobe Fan Heiti Std B" panose="020B0700000000000000" pitchFamily="34" charset="-128"/>
+                      <a:cs typeface="Arial" panose="020B0604020202020204" pitchFamily="34" charset="0"/>
+                    </a:rPr>
+                    <a:t> Suzuki and </a:t>
+                  </a:r>
+                  <a:r>
+                    <a:rPr lang="en-US" sz="1200" dirty="0" err="1" smtClean="0">
+                      <a:latin typeface="Microsoft PhagsPa" panose="020B0502040204020203" pitchFamily="34" charset="0"/>
+                      <a:ea typeface="Adobe Fan Heiti Std B" panose="020B0700000000000000" pitchFamily="34" charset="-128"/>
+                      <a:cs typeface="Arial" panose="020B0604020202020204" pitchFamily="34" charset="0"/>
+                    </a:rPr>
+                    <a:t>Suguru</a:t>
+                  </a:r>
+                  <a:r>
+                    <a:rPr lang="en-US" sz="1200" dirty="0" smtClean="0">
+                      <a:latin typeface="Microsoft PhagsPa" panose="020B0502040204020203" pitchFamily="34" charset="0"/>
+                      <a:ea typeface="Adobe Fan Heiti Std B" panose="020B0700000000000000" pitchFamily="34" charset="-128"/>
+                      <a:cs typeface="Arial" panose="020B0604020202020204" pitchFamily="34" charset="0"/>
+                    </a:rPr>
+                    <a:t> </a:t>
+                  </a:r>
+                  <a:r>
+                    <a:rPr lang="en-US" sz="1200" dirty="0" err="1" smtClean="0">
+                      <a:latin typeface="Microsoft PhagsPa" panose="020B0502040204020203" pitchFamily="34" charset="0"/>
+                      <a:ea typeface="Adobe Fan Heiti Std B" panose="020B0700000000000000" pitchFamily="34" charset="-128"/>
+                      <a:cs typeface="Arial" panose="020B0604020202020204" pitchFamily="34" charset="0"/>
+                    </a:rPr>
+                    <a:t>Arimoto</a:t>
+                  </a:r>
+                  <a:r>
+                    <a:rPr lang="en-US" sz="1200" dirty="0" smtClean="0">
+                      <a:latin typeface="Microsoft PhagsPa" panose="020B0502040204020203" pitchFamily="34" charset="0"/>
+                      <a:ea typeface="Adobe Fan Heiti Std B" panose="020B0700000000000000" pitchFamily="34" charset="-128"/>
+                      <a:cs typeface="Arial" panose="020B0604020202020204" pitchFamily="34" charset="0"/>
+                    </a:rPr>
+                    <a:t>\</a:t>
+                  </a:r>
+                  <a:r>
+                    <a:rPr lang="en-US" sz="1200" dirty="0" err="1" smtClean="0">
+                      <a:latin typeface="Microsoft PhagsPa" panose="020B0502040204020203" pitchFamily="34" charset="0"/>
+                      <a:ea typeface="Adobe Fan Heiti Std B" panose="020B0700000000000000" pitchFamily="34" charset="-128"/>
+                      <a:cs typeface="Arial" panose="020B0604020202020204" pitchFamily="34" charset="0"/>
+                    </a:rPr>
+                    <a:t>nOsaka</a:t>
+                  </a:r>
+                  <a:r>
+                    <a:rPr lang="en-US" sz="1200" dirty="0" smtClean="0">
+                      <a:latin typeface="Microsoft PhagsPa" panose="020B0502040204020203" pitchFamily="34" charset="0"/>
+                      <a:ea typeface="Adobe Fan Heiti Std B" panose="020B0700000000000000" pitchFamily="34" charset="-128"/>
+                      <a:cs typeface="Arial" panose="020B0604020202020204" pitchFamily="34" charset="0"/>
+                    </a:rPr>
+                    <a:t> University, Toyonaka, Osaka 560, Japan\</a:t>
+                  </a:r>
+                  <a:r>
+                    <a:rPr lang="en-US" sz="1200" dirty="0" err="1" smtClean="0">
+                      <a:latin typeface="Microsoft PhagsPa" panose="020B0502040204020203" pitchFamily="34" charset="0"/>
+                      <a:ea typeface="Adobe Fan Heiti Std B" panose="020B0700000000000000" pitchFamily="34" charset="-128"/>
+                      <a:cs typeface="Arial" panose="020B0604020202020204" pitchFamily="34" charset="0"/>
+                    </a:rPr>
+                    <a:t>nABSTRACT</a:t>
+                  </a:r>
+                  <a:r>
+                    <a:rPr lang="en-US" sz="1200" dirty="0" smtClean="0">
+                      <a:latin typeface="Microsoft PhagsPa" panose="020B0502040204020203" pitchFamily="34" charset="0"/>
+                      <a:ea typeface="Adobe Fan Heiti Std B" panose="020B0700000000000000" pitchFamily="34" charset="-128"/>
+                      <a:cs typeface="Arial" panose="020B0604020202020204" pitchFamily="34" charset="0"/>
+                    </a:rPr>
+                    <a:t>\</a:t>
+                  </a:r>
+                  <a:r>
+                    <a:rPr lang="en-US" sz="1200" dirty="0" err="1" smtClean="0">
+                      <a:latin typeface="Microsoft PhagsPa" panose="020B0502040204020203" pitchFamily="34" charset="0"/>
+                      <a:ea typeface="Adobe Fan Heiti Std B" panose="020B0700000000000000" pitchFamily="34" charset="-128"/>
+                      <a:cs typeface="Arial" panose="020B0604020202020204" pitchFamily="34" charset="0"/>
+                    </a:rPr>
+                    <a:t>nAn</a:t>
+                  </a:r>
+                  <a:r>
+                    <a:rPr lang="en-US" sz="1200" dirty="0" smtClean="0">
+                      <a:latin typeface="Microsoft PhagsPa" panose="020B0502040204020203" pitchFamily="34" charset="0"/>
+                      <a:ea typeface="Adobe Fan Heiti Std B" panose="020B0700000000000000" pitchFamily="34" charset="-128"/>
+                      <a:cs typeface="Arial" panose="020B0604020202020204" pitchFamily="34" charset="0"/>
+                    </a:rPr>
+                    <a:t> efficient method of self-organizing associative databases is proposed together with\</a:t>
+                  </a:r>
+                  <a:r>
+                    <a:rPr lang="en-US" sz="1200" dirty="0" err="1" smtClean="0">
+                      <a:latin typeface="Microsoft PhagsPa" panose="020B0502040204020203" pitchFamily="34" charset="0"/>
+                      <a:ea typeface="Adobe Fan Heiti Std B" panose="020B0700000000000000" pitchFamily="34" charset="-128"/>
+                      <a:cs typeface="Arial" panose="020B0604020202020204" pitchFamily="34" charset="0"/>
+                    </a:rPr>
+                    <a:t>napplications</a:t>
+                  </a:r>
+                  <a:r>
+                    <a:rPr lang="en-US" sz="1200" dirty="0" smtClean="0">
+                      <a:latin typeface="Microsoft PhagsPa" panose="020B0502040204020203" pitchFamily="34" charset="0"/>
+                      <a:ea typeface="Adobe Fan Heiti Std B" panose="020B0700000000000000" pitchFamily="34" charset="-128"/>
+                      <a:cs typeface="Arial" panose="020B0604020202020204" pitchFamily="34" charset="0"/>
+                    </a:rPr>
+                    <a:t> to robot eyesight systems. The proposed databases can associate any input\</a:t>
+                  </a:r>
+                  <a:r>
+                    <a:rPr lang="en-US" sz="1200" dirty="0" err="1" smtClean="0">
+                      <a:latin typeface="Microsoft PhagsPa" panose="020B0502040204020203" pitchFamily="34" charset="0"/>
+                      <a:ea typeface="Adobe Fan Heiti Std B" panose="020B0700000000000000" pitchFamily="34" charset="-128"/>
+                      <a:cs typeface="Arial" panose="020B0604020202020204" pitchFamily="34" charset="0"/>
+                    </a:rPr>
+                    <a:t>nwith</a:t>
+                  </a:r>
+                  <a:r>
+                    <a:rPr lang="en-US" sz="1200" dirty="0" smtClean="0">
+                      <a:latin typeface="Microsoft PhagsPa" panose="020B0502040204020203" pitchFamily="34" charset="0"/>
+                      <a:ea typeface="Adobe Fan Heiti Std B" panose="020B0700000000000000" pitchFamily="34" charset="-128"/>
+                      <a:cs typeface="Arial" panose="020B0604020202020204" pitchFamily="34" charset="0"/>
+                    </a:rPr>
+                    <a:t> some output. In the first half part of discussion, an algorithm of self-organization is\</a:t>
+                  </a:r>
+                  <a:r>
+                    <a:rPr lang="en-US" sz="1200" dirty="0" err="1" smtClean="0">
+                      <a:latin typeface="Microsoft PhagsPa" panose="020B0502040204020203" pitchFamily="34" charset="0"/>
+                      <a:ea typeface="Adobe Fan Heiti Std B" panose="020B0700000000000000" pitchFamily="34" charset="-128"/>
+                      <a:cs typeface="Arial" panose="020B0604020202020204" pitchFamily="34" charset="0"/>
+                    </a:rPr>
+                    <a:t>nproposed</a:t>
+                  </a:r>
+                  <a:r>
+                    <a:rPr lang="en-US" sz="1200" dirty="0" smtClean="0">
+                      <a:latin typeface="Microsoft PhagsPa" panose="020B0502040204020203" pitchFamily="34" charset="0"/>
+                      <a:ea typeface="Adobe Fan Heiti Std B" panose="020B0700000000000000" pitchFamily="34" charset="-128"/>
+                      <a:cs typeface="Arial" panose="020B0604020202020204" pitchFamily="34" charset="0"/>
+                    </a:rPr>
+                    <a:t>. From an aspect of hardware, it produces a new style of neural network. In the\</a:t>
+                  </a:r>
+                  <a:r>
+                    <a:rPr lang="en-US" sz="1200" dirty="0" err="1" smtClean="0">
+                      <a:latin typeface="Microsoft PhagsPa" panose="020B0502040204020203" pitchFamily="34" charset="0"/>
+                      <a:ea typeface="Adobe Fan Heiti Std B" panose="020B0700000000000000" pitchFamily="34" charset="-128"/>
+                      <a:cs typeface="Arial" panose="020B0604020202020204" pitchFamily="34" charset="0"/>
+                    </a:rPr>
+                    <a:t>nlatter</a:t>
+                  </a:r>
+                  <a:r>
+                    <a:rPr lang="en-US" sz="1200" dirty="0" smtClean="0">
+                      <a:latin typeface="Microsoft PhagsPa" panose="020B0502040204020203" pitchFamily="34" charset="0"/>
+                      <a:ea typeface="Adobe Fan Heiti Std B" panose="020B0700000000000000" pitchFamily="34" charset="-128"/>
+                      <a:cs typeface="Arial" panose="020B0604020202020204" pitchFamily="34" charset="0"/>
+                    </a:rPr>
+                    <a:t> half part, an applicability to handwritten letter recognition and that to an autonomous\</a:t>
+                  </a:r>
+                  <a:r>
+                    <a:rPr lang="en-US" sz="1200" dirty="0" err="1" smtClean="0">
+                      <a:latin typeface="Microsoft PhagsPa" panose="020B0502040204020203" pitchFamily="34" charset="0"/>
+                      <a:ea typeface="Adobe Fan Heiti Std B" panose="020B0700000000000000" pitchFamily="34" charset="-128"/>
+                      <a:cs typeface="Arial" panose="020B0604020202020204" pitchFamily="34" charset="0"/>
+                    </a:rPr>
+                    <a:t>nmobile</a:t>
+                  </a:r>
+                  <a:r>
+                    <a:rPr lang="en-US" sz="1200" dirty="0" smtClean="0">
+                      <a:latin typeface="Microsoft PhagsPa" panose="020B0502040204020203" pitchFamily="34" charset="0"/>
+                      <a:ea typeface="Adobe Fan Heiti Std B" panose="020B0700000000000000" pitchFamily="34" charset="-128"/>
+                      <a:cs typeface="Arial" panose="020B0604020202020204" pitchFamily="34" charset="0"/>
+                    </a:rPr>
+                    <a:t> robot system are demonstrated.\n\n</a:t>
+                  </a:r>
+                  <a:endParaRPr lang="en-US" sz="1200" dirty="0">
+                    <a:latin typeface="Microsoft PhagsPa" panose="020B0502040204020203" pitchFamily="34" charset="0"/>
+                    <a:ea typeface="Adobe Fan Heiti Std B" panose="020B0700000000000000" pitchFamily="34" charset="-128"/>
+                    <a:cs typeface="Arial" panose="020B0604020202020204" pitchFamily="34" charset="0"/>
+                  </a:endParaRPr>
+                </a:p>
+              </p:txBody>
+            </p:sp>
+            <p:sp>
+              <p:nvSpPr>
+                <p:cNvPr id="8" name="Retângulo 7"/>
+                <p:cNvSpPr/>
+                <p:nvPr/>
+              </p:nvSpPr>
+              <p:spPr>
+                <a:xfrm>
+                  <a:off x="2396645" y="1194747"/>
+                  <a:ext cx="7599125" cy="1598557"/>
+                </a:xfrm>
+                <a:prstGeom prst="rect">
+                  <a:avLst/>
+                </a:prstGeom>
                 <a:noFill/>
-              </a:ln>
+                <a:ln w="28575">
+                  <a:solidFill>
+                    <a:schemeClr val="tx1"/>
+                  </a:solidFill>
+                </a:ln>
+              </p:spPr>
+              <p:style>
+                <a:lnRef idx="2">
+                  <a:schemeClr val="accent1">
+                    <a:shade val="50000"/>
+                  </a:schemeClr>
+                </a:lnRef>
+                <a:fillRef idx="1">
+                  <a:schemeClr val="accent1"/>
+                </a:fillRef>
+                <a:effectRef idx="0">
+                  <a:schemeClr val="accent1"/>
+                </a:effectRef>
+                <a:fontRef idx="minor">
+                  <a:schemeClr val="lt1"/>
+                </a:fontRef>
+              </p:style>
+              <p:txBody>
+                <a:bodyPr rtlCol="0" anchor="ctr"/>
+                <a:lstStyle/>
+                <a:p>
+                  <a:pPr algn="ctr"/>
+                  <a:endParaRPr lang="pt-BR"/>
+                </a:p>
+              </p:txBody>
+            </p:sp>
+          </p:grpSp>
+          <p:sp>
+            <p:nvSpPr>
+              <p:cNvPr id="21" name="Retângulo 20"/>
+              <p:cNvSpPr/>
+              <p:nvPr/>
+            </p:nvSpPr>
+            <p:spPr>
+              <a:xfrm rot="16200000">
+                <a:off x="1277010" y="1906220"/>
+                <a:ext cx="1731965" cy="276999"/>
+              </a:xfrm>
+              <a:prstGeom prst="rect">
+                <a:avLst/>
+              </a:prstGeom>
             </p:spPr>
-            <p:style>
-              <a:lnRef idx="2">
-                <a:schemeClr val="accent1">
-                  <a:shade val="50000"/>
-                </a:schemeClr>
-              </a:lnRef>
-              <a:fillRef idx="1">
-                <a:schemeClr val="accent1"/>
-              </a:fillRef>
-              <a:effectRef idx="0">
-                <a:schemeClr val="accent1"/>
-              </a:effectRef>
-              <a:fontRef idx="minor">
-                <a:schemeClr val="lt1"/>
-              </a:fontRef>
-            </p:style>
             <p:txBody>
-              <a:bodyPr rtlCol="0" anchor="ctr"/>
+              <a:bodyPr wrap="square">
+                <a:spAutoFit/>
+              </a:bodyPr>
               <a:lstStyle/>
               <a:p>
                 <a:pPr algn="ctr"/>
-                <a:endParaRPr lang="pt-BR"/>
+                <a:r>
+                  <a:rPr lang="en-US" sz="1200" b="1" dirty="0" smtClean="0">
+                    <a:latin typeface="Microsoft PhagsPa" panose="020B0502040204020203" pitchFamily="34" charset="0"/>
+                    <a:ea typeface="Adobe Fan Heiti Std B" panose="020B0700000000000000" pitchFamily="34" charset="-128"/>
+                    <a:cs typeface="Arial" panose="020B0604020202020204" pitchFamily="34" charset="0"/>
+                  </a:rPr>
+                  <a:t>Raw Text</a:t>
+                </a:r>
+                <a:endParaRPr lang="en-US" sz="1200" b="1" dirty="0">
+                  <a:latin typeface="Microsoft PhagsPa" panose="020B0502040204020203" pitchFamily="34" charset="0"/>
+                  <a:ea typeface="Adobe Fan Heiti Std B" panose="020B0700000000000000" pitchFamily="34" charset="-128"/>
+                  <a:cs typeface="Arial" panose="020B0604020202020204" pitchFamily="34" charset="0"/>
+                </a:endParaRPr>
+              </a:p>
+            </p:txBody>
+          </p:sp>
+        </p:grpSp>
+        <p:grpSp>
+          <p:nvGrpSpPr>
+            <p:cNvPr id="25" name="Grupo 24"/>
+            <p:cNvGrpSpPr/>
+            <p:nvPr/>
+          </p:nvGrpSpPr>
+          <p:grpSpPr>
+            <a:xfrm>
+              <a:off x="2004493" y="3151058"/>
+              <a:ext cx="7932822" cy="1731965"/>
+              <a:chOff x="2004493" y="3151058"/>
+              <a:chExt cx="7932822" cy="1731965"/>
+            </a:xfrm>
+          </p:grpSpPr>
+          <p:grpSp>
+            <p:nvGrpSpPr>
+              <p:cNvPr id="11" name="Grupo 10"/>
+              <p:cNvGrpSpPr/>
+              <p:nvPr/>
+            </p:nvGrpSpPr>
+            <p:grpSpPr>
+              <a:xfrm>
+                <a:off x="2338190" y="3392289"/>
+                <a:ext cx="7599125" cy="1249502"/>
+                <a:chOff x="2396645" y="3046925"/>
+                <a:chExt cx="7599125" cy="1249502"/>
+              </a:xfrm>
+            </p:grpSpPr>
+            <p:sp>
+              <p:nvSpPr>
+                <p:cNvPr id="6" name="Retângulo 5"/>
+                <p:cNvSpPr/>
+                <p:nvPr/>
+              </p:nvSpPr>
+              <p:spPr>
+                <a:xfrm>
+                  <a:off x="2521906" y="3163845"/>
+                  <a:ext cx="7348603" cy="1015663"/>
+                </a:xfrm>
+                <a:prstGeom prst="rect">
+                  <a:avLst/>
+                </a:prstGeom>
+              </p:spPr>
+              <p:txBody>
+                <a:bodyPr wrap="square">
+                  <a:spAutoFit/>
+                </a:bodyPr>
+                <a:lstStyle/>
+                <a:p>
+                  <a:r>
+                    <a:rPr lang="en-US" sz="1200" dirty="0" smtClean="0">
+                      <a:latin typeface="Microsoft PhagsPa" panose="020B0502040204020203" pitchFamily="34" charset="0"/>
+                      <a:ea typeface="Adobe Fan Heiti Std B" panose="020B0700000000000000" pitchFamily="34" charset="-128"/>
+                      <a:cs typeface="Arial" panose="020B0604020202020204" pitchFamily="34" charset="0"/>
+                    </a:rPr>
+                    <a:t>self organization associative database application </a:t>
+                  </a:r>
+                  <a:r>
+                    <a:rPr lang="en-US" sz="1200" dirty="0" err="1" smtClean="0">
+                      <a:latin typeface="Microsoft PhagsPa" panose="020B0502040204020203" pitchFamily="34" charset="0"/>
+                      <a:ea typeface="Adobe Fan Heiti Std B" panose="020B0700000000000000" pitchFamily="34" charset="-128"/>
+                      <a:cs typeface="Arial" panose="020B0604020202020204" pitchFamily="34" charset="0"/>
+                    </a:rPr>
+                    <a:t>hisashi</a:t>
+                  </a:r>
+                  <a:r>
+                    <a:rPr lang="en-US" sz="1200" dirty="0" smtClean="0">
+                      <a:latin typeface="Microsoft PhagsPa" panose="020B0502040204020203" pitchFamily="34" charset="0"/>
+                      <a:ea typeface="Adobe Fan Heiti Std B" panose="020B0700000000000000" pitchFamily="34" charset="-128"/>
+                      <a:cs typeface="Arial" panose="020B0604020202020204" pitchFamily="34" charset="0"/>
+                    </a:rPr>
+                    <a:t> </a:t>
+                  </a:r>
+                  <a:r>
+                    <a:rPr lang="en-US" sz="1200" dirty="0" err="1" smtClean="0">
+                      <a:latin typeface="Microsoft PhagsPa" panose="020B0502040204020203" pitchFamily="34" charset="0"/>
+                      <a:ea typeface="Adobe Fan Heiti Std B" panose="020B0700000000000000" pitchFamily="34" charset="-128"/>
+                      <a:cs typeface="Arial" panose="020B0604020202020204" pitchFamily="34" charset="0"/>
+                    </a:rPr>
+                    <a:t>suzuki</a:t>
+                  </a:r>
+                  <a:r>
+                    <a:rPr lang="en-US" sz="1200" dirty="0" smtClean="0">
+                      <a:latin typeface="Microsoft PhagsPa" panose="020B0502040204020203" pitchFamily="34" charset="0"/>
+                      <a:ea typeface="Adobe Fan Heiti Std B" panose="020B0700000000000000" pitchFamily="34" charset="-128"/>
+                      <a:cs typeface="Arial" panose="020B0604020202020204" pitchFamily="34" charset="0"/>
+                    </a:rPr>
+                    <a:t> </a:t>
+                  </a:r>
+                  <a:r>
+                    <a:rPr lang="en-US" sz="1200" dirty="0" err="1" smtClean="0">
+                      <a:latin typeface="Microsoft PhagsPa" panose="020B0502040204020203" pitchFamily="34" charset="0"/>
+                      <a:ea typeface="Adobe Fan Heiti Std B" panose="020B0700000000000000" pitchFamily="34" charset="-128"/>
+                      <a:cs typeface="Arial" panose="020B0604020202020204" pitchFamily="34" charset="0"/>
+                    </a:rPr>
+                    <a:t>suguru</a:t>
+                  </a:r>
+                  <a:r>
+                    <a:rPr lang="en-US" sz="1200" dirty="0" smtClean="0">
+                      <a:latin typeface="Microsoft PhagsPa" panose="020B0502040204020203" pitchFamily="34" charset="0"/>
+                      <a:ea typeface="Adobe Fan Heiti Std B" panose="020B0700000000000000" pitchFamily="34" charset="-128"/>
+                      <a:cs typeface="Arial" panose="020B0604020202020204" pitchFamily="34" charset="0"/>
+                    </a:rPr>
+                    <a:t> </a:t>
+                  </a:r>
+                  <a:r>
+                    <a:rPr lang="en-US" sz="1200" dirty="0" err="1" smtClean="0">
+                      <a:latin typeface="Microsoft PhagsPa" panose="020B0502040204020203" pitchFamily="34" charset="0"/>
+                      <a:ea typeface="Adobe Fan Heiti Std B" panose="020B0700000000000000" pitchFamily="34" charset="-128"/>
+                      <a:cs typeface="Arial" panose="020B0604020202020204" pitchFamily="34" charset="0"/>
+                    </a:rPr>
+                    <a:t>arimoto</a:t>
+                  </a:r>
+                  <a:r>
+                    <a:rPr lang="en-US" sz="1200" dirty="0" smtClean="0">
+                      <a:latin typeface="Microsoft PhagsPa" panose="020B0502040204020203" pitchFamily="34" charset="0"/>
+                      <a:ea typeface="Adobe Fan Heiti Std B" panose="020B0700000000000000" pitchFamily="34" charset="-128"/>
+                      <a:cs typeface="Arial" panose="020B0604020202020204" pitchFamily="34" charset="0"/>
+                    </a:rPr>
+                    <a:t> </a:t>
+                  </a:r>
+                  <a:r>
+                    <a:rPr lang="en-US" sz="1200" dirty="0" err="1" smtClean="0">
+                      <a:latin typeface="Microsoft PhagsPa" panose="020B0502040204020203" pitchFamily="34" charset="0"/>
+                      <a:ea typeface="Adobe Fan Heiti Std B" panose="020B0700000000000000" pitchFamily="34" charset="-128"/>
+                      <a:cs typeface="Arial" panose="020B0604020202020204" pitchFamily="34" charset="0"/>
+                    </a:rPr>
+                    <a:t>osaka</a:t>
+                  </a:r>
+                  <a:r>
+                    <a:rPr lang="en-US" sz="1200" dirty="0" smtClean="0">
+                      <a:latin typeface="Microsoft PhagsPa" panose="020B0502040204020203" pitchFamily="34" charset="0"/>
+                      <a:ea typeface="Adobe Fan Heiti Std B" panose="020B0700000000000000" pitchFamily="34" charset="-128"/>
+                      <a:cs typeface="Arial" panose="020B0604020202020204" pitchFamily="34" charset="0"/>
+                    </a:rPr>
+                    <a:t> university </a:t>
+                  </a:r>
+                  <a:r>
+                    <a:rPr lang="en-US" sz="1200" dirty="0" err="1" smtClean="0">
+                      <a:latin typeface="Microsoft PhagsPa" panose="020B0502040204020203" pitchFamily="34" charset="0"/>
+                      <a:ea typeface="Adobe Fan Heiti Std B" panose="020B0700000000000000" pitchFamily="34" charset="-128"/>
+                      <a:cs typeface="Arial" panose="020B0604020202020204" pitchFamily="34" charset="0"/>
+                    </a:rPr>
+                    <a:t>toyonaka</a:t>
+                  </a:r>
+                  <a:r>
+                    <a:rPr lang="en-US" sz="1200" dirty="0" smtClean="0">
+                      <a:latin typeface="Microsoft PhagsPa" panose="020B0502040204020203" pitchFamily="34" charset="0"/>
+                      <a:ea typeface="Adobe Fan Heiti Std B" panose="020B0700000000000000" pitchFamily="34" charset="-128"/>
+                      <a:cs typeface="Arial" panose="020B0604020202020204" pitchFamily="34" charset="0"/>
+                    </a:rPr>
+                    <a:t> </a:t>
+                  </a:r>
+                  <a:r>
+                    <a:rPr lang="en-US" sz="1200" dirty="0" err="1" smtClean="0">
+                      <a:latin typeface="Microsoft PhagsPa" panose="020B0502040204020203" pitchFamily="34" charset="0"/>
+                      <a:ea typeface="Adobe Fan Heiti Std B" panose="020B0700000000000000" pitchFamily="34" charset="-128"/>
+                      <a:cs typeface="Arial" panose="020B0604020202020204" pitchFamily="34" charset="0"/>
+                    </a:rPr>
+                    <a:t>osaka</a:t>
+                  </a:r>
+                  <a:r>
+                    <a:rPr lang="en-US" sz="1200" dirty="0" smtClean="0">
+                      <a:latin typeface="Microsoft PhagsPa" panose="020B0502040204020203" pitchFamily="34" charset="0"/>
+                      <a:ea typeface="Adobe Fan Heiti Std B" panose="020B0700000000000000" pitchFamily="34" charset="-128"/>
+                      <a:cs typeface="Arial" panose="020B0604020202020204" pitchFamily="34" charset="0"/>
+                    </a:rPr>
+                    <a:t> japan abstract efficient method self organize associative database propose together application robot eyesight system propose database associate input output first half part discussion algorithm self organization propose aspect hardware produce style neural network latter half part applicability handwritten letter recognition autonomous mobile robot system demonstrate</a:t>
+                  </a:r>
+                  <a:endParaRPr lang="en-US" sz="1200" dirty="0">
+                    <a:latin typeface="Microsoft PhagsPa" panose="020B0502040204020203" pitchFamily="34" charset="0"/>
+                    <a:ea typeface="Adobe Fan Heiti Std B" panose="020B0700000000000000" pitchFamily="34" charset="-128"/>
+                    <a:cs typeface="Arial" panose="020B0604020202020204" pitchFamily="34" charset="0"/>
+                  </a:endParaRPr>
+                </a:p>
+              </p:txBody>
+            </p:sp>
+            <p:sp>
+              <p:nvSpPr>
+                <p:cNvPr id="9" name="Retângulo 8"/>
+                <p:cNvSpPr/>
+                <p:nvPr/>
+              </p:nvSpPr>
+              <p:spPr>
+                <a:xfrm>
+                  <a:off x="2396645" y="3046925"/>
+                  <a:ext cx="7599125" cy="1249502"/>
+                </a:xfrm>
+                <a:prstGeom prst="rect">
+                  <a:avLst/>
+                </a:prstGeom>
+                <a:noFill/>
+                <a:ln w="28575">
+                  <a:solidFill>
+                    <a:schemeClr val="tx1"/>
+                  </a:solidFill>
+                </a:ln>
+              </p:spPr>
+              <p:style>
+                <a:lnRef idx="2">
+                  <a:schemeClr val="accent1">
+                    <a:shade val="50000"/>
+                  </a:schemeClr>
+                </a:lnRef>
+                <a:fillRef idx="1">
+                  <a:schemeClr val="accent1"/>
+                </a:fillRef>
+                <a:effectRef idx="0">
+                  <a:schemeClr val="accent1"/>
+                </a:effectRef>
+                <a:fontRef idx="minor">
+                  <a:schemeClr val="lt1"/>
+                </a:fontRef>
+              </p:style>
+              <p:txBody>
+                <a:bodyPr rtlCol="0" anchor="ctr"/>
+                <a:lstStyle/>
+                <a:p>
+                  <a:pPr algn="ctr"/>
+                  <a:endParaRPr lang="pt-BR"/>
+                </a:p>
+              </p:txBody>
+            </p:sp>
+          </p:grpSp>
+          <p:sp>
+            <p:nvSpPr>
+              <p:cNvPr id="22" name="Retângulo 21"/>
+              <p:cNvSpPr/>
+              <p:nvPr/>
+            </p:nvSpPr>
+            <p:spPr>
+              <a:xfrm rot="16200000">
+                <a:off x="1277010" y="3878541"/>
+                <a:ext cx="1731965" cy="276999"/>
+              </a:xfrm>
+              <a:prstGeom prst="rect">
+                <a:avLst/>
+              </a:prstGeom>
+            </p:spPr>
+            <p:txBody>
+              <a:bodyPr wrap="square">
+                <a:spAutoFit/>
+              </a:bodyPr>
+              <a:lstStyle/>
+              <a:p>
+                <a:pPr algn="ctr"/>
+                <a:r>
+                  <a:rPr lang="en-US" sz="1200" b="1" dirty="0" smtClean="0">
+                    <a:latin typeface="Microsoft PhagsPa" panose="020B0502040204020203" pitchFamily="34" charset="0"/>
+                    <a:ea typeface="Adobe Fan Heiti Std B" panose="020B0700000000000000" pitchFamily="34" charset="-128"/>
+                    <a:cs typeface="Arial" panose="020B0604020202020204" pitchFamily="34" charset="0"/>
+                  </a:rPr>
+                  <a:t>Processed</a:t>
+                </a:r>
+                <a:endParaRPr lang="en-US" sz="1200" b="1" dirty="0">
+                  <a:latin typeface="Microsoft PhagsPa" panose="020B0502040204020203" pitchFamily="34" charset="0"/>
+                  <a:ea typeface="Adobe Fan Heiti Std B" panose="020B0700000000000000" pitchFamily="34" charset="-128"/>
+                  <a:cs typeface="Arial" panose="020B0604020202020204" pitchFamily="34" charset="0"/>
+                </a:endParaRPr>
               </a:p>
             </p:txBody>
           </p:sp>
@@ -9669,7 +10125,7 @@
     </p:spTree>
     <p:extLst>
       <p:ext uri="{BB962C8B-B14F-4D97-AF65-F5344CB8AC3E}">
-        <p14:creationId xmlns:p14="http://schemas.microsoft.com/office/powerpoint/2010/main" val="27360001"/>
+        <p14:creationId xmlns:p14="http://schemas.microsoft.com/office/powerpoint/2010/main" val="69259611"/>
       </p:ext>
     </p:extLst>
   </p:cSld>
